--- a/assets/tactile_image_files/0046-plunging_folds_map_view/0046-plunging_folds_map_view.pptx
+++ b/assets/tactile_image_files/0046-plunging_folds_map_view/0046-plunging_folds_map_view.pptx
@@ -253,7 +253,7 @@
           <a:p>
             <a:fld id="{E796F801-3BB8-A247-923B-F07F1B58D38A}" type="datetimeFigureOut">
               <a:rPr lang="en-US" smtClean="0"/>
-              <a:t>7/24/20</a:t>
+              <a:t>12/18/20</a:t>
             </a:fld>
             <a:endParaRPr lang="en-US"/>
           </a:p>
@@ -433,7 +433,7 @@
           <a:p>
             <a:fld id="{E796F801-3BB8-A247-923B-F07F1B58D38A}" type="datetimeFigureOut">
               <a:rPr lang="en-US" smtClean="0"/>
-              <a:t>7/24/20</a:t>
+              <a:t>12/18/20</a:t>
             </a:fld>
             <a:endParaRPr lang="en-US"/>
           </a:p>
@@ -603,7 +603,7 @@
           <a:p>
             <a:fld id="{E796F801-3BB8-A247-923B-F07F1B58D38A}" type="datetimeFigureOut">
               <a:rPr lang="en-US" smtClean="0"/>
-              <a:t>7/24/20</a:t>
+              <a:t>12/18/20</a:t>
             </a:fld>
             <a:endParaRPr lang="en-US"/>
           </a:p>
@@ -847,7 +847,7 @@
           <a:p>
             <a:fld id="{E796F801-3BB8-A247-923B-F07F1B58D38A}" type="datetimeFigureOut">
               <a:rPr lang="en-US" smtClean="0"/>
-              <a:t>7/24/20</a:t>
+              <a:t>12/18/20</a:t>
             </a:fld>
             <a:endParaRPr lang="en-US"/>
           </a:p>
@@ -1079,7 +1079,7 @@
           <a:p>
             <a:fld id="{E796F801-3BB8-A247-923B-F07F1B58D38A}" type="datetimeFigureOut">
               <a:rPr lang="en-US" smtClean="0"/>
-              <a:t>7/24/20</a:t>
+              <a:t>12/18/20</a:t>
             </a:fld>
             <a:endParaRPr lang="en-US"/>
           </a:p>
@@ -1446,7 +1446,7 @@
           <a:p>
             <a:fld id="{E796F801-3BB8-A247-923B-F07F1B58D38A}" type="datetimeFigureOut">
               <a:rPr lang="en-US" smtClean="0"/>
-              <a:t>7/24/20</a:t>
+              <a:t>12/18/20</a:t>
             </a:fld>
             <a:endParaRPr lang="en-US"/>
           </a:p>
@@ -1564,7 +1564,7 @@
           <a:p>
             <a:fld id="{E796F801-3BB8-A247-923B-F07F1B58D38A}" type="datetimeFigureOut">
               <a:rPr lang="en-US" smtClean="0"/>
-              <a:t>7/24/20</a:t>
+              <a:t>12/18/20</a:t>
             </a:fld>
             <a:endParaRPr lang="en-US"/>
           </a:p>
@@ -1659,7 +1659,7 @@
           <a:p>
             <a:fld id="{E796F801-3BB8-A247-923B-F07F1B58D38A}" type="datetimeFigureOut">
               <a:rPr lang="en-US" smtClean="0"/>
-              <a:t>7/24/20</a:t>
+              <a:t>12/18/20</a:t>
             </a:fld>
             <a:endParaRPr lang="en-US"/>
           </a:p>
@@ -1936,7 +1936,7 @@
           <a:p>
             <a:fld id="{E796F801-3BB8-A247-923B-F07F1B58D38A}" type="datetimeFigureOut">
               <a:rPr lang="en-US" smtClean="0"/>
-              <a:t>7/24/20</a:t>
+              <a:t>12/18/20</a:t>
             </a:fld>
             <a:endParaRPr lang="en-US"/>
           </a:p>
@@ -2193,7 +2193,7 @@
           <a:p>
             <a:fld id="{E796F801-3BB8-A247-923B-F07F1B58D38A}" type="datetimeFigureOut">
               <a:rPr lang="en-US" smtClean="0"/>
-              <a:t>7/24/20</a:t>
+              <a:t>12/18/20</a:t>
             </a:fld>
             <a:endParaRPr lang="en-US"/>
           </a:p>
@@ -2406,7 +2406,7 @@
           <a:p>
             <a:fld id="{E796F801-3BB8-A247-923B-F07F1B58D38A}" type="datetimeFigureOut">
               <a:rPr lang="en-US" smtClean="0"/>
-              <a:t>7/24/20</a:t>
+              <a:t>12/18/20</a:t>
             </a:fld>
             <a:endParaRPr lang="en-US"/>
           </a:p>
@@ -4723,6 +4723,43 @@
           </a:p>
         </p:txBody>
       </p:sp>
+      <p:sp>
+        <p:nvSpPr>
+          <p:cNvPr id="27" name="TextBox 26">
+            <a:extLst>
+              <a:ext uri="{FF2B5EF4-FFF2-40B4-BE49-F238E27FC236}">
+                <a16:creationId xmlns:a16="http://schemas.microsoft.com/office/drawing/2014/main" id="{158A59F1-FAE2-A242-BC23-F8C36C5E94C5}"/>
+              </a:ext>
+            </a:extLst>
+          </p:cNvPr>
+          <p:cNvSpPr txBox="1"/>
+          <p:nvPr/>
+        </p:nvSpPr>
+        <p:spPr>
+          <a:xfrm>
+            <a:off x="8643319" y="5256027"/>
+            <a:ext cx="407484" cy="461665"/>
+          </a:xfrm>
+          <a:prstGeom prst="rect">
+            <a:avLst/>
+          </a:prstGeom>
+          <a:noFill/>
+        </p:spPr>
+        <p:txBody>
+          <a:bodyPr wrap="none" rtlCol="0">
+            <a:spAutoFit/>
+          </a:bodyPr>
+          <a:lstStyle/>
+          <a:p>
+            <a:r>
+              <a:rPr lang="en-US" sz="2400">
+                <a:latin typeface="Swell Braille" pitchFamily="49"/>
+              </a:rPr>
+              <a:t>B</a:t>
+            </a:r>
+          </a:p>
+        </p:txBody>
+      </p:sp>
     </p:spTree>
     <p:extLst>
       <p:ext uri="{BB962C8B-B14F-4D97-AF65-F5344CB8AC3E}">

--- a/assets/tactile_image_files/0046-plunging_folds_map_view/0046-plunging_folds_map_view.pptx
+++ b/assets/tactile_image_files/0046-plunging_folds_map_view/0046-plunging_folds_map_view.pptx
@@ -253,7 +253,7 @@
           <a:p>
             <a:fld id="{E796F801-3BB8-A247-923B-F07F1B58D38A}" type="datetimeFigureOut">
               <a:rPr lang="en-US" smtClean="0"/>
-              <a:t>12/18/20</a:t>
+              <a:t>1/7/21</a:t>
             </a:fld>
             <a:endParaRPr lang="en-US"/>
           </a:p>
@@ -433,7 +433,7 @@
           <a:p>
             <a:fld id="{E796F801-3BB8-A247-923B-F07F1B58D38A}" type="datetimeFigureOut">
               <a:rPr lang="en-US" smtClean="0"/>
-              <a:t>12/18/20</a:t>
+              <a:t>1/7/21</a:t>
             </a:fld>
             <a:endParaRPr lang="en-US"/>
           </a:p>
@@ -603,7 +603,7 @@
           <a:p>
             <a:fld id="{E796F801-3BB8-A247-923B-F07F1B58D38A}" type="datetimeFigureOut">
               <a:rPr lang="en-US" smtClean="0"/>
-              <a:t>12/18/20</a:t>
+              <a:t>1/7/21</a:t>
             </a:fld>
             <a:endParaRPr lang="en-US"/>
           </a:p>
@@ -847,7 +847,7 @@
           <a:p>
             <a:fld id="{E796F801-3BB8-A247-923B-F07F1B58D38A}" type="datetimeFigureOut">
               <a:rPr lang="en-US" smtClean="0"/>
-              <a:t>12/18/20</a:t>
+              <a:t>1/7/21</a:t>
             </a:fld>
             <a:endParaRPr lang="en-US"/>
           </a:p>
@@ -1079,7 +1079,7 @@
           <a:p>
             <a:fld id="{E796F801-3BB8-A247-923B-F07F1B58D38A}" type="datetimeFigureOut">
               <a:rPr lang="en-US" smtClean="0"/>
-              <a:t>12/18/20</a:t>
+              <a:t>1/7/21</a:t>
             </a:fld>
             <a:endParaRPr lang="en-US"/>
           </a:p>
@@ -1446,7 +1446,7 @@
           <a:p>
             <a:fld id="{E796F801-3BB8-A247-923B-F07F1B58D38A}" type="datetimeFigureOut">
               <a:rPr lang="en-US" smtClean="0"/>
-              <a:t>12/18/20</a:t>
+              <a:t>1/7/21</a:t>
             </a:fld>
             <a:endParaRPr lang="en-US"/>
           </a:p>
@@ -1564,7 +1564,7 @@
           <a:p>
             <a:fld id="{E796F801-3BB8-A247-923B-F07F1B58D38A}" type="datetimeFigureOut">
               <a:rPr lang="en-US" smtClean="0"/>
-              <a:t>12/18/20</a:t>
+              <a:t>1/7/21</a:t>
             </a:fld>
             <a:endParaRPr lang="en-US"/>
           </a:p>
@@ -1659,7 +1659,7 @@
           <a:p>
             <a:fld id="{E796F801-3BB8-A247-923B-F07F1B58D38A}" type="datetimeFigureOut">
               <a:rPr lang="en-US" smtClean="0"/>
-              <a:t>12/18/20</a:t>
+              <a:t>1/7/21</a:t>
             </a:fld>
             <a:endParaRPr lang="en-US"/>
           </a:p>
@@ -1936,7 +1936,7 @@
           <a:p>
             <a:fld id="{E796F801-3BB8-A247-923B-F07F1B58D38A}" type="datetimeFigureOut">
               <a:rPr lang="en-US" smtClean="0"/>
-              <a:t>12/18/20</a:t>
+              <a:t>1/7/21</a:t>
             </a:fld>
             <a:endParaRPr lang="en-US"/>
           </a:p>
@@ -2193,7 +2193,7 @@
           <a:p>
             <a:fld id="{E796F801-3BB8-A247-923B-F07F1B58D38A}" type="datetimeFigureOut">
               <a:rPr lang="en-US" smtClean="0"/>
-              <a:t>12/18/20</a:t>
+              <a:t>1/7/21</a:t>
             </a:fld>
             <a:endParaRPr lang="en-US"/>
           </a:p>
@@ -2406,7 +2406,7 @@
           <a:p>
             <a:fld id="{E796F801-3BB8-A247-923B-F07F1B58D38A}" type="datetimeFigureOut">
               <a:rPr lang="en-US" smtClean="0"/>
-              <a:t>12/18/20</a:t>
+              <a:t>1/7/21</a:t>
             </a:fld>
             <a:endParaRPr lang="en-US"/>
           </a:p>
@@ -3784,6 +3784,196 @@
           </a:p>
         </p:txBody>
       </p:sp>
+      <p:sp>
+        <p:nvSpPr>
+          <p:cNvPr id="26" name="TextBox 25">
+            <a:extLst>
+              <a:ext uri="{FF2B5EF4-FFF2-40B4-BE49-F238E27FC236}">
+                <a16:creationId xmlns:a16="http://schemas.microsoft.com/office/drawing/2014/main" id="{D0C77762-77CE-1A42-8126-B1B2EBE80745}"/>
+              </a:ext>
+            </a:extLst>
+          </p:cNvPr>
+          <p:cNvSpPr txBox="1"/>
+          <p:nvPr/>
+        </p:nvSpPr>
+        <p:spPr>
+          <a:xfrm>
+            <a:off x="5270199" y="3856076"/>
+            <a:ext cx="284052" cy="307777"/>
+          </a:xfrm>
+          <a:prstGeom prst="rect">
+            <a:avLst/>
+          </a:prstGeom>
+          <a:noFill/>
+        </p:spPr>
+        <p:txBody>
+          <a:bodyPr wrap="none" rtlCol="0">
+            <a:spAutoFit/>
+          </a:bodyPr>
+          <a:lstStyle/>
+          <a:p>
+            <a:r>
+              <a:rPr lang="en-US" sz="1400">
+                <a:latin typeface="Arial" panose="020B0604020202020204" pitchFamily="34" charset="0"/>
+                <a:cs typeface="Arial" panose="020B0604020202020204" pitchFamily="34" charset="0"/>
+              </a:rPr>
+              <a:t>2</a:t>
+            </a:r>
+          </a:p>
+        </p:txBody>
+      </p:sp>
+      <p:sp>
+        <p:nvSpPr>
+          <p:cNvPr id="27" name="TextBox 26">
+            <a:extLst>
+              <a:ext uri="{FF2B5EF4-FFF2-40B4-BE49-F238E27FC236}">
+                <a16:creationId xmlns:a16="http://schemas.microsoft.com/office/drawing/2014/main" id="{2656DC3C-21AD-3448-86C8-085535A44CE4}"/>
+              </a:ext>
+            </a:extLst>
+          </p:cNvPr>
+          <p:cNvSpPr txBox="1"/>
+          <p:nvPr/>
+        </p:nvSpPr>
+        <p:spPr>
+          <a:xfrm>
+            <a:off x="4593262" y="4774020"/>
+            <a:ext cx="284052" cy="307777"/>
+          </a:xfrm>
+          <a:prstGeom prst="rect">
+            <a:avLst/>
+          </a:prstGeom>
+          <a:noFill/>
+        </p:spPr>
+        <p:txBody>
+          <a:bodyPr wrap="none" rtlCol="0">
+            <a:spAutoFit/>
+          </a:bodyPr>
+          <a:lstStyle/>
+          <a:p>
+            <a:r>
+              <a:rPr lang="en-US" sz="1400">
+                <a:latin typeface="Arial" panose="020B0604020202020204" pitchFamily="34" charset="0"/>
+                <a:cs typeface="Arial" panose="020B0604020202020204" pitchFamily="34" charset="0"/>
+              </a:rPr>
+              <a:t>3</a:t>
+            </a:r>
+          </a:p>
+        </p:txBody>
+      </p:sp>
+      <p:sp>
+        <p:nvSpPr>
+          <p:cNvPr id="28" name="TextBox 27">
+            <a:extLst>
+              <a:ext uri="{FF2B5EF4-FFF2-40B4-BE49-F238E27FC236}">
+                <a16:creationId xmlns:a16="http://schemas.microsoft.com/office/drawing/2014/main" id="{3622CE23-5FB8-0244-8683-5281E2459F3F}"/>
+              </a:ext>
+            </a:extLst>
+          </p:cNvPr>
+          <p:cNvSpPr txBox="1"/>
+          <p:nvPr/>
+        </p:nvSpPr>
+        <p:spPr>
+          <a:xfrm>
+            <a:off x="659214" y="1477928"/>
+            <a:ext cx="284052" cy="307777"/>
+          </a:xfrm>
+          <a:prstGeom prst="rect">
+            <a:avLst/>
+          </a:prstGeom>
+          <a:noFill/>
+        </p:spPr>
+        <p:txBody>
+          <a:bodyPr wrap="none" rtlCol="0">
+            <a:spAutoFit/>
+          </a:bodyPr>
+          <a:lstStyle/>
+          <a:p>
+            <a:r>
+              <a:rPr lang="en-US" sz="1400">
+                <a:latin typeface="Arial" panose="020B0604020202020204" pitchFamily="34" charset="0"/>
+                <a:cs typeface="Arial" panose="020B0604020202020204" pitchFamily="34" charset="0"/>
+              </a:rPr>
+              <a:t>2</a:t>
+            </a:r>
+          </a:p>
+        </p:txBody>
+      </p:sp>
+      <p:sp>
+        <p:nvSpPr>
+          <p:cNvPr id="29" name="TextBox 28">
+            <a:extLst>
+              <a:ext uri="{FF2B5EF4-FFF2-40B4-BE49-F238E27FC236}">
+                <a16:creationId xmlns:a16="http://schemas.microsoft.com/office/drawing/2014/main" id="{5F54D1BC-1C77-1043-AEEF-A65B58094DC5}"/>
+              </a:ext>
+            </a:extLst>
+          </p:cNvPr>
+          <p:cNvSpPr txBox="1"/>
+          <p:nvPr/>
+        </p:nvSpPr>
+        <p:spPr>
+          <a:xfrm>
+            <a:off x="1095150" y="2169044"/>
+            <a:ext cx="284052" cy="307777"/>
+          </a:xfrm>
+          <a:prstGeom prst="rect">
+            <a:avLst/>
+          </a:prstGeom>
+          <a:noFill/>
+        </p:spPr>
+        <p:txBody>
+          <a:bodyPr wrap="none" rtlCol="0">
+            <a:spAutoFit/>
+          </a:bodyPr>
+          <a:lstStyle/>
+          <a:p>
+            <a:r>
+              <a:rPr lang="en-US" sz="1400">
+                <a:latin typeface="Arial" panose="020B0604020202020204" pitchFamily="34" charset="0"/>
+                <a:cs typeface="Arial" panose="020B0604020202020204" pitchFamily="34" charset="0"/>
+              </a:rPr>
+              <a:t>3</a:t>
+            </a:r>
+          </a:p>
+        </p:txBody>
+      </p:sp>
+      <p:sp>
+        <p:nvSpPr>
+          <p:cNvPr id="43" name="TextBox 42">
+            <a:extLst>
+              <a:ext uri="{FF2B5EF4-FFF2-40B4-BE49-F238E27FC236}">
+                <a16:creationId xmlns:a16="http://schemas.microsoft.com/office/drawing/2014/main" id="{1F8E255E-09A3-F243-84A5-AAB3A4765E5B}"/>
+              </a:ext>
+            </a:extLst>
+          </p:cNvPr>
+          <p:cNvSpPr txBox="1"/>
+          <p:nvPr/>
+        </p:nvSpPr>
+        <p:spPr>
+          <a:xfrm>
+            <a:off x="7765306" y="4139610"/>
+            <a:ext cx="284052" cy="307777"/>
+          </a:xfrm>
+          <a:prstGeom prst="rect">
+            <a:avLst/>
+          </a:prstGeom>
+          <a:noFill/>
+        </p:spPr>
+        <p:txBody>
+          <a:bodyPr wrap="none" rtlCol="0">
+            <a:spAutoFit/>
+          </a:bodyPr>
+          <a:lstStyle/>
+          <a:p>
+            <a:r>
+              <a:rPr lang="en-US" sz="1400">
+                <a:latin typeface="Arial" panose="020B0604020202020204" pitchFamily="34" charset="0"/>
+                <a:cs typeface="Arial" panose="020B0604020202020204" pitchFamily="34" charset="0"/>
+              </a:rPr>
+              <a:t>4</a:t>
+            </a:r>
+          </a:p>
+        </p:txBody>
+      </p:sp>
     </p:spTree>
     <p:extLst>
       <p:ext uri="{BB962C8B-B14F-4D97-AF65-F5344CB8AC3E}">
@@ -4756,6 +4946,191 @@
                 <a:latin typeface="Swell Braille" pitchFamily="49"/>
               </a:rPr>
               <a:t>B</a:t>
+            </a:r>
+          </a:p>
+        </p:txBody>
+      </p:sp>
+      <p:sp>
+        <p:nvSpPr>
+          <p:cNvPr id="34" name="TextBox 33">
+            <a:extLst>
+              <a:ext uri="{FF2B5EF4-FFF2-40B4-BE49-F238E27FC236}">
+                <a16:creationId xmlns:a16="http://schemas.microsoft.com/office/drawing/2014/main" id="{C5AEDEC1-3E1B-A94F-B9B8-5B8A504139CB}"/>
+              </a:ext>
+            </a:extLst>
+          </p:cNvPr>
+          <p:cNvSpPr txBox="1"/>
+          <p:nvPr/>
+        </p:nvSpPr>
+        <p:spPr>
+          <a:xfrm>
+            <a:off x="4430230" y="4621621"/>
+            <a:ext cx="649537" cy="461665"/>
+          </a:xfrm>
+          <a:prstGeom prst="rect">
+            <a:avLst/>
+          </a:prstGeom>
+          <a:noFill/>
+        </p:spPr>
+        <p:txBody>
+          <a:bodyPr wrap="none" rtlCol="0">
+            <a:spAutoFit/>
+          </a:bodyPr>
+          <a:lstStyle/>
+          <a:p>
+            <a:r>
+              <a:rPr lang="en-US" sz="2400">
+                <a:latin typeface="Swell Braille" pitchFamily="49"/>
+              </a:rPr>
+              <a:t>⠼⠉</a:t>
+            </a:r>
+          </a:p>
+        </p:txBody>
+      </p:sp>
+      <p:sp>
+        <p:nvSpPr>
+          <p:cNvPr id="35" name="TextBox 34">
+            <a:extLst>
+              <a:ext uri="{FF2B5EF4-FFF2-40B4-BE49-F238E27FC236}">
+                <a16:creationId xmlns:a16="http://schemas.microsoft.com/office/drawing/2014/main" id="{6E80F17E-FF76-314A-B61F-AB23F443098E}"/>
+              </a:ext>
+            </a:extLst>
+          </p:cNvPr>
+          <p:cNvSpPr txBox="1"/>
+          <p:nvPr/>
+        </p:nvSpPr>
+        <p:spPr>
+          <a:xfrm>
+            <a:off x="5142609" y="3728486"/>
+            <a:ext cx="649537" cy="461665"/>
+          </a:xfrm>
+          <a:prstGeom prst="rect">
+            <a:avLst/>
+          </a:prstGeom>
+          <a:noFill/>
+        </p:spPr>
+        <p:txBody>
+          <a:bodyPr wrap="none" rtlCol="0">
+            <a:spAutoFit/>
+          </a:bodyPr>
+          <a:lstStyle/>
+          <a:p>
+            <a:r>
+              <a:rPr lang="en-US" sz="2400">
+                <a:latin typeface="Swell Braille" pitchFamily="49"/>
+              </a:rPr>
+              <a:t>⠼⠃</a:t>
+            </a:r>
+          </a:p>
+        </p:txBody>
+      </p:sp>
+      <p:sp>
+        <p:nvSpPr>
+          <p:cNvPr id="37" name="TextBox 36">
+            <a:extLst>
+              <a:ext uri="{FF2B5EF4-FFF2-40B4-BE49-F238E27FC236}">
+                <a16:creationId xmlns:a16="http://schemas.microsoft.com/office/drawing/2014/main" id="{A7DAEAFC-9BC7-674F-B802-4189BBF62D23}"/>
+              </a:ext>
+            </a:extLst>
+          </p:cNvPr>
+          <p:cNvSpPr txBox="1"/>
+          <p:nvPr/>
+        </p:nvSpPr>
+        <p:spPr>
+          <a:xfrm>
+            <a:off x="528078" y="1368059"/>
+            <a:ext cx="649537" cy="461665"/>
+          </a:xfrm>
+          <a:prstGeom prst="rect">
+            <a:avLst/>
+          </a:prstGeom>
+          <a:noFill/>
+        </p:spPr>
+        <p:txBody>
+          <a:bodyPr wrap="none" rtlCol="0">
+            <a:spAutoFit/>
+          </a:bodyPr>
+          <a:lstStyle/>
+          <a:p>
+            <a:r>
+              <a:rPr lang="en-US" sz="2400">
+                <a:latin typeface="Swell Braille" pitchFamily="49"/>
+              </a:rPr>
+              <a:t>⠼⠃</a:t>
+            </a:r>
+          </a:p>
+        </p:txBody>
+      </p:sp>
+      <p:sp>
+        <p:nvSpPr>
+          <p:cNvPr id="38" name="TextBox 37">
+            <a:extLst>
+              <a:ext uri="{FF2B5EF4-FFF2-40B4-BE49-F238E27FC236}">
+                <a16:creationId xmlns:a16="http://schemas.microsoft.com/office/drawing/2014/main" id="{1CFEB7DB-45DA-7845-9DE8-09BE4DE8C497}"/>
+              </a:ext>
+            </a:extLst>
+          </p:cNvPr>
+          <p:cNvSpPr txBox="1"/>
+          <p:nvPr/>
+        </p:nvSpPr>
+        <p:spPr>
+          <a:xfrm>
+            <a:off x="1006546" y="2101704"/>
+            <a:ext cx="649537" cy="461665"/>
+          </a:xfrm>
+          <a:prstGeom prst="rect">
+            <a:avLst/>
+          </a:prstGeom>
+          <a:noFill/>
+        </p:spPr>
+        <p:txBody>
+          <a:bodyPr wrap="none" rtlCol="0">
+            <a:spAutoFit/>
+          </a:bodyPr>
+          <a:lstStyle/>
+          <a:p>
+            <a:r>
+              <a:rPr lang="en-US" sz="2400">
+                <a:latin typeface="Swell Braille" pitchFamily="49"/>
+              </a:rPr>
+              <a:t>⠼⠉</a:t>
+            </a:r>
+          </a:p>
+        </p:txBody>
+      </p:sp>
+      <p:sp>
+        <p:nvSpPr>
+          <p:cNvPr id="39" name="TextBox 38">
+            <a:extLst>
+              <a:ext uri="{FF2B5EF4-FFF2-40B4-BE49-F238E27FC236}">
+                <a16:creationId xmlns:a16="http://schemas.microsoft.com/office/drawing/2014/main" id="{54EF469B-7AD9-CD48-8A5B-8D85C1A2769F}"/>
+              </a:ext>
+            </a:extLst>
+          </p:cNvPr>
+          <p:cNvSpPr txBox="1"/>
+          <p:nvPr/>
+        </p:nvSpPr>
+        <p:spPr>
+          <a:xfrm>
+            <a:off x="7605820" y="4001385"/>
+            <a:ext cx="649537" cy="461665"/>
+          </a:xfrm>
+          <a:prstGeom prst="rect">
+            <a:avLst/>
+          </a:prstGeom>
+          <a:noFill/>
+        </p:spPr>
+        <p:txBody>
+          <a:bodyPr wrap="none" rtlCol="0">
+            <a:spAutoFit/>
+          </a:bodyPr>
+          <a:lstStyle/>
+          <a:p>
+            <a:r>
+              <a:rPr lang="en-US" sz="2400">
+                <a:latin typeface="Swell Braille" pitchFamily="49"/>
+              </a:rPr>
+              <a:t>⠼⠙</a:t>
             </a:r>
           </a:p>
         </p:txBody>

--- a/assets/tactile_image_files/0046-plunging_folds_map_view/0046-plunging_folds_map_view.pptx
+++ b/assets/tactile_image_files/0046-plunging_folds_map_view/0046-plunging_folds_map_view.pptx
@@ -253,7 +253,7 @@
           <a:p>
             <a:fld id="{E796F801-3BB8-A247-923B-F07F1B58D38A}" type="datetimeFigureOut">
               <a:rPr lang="en-US" smtClean="0"/>
-              <a:t>1/7/21</a:t>
+              <a:t>6/16/21</a:t>
             </a:fld>
             <a:endParaRPr lang="en-US"/>
           </a:p>
@@ -433,7 +433,7 @@
           <a:p>
             <a:fld id="{E796F801-3BB8-A247-923B-F07F1B58D38A}" type="datetimeFigureOut">
               <a:rPr lang="en-US" smtClean="0"/>
-              <a:t>1/7/21</a:t>
+              <a:t>6/16/21</a:t>
             </a:fld>
             <a:endParaRPr lang="en-US"/>
           </a:p>
@@ -603,7 +603,7 @@
           <a:p>
             <a:fld id="{E796F801-3BB8-A247-923B-F07F1B58D38A}" type="datetimeFigureOut">
               <a:rPr lang="en-US" smtClean="0"/>
-              <a:t>1/7/21</a:t>
+              <a:t>6/16/21</a:t>
             </a:fld>
             <a:endParaRPr lang="en-US"/>
           </a:p>
@@ -847,7 +847,7 @@
           <a:p>
             <a:fld id="{E796F801-3BB8-A247-923B-F07F1B58D38A}" type="datetimeFigureOut">
               <a:rPr lang="en-US" smtClean="0"/>
-              <a:t>1/7/21</a:t>
+              <a:t>6/16/21</a:t>
             </a:fld>
             <a:endParaRPr lang="en-US"/>
           </a:p>
@@ -1079,7 +1079,7 @@
           <a:p>
             <a:fld id="{E796F801-3BB8-A247-923B-F07F1B58D38A}" type="datetimeFigureOut">
               <a:rPr lang="en-US" smtClean="0"/>
-              <a:t>1/7/21</a:t>
+              <a:t>6/16/21</a:t>
             </a:fld>
             <a:endParaRPr lang="en-US"/>
           </a:p>
@@ -1446,7 +1446,7 @@
           <a:p>
             <a:fld id="{E796F801-3BB8-A247-923B-F07F1B58D38A}" type="datetimeFigureOut">
               <a:rPr lang="en-US" smtClean="0"/>
-              <a:t>1/7/21</a:t>
+              <a:t>6/16/21</a:t>
             </a:fld>
             <a:endParaRPr lang="en-US"/>
           </a:p>
@@ -1564,7 +1564,7 @@
           <a:p>
             <a:fld id="{E796F801-3BB8-A247-923B-F07F1B58D38A}" type="datetimeFigureOut">
               <a:rPr lang="en-US" smtClean="0"/>
-              <a:t>1/7/21</a:t>
+              <a:t>6/16/21</a:t>
             </a:fld>
             <a:endParaRPr lang="en-US"/>
           </a:p>
@@ -1659,7 +1659,7 @@
           <a:p>
             <a:fld id="{E796F801-3BB8-A247-923B-F07F1B58D38A}" type="datetimeFigureOut">
               <a:rPr lang="en-US" smtClean="0"/>
-              <a:t>1/7/21</a:t>
+              <a:t>6/16/21</a:t>
             </a:fld>
             <a:endParaRPr lang="en-US"/>
           </a:p>
@@ -1936,7 +1936,7 @@
           <a:p>
             <a:fld id="{E796F801-3BB8-A247-923B-F07F1B58D38A}" type="datetimeFigureOut">
               <a:rPr lang="en-US" smtClean="0"/>
-              <a:t>1/7/21</a:t>
+              <a:t>6/16/21</a:t>
             </a:fld>
             <a:endParaRPr lang="en-US"/>
           </a:p>
@@ -2193,7 +2193,7 @@
           <a:p>
             <a:fld id="{E796F801-3BB8-A247-923B-F07F1B58D38A}" type="datetimeFigureOut">
               <a:rPr lang="en-US" smtClean="0"/>
-              <a:t>1/7/21</a:t>
+              <a:t>6/16/21</a:t>
             </a:fld>
             <a:endParaRPr lang="en-US"/>
           </a:p>
@@ -2406,7 +2406,7 @@
           <a:p>
             <a:fld id="{E796F801-3BB8-A247-923B-F07F1B58D38A}" type="datetimeFigureOut">
               <a:rPr lang="en-US" smtClean="0"/>
-              <a:t>1/7/21</a:t>
+              <a:t>6/16/21</a:t>
             </a:fld>
             <a:endParaRPr lang="en-US"/>
           </a:p>
@@ -2811,6 +2811,2386 @@
           <a:chExt cx="0" cy="0"/>
         </a:xfrm>
       </p:grpSpPr>
+      <p:grpSp>
+        <p:nvGrpSpPr>
+          <p:cNvPr id="15" name="Group 14">
+            <a:extLst>
+              <a:ext uri="{FF2B5EF4-FFF2-40B4-BE49-F238E27FC236}">
+                <a16:creationId xmlns:a16="http://schemas.microsoft.com/office/drawing/2014/main" id="{75124922-812E-CE40-AD79-8BC775A6E546}"/>
+              </a:ext>
+            </a:extLst>
+          </p:cNvPr>
+          <p:cNvGrpSpPr/>
+          <p:nvPr/>
+        </p:nvGrpSpPr>
+        <p:grpSpPr>
+          <a:xfrm>
+            <a:off x="484094" y="1226372"/>
+            <a:ext cx="8057478" cy="4830183"/>
+            <a:chOff x="484094" y="1226372"/>
+            <a:chExt cx="8057478" cy="4830183"/>
+          </a:xfrm>
+        </p:grpSpPr>
+        <p:sp>
+          <p:nvSpPr>
+            <p:cNvPr id="10" name="Freeform 9">
+              <a:extLst>
+                <a:ext uri="{FF2B5EF4-FFF2-40B4-BE49-F238E27FC236}">
+                  <a16:creationId xmlns:a16="http://schemas.microsoft.com/office/drawing/2014/main" id="{6FFE6051-6A06-8A48-83F0-F3A00FA397CF}"/>
+                </a:ext>
+              </a:extLst>
+            </p:cNvPr>
+            <p:cNvSpPr/>
+            <p:nvPr/>
+          </p:nvSpPr>
+          <p:spPr>
+            <a:xfrm>
+              <a:off x="6379285" y="4367605"/>
+              <a:ext cx="2151529" cy="1667435"/>
+            </a:xfrm>
+            <a:custGeom>
+              <a:avLst/>
+              <a:gdLst>
+                <a:gd name="connsiteX0" fmla="*/ 0 w 2151529"/>
+                <a:gd name="connsiteY0" fmla="*/ 1667435 h 1667435"/>
+                <a:gd name="connsiteX1" fmla="*/ 430306 w 2151529"/>
+                <a:gd name="connsiteY1" fmla="*/ 1473797 h 1667435"/>
+                <a:gd name="connsiteX2" fmla="*/ 699247 w 2151529"/>
+                <a:gd name="connsiteY2" fmla="*/ 1323190 h 1667435"/>
+                <a:gd name="connsiteX3" fmla="*/ 1065007 w 2151529"/>
+                <a:gd name="connsiteY3" fmla="*/ 1043491 h 1667435"/>
+                <a:gd name="connsiteX4" fmla="*/ 1495313 w 2151529"/>
+                <a:gd name="connsiteY4" fmla="*/ 623943 h 1667435"/>
+                <a:gd name="connsiteX5" fmla="*/ 2151529 w 2151529"/>
+                <a:gd name="connsiteY5" fmla="*/ 0 h 1667435"/>
+                <a:gd name="connsiteX6" fmla="*/ 2140771 w 2151529"/>
+                <a:gd name="connsiteY6" fmla="*/ 1387736 h 1667435"/>
+                <a:gd name="connsiteX7" fmla="*/ 1818042 w 2151529"/>
+                <a:gd name="connsiteY7" fmla="*/ 1667435 h 1667435"/>
+                <a:gd name="connsiteX8" fmla="*/ 0 w 2151529"/>
+                <a:gd name="connsiteY8" fmla="*/ 1667435 h 1667435"/>
+              </a:gdLst>
+              <a:ahLst/>
+              <a:cxnLst>
+                <a:cxn ang="0">
+                  <a:pos x="connsiteX0" y="connsiteY0"/>
+                </a:cxn>
+                <a:cxn ang="0">
+                  <a:pos x="connsiteX1" y="connsiteY1"/>
+                </a:cxn>
+                <a:cxn ang="0">
+                  <a:pos x="connsiteX2" y="connsiteY2"/>
+                </a:cxn>
+                <a:cxn ang="0">
+                  <a:pos x="connsiteX3" y="connsiteY3"/>
+                </a:cxn>
+                <a:cxn ang="0">
+                  <a:pos x="connsiteX4" y="connsiteY4"/>
+                </a:cxn>
+                <a:cxn ang="0">
+                  <a:pos x="connsiteX5" y="connsiteY5"/>
+                </a:cxn>
+                <a:cxn ang="0">
+                  <a:pos x="connsiteX6" y="connsiteY6"/>
+                </a:cxn>
+                <a:cxn ang="0">
+                  <a:pos x="connsiteX7" y="connsiteY7"/>
+                </a:cxn>
+                <a:cxn ang="0">
+                  <a:pos x="connsiteX8" y="connsiteY8"/>
+                </a:cxn>
+              </a:cxnLst>
+              <a:rect l="l" t="t" r="r" b="b"/>
+              <a:pathLst>
+                <a:path w="2151529" h="1667435">
+                  <a:moveTo>
+                    <a:pt x="0" y="1667435"/>
+                  </a:moveTo>
+                  <a:lnTo>
+                    <a:pt x="430306" y="1473797"/>
+                  </a:lnTo>
+                  <a:lnTo>
+                    <a:pt x="699247" y="1323190"/>
+                  </a:lnTo>
+                  <a:lnTo>
+                    <a:pt x="1065007" y="1043491"/>
+                  </a:lnTo>
+                  <a:lnTo>
+                    <a:pt x="1495313" y="623943"/>
+                  </a:lnTo>
+                  <a:lnTo>
+                    <a:pt x="2151529" y="0"/>
+                  </a:lnTo>
+                  <a:lnTo>
+                    <a:pt x="2140771" y="1387736"/>
+                  </a:lnTo>
+                  <a:lnTo>
+                    <a:pt x="1818042" y="1667435"/>
+                  </a:lnTo>
+                  <a:lnTo>
+                    <a:pt x="0" y="1667435"/>
+                  </a:lnTo>
+                  <a:close/>
+                </a:path>
+              </a:pathLst>
+            </a:custGeom>
+            <a:pattFill prst="ltVert">
+              <a:fgClr>
+                <a:schemeClr val="tx1"/>
+              </a:fgClr>
+              <a:bgClr>
+                <a:schemeClr val="bg1"/>
+              </a:bgClr>
+            </a:pattFill>
+            <a:ln>
+              <a:noFill/>
+            </a:ln>
+          </p:spPr>
+          <p:style>
+            <a:lnRef idx="2">
+              <a:schemeClr val="accent1">
+                <a:shade val="50000"/>
+              </a:schemeClr>
+            </a:lnRef>
+            <a:fillRef idx="1">
+              <a:schemeClr val="accent1"/>
+            </a:fillRef>
+            <a:effectRef idx="0">
+              <a:schemeClr val="accent1"/>
+            </a:effectRef>
+            <a:fontRef idx="minor">
+              <a:schemeClr val="lt1"/>
+            </a:fontRef>
+          </p:style>
+          <p:txBody>
+            <a:bodyPr rtlCol="0" anchor="ctr"/>
+            <a:lstStyle/>
+            <a:p>
+              <a:pPr algn="ctr"/>
+              <a:endParaRPr lang="en-US"/>
+            </a:p>
+          </p:txBody>
+        </p:sp>
+        <p:grpSp>
+          <p:nvGrpSpPr>
+            <p:cNvPr id="14" name="Group 13">
+              <a:extLst>
+                <a:ext uri="{FF2B5EF4-FFF2-40B4-BE49-F238E27FC236}">
+                  <a16:creationId xmlns:a16="http://schemas.microsoft.com/office/drawing/2014/main" id="{2E0E94AA-2EF4-8E48-BCDF-C8004951D2AD}"/>
+                </a:ext>
+              </a:extLst>
+            </p:cNvPr>
+            <p:cNvGrpSpPr/>
+            <p:nvPr/>
+          </p:nvGrpSpPr>
+          <p:grpSpPr>
+            <a:xfrm>
+              <a:off x="484094" y="1226372"/>
+              <a:ext cx="8057478" cy="4830183"/>
+              <a:chOff x="484094" y="1226372"/>
+              <a:chExt cx="8057478" cy="4830183"/>
+            </a:xfrm>
+          </p:grpSpPr>
+          <p:sp>
+            <p:nvSpPr>
+              <p:cNvPr id="2" name="Freeform 1">
+                <a:extLst>
+                  <a:ext uri="{FF2B5EF4-FFF2-40B4-BE49-F238E27FC236}">
+                    <a16:creationId xmlns:a16="http://schemas.microsoft.com/office/drawing/2014/main" id="{A3B60A3B-DD82-B446-BA7E-ACFFB2CCB7C8}"/>
+                  </a:ext>
+                </a:extLst>
+              </p:cNvPr>
+              <p:cNvSpPr/>
+              <p:nvPr/>
+            </p:nvSpPr>
+            <p:spPr>
+              <a:xfrm>
+                <a:off x="484094" y="1936376"/>
+                <a:ext cx="8046720" cy="4105656"/>
+              </a:xfrm>
+              <a:custGeom>
+                <a:avLst/>
+                <a:gdLst>
+                  <a:gd name="connsiteX0" fmla="*/ 0 w 8046720"/>
+                  <a:gd name="connsiteY0" fmla="*/ 1409252 h 4109422"/>
+                  <a:gd name="connsiteX1" fmla="*/ 774551 w 8046720"/>
+                  <a:gd name="connsiteY1" fmla="*/ 978946 h 4109422"/>
+                  <a:gd name="connsiteX2" fmla="*/ 1678193 w 8046720"/>
+                  <a:gd name="connsiteY2" fmla="*/ 516368 h 4109422"/>
+                  <a:gd name="connsiteX3" fmla="*/ 2334410 w 8046720"/>
+                  <a:gd name="connsiteY3" fmla="*/ 225911 h 4109422"/>
+                  <a:gd name="connsiteX4" fmla="*/ 3033657 w 8046720"/>
+                  <a:gd name="connsiteY4" fmla="*/ 32273 h 4109422"/>
+                  <a:gd name="connsiteX5" fmla="*/ 3410174 w 8046720"/>
+                  <a:gd name="connsiteY5" fmla="*/ 0 h 4109422"/>
+                  <a:gd name="connsiteX6" fmla="*/ 3539266 w 8046720"/>
+                  <a:gd name="connsiteY6" fmla="*/ 172123 h 4109422"/>
+                  <a:gd name="connsiteX7" fmla="*/ 3668358 w 8046720"/>
+                  <a:gd name="connsiteY7" fmla="*/ 677732 h 4109422"/>
+                  <a:gd name="connsiteX8" fmla="*/ 3711388 w 8046720"/>
+                  <a:gd name="connsiteY8" fmla="*/ 989704 h 4109422"/>
+                  <a:gd name="connsiteX9" fmla="*/ 3743661 w 8046720"/>
+                  <a:gd name="connsiteY9" fmla="*/ 1592132 h 4109422"/>
+                  <a:gd name="connsiteX10" fmla="*/ 3679115 w 8046720"/>
+                  <a:gd name="connsiteY10" fmla="*/ 2312895 h 4109422"/>
+                  <a:gd name="connsiteX11" fmla="*/ 3668358 w 8046720"/>
+                  <a:gd name="connsiteY11" fmla="*/ 2764716 h 4109422"/>
+                  <a:gd name="connsiteX12" fmla="*/ 3722146 w 8046720"/>
+                  <a:gd name="connsiteY12" fmla="*/ 3184264 h 4109422"/>
+                  <a:gd name="connsiteX13" fmla="*/ 3894268 w 8046720"/>
+                  <a:gd name="connsiteY13" fmla="*/ 3593055 h 4109422"/>
+                  <a:gd name="connsiteX14" fmla="*/ 4001845 w 8046720"/>
+                  <a:gd name="connsiteY14" fmla="*/ 3722146 h 4109422"/>
+                  <a:gd name="connsiteX15" fmla="*/ 4152452 w 8046720"/>
+                  <a:gd name="connsiteY15" fmla="*/ 3743662 h 4109422"/>
+                  <a:gd name="connsiteX16" fmla="*/ 4593515 w 8046720"/>
+                  <a:gd name="connsiteY16" fmla="*/ 3625328 h 4109422"/>
+                  <a:gd name="connsiteX17" fmla="*/ 4959275 w 8046720"/>
+                  <a:gd name="connsiteY17" fmla="*/ 3474720 h 4109422"/>
+                  <a:gd name="connsiteX18" fmla="*/ 5637007 w 8046720"/>
+                  <a:gd name="connsiteY18" fmla="*/ 3044415 h 4109422"/>
+                  <a:gd name="connsiteX19" fmla="*/ 6067313 w 8046720"/>
+                  <a:gd name="connsiteY19" fmla="*/ 2796989 h 4109422"/>
+                  <a:gd name="connsiteX20" fmla="*/ 6422315 w 8046720"/>
+                  <a:gd name="connsiteY20" fmla="*/ 2474259 h 4109422"/>
+                  <a:gd name="connsiteX21" fmla="*/ 7013986 w 8046720"/>
+                  <a:gd name="connsiteY21" fmla="*/ 2054711 h 4109422"/>
+                  <a:gd name="connsiteX22" fmla="*/ 7390504 w 8046720"/>
+                  <a:gd name="connsiteY22" fmla="*/ 1667436 h 4109422"/>
+                  <a:gd name="connsiteX23" fmla="*/ 7928386 w 8046720"/>
+                  <a:gd name="connsiteY23" fmla="*/ 1118796 h 4109422"/>
+                  <a:gd name="connsiteX24" fmla="*/ 8046720 w 8046720"/>
+                  <a:gd name="connsiteY24" fmla="*/ 1032735 h 4109422"/>
+                  <a:gd name="connsiteX25" fmla="*/ 8025205 w 8046720"/>
+                  <a:gd name="connsiteY25" fmla="*/ 2431229 h 4109422"/>
+                  <a:gd name="connsiteX26" fmla="*/ 7476565 w 8046720"/>
+                  <a:gd name="connsiteY26" fmla="*/ 2947596 h 4109422"/>
+                  <a:gd name="connsiteX27" fmla="*/ 7132320 w 8046720"/>
+                  <a:gd name="connsiteY27" fmla="*/ 3281083 h 4109422"/>
+                  <a:gd name="connsiteX28" fmla="*/ 6970955 w 8046720"/>
+                  <a:gd name="connsiteY28" fmla="*/ 3453205 h 4109422"/>
+                  <a:gd name="connsiteX29" fmla="*/ 6551407 w 8046720"/>
+                  <a:gd name="connsiteY29" fmla="*/ 3786692 h 4109422"/>
+                  <a:gd name="connsiteX30" fmla="*/ 6110344 w 8046720"/>
+                  <a:gd name="connsiteY30" fmla="*/ 3991088 h 4109422"/>
+                  <a:gd name="connsiteX31" fmla="*/ 5862918 w 8046720"/>
+                  <a:gd name="connsiteY31" fmla="*/ 4109422 h 4109422"/>
+                  <a:gd name="connsiteX32" fmla="*/ 2764715 w 8046720"/>
+                  <a:gd name="connsiteY32" fmla="*/ 4098664 h 4109422"/>
+                  <a:gd name="connsiteX33" fmla="*/ 2700170 w 8046720"/>
+                  <a:gd name="connsiteY33" fmla="*/ 3937299 h 4109422"/>
+                  <a:gd name="connsiteX34" fmla="*/ 2700170 w 8046720"/>
+                  <a:gd name="connsiteY34" fmla="*/ 3625328 h 4109422"/>
+                  <a:gd name="connsiteX35" fmla="*/ 2732442 w 8046720"/>
+                  <a:gd name="connsiteY35" fmla="*/ 2926080 h 4109422"/>
+                  <a:gd name="connsiteX36" fmla="*/ 2732442 w 8046720"/>
+                  <a:gd name="connsiteY36" fmla="*/ 2398956 h 4109422"/>
+                  <a:gd name="connsiteX37" fmla="*/ 2678654 w 8046720"/>
+                  <a:gd name="connsiteY37" fmla="*/ 1882589 h 4109422"/>
+                  <a:gd name="connsiteX38" fmla="*/ 2592593 w 8046720"/>
+                  <a:gd name="connsiteY38" fmla="*/ 1645920 h 4109422"/>
+                  <a:gd name="connsiteX39" fmla="*/ 2441986 w 8046720"/>
+                  <a:gd name="connsiteY39" fmla="*/ 1484556 h 4109422"/>
+                  <a:gd name="connsiteX40" fmla="*/ 1947134 w 8046720"/>
+                  <a:gd name="connsiteY40" fmla="*/ 1645920 h 4109422"/>
+                  <a:gd name="connsiteX41" fmla="*/ 1376979 w 8046720"/>
+                  <a:gd name="connsiteY41" fmla="*/ 1914862 h 4109422"/>
+                  <a:gd name="connsiteX42" fmla="*/ 677732 w 8046720"/>
+                  <a:gd name="connsiteY42" fmla="*/ 2355925 h 4109422"/>
+                  <a:gd name="connsiteX43" fmla="*/ 301214 w 8046720"/>
+                  <a:gd name="connsiteY43" fmla="*/ 2624866 h 4109422"/>
+                  <a:gd name="connsiteX44" fmla="*/ 32273 w 8046720"/>
+                  <a:gd name="connsiteY44" fmla="*/ 2936838 h 4109422"/>
+                  <a:gd name="connsiteX45" fmla="*/ 0 w 8046720"/>
+                  <a:gd name="connsiteY45" fmla="*/ 1409252 h 4109422"/>
+                </a:gdLst>
+                <a:ahLst/>
+                <a:cxnLst>
+                  <a:cxn ang="0">
+                    <a:pos x="connsiteX0" y="connsiteY0"/>
+                  </a:cxn>
+                  <a:cxn ang="0">
+                    <a:pos x="connsiteX1" y="connsiteY1"/>
+                  </a:cxn>
+                  <a:cxn ang="0">
+                    <a:pos x="connsiteX2" y="connsiteY2"/>
+                  </a:cxn>
+                  <a:cxn ang="0">
+                    <a:pos x="connsiteX3" y="connsiteY3"/>
+                  </a:cxn>
+                  <a:cxn ang="0">
+                    <a:pos x="connsiteX4" y="connsiteY4"/>
+                  </a:cxn>
+                  <a:cxn ang="0">
+                    <a:pos x="connsiteX5" y="connsiteY5"/>
+                  </a:cxn>
+                  <a:cxn ang="0">
+                    <a:pos x="connsiteX6" y="connsiteY6"/>
+                  </a:cxn>
+                  <a:cxn ang="0">
+                    <a:pos x="connsiteX7" y="connsiteY7"/>
+                  </a:cxn>
+                  <a:cxn ang="0">
+                    <a:pos x="connsiteX8" y="connsiteY8"/>
+                  </a:cxn>
+                  <a:cxn ang="0">
+                    <a:pos x="connsiteX9" y="connsiteY9"/>
+                  </a:cxn>
+                  <a:cxn ang="0">
+                    <a:pos x="connsiteX10" y="connsiteY10"/>
+                  </a:cxn>
+                  <a:cxn ang="0">
+                    <a:pos x="connsiteX11" y="connsiteY11"/>
+                  </a:cxn>
+                  <a:cxn ang="0">
+                    <a:pos x="connsiteX12" y="connsiteY12"/>
+                  </a:cxn>
+                  <a:cxn ang="0">
+                    <a:pos x="connsiteX13" y="connsiteY13"/>
+                  </a:cxn>
+                  <a:cxn ang="0">
+                    <a:pos x="connsiteX14" y="connsiteY14"/>
+                  </a:cxn>
+                  <a:cxn ang="0">
+                    <a:pos x="connsiteX15" y="connsiteY15"/>
+                  </a:cxn>
+                  <a:cxn ang="0">
+                    <a:pos x="connsiteX16" y="connsiteY16"/>
+                  </a:cxn>
+                  <a:cxn ang="0">
+                    <a:pos x="connsiteX17" y="connsiteY17"/>
+                  </a:cxn>
+                  <a:cxn ang="0">
+                    <a:pos x="connsiteX18" y="connsiteY18"/>
+                  </a:cxn>
+                  <a:cxn ang="0">
+                    <a:pos x="connsiteX19" y="connsiteY19"/>
+                  </a:cxn>
+                  <a:cxn ang="0">
+                    <a:pos x="connsiteX20" y="connsiteY20"/>
+                  </a:cxn>
+                  <a:cxn ang="0">
+                    <a:pos x="connsiteX21" y="connsiteY21"/>
+                  </a:cxn>
+                  <a:cxn ang="0">
+                    <a:pos x="connsiteX22" y="connsiteY22"/>
+                  </a:cxn>
+                  <a:cxn ang="0">
+                    <a:pos x="connsiteX23" y="connsiteY23"/>
+                  </a:cxn>
+                  <a:cxn ang="0">
+                    <a:pos x="connsiteX24" y="connsiteY24"/>
+                  </a:cxn>
+                  <a:cxn ang="0">
+                    <a:pos x="connsiteX25" y="connsiteY25"/>
+                  </a:cxn>
+                  <a:cxn ang="0">
+                    <a:pos x="connsiteX26" y="connsiteY26"/>
+                  </a:cxn>
+                  <a:cxn ang="0">
+                    <a:pos x="connsiteX27" y="connsiteY27"/>
+                  </a:cxn>
+                  <a:cxn ang="0">
+                    <a:pos x="connsiteX28" y="connsiteY28"/>
+                  </a:cxn>
+                  <a:cxn ang="0">
+                    <a:pos x="connsiteX29" y="connsiteY29"/>
+                  </a:cxn>
+                  <a:cxn ang="0">
+                    <a:pos x="connsiteX30" y="connsiteY30"/>
+                  </a:cxn>
+                  <a:cxn ang="0">
+                    <a:pos x="connsiteX31" y="connsiteY31"/>
+                  </a:cxn>
+                  <a:cxn ang="0">
+                    <a:pos x="connsiteX32" y="connsiteY32"/>
+                  </a:cxn>
+                  <a:cxn ang="0">
+                    <a:pos x="connsiteX33" y="connsiteY33"/>
+                  </a:cxn>
+                  <a:cxn ang="0">
+                    <a:pos x="connsiteX34" y="connsiteY34"/>
+                  </a:cxn>
+                  <a:cxn ang="0">
+                    <a:pos x="connsiteX35" y="connsiteY35"/>
+                  </a:cxn>
+                  <a:cxn ang="0">
+                    <a:pos x="connsiteX36" y="connsiteY36"/>
+                  </a:cxn>
+                  <a:cxn ang="0">
+                    <a:pos x="connsiteX37" y="connsiteY37"/>
+                  </a:cxn>
+                  <a:cxn ang="0">
+                    <a:pos x="connsiteX38" y="connsiteY38"/>
+                  </a:cxn>
+                  <a:cxn ang="0">
+                    <a:pos x="connsiteX39" y="connsiteY39"/>
+                  </a:cxn>
+                  <a:cxn ang="0">
+                    <a:pos x="connsiteX40" y="connsiteY40"/>
+                  </a:cxn>
+                  <a:cxn ang="0">
+                    <a:pos x="connsiteX41" y="connsiteY41"/>
+                  </a:cxn>
+                  <a:cxn ang="0">
+                    <a:pos x="connsiteX42" y="connsiteY42"/>
+                  </a:cxn>
+                  <a:cxn ang="0">
+                    <a:pos x="connsiteX43" y="connsiteY43"/>
+                  </a:cxn>
+                  <a:cxn ang="0">
+                    <a:pos x="connsiteX44" y="connsiteY44"/>
+                  </a:cxn>
+                  <a:cxn ang="0">
+                    <a:pos x="connsiteX45" y="connsiteY45"/>
+                  </a:cxn>
+                </a:cxnLst>
+                <a:rect l="l" t="t" r="r" b="b"/>
+                <a:pathLst>
+                  <a:path w="8046720" h="4109422">
+                    <a:moveTo>
+                      <a:pt x="0" y="1409252"/>
+                    </a:moveTo>
+                    <a:lnTo>
+                      <a:pt x="774551" y="978946"/>
+                    </a:lnTo>
+                    <a:lnTo>
+                      <a:pt x="1678193" y="516368"/>
+                    </a:lnTo>
+                    <a:lnTo>
+                      <a:pt x="2334410" y="225911"/>
+                    </a:lnTo>
+                    <a:lnTo>
+                      <a:pt x="3033657" y="32273"/>
+                    </a:lnTo>
+                    <a:lnTo>
+                      <a:pt x="3410174" y="0"/>
+                    </a:lnTo>
+                    <a:lnTo>
+                      <a:pt x="3539266" y="172123"/>
+                    </a:lnTo>
+                    <a:lnTo>
+                      <a:pt x="3668358" y="677732"/>
+                    </a:lnTo>
+                    <a:lnTo>
+                      <a:pt x="3711388" y="989704"/>
+                    </a:lnTo>
+                    <a:lnTo>
+                      <a:pt x="3743661" y="1592132"/>
+                    </a:lnTo>
+                    <a:lnTo>
+                      <a:pt x="3679115" y="2312895"/>
+                    </a:lnTo>
+                    <a:lnTo>
+                      <a:pt x="3668358" y="2764716"/>
+                    </a:lnTo>
+                    <a:lnTo>
+                      <a:pt x="3722146" y="3184264"/>
+                    </a:lnTo>
+                    <a:lnTo>
+                      <a:pt x="3894268" y="3593055"/>
+                    </a:lnTo>
+                    <a:lnTo>
+                      <a:pt x="4001845" y="3722146"/>
+                    </a:lnTo>
+                    <a:lnTo>
+                      <a:pt x="4152452" y="3743662"/>
+                    </a:lnTo>
+                    <a:lnTo>
+                      <a:pt x="4593515" y="3625328"/>
+                    </a:lnTo>
+                    <a:lnTo>
+                      <a:pt x="4959275" y="3474720"/>
+                    </a:lnTo>
+                    <a:lnTo>
+                      <a:pt x="5637007" y="3044415"/>
+                    </a:lnTo>
+                    <a:lnTo>
+                      <a:pt x="6067313" y="2796989"/>
+                    </a:lnTo>
+                    <a:lnTo>
+                      <a:pt x="6422315" y="2474259"/>
+                    </a:lnTo>
+                    <a:lnTo>
+                      <a:pt x="7013986" y="2054711"/>
+                    </a:lnTo>
+                    <a:lnTo>
+                      <a:pt x="7390504" y="1667436"/>
+                    </a:lnTo>
+                    <a:lnTo>
+                      <a:pt x="7928386" y="1118796"/>
+                    </a:lnTo>
+                    <a:lnTo>
+                      <a:pt x="8046720" y="1032735"/>
+                    </a:lnTo>
+                    <a:lnTo>
+                      <a:pt x="8025205" y="2431229"/>
+                    </a:lnTo>
+                    <a:lnTo>
+                      <a:pt x="7476565" y="2947596"/>
+                    </a:lnTo>
+                    <a:lnTo>
+                      <a:pt x="7132320" y="3281083"/>
+                    </a:lnTo>
+                    <a:lnTo>
+                      <a:pt x="6970955" y="3453205"/>
+                    </a:lnTo>
+                    <a:lnTo>
+                      <a:pt x="6551407" y="3786692"/>
+                    </a:lnTo>
+                    <a:lnTo>
+                      <a:pt x="6110344" y="3991088"/>
+                    </a:lnTo>
+                    <a:lnTo>
+                      <a:pt x="5862918" y="4109422"/>
+                    </a:lnTo>
+                    <a:lnTo>
+                      <a:pt x="2764715" y="4098664"/>
+                    </a:lnTo>
+                    <a:lnTo>
+                      <a:pt x="2700170" y="3937299"/>
+                    </a:lnTo>
+                    <a:lnTo>
+                      <a:pt x="2700170" y="3625328"/>
+                    </a:lnTo>
+                    <a:lnTo>
+                      <a:pt x="2732442" y="2926080"/>
+                    </a:lnTo>
+                    <a:lnTo>
+                      <a:pt x="2732442" y="2398956"/>
+                    </a:lnTo>
+                    <a:lnTo>
+                      <a:pt x="2678654" y="1882589"/>
+                    </a:lnTo>
+                    <a:lnTo>
+                      <a:pt x="2592593" y="1645920"/>
+                    </a:lnTo>
+                    <a:lnTo>
+                      <a:pt x="2441986" y="1484556"/>
+                    </a:lnTo>
+                    <a:lnTo>
+                      <a:pt x="1947134" y="1645920"/>
+                    </a:lnTo>
+                    <a:lnTo>
+                      <a:pt x="1376979" y="1914862"/>
+                    </a:lnTo>
+                    <a:lnTo>
+                      <a:pt x="677732" y="2355925"/>
+                    </a:lnTo>
+                    <a:lnTo>
+                      <a:pt x="301214" y="2624866"/>
+                    </a:lnTo>
+                    <a:lnTo>
+                      <a:pt x="32273" y="2936838"/>
+                    </a:lnTo>
+                    <a:lnTo>
+                      <a:pt x="0" y="1409252"/>
+                    </a:lnTo>
+                    <a:close/>
+                  </a:path>
+                </a:pathLst>
+              </a:custGeom>
+              <a:pattFill prst="pct5">
+                <a:fgClr>
+                  <a:schemeClr val="tx1"/>
+                </a:fgClr>
+                <a:bgClr>
+                  <a:schemeClr val="bg1"/>
+                </a:bgClr>
+              </a:pattFill>
+              <a:ln>
+                <a:noFill/>
+              </a:ln>
+            </p:spPr>
+            <p:style>
+              <a:lnRef idx="2">
+                <a:schemeClr val="accent1">
+                  <a:shade val="50000"/>
+                </a:schemeClr>
+              </a:lnRef>
+              <a:fillRef idx="1">
+                <a:schemeClr val="accent1"/>
+              </a:fillRef>
+              <a:effectRef idx="0">
+                <a:schemeClr val="accent1"/>
+              </a:effectRef>
+              <a:fontRef idx="minor">
+                <a:schemeClr val="lt1"/>
+              </a:fontRef>
+            </p:style>
+            <p:txBody>
+              <a:bodyPr rtlCol="0" anchor="ctr"/>
+              <a:lstStyle/>
+              <a:p>
+                <a:pPr algn="ctr"/>
+                <a:endParaRPr lang="en-US"/>
+              </a:p>
+            </p:txBody>
+          </p:sp>
+          <p:sp>
+            <p:nvSpPr>
+              <p:cNvPr id="3" name="Freeform 2">
+                <a:extLst>
+                  <a:ext uri="{FF2B5EF4-FFF2-40B4-BE49-F238E27FC236}">
+                    <a16:creationId xmlns:a16="http://schemas.microsoft.com/office/drawing/2014/main" id="{28A1A51F-74E6-8A42-B41F-5774718F6021}"/>
+                  </a:ext>
+                </a:extLst>
+              </p:cNvPr>
+              <p:cNvSpPr/>
+              <p:nvPr/>
+            </p:nvSpPr>
+            <p:spPr>
+              <a:xfrm>
+                <a:off x="484094" y="1247887"/>
+                <a:ext cx="8046720" cy="4410635"/>
+              </a:xfrm>
+              <a:custGeom>
+                <a:avLst/>
+                <a:gdLst>
+                  <a:gd name="connsiteX0" fmla="*/ 0 w 8046720"/>
+                  <a:gd name="connsiteY0" fmla="*/ 892885 h 4410635"/>
+                  <a:gd name="connsiteX1" fmla="*/ 322730 w 8046720"/>
+                  <a:gd name="connsiteY1" fmla="*/ 699247 h 4410635"/>
+                  <a:gd name="connsiteX2" fmla="*/ 1021977 w 8046720"/>
+                  <a:gd name="connsiteY2" fmla="*/ 408791 h 4410635"/>
+                  <a:gd name="connsiteX3" fmla="*/ 1484555 w 8046720"/>
+                  <a:gd name="connsiteY3" fmla="*/ 204395 h 4410635"/>
+                  <a:gd name="connsiteX4" fmla="*/ 2130014 w 8046720"/>
+                  <a:gd name="connsiteY4" fmla="*/ 21515 h 4410635"/>
+                  <a:gd name="connsiteX5" fmla="*/ 4260028 w 8046720"/>
+                  <a:gd name="connsiteY5" fmla="*/ 0 h 4410635"/>
+                  <a:gd name="connsiteX6" fmla="*/ 4453666 w 8046720"/>
+                  <a:gd name="connsiteY6" fmla="*/ 408791 h 4410635"/>
+                  <a:gd name="connsiteX7" fmla="*/ 4561242 w 8046720"/>
+                  <a:gd name="connsiteY7" fmla="*/ 978946 h 4410635"/>
+                  <a:gd name="connsiteX8" fmla="*/ 4593515 w 8046720"/>
+                  <a:gd name="connsiteY8" fmla="*/ 1764254 h 4410635"/>
+                  <a:gd name="connsiteX9" fmla="*/ 4561242 w 8046720"/>
+                  <a:gd name="connsiteY9" fmla="*/ 2646381 h 4410635"/>
+                  <a:gd name="connsiteX10" fmla="*/ 4582758 w 8046720"/>
+                  <a:gd name="connsiteY10" fmla="*/ 2979868 h 4410635"/>
+                  <a:gd name="connsiteX11" fmla="*/ 4701092 w 8046720"/>
+                  <a:gd name="connsiteY11" fmla="*/ 3270325 h 4410635"/>
+                  <a:gd name="connsiteX12" fmla="*/ 4894730 w 8046720"/>
+                  <a:gd name="connsiteY12" fmla="*/ 3205779 h 4410635"/>
+                  <a:gd name="connsiteX13" fmla="*/ 5647765 w 8046720"/>
+                  <a:gd name="connsiteY13" fmla="*/ 2721685 h 4410635"/>
+                  <a:gd name="connsiteX14" fmla="*/ 6099586 w 8046720"/>
+                  <a:gd name="connsiteY14" fmla="*/ 2312894 h 4410635"/>
+                  <a:gd name="connsiteX15" fmla="*/ 6658984 w 8046720"/>
+                  <a:gd name="connsiteY15" fmla="*/ 1699708 h 4410635"/>
+                  <a:gd name="connsiteX16" fmla="*/ 7325958 w 8046720"/>
+                  <a:gd name="connsiteY16" fmla="*/ 1086522 h 4410635"/>
+                  <a:gd name="connsiteX17" fmla="*/ 8025205 w 8046720"/>
+                  <a:gd name="connsiteY17" fmla="*/ 462579 h 4410635"/>
+                  <a:gd name="connsiteX18" fmla="*/ 8046720 w 8046720"/>
+                  <a:gd name="connsiteY18" fmla="*/ 1710466 h 4410635"/>
+                  <a:gd name="connsiteX19" fmla="*/ 7347473 w 8046720"/>
+                  <a:gd name="connsiteY19" fmla="*/ 2388198 h 4410635"/>
+                  <a:gd name="connsiteX20" fmla="*/ 6798833 w 8046720"/>
+                  <a:gd name="connsiteY20" fmla="*/ 2904565 h 4410635"/>
+                  <a:gd name="connsiteX21" fmla="*/ 6422315 w 8046720"/>
+                  <a:gd name="connsiteY21" fmla="*/ 3184264 h 4410635"/>
+                  <a:gd name="connsiteX22" fmla="*/ 6110344 w 8046720"/>
+                  <a:gd name="connsiteY22" fmla="*/ 3453205 h 4410635"/>
+                  <a:gd name="connsiteX23" fmla="*/ 5411097 w 8046720"/>
+                  <a:gd name="connsiteY23" fmla="*/ 3861995 h 4410635"/>
+                  <a:gd name="connsiteX24" fmla="*/ 4937760 w 8046720"/>
+                  <a:gd name="connsiteY24" fmla="*/ 4141694 h 4410635"/>
+                  <a:gd name="connsiteX25" fmla="*/ 4378362 w 8046720"/>
+                  <a:gd name="connsiteY25" fmla="*/ 4378362 h 4410635"/>
+                  <a:gd name="connsiteX26" fmla="*/ 4077148 w 8046720"/>
+                  <a:gd name="connsiteY26" fmla="*/ 4410635 h 4410635"/>
+                  <a:gd name="connsiteX27" fmla="*/ 3948057 w 8046720"/>
+                  <a:gd name="connsiteY27" fmla="*/ 4356847 h 4410635"/>
+                  <a:gd name="connsiteX28" fmla="*/ 3775934 w 8046720"/>
+                  <a:gd name="connsiteY28" fmla="*/ 3991087 h 4410635"/>
+                  <a:gd name="connsiteX29" fmla="*/ 3689873 w 8046720"/>
+                  <a:gd name="connsiteY29" fmla="*/ 3582297 h 4410635"/>
+                  <a:gd name="connsiteX30" fmla="*/ 3679115 w 8046720"/>
+                  <a:gd name="connsiteY30" fmla="*/ 3076687 h 4410635"/>
+                  <a:gd name="connsiteX31" fmla="*/ 3743661 w 8046720"/>
+                  <a:gd name="connsiteY31" fmla="*/ 2345167 h 4410635"/>
+                  <a:gd name="connsiteX32" fmla="*/ 3765177 w 8046720"/>
+                  <a:gd name="connsiteY32" fmla="*/ 1785769 h 4410635"/>
+                  <a:gd name="connsiteX33" fmla="*/ 3657600 w 8046720"/>
+                  <a:gd name="connsiteY33" fmla="*/ 1226372 h 4410635"/>
+                  <a:gd name="connsiteX34" fmla="*/ 3517751 w 8046720"/>
+                  <a:gd name="connsiteY34" fmla="*/ 828339 h 4410635"/>
+                  <a:gd name="connsiteX35" fmla="*/ 3399417 w 8046720"/>
+                  <a:gd name="connsiteY35" fmla="*/ 677732 h 4410635"/>
+                  <a:gd name="connsiteX36" fmla="*/ 3065930 w 8046720"/>
+                  <a:gd name="connsiteY36" fmla="*/ 688489 h 4410635"/>
+                  <a:gd name="connsiteX37" fmla="*/ 2312894 w 8046720"/>
+                  <a:gd name="connsiteY37" fmla="*/ 914400 h 4410635"/>
+                  <a:gd name="connsiteX38" fmla="*/ 1645920 w 8046720"/>
+                  <a:gd name="connsiteY38" fmla="*/ 1215614 h 4410635"/>
+                  <a:gd name="connsiteX39" fmla="*/ 1097280 w 8046720"/>
+                  <a:gd name="connsiteY39" fmla="*/ 1495313 h 4410635"/>
+                  <a:gd name="connsiteX40" fmla="*/ 441064 w 8046720"/>
+                  <a:gd name="connsiteY40" fmla="*/ 1839558 h 4410635"/>
+                  <a:gd name="connsiteX41" fmla="*/ 21515 w 8046720"/>
+                  <a:gd name="connsiteY41" fmla="*/ 2097741 h 4410635"/>
+                  <a:gd name="connsiteX42" fmla="*/ 0 w 8046720"/>
+                  <a:gd name="connsiteY42" fmla="*/ 892885 h 4410635"/>
+                </a:gdLst>
+                <a:ahLst/>
+                <a:cxnLst>
+                  <a:cxn ang="0">
+                    <a:pos x="connsiteX0" y="connsiteY0"/>
+                  </a:cxn>
+                  <a:cxn ang="0">
+                    <a:pos x="connsiteX1" y="connsiteY1"/>
+                  </a:cxn>
+                  <a:cxn ang="0">
+                    <a:pos x="connsiteX2" y="connsiteY2"/>
+                  </a:cxn>
+                  <a:cxn ang="0">
+                    <a:pos x="connsiteX3" y="connsiteY3"/>
+                  </a:cxn>
+                  <a:cxn ang="0">
+                    <a:pos x="connsiteX4" y="connsiteY4"/>
+                  </a:cxn>
+                  <a:cxn ang="0">
+                    <a:pos x="connsiteX5" y="connsiteY5"/>
+                  </a:cxn>
+                  <a:cxn ang="0">
+                    <a:pos x="connsiteX6" y="connsiteY6"/>
+                  </a:cxn>
+                  <a:cxn ang="0">
+                    <a:pos x="connsiteX7" y="connsiteY7"/>
+                  </a:cxn>
+                  <a:cxn ang="0">
+                    <a:pos x="connsiteX8" y="connsiteY8"/>
+                  </a:cxn>
+                  <a:cxn ang="0">
+                    <a:pos x="connsiteX9" y="connsiteY9"/>
+                  </a:cxn>
+                  <a:cxn ang="0">
+                    <a:pos x="connsiteX10" y="connsiteY10"/>
+                  </a:cxn>
+                  <a:cxn ang="0">
+                    <a:pos x="connsiteX11" y="connsiteY11"/>
+                  </a:cxn>
+                  <a:cxn ang="0">
+                    <a:pos x="connsiteX12" y="connsiteY12"/>
+                  </a:cxn>
+                  <a:cxn ang="0">
+                    <a:pos x="connsiteX13" y="connsiteY13"/>
+                  </a:cxn>
+                  <a:cxn ang="0">
+                    <a:pos x="connsiteX14" y="connsiteY14"/>
+                  </a:cxn>
+                  <a:cxn ang="0">
+                    <a:pos x="connsiteX15" y="connsiteY15"/>
+                  </a:cxn>
+                  <a:cxn ang="0">
+                    <a:pos x="connsiteX16" y="connsiteY16"/>
+                  </a:cxn>
+                  <a:cxn ang="0">
+                    <a:pos x="connsiteX17" y="connsiteY17"/>
+                  </a:cxn>
+                  <a:cxn ang="0">
+                    <a:pos x="connsiteX18" y="connsiteY18"/>
+                  </a:cxn>
+                  <a:cxn ang="0">
+                    <a:pos x="connsiteX19" y="connsiteY19"/>
+                  </a:cxn>
+                  <a:cxn ang="0">
+                    <a:pos x="connsiteX20" y="connsiteY20"/>
+                  </a:cxn>
+                  <a:cxn ang="0">
+                    <a:pos x="connsiteX21" y="connsiteY21"/>
+                  </a:cxn>
+                  <a:cxn ang="0">
+                    <a:pos x="connsiteX22" y="connsiteY22"/>
+                  </a:cxn>
+                  <a:cxn ang="0">
+                    <a:pos x="connsiteX23" y="connsiteY23"/>
+                  </a:cxn>
+                  <a:cxn ang="0">
+                    <a:pos x="connsiteX24" y="connsiteY24"/>
+                  </a:cxn>
+                  <a:cxn ang="0">
+                    <a:pos x="connsiteX25" y="connsiteY25"/>
+                  </a:cxn>
+                  <a:cxn ang="0">
+                    <a:pos x="connsiteX26" y="connsiteY26"/>
+                  </a:cxn>
+                  <a:cxn ang="0">
+                    <a:pos x="connsiteX27" y="connsiteY27"/>
+                  </a:cxn>
+                  <a:cxn ang="0">
+                    <a:pos x="connsiteX28" y="connsiteY28"/>
+                  </a:cxn>
+                  <a:cxn ang="0">
+                    <a:pos x="connsiteX29" y="connsiteY29"/>
+                  </a:cxn>
+                  <a:cxn ang="0">
+                    <a:pos x="connsiteX30" y="connsiteY30"/>
+                  </a:cxn>
+                  <a:cxn ang="0">
+                    <a:pos x="connsiteX31" y="connsiteY31"/>
+                  </a:cxn>
+                  <a:cxn ang="0">
+                    <a:pos x="connsiteX32" y="connsiteY32"/>
+                  </a:cxn>
+                  <a:cxn ang="0">
+                    <a:pos x="connsiteX33" y="connsiteY33"/>
+                  </a:cxn>
+                  <a:cxn ang="0">
+                    <a:pos x="connsiteX34" y="connsiteY34"/>
+                  </a:cxn>
+                  <a:cxn ang="0">
+                    <a:pos x="connsiteX35" y="connsiteY35"/>
+                  </a:cxn>
+                  <a:cxn ang="0">
+                    <a:pos x="connsiteX36" y="connsiteY36"/>
+                  </a:cxn>
+                  <a:cxn ang="0">
+                    <a:pos x="connsiteX37" y="connsiteY37"/>
+                  </a:cxn>
+                  <a:cxn ang="0">
+                    <a:pos x="connsiteX38" y="connsiteY38"/>
+                  </a:cxn>
+                  <a:cxn ang="0">
+                    <a:pos x="connsiteX39" y="connsiteY39"/>
+                  </a:cxn>
+                  <a:cxn ang="0">
+                    <a:pos x="connsiteX40" y="connsiteY40"/>
+                  </a:cxn>
+                  <a:cxn ang="0">
+                    <a:pos x="connsiteX41" y="connsiteY41"/>
+                  </a:cxn>
+                  <a:cxn ang="0">
+                    <a:pos x="connsiteX42" y="connsiteY42"/>
+                  </a:cxn>
+                </a:cxnLst>
+                <a:rect l="l" t="t" r="r" b="b"/>
+                <a:pathLst>
+                  <a:path w="8046720" h="4410635">
+                    <a:moveTo>
+                      <a:pt x="0" y="892885"/>
+                    </a:moveTo>
+                    <a:lnTo>
+                      <a:pt x="322730" y="699247"/>
+                    </a:lnTo>
+                    <a:lnTo>
+                      <a:pt x="1021977" y="408791"/>
+                    </a:lnTo>
+                    <a:lnTo>
+                      <a:pt x="1484555" y="204395"/>
+                    </a:lnTo>
+                    <a:lnTo>
+                      <a:pt x="2130014" y="21515"/>
+                    </a:lnTo>
+                    <a:lnTo>
+                      <a:pt x="4260028" y="0"/>
+                    </a:lnTo>
+                    <a:lnTo>
+                      <a:pt x="4453666" y="408791"/>
+                    </a:lnTo>
+                    <a:lnTo>
+                      <a:pt x="4561242" y="978946"/>
+                    </a:lnTo>
+                    <a:lnTo>
+                      <a:pt x="4593515" y="1764254"/>
+                    </a:lnTo>
+                    <a:lnTo>
+                      <a:pt x="4561242" y="2646381"/>
+                    </a:lnTo>
+                    <a:lnTo>
+                      <a:pt x="4582758" y="2979868"/>
+                    </a:lnTo>
+                    <a:lnTo>
+                      <a:pt x="4701092" y="3270325"/>
+                    </a:lnTo>
+                    <a:lnTo>
+                      <a:pt x="4894730" y="3205779"/>
+                    </a:lnTo>
+                    <a:lnTo>
+                      <a:pt x="5647765" y="2721685"/>
+                    </a:lnTo>
+                    <a:lnTo>
+                      <a:pt x="6099586" y="2312894"/>
+                    </a:lnTo>
+                    <a:lnTo>
+                      <a:pt x="6658984" y="1699708"/>
+                    </a:lnTo>
+                    <a:lnTo>
+                      <a:pt x="7325958" y="1086522"/>
+                    </a:lnTo>
+                    <a:lnTo>
+                      <a:pt x="8025205" y="462579"/>
+                    </a:lnTo>
+                    <a:lnTo>
+                      <a:pt x="8046720" y="1710466"/>
+                    </a:lnTo>
+                    <a:lnTo>
+                      <a:pt x="7347473" y="2388198"/>
+                    </a:lnTo>
+                    <a:lnTo>
+                      <a:pt x="6798833" y="2904565"/>
+                    </a:lnTo>
+                    <a:lnTo>
+                      <a:pt x="6422315" y="3184264"/>
+                    </a:lnTo>
+                    <a:lnTo>
+                      <a:pt x="6110344" y="3453205"/>
+                    </a:lnTo>
+                    <a:lnTo>
+                      <a:pt x="5411097" y="3861995"/>
+                    </a:lnTo>
+                    <a:lnTo>
+                      <a:pt x="4937760" y="4141694"/>
+                    </a:lnTo>
+                    <a:lnTo>
+                      <a:pt x="4378362" y="4378362"/>
+                    </a:lnTo>
+                    <a:lnTo>
+                      <a:pt x="4077148" y="4410635"/>
+                    </a:lnTo>
+                    <a:lnTo>
+                      <a:pt x="3948057" y="4356847"/>
+                    </a:lnTo>
+                    <a:lnTo>
+                      <a:pt x="3775934" y="3991087"/>
+                    </a:lnTo>
+                    <a:lnTo>
+                      <a:pt x="3689873" y="3582297"/>
+                    </a:lnTo>
+                    <a:lnTo>
+                      <a:pt x="3679115" y="3076687"/>
+                    </a:lnTo>
+                    <a:lnTo>
+                      <a:pt x="3743661" y="2345167"/>
+                    </a:lnTo>
+                    <a:lnTo>
+                      <a:pt x="3765177" y="1785769"/>
+                    </a:lnTo>
+                    <a:lnTo>
+                      <a:pt x="3657600" y="1226372"/>
+                    </a:lnTo>
+                    <a:lnTo>
+                      <a:pt x="3517751" y="828339"/>
+                    </a:lnTo>
+                    <a:lnTo>
+                      <a:pt x="3399417" y="677732"/>
+                    </a:lnTo>
+                    <a:lnTo>
+                      <a:pt x="3065930" y="688489"/>
+                    </a:lnTo>
+                    <a:lnTo>
+                      <a:pt x="2312894" y="914400"/>
+                    </a:lnTo>
+                    <a:lnTo>
+                      <a:pt x="1645920" y="1215614"/>
+                    </a:lnTo>
+                    <a:lnTo>
+                      <a:pt x="1097280" y="1495313"/>
+                    </a:lnTo>
+                    <a:lnTo>
+                      <a:pt x="441064" y="1839558"/>
+                    </a:lnTo>
+                    <a:lnTo>
+                      <a:pt x="21515" y="2097741"/>
+                    </a:lnTo>
+                    <a:lnTo>
+                      <a:pt x="0" y="892885"/>
+                    </a:lnTo>
+                    <a:close/>
+                  </a:path>
+                </a:pathLst>
+              </a:custGeom>
+              <a:solidFill>
+                <a:schemeClr val="tx1"/>
+              </a:solidFill>
+              <a:ln>
+                <a:noFill/>
+              </a:ln>
+            </p:spPr>
+            <p:style>
+              <a:lnRef idx="2">
+                <a:schemeClr val="accent1">
+                  <a:shade val="50000"/>
+                </a:schemeClr>
+              </a:lnRef>
+              <a:fillRef idx="1">
+                <a:schemeClr val="accent1"/>
+              </a:fillRef>
+              <a:effectRef idx="0">
+                <a:schemeClr val="accent1"/>
+              </a:effectRef>
+              <a:fontRef idx="minor">
+                <a:schemeClr val="lt1"/>
+              </a:fontRef>
+            </p:style>
+            <p:txBody>
+              <a:bodyPr rtlCol="0" anchor="ctr"/>
+              <a:lstStyle/>
+              <a:p>
+                <a:pPr algn="ctr"/>
+                <a:endParaRPr lang="en-US"/>
+              </a:p>
+            </p:txBody>
+          </p:sp>
+          <p:sp>
+            <p:nvSpPr>
+              <p:cNvPr id="5" name="Freeform 4">
+                <a:extLst>
+                  <a:ext uri="{FF2B5EF4-FFF2-40B4-BE49-F238E27FC236}">
+                    <a16:creationId xmlns:a16="http://schemas.microsoft.com/office/drawing/2014/main" id="{58424FE8-E284-5945-A497-2455D93BB5E5}"/>
+                  </a:ext>
+                </a:extLst>
+              </p:cNvPr>
+              <p:cNvSpPr/>
+              <p:nvPr/>
+            </p:nvSpPr>
+            <p:spPr>
+              <a:xfrm>
+                <a:off x="484094" y="1226372"/>
+                <a:ext cx="2043953" cy="903642"/>
+              </a:xfrm>
+              <a:custGeom>
+                <a:avLst/>
+                <a:gdLst>
+                  <a:gd name="connsiteX0" fmla="*/ 0 w 2043953"/>
+                  <a:gd name="connsiteY0" fmla="*/ 903642 h 903642"/>
+                  <a:gd name="connsiteX1" fmla="*/ 0 w 2043953"/>
+                  <a:gd name="connsiteY1" fmla="*/ 0 h 903642"/>
+                  <a:gd name="connsiteX2" fmla="*/ 2043953 w 2043953"/>
+                  <a:gd name="connsiteY2" fmla="*/ 21515 h 903642"/>
+                  <a:gd name="connsiteX3" fmla="*/ 1581374 w 2043953"/>
+                  <a:gd name="connsiteY3" fmla="*/ 161364 h 903642"/>
+                  <a:gd name="connsiteX4" fmla="*/ 1011219 w 2043953"/>
+                  <a:gd name="connsiteY4" fmla="*/ 398033 h 903642"/>
+                  <a:gd name="connsiteX5" fmla="*/ 548640 w 2043953"/>
+                  <a:gd name="connsiteY5" fmla="*/ 591670 h 903642"/>
+                  <a:gd name="connsiteX6" fmla="*/ 268941 w 2043953"/>
+                  <a:gd name="connsiteY6" fmla="*/ 742277 h 903642"/>
+                  <a:gd name="connsiteX7" fmla="*/ 0 w 2043953"/>
+                  <a:gd name="connsiteY7" fmla="*/ 903642 h 903642"/>
+                </a:gdLst>
+                <a:ahLst/>
+                <a:cxnLst>
+                  <a:cxn ang="0">
+                    <a:pos x="connsiteX0" y="connsiteY0"/>
+                  </a:cxn>
+                  <a:cxn ang="0">
+                    <a:pos x="connsiteX1" y="connsiteY1"/>
+                  </a:cxn>
+                  <a:cxn ang="0">
+                    <a:pos x="connsiteX2" y="connsiteY2"/>
+                  </a:cxn>
+                  <a:cxn ang="0">
+                    <a:pos x="connsiteX3" y="connsiteY3"/>
+                  </a:cxn>
+                  <a:cxn ang="0">
+                    <a:pos x="connsiteX4" y="connsiteY4"/>
+                  </a:cxn>
+                  <a:cxn ang="0">
+                    <a:pos x="connsiteX5" y="connsiteY5"/>
+                  </a:cxn>
+                  <a:cxn ang="0">
+                    <a:pos x="connsiteX6" y="connsiteY6"/>
+                  </a:cxn>
+                  <a:cxn ang="0">
+                    <a:pos x="connsiteX7" y="connsiteY7"/>
+                  </a:cxn>
+                </a:cxnLst>
+                <a:rect l="l" t="t" r="r" b="b"/>
+                <a:pathLst>
+                  <a:path w="2043953" h="903642">
+                    <a:moveTo>
+                      <a:pt x="0" y="903642"/>
+                    </a:moveTo>
+                    <a:lnTo>
+                      <a:pt x="0" y="0"/>
+                    </a:lnTo>
+                    <a:lnTo>
+                      <a:pt x="2043953" y="21515"/>
+                    </a:lnTo>
+                    <a:lnTo>
+                      <a:pt x="1581374" y="161364"/>
+                    </a:lnTo>
+                    <a:lnTo>
+                      <a:pt x="1011219" y="398033"/>
+                    </a:lnTo>
+                    <a:lnTo>
+                      <a:pt x="548640" y="591670"/>
+                    </a:lnTo>
+                    <a:lnTo>
+                      <a:pt x="268941" y="742277"/>
+                    </a:lnTo>
+                    <a:lnTo>
+                      <a:pt x="0" y="903642"/>
+                    </a:lnTo>
+                    <a:close/>
+                  </a:path>
+                </a:pathLst>
+              </a:custGeom>
+              <a:pattFill prst="wdDnDiag">
+                <a:fgClr>
+                  <a:schemeClr val="tx1"/>
+                </a:fgClr>
+                <a:bgClr>
+                  <a:schemeClr val="bg1"/>
+                </a:bgClr>
+              </a:pattFill>
+              <a:ln>
+                <a:noFill/>
+              </a:ln>
+            </p:spPr>
+            <p:style>
+              <a:lnRef idx="2">
+                <a:schemeClr val="accent1">
+                  <a:shade val="50000"/>
+                </a:schemeClr>
+              </a:lnRef>
+              <a:fillRef idx="1">
+                <a:schemeClr val="accent1"/>
+              </a:fillRef>
+              <a:effectRef idx="0">
+                <a:schemeClr val="accent1"/>
+              </a:effectRef>
+              <a:fontRef idx="minor">
+                <a:schemeClr val="lt1"/>
+              </a:fontRef>
+            </p:style>
+            <p:txBody>
+              <a:bodyPr rtlCol="0" anchor="ctr"/>
+              <a:lstStyle/>
+              <a:p>
+                <a:pPr algn="ctr"/>
+                <a:endParaRPr lang="en-US"/>
+              </a:p>
+            </p:txBody>
+          </p:sp>
+          <p:sp>
+            <p:nvSpPr>
+              <p:cNvPr id="7" name="Freeform 6">
+                <a:extLst>
+                  <a:ext uri="{FF2B5EF4-FFF2-40B4-BE49-F238E27FC236}">
+                    <a16:creationId xmlns:a16="http://schemas.microsoft.com/office/drawing/2014/main" id="{D2B4F53A-B3F1-4340-9460-B51C126D5D7B}"/>
+                  </a:ext>
+                </a:extLst>
+              </p:cNvPr>
+              <p:cNvSpPr/>
+              <p:nvPr/>
+            </p:nvSpPr>
+            <p:spPr>
+              <a:xfrm>
+                <a:off x="4776395" y="1237129"/>
+                <a:ext cx="3765177" cy="3248810"/>
+              </a:xfrm>
+              <a:custGeom>
+                <a:avLst/>
+                <a:gdLst>
+                  <a:gd name="connsiteX0" fmla="*/ 0 w 3765177"/>
+                  <a:gd name="connsiteY0" fmla="*/ 0 h 3248810"/>
+                  <a:gd name="connsiteX1" fmla="*/ 279699 w 3765177"/>
+                  <a:gd name="connsiteY1" fmla="*/ 1075765 h 3248810"/>
+                  <a:gd name="connsiteX2" fmla="*/ 311972 w 3765177"/>
+                  <a:gd name="connsiteY2" fmla="*/ 1893346 h 3248810"/>
+                  <a:gd name="connsiteX3" fmla="*/ 301214 w 3765177"/>
+                  <a:gd name="connsiteY3" fmla="*/ 2624866 h 3248810"/>
+                  <a:gd name="connsiteX4" fmla="*/ 301214 w 3765177"/>
+                  <a:gd name="connsiteY4" fmla="*/ 2947596 h 3248810"/>
+                  <a:gd name="connsiteX5" fmla="*/ 387276 w 3765177"/>
+                  <a:gd name="connsiteY5" fmla="*/ 3248810 h 3248810"/>
+                  <a:gd name="connsiteX6" fmla="*/ 623944 w 3765177"/>
+                  <a:gd name="connsiteY6" fmla="*/ 3195022 h 3248810"/>
+                  <a:gd name="connsiteX7" fmla="*/ 1172584 w 3765177"/>
+                  <a:gd name="connsiteY7" fmla="*/ 2818504 h 3248810"/>
+                  <a:gd name="connsiteX8" fmla="*/ 1764254 w 3765177"/>
+                  <a:gd name="connsiteY8" fmla="*/ 2334410 h 3248810"/>
+                  <a:gd name="connsiteX9" fmla="*/ 2173045 w 3765177"/>
+                  <a:gd name="connsiteY9" fmla="*/ 1904104 h 3248810"/>
+                  <a:gd name="connsiteX10" fmla="*/ 2753958 w 3765177"/>
+                  <a:gd name="connsiteY10" fmla="*/ 1323191 h 3248810"/>
+                  <a:gd name="connsiteX11" fmla="*/ 3345629 w 3765177"/>
+                  <a:gd name="connsiteY11" fmla="*/ 806824 h 3248810"/>
+                  <a:gd name="connsiteX12" fmla="*/ 3743661 w 3765177"/>
+                  <a:gd name="connsiteY12" fmla="*/ 451822 h 3248810"/>
+                  <a:gd name="connsiteX13" fmla="*/ 3765177 w 3765177"/>
+                  <a:gd name="connsiteY13" fmla="*/ 21516 h 3248810"/>
+                  <a:gd name="connsiteX14" fmla="*/ 2958353 w 3765177"/>
+                  <a:gd name="connsiteY14" fmla="*/ 43031 h 3248810"/>
+                  <a:gd name="connsiteX15" fmla="*/ 2528047 w 3765177"/>
+                  <a:gd name="connsiteY15" fmla="*/ 484095 h 3248810"/>
+                  <a:gd name="connsiteX16" fmla="*/ 2097741 w 3765177"/>
+                  <a:gd name="connsiteY16" fmla="*/ 968189 h 3248810"/>
+                  <a:gd name="connsiteX17" fmla="*/ 1731981 w 3765177"/>
+                  <a:gd name="connsiteY17" fmla="*/ 1441525 h 3248810"/>
+                  <a:gd name="connsiteX18" fmla="*/ 1420010 w 3765177"/>
+                  <a:gd name="connsiteY18" fmla="*/ 1807285 h 3248810"/>
+                  <a:gd name="connsiteX19" fmla="*/ 1161826 w 3765177"/>
+                  <a:gd name="connsiteY19" fmla="*/ 2097742 h 3248810"/>
+                  <a:gd name="connsiteX20" fmla="*/ 1043492 w 3765177"/>
+                  <a:gd name="connsiteY20" fmla="*/ 2194560 h 3248810"/>
+                  <a:gd name="connsiteX21" fmla="*/ 989704 w 3765177"/>
+                  <a:gd name="connsiteY21" fmla="*/ 2140772 h 3248810"/>
+                  <a:gd name="connsiteX22" fmla="*/ 1021977 w 3765177"/>
+                  <a:gd name="connsiteY22" fmla="*/ 1775012 h 3248810"/>
+                  <a:gd name="connsiteX23" fmla="*/ 1043492 w 3765177"/>
+                  <a:gd name="connsiteY23" fmla="*/ 1172584 h 3248810"/>
+                  <a:gd name="connsiteX24" fmla="*/ 1032734 w 3765177"/>
+                  <a:gd name="connsiteY24" fmla="*/ 677732 h 3248810"/>
+                  <a:gd name="connsiteX25" fmla="*/ 968189 w 3765177"/>
+                  <a:gd name="connsiteY25" fmla="*/ 311972 h 3248810"/>
+                  <a:gd name="connsiteX26" fmla="*/ 796066 w 3765177"/>
+                  <a:gd name="connsiteY26" fmla="*/ 0 h 3248810"/>
+                  <a:gd name="connsiteX27" fmla="*/ 0 w 3765177"/>
+                  <a:gd name="connsiteY27" fmla="*/ 0 h 3248810"/>
+                </a:gdLst>
+                <a:ahLst/>
+                <a:cxnLst>
+                  <a:cxn ang="0">
+                    <a:pos x="connsiteX0" y="connsiteY0"/>
+                  </a:cxn>
+                  <a:cxn ang="0">
+                    <a:pos x="connsiteX1" y="connsiteY1"/>
+                  </a:cxn>
+                  <a:cxn ang="0">
+                    <a:pos x="connsiteX2" y="connsiteY2"/>
+                  </a:cxn>
+                  <a:cxn ang="0">
+                    <a:pos x="connsiteX3" y="connsiteY3"/>
+                  </a:cxn>
+                  <a:cxn ang="0">
+                    <a:pos x="connsiteX4" y="connsiteY4"/>
+                  </a:cxn>
+                  <a:cxn ang="0">
+                    <a:pos x="connsiteX5" y="connsiteY5"/>
+                  </a:cxn>
+                  <a:cxn ang="0">
+                    <a:pos x="connsiteX6" y="connsiteY6"/>
+                  </a:cxn>
+                  <a:cxn ang="0">
+                    <a:pos x="connsiteX7" y="connsiteY7"/>
+                  </a:cxn>
+                  <a:cxn ang="0">
+                    <a:pos x="connsiteX8" y="connsiteY8"/>
+                  </a:cxn>
+                  <a:cxn ang="0">
+                    <a:pos x="connsiteX9" y="connsiteY9"/>
+                  </a:cxn>
+                  <a:cxn ang="0">
+                    <a:pos x="connsiteX10" y="connsiteY10"/>
+                  </a:cxn>
+                  <a:cxn ang="0">
+                    <a:pos x="connsiteX11" y="connsiteY11"/>
+                  </a:cxn>
+                  <a:cxn ang="0">
+                    <a:pos x="connsiteX12" y="connsiteY12"/>
+                  </a:cxn>
+                  <a:cxn ang="0">
+                    <a:pos x="connsiteX13" y="connsiteY13"/>
+                  </a:cxn>
+                  <a:cxn ang="0">
+                    <a:pos x="connsiteX14" y="connsiteY14"/>
+                  </a:cxn>
+                  <a:cxn ang="0">
+                    <a:pos x="connsiteX15" y="connsiteY15"/>
+                  </a:cxn>
+                  <a:cxn ang="0">
+                    <a:pos x="connsiteX16" y="connsiteY16"/>
+                  </a:cxn>
+                  <a:cxn ang="0">
+                    <a:pos x="connsiteX17" y="connsiteY17"/>
+                  </a:cxn>
+                  <a:cxn ang="0">
+                    <a:pos x="connsiteX18" y="connsiteY18"/>
+                  </a:cxn>
+                  <a:cxn ang="0">
+                    <a:pos x="connsiteX19" y="connsiteY19"/>
+                  </a:cxn>
+                  <a:cxn ang="0">
+                    <a:pos x="connsiteX20" y="connsiteY20"/>
+                  </a:cxn>
+                  <a:cxn ang="0">
+                    <a:pos x="connsiteX21" y="connsiteY21"/>
+                  </a:cxn>
+                  <a:cxn ang="0">
+                    <a:pos x="connsiteX22" y="connsiteY22"/>
+                  </a:cxn>
+                  <a:cxn ang="0">
+                    <a:pos x="connsiteX23" y="connsiteY23"/>
+                  </a:cxn>
+                  <a:cxn ang="0">
+                    <a:pos x="connsiteX24" y="connsiteY24"/>
+                  </a:cxn>
+                  <a:cxn ang="0">
+                    <a:pos x="connsiteX25" y="connsiteY25"/>
+                  </a:cxn>
+                  <a:cxn ang="0">
+                    <a:pos x="connsiteX26" y="connsiteY26"/>
+                  </a:cxn>
+                  <a:cxn ang="0">
+                    <a:pos x="connsiteX27" y="connsiteY27"/>
+                  </a:cxn>
+                </a:cxnLst>
+                <a:rect l="l" t="t" r="r" b="b"/>
+                <a:pathLst>
+                  <a:path w="3765177" h="3248810">
+                    <a:moveTo>
+                      <a:pt x="0" y="0"/>
+                    </a:moveTo>
+                    <a:lnTo>
+                      <a:pt x="279699" y="1075765"/>
+                    </a:lnTo>
+                    <a:lnTo>
+                      <a:pt x="311972" y="1893346"/>
+                    </a:lnTo>
+                    <a:lnTo>
+                      <a:pt x="301214" y="2624866"/>
+                    </a:lnTo>
+                    <a:lnTo>
+                      <a:pt x="301214" y="2947596"/>
+                    </a:lnTo>
+                    <a:lnTo>
+                      <a:pt x="387276" y="3248810"/>
+                    </a:lnTo>
+                    <a:lnTo>
+                      <a:pt x="623944" y="3195022"/>
+                    </a:lnTo>
+                    <a:lnTo>
+                      <a:pt x="1172584" y="2818504"/>
+                    </a:lnTo>
+                    <a:lnTo>
+                      <a:pt x="1764254" y="2334410"/>
+                    </a:lnTo>
+                    <a:lnTo>
+                      <a:pt x="2173045" y="1904104"/>
+                    </a:lnTo>
+                    <a:lnTo>
+                      <a:pt x="2753958" y="1323191"/>
+                    </a:lnTo>
+                    <a:lnTo>
+                      <a:pt x="3345629" y="806824"/>
+                    </a:lnTo>
+                    <a:lnTo>
+                      <a:pt x="3743661" y="451822"/>
+                    </a:lnTo>
+                    <a:lnTo>
+                      <a:pt x="3765177" y="21516"/>
+                    </a:lnTo>
+                    <a:lnTo>
+                      <a:pt x="2958353" y="43031"/>
+                    </a:lnTo>
+                    <a:lnTo>
+                      <a:pt x="2528047" y="484095"/>
+                    </a:lnTo>
+                    <a:lnTo>
+                      <a:pt x="2097741" y="968189"/>
+                    </a:lnTo>
+                    <a:lnTo>
+                      <a:pt x="1731981" y="1441525"/>
+                    </a:lnTo>
+                    <a:lnTo>
+                      <a:pt x="1420010" y="1807285"/>
+                    </a:lnTo>
+                    <a:lnTo>
+                      <a:pt x="1161826" y="2097742"/>
+                    </a:lnTo>
+                    <a:lnTo>
+                      <a:pt x="1043492" y="2194560"/>
+                    </a:lnTo>
+                    <a:lnTo>
+                      <a:pt x="989704" y="2140772"/>
+                    </a:lnTo>
+                    <a:lnTo>
+                      <a:pt x="1021977" y="1775012"/>
+                    </a:lnTo>
+                    <a:lnTo>
+                      <a:pt x="1043492" y="1172584"/>
+                    </a:lnTo>
+                    <a:lnTo>
+                      <a:pt x="1032734" y="677732"/>
+                    </a:lnTo>
+                    <a:lnTo>
+                      <a:pt x="968189" y="311972"/>
+                    </a:lnTo>
+                    <a:lnTo>
+                      <a:pt x="796066" y="0"/>
+                    </a:lnTo>
+                    <a:lnTo>
+                      <a:pt x="0" y="0"/>
+                    </a:lnTo>
+                    <a:close/>
+                  </a:path>
+                </a:pathLst>
+              </a:custGeom>
+              <a:pattFill prst="wdDnDiag">
+                <a:fgClr>
+                  <a:schemeClr val="tx1"/>
+                </a:fgClr>
+                <a:bgClr>
+                  <a:schemeClr val="bg1"/>
+                </a:bgClr>
+              </a:pattFill>
+              <a:ln>
+                <a:noFill/>
+              </a:ln>
+            </p:spPr>
+            <p:style>
+              <a:lnRef idx="2">
+                <a:schemeClr val="accent1">
+                  <a:shade val="50000"/>
+                </a:schemeClr>
+              </a:lnRef>
+              <a:fillRef idx="1">
+                <a:schemeClr val="accent1"/>
+              </a:fillRef>
+              <a:effectRef idx="0">
+                <a:schemeClr val="accent1"/>
+              </a:effectRef>
+              <a:fontRef idx="minor">
+                <a:schemeClr val="lt1"/>
+              </a:fontRef>
+            </p:style>
+            <p:txBody>
+              <a:bodyPr rtlCol="0" anchor="ctr"/>
+              <a:lstStyle/>
+              <a:p>
+                <a:pPr algn="ctr"/>
+                <a:endParaRPr lang="en-US"/>
+              </a:p>
+            </p:txBody>
+          </p:sp>
+          <p:sp>
+            <p:nvSpPr>
+              <p:cNvPr id="8" name="Freeform 7">
+                <a:extLst>
+                  <a:ext uri="{FF2B5EF4-FFF2-40B4-BE49-F238E27FC236}">
+                    <a16:creationId xmlns:a16="http://schemas.microsoft.com/office/drawing/2014/main" id="{4F8C88AF-1EAF-C34C-BBC8-B4860B96AC85}"/>
+                  </a:ext>
+                </a:extLst>
+              </p:cNvPr>
+              <p:cNvSpPr/>
+              <p:nvPr/>
+            </p:nvSpPr>
+            <p:spPr>
+              <a:xfrm>
+                <a:off x="5572461" y="1237129"/>
+                <a:ext cx="2130014" cy="2173045"/>
+              </a:xfrm>
+              <a:custGeom>
+                <a:avLst/>
+                <a:gdLst>
+                  <a:gd name="connsiteX0" fmla="*/ 0 w 2130014"/>
+                  <a:gd name="connsiteY0" fmla="*/ 0 h 2173045"/>
+                  <a:gd name="connsiteX1" fmla="*/ 182880 w 2130014"/>
+                  <a:gd name="connsiteY1" fmla="*/ 333487 h 2173045"/>
+                  <a:gd name="connsiteX2" fmla="*/ 268941 w 2130014"/>
+                  <a:gd name="connsiteY2" fmla="*/ 946673 h 2173045"/>
+                  <a:gd name="connsiteX3" fmla="*/ 247426 w 2130014"/>
+                  <a:gd name="connsiteY3" fmla="*/ 1645920 h 2173045"/>
+                  <a:gd name="connsiteX4" fmla="*/ 215153 w 2130014"/>
+                  <a:gd name="connsiteY4" fmla="*/ 2119257 h 2173045"/>
+                  <a:gd name="connsiteX5" fmla="*/ 236668 w 2130014"/>
+                  <a:gd name="connsiteY5" fmla="*/ 2173045 h 2173045"/>
+                  <a:gd name="connsiteX6" fmla="*/ 484094 w 2130014"/>
+                  <a:gd name="connsiteY6" fmla="*/ 1947135 h 2173045"/>
+                  <a:gd name="connsiteX7" fmla="*/ 1054250 w 2130014"/>
+                  <a:gd name="connsiteY7" fmla="*/ 1258645 h 2173045"/>
+                  <a:gd name="connsiteX8" fmla="*/ 1527586 w 2130014"/>
+                  <a:gd name="connsiteY8" fmla="*/ 677732 h 2173045"/>
+                  <a:gd name="connsiteX9" fmla="*/ 1850315 w 2130014"/>
+                  <a:gd name="connsiteY9" fmla="*/ 333487 h 2173045"/>
+                  <a:gd name="connsiteX10" fmla="*/ 2130014 w 2130014"/>
+                  <a:gd name="connsiteY10" fmla="*/ 32273 h 2173045"/>
+                  <a:gd name="connsiteX11" fmla="*/ 0 w 2130014"/>
+                  <a:gd name="connsiteY11" fmla="*/ 0 h 2173045"/>
+                </a:gdLst>
+                <a:ahLst/>
+                <a:cxnLst>
+                  <a:cxn ang="0">
+                    <a:pos x="connsiteX0" y="connsiteY0"/>
+                  </a:cxn>
+                  <a:cxn ang="0">
+                    <a:pos x="connsiteX1" y="connsiteY1"/>
+                  </a:cxn>
+                  <a:cxn ang="0">
+                    <a:pos x="connsiteX2" y="connsiteY2"/>
+                  </a:cxn>
+                  <a:cxn ang="0">
+                    <a:pos x="connsiteX3" y="connsiteY3"/>
+                  </a:cxn>
+                  <a:cxn ang="0">
+                    <a:pos x="connsiteX4" y="connsiteY4"/>
+                  </a:cxn>
+                  <a:cxn ang="0">
+                    <a:pos x="connsiteX5" y="connsiteY5"/>
+                  </a:cxn>
+                  <a:cxn ang="0">
+                    <a:pos x="connsiteX6" y="connsiteY6"/>
+                  </a:cxn>
+                  <a:cxn ang="0">
+                    <a:pos x="connsiteX7" y="connsiteY7"/>
+                  </a:cxn>
+                  <a:cxn ang="0">
+                    <a:pos x="connsiteX8" y="connsiteY8"/>
+                  </a:cxn>
+                  <a:cxn ang="0">
+                    <a:pos x="connsiteX9" y="connsiteY9"/>
+                  </a:cxn>
+                  <a:cxn ang="0">
+                    <a:pos x="connsiteX10" y="connsiteY10"/>
+                  </a:cxn>
+                  <a:cxn ang="0">
+                    <a:pos x="connsiteX11" y="connsiteY11"/>
+                  </a:cxn>
+                </a:cxnLst>
+                <a:rect l="l" t="t" r="r" b="b"/>
+                <a:pathLst>
+                  <a:path w="2130014" h="2173045">
+                    <a:moveTo>
+                      <a:pt x="0" y="0"/>
+                    </a:moveTo>
+                    <a:lnTo>
+                      <a:pt x="182880" y="333487"/>
+                    </a:lnTo>
+                    <a:lnTo>
+                      <a:pt x="268941" y="946673"/>
+                    </a:lnTo>
+                    <a:lnTo>
+                      <a:pt x="247426" y="1645920"/>
+                    </a:lnTo>
+                    <a:lnTo>
+                      <a:pt x="215153" y="2119257"/>
+                    </a:lnTo>
+                    <a:lnTo>
+                      <a:pt x="236668" y="2173045"/>
+                    </a:lnTo>
+                    <a:lnTo>
+                      <a:pt x="484094" y="1947135"/>
+                    </a:lnTo>
+                    <a:lnTo>
+                      <a:pt x="1054250" y="1258645"/>
+                    </a:lnTo>
+                    <a:lnTo>
+                      <a:pt x="1527586" y="677732"/>
+                    </a:lnTo>
+                    <a:lnTo>
+                      <a:pt x="1850315" y="333487"/>
+                    </a:lnTo>
+                    <a:lnTo>
+                      <a:pt x="2130014" y="32273"/>
+                    </a:lnTo>
+                    <a:lnTo>
+                      <a:pt x="0" y="0"/>
+                    </a:lnTo>
+                    <a:close/>
+                  </a:path>
+                </a:pathLst>
+              </a:custGeom>
+              <a:pattFill prst="lgGrid">
+                <a:fgClr>
+                  <a:schemeClr val="tx1"/>
+                </a:fgClr>
+                <a:bgClr>
+                  <a:schemeClr val="bg1"/>
+                </a:bgClr>
+              </a:pattFill>
+              <a:ln>
+                <a:noFill/>
+              </a:ln>
+            </p:spPr>
+            <p:style>
+              <a:lnRef idx="2">
+                <a:schemeClr val="accent1">
+                  <a:shade val="50000"/>
+                </a:schemeClr>
+              </a:lnRef>
+              <a:fillRef idx="1">
+                <a:schemeClr val="accent1"/>
+              </a:fillRef>
+              <a:effectRef idx="0">
+                <a:schemeClr val="accent1"/>
+              </a:effectRef>
+              <a:fontRef idx="minor">
+                <a:schemeClr val="lt1"/>
+              </a:fontRef>
+            </p:style>
+            <p:txBody>
+              <a:bodyPr rtlCol="0" anchor="ctr"/>
+              <a:lstStyle/>
+              <a:p>
+                <a:pPr algn="ctr"/>
+                <a:endParaRPr lang="en-US"/>
+              </a:p>
+            </p:txBody>
+          </p:sp>
+          <p:sp>
+            <p:nvSpPr>
+              <p:cNvPr id="9" name="Freeform 8">
+                <a:extLst>
+                  <a:ext uri="{FF2B5EF4-FFF2-40B4-BE49-F238E27FC236}">
+                    <a16:creationId xmlns:a16="http://schemas.microsoft.com/office/drawing/2014/main" id="{D8DAA95B-86F2-634D-B25F-8C3A97EFEAC5}"/>
+                  </a:ext>
+                </a:extLst>
+              </p:cNvPr>
+              <p:cNvSpPr/>
+              <p:nvPr/>
+            </p:nvSpPr>
+            <p:spPr>
+              <a:xfrm>
+                <a:off x="505609" y="3453205"/>
+                <a:ext cx="2753958" cy="2592593"/>
+              </a:xfrm>
+              <a:custGeom>
+                <a:avLst/>
+                <a:gdLst>
+                  <a:gd name="connsiteX0" fmla="*/ 0 w 2753958"/>
+                  <a:gd name="connsiteY0" fmla="*/ 1420009 h 2592593"/>
+                  <a:gd name="connsiteX1" fmla="*/ 301215 w 2753958"/>
+                  <a:gd name="connsiteY1" fmla="*/ 1140310 h 2592593"/>
+                  <a:gd name="connsiteX2" fmla="*/ 882127 w 2753958"/>
+                  <a:gd name="connsiteY2" fmla="*/ 720762 h 2592593"/>
+                  <a:gd name="connsiteX3" fmla="*/ 1527586 w 2753958"/>
+                  <a:gd name="connsiteY3" fmla="*/ 322729 h 2592593"/>
+                  <a:gd name="connsiteX4" fmla="*/ 2162287 w 2753958"/>
+                  <a:gd name="connsiteY4" fmla="*/ 64546 h 2592593"/>
+                  <a:gd name="connsiteX5" fmla="*/ 2420471 w 2753958"/>
+                  <a:gd name="connsiteY5" fmla="*/ 0 h 2592593"/>
+                  <a:gd name="connsiteX6" fmla="*/ 2581836 w 2753958"/>
+                  <a:gd name="connsiteY6" fmla="*/ 193637 h 2592593"/>
+                  <a:gd name="connsiteX7" fmla="*/ 2667897 w 2753958"/>
+                  <a:gd name="connsiteY7" fmla="*/ 516367 h 2592593"/>
+                  <a:gd name="connsiteX8" fmla="*/ 2710927 w 2753958"/>
+                  <a:gd name="connsiteY8" fmla="*/ 871369 h 2592593"/>
+                  <a:gd name="connsiteX9" fmla="*/ 2700170 w 2753958"/>
+                  <a:gd name="connsiteY9" fmla="*/ 1613647 h 2592593"/>
+                  <a:gd name="connsiteX10" fmla="*/ 2667897 w 2753958"/>
+                  <a:gd name="connsiteY10" fmla="*/ 2086983 h 2592593"/>
+                  <a:gd name="connsiteX11" fmla="*/ 2646382 w 2753958"/>
+                  <a:gd name="connsiteY11" fmla="*/ 2398955 h 2592593"/>
+                  <a:gd name="connsiteX12" fmla="*/ 2753958 w 2753958"/>
+                  <a:gd name="connsiteY12" fmla="*/ 2592593 h 2592593"/>
+                  <a:gd name="connsiteX13" fmla="*/ 1484556 w 2753958"/>
+                  <a:gd name="connsiteY13" fmla="*/ 2560320 h 2592593"/>
+                  <a:gd name="connsiteX14" fmla="*/ 1538344 w 2753958"/>
+                  <a:gd name="connsiteY14" fmla="*/ 2205317 h 2592593"/>
+                  <a:gd name="connsiteX15" fmla="*/ 1624405 w 2753958"/>
+                  <a:gd name="connsiteY15" fmla="*/ 1796527 h 2592593"/>
+                  <a:gd name="connsiteX16" fmla="*/ 1570617 w 2753958"/>
+                  <a:gd name="connsiteY16" fmla="*/ 1581374 h 2592593"/>
+                  <a:gd name="connsiteX17" fmla="*/ 1463040 w 2753958"/>
+                  <a:gd name="connsiteY17" fmla="*/ 1570616 h 2592593"/>
+                  <a:gd name="connsiteX18" fmla="*/ 1172584 w 2753958"/>
+                  <a:gd name="connsiteY18" fmla="*/ 1731981 h 2592593"/>
+                  <a:gd name="connsiteX19" fmla="*/ 699247 w 2753958"/>
+                  <a:gd name="connsiteY19" fmla="*/ 2043953 h 2592593"/>
+                  <a:gd name="connsiteX20" fmla="*/ 473337 w 2753958"/>
+                  <a:gd name="connsiteY20" fmla="*/ 2226833 h 2592593"/>
+                  <a:gd name="connsiteX21" fmla="*/ 182880 w 2753958"/>
+                  <a:gd name="connsiteY21" fmla="*/ 2592593 h 2592593"/>
+                  <a:gd name="connsiteX22" fmla="*/ 10758 w 2753958"/>
+                  <a:gd name="connsiteY22" fmla="*/ 2592593 h 2592593"/>
+                  <a:gd name="connsiteX23" fmla="*/ 0 w 2753958"/>
+                  <a:gd name="connsiteY23" fmla="*/ 1420009 h 2592593"/>
+                </a:gdLst>
+                <a:ahLst/>
+                <a:cxnLst>
+                  <a:cxn ang="0">
+                    <a:pos x="connsiteX0" y="connsiteY0"/>
+                  </a:cxn>
+                  <a:cxn ang="0">
+                    <a:pos x="connsiteX1" y="connsiteY1"/>
+                  </a:cxn>
+                  <a:cxn ang="0">
+                    <a:pos x="connsiteX2" y="connsiteY2"/>
+                  </a:cxn>
+                  <a:cxn ang="0">
+                    <a:pos x="connsiteX3" y="connsiteY3"/>
+                  </a:cxn>
+                  <a:cxn ang="0">
+                    <a:pos x="connsiteX4" y="connsiteY4"/>
+                  </a:cxn>
+                  <a:cxn ang="0">
+                    <a:pos x="connsiteX5" y="connsiteY5"/>
+                  </a:cxn>
+                  <a:cxn ang="0">
+                    <a:pos x="connsiteX6" y="connsiteY6"/>
+                  </a:cxn>
+                  <a:cxn ang="0">
+                    <a:pos x="connsiteX7" y="connsiteY7"/>
+                  </a:cxn>
+                  <a:cxn ang="0">
+                    <a:pos x="connsiteX8" y="connsiteY8"/>
+                  </a:cxn>
+                  <a:cxn ang="0">
+                    <a:pos x="connsiteX9" y="connsiteY9"/>
+                  </a:cxn>
+                  <a:cxn ang="0">
+                    <a:pos x="connsiteX10" y="connsiteY10"/>
+                  </a:cxn>
+                  <a:cxn ang="0">
+                    <a:pos x="connsiteX11" y="connsiteY11"/>
+                  </a:cxn>
+                  <a:cxn ang="0">
+                    <a:pos x="connsiteX12" y="connsiteY12"/>
+                  </a:cxn>
+                  <a:cxn ang="0">
+                    <a:pos x="connsiteX13" y="connsiteY13"/>
+                  </a:cxn>
+                  <a:cxn ang="0">
+                    <a:pos x="connsiteX14" y="connsiteY14"/>
+                  </a:cxn>
+                  <a:cxn ang="0">
+                    <a:pos x="connsiteX15" y="connsiteY15"/>
+                  </a:cxn>
+                  <a:cxn ang="0">
+                    <a:pos x="connsiteX16" y="connsiteY16"/>
+                  </a:cxn>
+                  <a:cxn ang="0">
+                    <a:pos x="connsiteX17" y="connsiteY17"/>
+                  </a:cxn>
+                  <a:cxn ang="0">
+                    <a:pos x="connsiteX18" y="connsiteY18"/>
+                  </a:cxn>
+                  <a:cxn ang="0">
+                    <a:pos x="connsiteX19" y="connsiteY19"/>
+                  </a:cxn>
+                  <a:cxn ang="0">
+                    <a:pos x="connsiteX20" y="connsiteY20"/>
+                  </a:cxn>
+                  <a:cxn ang="0">
+                    <a:pos x="connsiteX21" y="connsiteY21"/>
+                  </a:cxn>
+                  <a:cxn ang="0">
+                    <a:pos x="connsiteX22" y="connsiteY22"/>
+                  </a:cxn>
+                  <a:cxn ang="0">
+                    <a:pos x="connsiteX23" y="connsiteY23"/>
+                  </a:cxn>
+                </a:cxnLst>
+                <a:rect l="l" t="t" r="r" b="b"/>
+                <a:pathLst>
+                  <a:path w="2753958" h="2592593">
+                    <a:moveTo>
+                      <a:pt x="0" y="1420009"/>
+                    </a:moveTo>
+                    <a:lnTo>
+                      <a:pt x="301215" y="1140310"/>
+                    </a:lnTo>
+                    <a:lnTo>
+                      <a:pt x="882127" y="720762"/>
+                    </a:lnTo>
+                    <a:lnTo>
+                      <a:pt x="1527586" y="322729"/>
+                    </a:lnTo>
+                    <a:lnTo>
+                      <a:pt x="2162287" y="64546"/>
+                    </a:lnTo>
+                    <a:lnTo>
+                      <a:pt x="2420471" y="0"/>
+                    </a:lnTo>
+                    <a:lnTo>
+                      <a:pt x="2581836" y="193637"/>
+                    </a:lnTo>
+                    <a:lnTo>
+                      <a:pt x="2667897" y="516367"/>
+                    </a:lnTo>
+                    <a:lnTo>
+                      <a:pt x="2710927" y="871369"/>
+                    </a:lnTo>
+                    <a:lnTo>
+                      <a:pt x="2700170" y="1613647"/>
+                    </a:lnTo>
+                    <a:lnTo>
+                      <a:pt x="2667897" y="2086983"/>
+                    </a:lnTo>
+                    <a:lnTo>
+                      <a:pt x="2646382" y="2398955"/>
+                    </a:lnTo>
+                    <a:lnTo>
+                      <a:pt x="2753958" y="2592593"/>
+                    </a:lnTo>
+                    <a:lnTo>
+                      <a:pt x="1484556" y="2560320"/>
+                    </a:lnTo>
+                    <a:lnTo>
+                      <a:pt x="1538344" y="2205317"/>
+                    </a:lnTo>
+                    <a:lnTo>
+                      <a:pt x="1624405" y="1796527"/>
+                    </a:lnTo>
+                    <a:lnTo>
+                      <a:pt x="1570617" y="1581374"/>
+                    </a:lnTo>
+                    <a:lnTo>
+                      <a:pt x="1463040" y="1570616"/>
+                    </a:lnTo>
+                    <a:lnTo>
+                      <a:pt x="1172584" y="1731981"/>
+                    </a:lnTo>
+                    <a:lnTo>
+                      <a:pt x="699247" y="2043953"/>
+                    </a:lnTo>
+                    <a:lnTo>
+                      <a:pt x="473337" y="2226833"/>
+                    </a:lnTo>
+                    <a:lnTo>
+                      <a:pt x="182880" y="2592593"/>
+                    </a:lnTo>
+                    <a:lnTo>
+                      <a:pt x="10758" y="2592593"/>
+                    </a:lnTo>
+                    <a:lnTo>
+                      <a:pt x="0" y="1420009"/>
+                    </a:lnTo>
+                    <a:close/>
+                  </a:path>
+                </a:pathLst>
+              </a:custGeom>
+              <a:pattFill prst="ltVert">
+                <a:fgClr>
+                  <a:schemeClr val="tx1"/>
+                </a:fgClr>
+                <a:bgClr>
+                  <a:schemeClr val="bg1"/>
+                </a:bgClr>
+              </a:pattFill>
+              <a:ln>
+                <a:noFill/>
+              </a:ln>
+            </p:spPr>
+            <p:style>
+              <a:lnRef idx="2">
+                <a:schemeClr val="accent1">
+                  <a:shade val="50000"/>
+                </a:schemeClr>
+              </a:lnRef>
+              <a:fillRef idx="1">
+                <a:schemeClr val="accent1"/>
+              </a:fillRef>
+              <a:effectRef idx="0">
+                <a:schemeClr val="accent1"/>
+              </a:effectRef>
+              <a:fontRef idx="minor">
+                <a:schemeClr val="lt1"/>
+              </a:fontRef>
+            </p:style>
+            <p:txBody>
+              <a:bodyPr rtlCol="0" anchor="ctr"/>
+              <a:lstStyle/>
+              <a:p>
+                <a:pPr algn="ctr"/>
+                <a:endParaRPr lang="en-US"/>
+              </a:p>
+            </p:txBody>
+          </p:sp>
+          <p:sp>
+            <p:nvSpPr>
+              <p:cNvPr id="11" name="Freeform 10">
+                <a:extLst>
+                  <a:ext uri="{FF2B5EF4-FFF2-40B4-BE49-F238E27FC236}">
+                    <a16:creationId xmlns:a16="http://schemas.microsoft.com/office/drawing/2014/main" id="{D0FAE6E4-CD5A-FC4F-BD8B-339FD21B38FA}"/>
+                  </a:ext>
+                </a:extLst>
+              </p:cNvPr>
+              <p:cNvSpPr/>
+              <p:nvPr/>
+            </p:nvSpPr>
+            <p:spPr>
+              <a:xfrm>
+                <a:off x="710005" y="5045336"/>
+                <a:ext cx="1376979" cy="1000462"/>
+              </a:xfrm>
+              <a:custGeom>
+                <a:avLst/>
+                <a:gdLst>
+                  <a:gd name="connsiteX0" fmla="*/ 0 w 1376979"/>
+                  <a:gd name="connsiteY0" fmla="*/ 1000462 h 1000462"/>
+                  <a:gd name="connsiteX1" fmla="*/ 225910 w 1376979"/>
+                  <a:gd name="connsiteY1" fmla="*/ 699248 h 1000462"/>
+                  <a:gd name="connsiteX2" fmla="*/ 602428 w 1376979"/>
+                  <a:gd name="connsiteY2" fmla="*/ 387276 h 1000462"/>
+                  <a:gd name="connsiteX3" fmla="*/ 1032734 w 1376979"/>
+                  <a:gd name="connsiteY3" fmla="*/ 107577 h 1000462"/>
+                  <a:gd name="connsiteX4" fmla="*/ 1280160 w 1376979"/>
+                  <a:gd name="connsiteY4" fmla="*/ 0 h 1000462"/>
+                  <a:gd name="connsiteX5" fmla="*/ 1376979 w 1376979"/>
+                  <a:gd name="connsiteY5" fmla="*/ 64546 h 1000462"/>
+                  <a:gd name="connsiteX6" fmla="*/ 1376979 w 1376979"/>
+                  <a:gd name="connsiteY6" fmla="*/ 333488 h 1000462"/>
+                  <a:gd name="connsiteX7" fmla="*/ 1323190 w 1376979"/>
+                  <a:gd name="connsiteY7" fmla="*/ 710005 h 1000462"/>
+                  <a:gd name="connsiteX8" fmla="*/ 1247887 w 1376979"/>
+                  <a:gd name="connsiteY8" fmla="*/ 1000462 h 1000462"/>
+                  <a:gd name="connsiteX9" fmla="*/ 0 w 1376979"/>
+                  <a:gd name="connsiteY9" fmla="*/ 1000462 h 1000462"/>
+                </a:gdLst>
+                <a:ahLst/>
+                <a:cxnLst>
+                  <a:cxn ang="0">
+                    <a:pos x="connsiteX0" y="connsiteY0"/>
+                  </a:cxn>
+                  <a:cxn ang="0">
+                    <a:pos x="connsiteX1" y="connsiteY1"/>
+                  </a:cxn>
+                  <a:cxn ang="0">
+                    <a:pos x="connsiteX2" y="connsiteY2"/>
+                  </a:cxn>
+                  <a:cxn ang="0">
+                    <a:pos x="connsiteX3" y="connsiteY3"/>
+                  </a:cxn>
+                  <a:cxn ang="0">
+                    <a:pos x="connsiteX4" y="connsiteY4"/>
+                  </a:cxn>
+                  <a:cxn ang="0">
+                    <a:pos x="connsiteX5" y="connsiteY5"/>
+                  </a:cxn>
+                  <a:cxn ang="0">
+                    <a:pos x="connsiteX6" y="connsiteY6"/>
+                  </a:cxn>
+                  <a:cxn ang="0">
+                    <a:pos x="connsiteX7" y="connsiteY7"/>
+                  </a:cxn>
+                  <a:cxn ang="0">
+                    <a:pos x="connsiteX8" y="connsiteY8"/>
+                  </a:cxn>
+                  <a:cxn ang="0">
+                    <a:pos x="connsiteX9" y="connsiteY9"/>
+                  </a:cxn>
+                </a:cxnLst>
+                <a:rect l="l" t="t" r="r" b="b"/>
+                <a:pathLst>
+                  <a:path w="1376979" h="1000462">
+                    <a:moveTo>
+                      <a:pt x="0" y="1000462"/>
+                    </a:moveTo>
+                    <a:lnTo>
+                      <a:pt x="225910" y="699248"/>
+                    </a:lnTo>
+                    <a:lnTo>
+                      <a:pt x="602428" y="387276"/>
+                    </a:lnTo>
+                    <a:lnTo>
+                      <a:pt x="1032734" y="107577"/>
+                    </a:lnTo>
+                    <a:lnTo>
+                      <a:pt x="1280160" y="0"/>
+                    </a:lnTo>
+                    <a:lnTo>
+                      <a:pt x="1376979" y="64546"/>
+                    </a:lnTo>
+                    <a:lnTo>
+                      <a:pt x="1376979" y="333488"/>
+                    </a:lnTo>
+                    <a:lnTo>
+                      <a:pt x="1323190" y="710005"/>
+                    </a:lnTo>
+                    <a:lnTo>
+                      <a:pt x="1247887" y="1000462"/>
+                    </a:lnTo>
+                    <a:lnTo>
+                      <a:pt x="0" y="1000462"/>
+                    </a:lnTo>
+                    <a:close/>
+                  </a:path>
+                </a:pathLst>
+              </a:custGeom>
+              <a:pattFill prst="solidDmnd">
+                <a:fgClr>
+                  <a:schemeClr val="tx1"/>
+                </a:fgClr>
+                <a:bgClr>
+                  <a:schemeClr val="bg1"/>
+                </a:bgClr>
+              </a:pattFill>
+              <a:ln>
+                <a:noFill/>
+              </a:ln>
+            </p:spPr>
+            <p:style>
+              <a:lnRef idx="2">
+                <a:schemeClr val="accent1">
+                  <a:shade val="50000"/>
+                </a:schemeClr>
+              </a:lnRef>
+              <a:fillRef idx="1">
+                <a:schemeClr val="accent1"/>
+              </a:fillRef>
+              <a:effectRef idx="0">
+                <a:schemeClr val="accent1"/>
+              </a:effectRef>
+              <a:fontRef idx="minor">
+                <a:schemeClr val="lt1"/>
+              </a:fontRef>
+            </p:style>
+            <p:txBody>
+              <a:bodyPr rtlCol="0" anchor="ctr"/>
+              <a:lstStyle/>
+              <a:p>
+                <a:pPr algn="ctr"/>
+                <a:endParaRPr lang="en-US"/>
+              </a:p>
+            </p:txBody>
+          </p:sp>
+          <p:sp>
+            <p:nvSpPr>
+              <p:cNvPr id="13" name="Freeform 12">
+                <a:extLst>
+                  <a:ext uri="{FF2B5EF4-FFF2-40B4-BE49-F238E27FC236}">
+                    <a16:creationId xmlns:a16="http://schemas.microsoft.com/office/drawing/2014/main" id="{8A925DAF-FEC5-124F-8CAC-535FFF6FF098}"/>
+                  </a:ext>
+                </a:extLst>
+              </p:cNvPr>
+              <p:cNvSpPr/>
+              <p:nvPr/>
+            </p:nvSpPr>
+            <p:spPr>
+              <a:xfrm>
+                <a:off x="8240358" y="5787614"/>
+                <a:ext cx="290456" cy="268941"/>
+              </a:xfrm>
+              <a:custGeom>
+                <a:avLst/>
+                <a:gdLst>
+                  <a:gd name="connsiteX0" fmla="*/ 0 w 290456"/>
+                  <a:gd name="connsiteY0" fmla="*/ 258184 h 268941"/>
+                  <a:gd name="connsiteX1" fmla="*/ 290456 w 290456"/>
+                  <a:gd name="connsiteY1" fmla="*/ 0 h 268941"/>
+                  <a:gd name="connsiteX2" fmla="*/ 290456 w 290456"/>
+                  <a:gd name="connsiteY2" fmla="*/ 268941 h 268941"/>
+                  <a:gd name="connsiteX3" fmla="*/ 0 w 290456"/>
+                  <a:gd name="connsiteY3" fmla="*/ 258184 h 268941"/>
+                </a:gdLst>
+                <a:ahLst/>
+                <a:cxnLst>
+                  <a:cxn ang="0">
+                    <a:pos x="connsiteX0" y="connsiteY0"/>
+                  </a:cxn>
+                  <a:cxn ang="0">
+                    <a:pos x="connsiteX1" y="connsiteY1"/>
+                  </a:cxn>
+                  <a:cxn ang="0">
+                    <a:pos x="connsiteX2" y="connsiteY2"/>
+                  </a:cxn>
+                  <a:cxn ang="0">
+                    <a:pos x="connsiteX3" y="connsiteY3"/>
+                  </a:cxn>
+                </a:cxnLst>
+                <a:rect l="l" t="t" r="r" b="b"/>
+                <a:pathLst>
+                  <a:path w="290456" h="268941">
+                    <a:moveTo>
+                      <a:pt x="0" y="258184"/>
+                    </a:moveTo>
+                    <a:lnTo>
+                      <a:pt x="290456" y="0"/>
+                    </a:lnTo>
+                    <a:lnTo>
+                      <a:pt x="290456" y="268941"/>
+                    </a:lnTo>
+                    <a:lnTo>
+                      <a:pt x="0" y="258184"/>
+                    </a:lnTo>
+                    <a:close/>
+                  </a:path>
+                </a:pathLst>
+              </a:custGeom>
+              <a:pattFill prst="solidDmnd">
+                <a:fgClr>
+                  <a:schemeClr val="tx1"/>
+                </a:fgClr>
+                <a:bgClr>
+                  <a:schemeClr val="bg1"/>
+                </a:bgClr>
+              </a:pattFill>
+              <a:ln>
+                <a:noFill/>
+              </a:ln>
+            </p:spPr>
+            <p:style>
+              <a:lnRef idx="2">
+                <a:schemeClr val="accent1">
+                  <a:shade val="50000"/>
+                </a:schemeClr>
+              </a:lnRef>
+              <a:fillRef idx="1">
+                <a:schemeClr val="accent1"/>
+              </a:fillRef>
+              <a:effectRef idx="0">
+                <a:schemeClr val="accent1"/>
+              </a:effectRef>
+              <a:fontRef idx="minor">
+                <a:schemeClr val="lt1"/>
+              </a:fontRef>
+            </p:style>
+            <p:txBody>
+              <a:bodyPr rtlCol="0" anchor="ctr"/>
+              <a:lstStyle/>
+              <a:p>
+                <a:pPr algn="ctr"/>
+                <a:endParaRPr lang="en-US"/>
+              </a:p>
+            </p:txBody>
+          </p:sp>
+        </p:grpSp>
+        <p:sp>
+          <p:nvSpPr>
+            <p:cNvPr id="43" name="Freeform 42">
+              <a:extLst>
+                <a:ext uri="{FF2B5EF4-FFF2-40B4-BE49-F238E27FC236}">
+                  <a16:creationId xmlns:a16="http://schemas.microsoft.com/office/drawing/2014/main" id="{F2882C1E-EB2C-9C4A-B02E-8D4446389690}"/>
+                </a:ext>
+              </a:extLst>
+            </p:cNvPr>
+            <p:cNvSpPr/>
+            <p:nvPr/>
+          </p:nvSpPr>
+          <p:spPr>
+            <a:xfrm>
+              <a:off x="4797911" y="1301675"/>
+              <a:ext cx="129095" cy="699247"/>
+            </a:xfrm>
+            <a:custGeom>
+              <a:avLst/>
+              <a:gdLst>
+                <a:gd name="connsiteX0" fmla="*/ 0 w 129095"/>
+                <a:gd name="connsiteY0" fmla="*/ 0 h 699247"/>
+                <a:gd name="connsiteX1" fmla="*/ 21515 w 129095"/>
+                <a:gd name="connsiteY1" fmla="*/ 193638 h 699247"/>
+                <a:gd name="connsiteX2" fmla="*/ 43031 w 129095"/>
+                <a:gd name="connsiteY2" fmla="*/ 225911 h 699247"/>
+                <a:gd name="connsiteX3" fmla="*/ 64546 w 129095"/>
+                <a:gd name="connsiteY3" fmla="*/ 290457 h 699247"/>
+                <a:gd name="connsiteX4" fmla="*/ 86061 w 129095"/>
+                <a:gd name="connsiteY4" fmla="*/ 408791 h 699247"/>
+                <a:gd name="connsiteX5" fmla="*/ 96819 w 129095"/>
+                <a:gd name="connsiteY5" fmla="*/ 441064 h 699247"/>
+                <a:gd name="connsiteX6" fmla="*/ 118334 w 129095"/>
+                <a:gd name="connsiteY6" fmla="*/ 527125 h 699247"/>
+                <a:gd name="connsiteX7" fmla="*/ 129092 w 129095"/>
+                <a:gd name="connsiteY7" fmla="*/ 699247 h 699247"/>
+              </a:gdLst>
+              <a:ahLst/>
+              <a:cxnLst>
+                <a:cxn ang="0">
+                  <a:pos x="connsiteX0" y="connsiteY0"/>
+                </a:cxn>
+                <a:cxn ang="0">
+                  <a:pos x="connsiteX1" y="connsiteY1"/>
+                </a:cxn>
+                <a:cxn ang="0">
+                  <a:pos x="connsiteX2" y="connsiteY2"/>
+                </a:cxn>
+                <a:cxn ang="0">
+                  <a:pos x="connsiteX3" y="connsiteY3"/>
+                </a:cxn>
+                <a:cxn ang="0">
+                  <a:pos x="connsiteX4" y="connsiteY4"/>
+                </a:cxn>
+                <a:cxn ang="0">
+                  <a:pos x="connsiteX5" y="connsiteY5"/>
+                </a:cxn>
+                <a:cxn ang="0">
+                  <a:pos x="connsiteX6" y="connsiteY6"/>
+                </a:cxn>
+                <a:cxn ang="0">
+                  <a:pos x="connsiteX7" y="connsiteY7"/>
+                </a:cxn>
+              </a:cxnLst>
+              <a:rect l="l" t="t" r="r" b="b"/>
+              <a:pathLst>
+                <a:path w="129095" h="699247">
+                  <a:moveTo>
+                    <a:pt x="0" y="0"/>
+                  </a:moveTo>
+                  <a:cubicBezTo>
+                    <a:pt x="1343" y="20140"/>
+                    <a:pt x="-4149" y="142310"/>
+                    <a:pt x="21515" y="193638"/>
+                  </a:cubicBezTo>
+                  <a:cubicBezTo>
+                    <a:pt x="27297" y="205202"/>
+                    <a:pt x="35859" y="215153"/>
+                    <a:pt x="43031" y="225911"/>
+                  </a:cubicBezTo>
+                  <a:cubicBezTo>
+                    <a:pt x="50203" y="247426"/>
+                    <a:pt x="60818" y="268086"/>
+                    <a:pt x="64546" y="290457"/>
+                  </a:cubicBezTo>
+                  <a:cubicBezTo>
+                    <a:pt x="69343" y="319241"/>
+                    <a:pt x="78541" y="378711"/>
+                    <a:pt x="86061" y="408791"/>
+                  </a:cubicBezTo>
+                  <a:cubicBezTo>
+                    <a:pt x="88811" y="419792"/>
+                    <a:pt x="93835" y="430124"/>
+                    <a:pt x="96819" y="441064"/>
+                  </a:cubicBezTo>
+                  <a:cubicBezTo>
+                    <a:pt x="104599" y="469592"/>
+                    <a:pt x="118334" y="527125"/>
+                    <a:pt x="118334" y="527125"/>
+                  </a:cubicBezTo>
+                  <a:cubicBezTo>
+                    <a:pt x="129603" y="684885"/>
+                    <a:pt x="129092" y="627402"/>
+                    <a:pt x="129092" y="699247"/>
+                  </a:cubicBezTo>
+                </a:path>
+              </a:pathLst>
+            </a:custGeom>
+            <a:noFill/>
+            <a:ln w="76200">
+              <a:solidFill>
+                <a:schemeClr val="tx1"/>
+              </a:solidFill>
+            </a:ln>
+          </p:spPr>
+          <p:style>
+            <a:lnRef idx="2">
+              <a:schemeClr val="accent1">
+                <a:shade val="50000"/>
+              </a:schemeClr>
+            </a:lnRef>
+            <a:fillRef idx="1">
+              <a:schemeClr val="accent1"/>
+            </a:fillRef>
+            <a:effectRef idx="0">
+              <a:schemeClr val="accent1"/>
+            </a:effectRef>
+            <a:fontRef idx="minor">
+              <a:schemeClr val="lt1"/>
+            </a:fontRef>
+          </p:style>
+          <p:txBody>
+            <a:bodyPr rtlCol="0" anchor="ctr"/>
+            <a:lstStyle/>
+            <a:p>
+              <a:pPr algn="ctr"/>
+              <a:endParaRPr lang="en-US"/>
+            </a:p>
+          </p:txBody>
+        </p:sp>
+        <p:sp>
+          <p:nvSpPr>
+            <p:cNvPr id="44" name="Freeform 43">
+              <a:extLst>
+                <a:ext uri="{FF2B5EF4-FFF2-40B4-BE49-F238E27FC236}">
+                  <a16:creationId xmlns:a16="http://schemas.microsoft.com/office/drawing/2014/main" id="{C2441F00-DFD2-9845-BE00-5B1671DE5849}"/>
+                </a:ext>
+              </a:extLst>
+            </p:cNvPr>
+            <p:cNvSpPr/>
+            <p:nvPr/>
+          </p:nvSpPr>
+          <p:spPr>
+            <a:xfrm>
+              <a:off x="4216754" y="2936838"/>
+              <a:ext cx="54033" cy="441063"/>
+            </a:xfrm>
+            <a:custGeom>
+              <a:avLst/>
+              <a:gdLst>
+                <a:gd name="connsiteX0" fmla="*/ 54033 w 54033"/>
+                <a:gd name="connsiteY0" fmla="*/ 0 h 441063"/>
+                <a:gd name="connsiteX1" fmla="*/ 11002 w 54033"/>
+                <a:gd name="connsiteY1" fmla="*/ 75303 h 441063"/>
+                <a:gd name="connsiteX2" fmla="*/ 244 w 54033"/>
+                <a:gd name="connsiteY2" fmla="*/ 441063 h 441063"/>
+              </a:gdLst>
+              <a:ahLst/>
+              <a:cxnLst>
+                <a:cxn ang="0">
+                  <a:pos x="connsiteX0" y="connsiteY0"/>
+                </a:cxn>
+                <a:cxn ang="0">
+                  <a:pos x="connsiteX1" y="connsiteY1"/>
+                </a:cxn>
+                <a:cxn ang="0">
+                  <a:pos x="connsiteX2" y="connsiteY2"/>
+                </a:cxn>
+              </a:cxnLst>
+              <a:rect l="l" t="t" r="r" b="b"/>
+              <a:pathLst>
+                <a:path w="54033" h="441063">
+                  <a:moveTo>
+                    <a:pt x="54033" y="0"/>
+                  </a:moveTo>
+                  <a:cubicBezTo>
+                    <a:pt x="39689" y="25101"/>
+                    <a:pt x="16462" y="46913"/>
+                    <a:pt x="11002" y="75303"/>
+                  </a:cubicBezTo>
+                  <a:cubicBezTo>
+                    <a:pt x="-2583" y="145945"/>
+                    <a:pt x="244" y="359269"/>
+                    <a:pt x="244" y="441063"/>
+                  </a:cubicBezTo>
+                </a:path>
+              </a:pathLst>
+            </a:custGeom>
+            <a:noFill/>
+            <a:ln w="60325">
+              <a:solidFill>
+                <a:schemeClr val="tx1"/>
+              </a:solidFill>
+            </a:ln>
+          </p:spPr>
+          <p:style>
+            <a:lnRef idx="2">
+              <a:schemeClr val="accent1">
+                <a:shade val="50000"/>
+              </a:schemeClr>
+            </a:lnRef>
+            <a:fillRef idx="1">
+              <a:schemeClr val="accent1"/>
+            </a:fillRef>
+            <a:effectRef idx="0">
+              <a:schemeClr val="accent1"/>
+            </a:effectRef>
+            <a:fontRef idx="minor">
+              <a:schemeClr val="lt1"/>
+            </a:fontRef>
+          </p:style>
+          <p:txBody>
+            <a:bodyPr rtlCol="0" anchor="ctr"/>
+            <a:lstStyle/>
+            <a:p>
+              <a:pPr algn="ctr"/>
+              <a:endParaRPr lang="en-US"/>
+            </a:p>
+          </p:txBody>
+        </p:sp>
+      </p:grpSp>
+      <p:pic>
+        <p:nvPicPr>
+          <p:cNvPr id="18" name="Picture 17" descr="A close up of a logo&#10;&#10;Description automatically generated">
+            <a:extLst>
+              <a:ext uri="{FF2B5EF4-FFF2-40B4-BE49-F238E27FC236}">
+                <a16:creationId xmlns:a16="http://schemas.microsoft.com/office/drawing/2014/main" id="{73FD0FC5-AA67-1A4C-8956-15D067D0EE82}"/>
+              </a:ext>
+            </a:extLst>
+          </p:cNvPr>
+          <p:cNvPicPr>
+            <a:picLocks noChangeAspect="1"/>
+          </p:cNvPicPr>
+          <p:nvPr/>
+        </p:nvPicPr>
+        <p:blipFill rotWithShape="1">
+          <a:blip r:embed="rId2"/>
+          <a:srcRect l="13254" t="12867" r="15943" b="33545"/>
+          <a:stretch/>
+        </p:blipFill>
+        <p:spPr>
+          <a:xfrm>
+            <a:off x="134912" y="1040118"/>
+            <a:ext cx="9013032" cy="5094868"/>
+          </a:xfrm>
+          <a:prstGeom prst="rect">
+            <a:avLst/>
+          </a:prstGeom>
+        </p:spPr>
+      </p:pic>
       <p:sp>
         <p:nvSpPr>
           <p:cNvPr id="6" name="Rectangle 5">
@@ -2928,35 +5308,6 @@
           </a:p>
         </p:txBody>
       </p:sp>
-      <p:pic>
-        <p:nvPicPr>
-          <p:cNvPr id="18" name="Picture 17" descr="A close up of a logo&#10;&#10;Description automatically generated">
-            <a:extLst>
-              <a:ext uri="{FF2B5EF4-FFF2-40B4-BE49-F238E27FC236}">
-                <a16:creationId xmlns:a16="http://schemas.microsoft.com/office/drawing/2014/main" id="{73FD0FC5-AA67-1A4C-8956-15D067D0EE82}"/>
-              </a:ext>
-            </a:extLst>
-          </p:cNvPr>
-          <p:cNvPicPr>
-            <a:picLocks noChangeAspect="1"/>
-          </p:cNvPicPr>
-          <p:nvPr/>
-        </p:nvPicPr>
-        <p:blipFill rotWithShape="1">
-          <a:blip r:embed="rId2"/>
-          <a:srcRect l="13254" t="12867" r="15943" b="33545"/>
-          <a:stretch/>
-        </p:blipFill>
-        <p:spPr>
-          <a:xfrm>
-            <a:off x="134912" y="1040118"/>
-            <a:ext cx="9013032" cy="5094868"/>
-          </a:xfrm>
-          <a:prstGeom prst="rect">
-            <a:avLst/>
-          </a:prstGeom>
-        </p:spPr>
-      </p:pic>
       <p:sp>
         <p:nvSpPr>
           <p:cNvPr id="21" name="Rectangle 20">
@@ -3119,7 +5470,7 @@
         </p:nvSpPr>
         <p:spPr>
           <a:xfrm>
-            <a:off x="595567" y="733646"/>
+            <a:off x="595567" y="808952"/>
             <a:ext cx="304892" cy="307777"/>
           </a:xfrm>
           <a:prstGeom prst="rect">
@@ -3223,512 +5574,6 @@
           </a:fontRef>
         </p:style>
       </p:cxnSp>
-      <p:cxnSp>
-        <p:nvCxnSpPr>
-          <p:cNvPr id="12" name="Straight Connector 11">
-            <a:extLst>
-              <a:ext uri="{FF2B5EF4-FFF2-40B4-BE49-F238E27FC236}">
-                <a16:creationId xmlns:a16="http://schemas.microsoft.com/office/drawing/2014/main" id="{F9520829-9378-0547-928E-4059316C459E}"/>
-              </a:ext>
-            </a:extLst>
-          </p:cNvPr>
-          <p:cNvCxnSpPr>
-            <a:cxnSpLocks/>
-          </p:cNvCxnSpPr>
-          <p:nvPr/>
-        </p:nvCxnSpPr>
-        <p:spPr>
-          <a:xfrm>
-            <a:off x="882849" y="1047523"/>
-            <a:ext cx="7782686" cy="4353816"/>
-          </a:xfrm>
-          <a:prstGeom prst="line">
-            <a:avLst/>
-          </a:prstGeom>
-          <a:ln w="22225">
-            <a:solidFill>
-              <a:schemeClr val="tx1"/>
-            </a:solidFill>
-            <a:prstDash val="lgDash"/>
-          </a:ln>
-        </p:spPr>
-        <p:style>
-          <a:lnRef idx="1">
-            <a:schemeClr val="accent1"/>
-          </a:lnRef>
-          <a:fillRef idx="0">
-            <a:schemeClr val="accent1"/>
-          </a:fillRef>
-          <a:effectRef idx="0">
-            <a:schemeClr val="accent1"/>
-          </a:effectRef>
-          <a:fontRef idx="minor">
-            <a:schemeClr val="tx1"/>
-          </a:fontRef>
-        </p:style>
-      </p:cxnSp>
-      <p:sp>
-        <p:nvSpPr>
-          <p:cNvPr id="36" name="TextBox 35">
-            <a:extLst>
-              <a:ext uri="{FF2B5EF4-FFF2-40B4-BE49-F238E27FC236}">
-                <a16:creationId xmlns:a16="http://schemas.microsoft.com/office/drawing/2014/main" id="{DA6205AC-C0F9-0F45-9505-58F01D2FB866}"/>
-              </a:ext>
-            </a:extLst>
-          </p:cNvPr>
-          <p:cNvSpPr txBox="1"/>
-          <p:nvPr/>
-        </p:nvSpPr>
-        <p:spPr>
-          <a:xfrm>
-            <a:off x="1424761" y="5486400"/>
-            <a:ext cx="284052" cy="307777"/>
-          </a:xfrm>
-          <a:prstGeom prst="rect">
-            <a:avLst/>
-          </a:prstGeom>
-          <a:noFill/>
-        </p:spPr>
-        <p:txBody>
-          <a:bodyPr wrap="none" rtlCol="0">
-            <a:spAutoFit/>
-          </a:bodyPr>
-          <a:lstStyle/>
-          <a:p>
-            <a:r>
-              <a:rPr lang="en-US" sz="1400">
-                <a:latin typeface="Arial" panose="020B0604020202020204" pitchFamily="34" charset="0"/>
-                <a:cs typeface="Arial" panose="020B0604020202020204" pitchFamily="34" charset="0"/>
-              </a:rPr>
-              <a:t>6</a:t>
-            </a:r>
-          </a:p>
-        </p:txBody>
-      </p:sp>
-      <p:sp>
-        <p:nvSpPr>
-          <p:cNvPr id="39" name="TextBox 38">
-            <a:extLst>
-              <a:ext uri="{FF2B5EF4-FFF2-40B4-BE49-F238E27FC236}">
-                <a16:creationId xmlns:a16="http://schemas.microsoft.com/office/drawing/2014/main" id="{C0C1A7E9-1E12-4A49-B08A-440D16820FBD}"/>
-              </a:ext>
-            </a:extLst>
-          </p:cNvPr>
-          <p:cNvSpPr txBox="1"/>
-          <p:nvPr/>
-        </p:nvSpPr>
-        <p:spPr>
-          <a:xfrm>
-            <a:off x="5277288" y="2193853"/>
-            <a:ext cx="284052" cy="307777"/>
-          </a:xfrm>
-          <a:prstGeom prst="rect">
-            <a:avLst/>
-          </a:prstGeom>
-          <a:noFill/>
-        </p:spPr>
-        <p:txBody>
-          <a:bodyPr wrap="none" rtlCol="0">
-            <a:spAutoFit/>
-          </a:bodyPr>
-          <a:lstStyle/>
-          <a:p>
-            <a:r>
-              <a:rPr lang="en-US" sz="1400">
-                <a:latin typeface="Arial" panose="020B0604020202020204" pitchFamily="34" charset="0"/>
-                <a:cs typeface="Arial" panose="020B0604020202020204" pitchFamily="34" charset="0"/>
-              </a:rPr>
-              <a:t>2</a:t>
-            </a:r>
-          </a:p>
-        </p:txBody>
-      </p:sp>
-      <p:sp>
-        <p:nvSpPr>
-          <p:cNvPr id="40" name="TextBox 39">
-            <a:extLst>
-              <a:ext uri="{FF2B5EF4-FFF2-40B4-BE49-F238E27FC236}">
-                <a16:creationId xmlns:a16="http://schemas.microsoft.com/office/drawing/2014/main" id="{72FFC4E0-5C21-4F44-B728-755D06E66198}"/>
-              </a:ext>
-            </a:extLst>
-          </p:cNvPr>
-          <p:cNvSpPr txBox="1"/>
-          <p:nvPr/>
-        </p:nvSpPr>
-        <p:spPr>
-          <a:xfrm>
-            <a:off x="4387699" y="1984746"/>
-            <a:ext cx="284052" cy="307777"/>
-          </a:xfrm>
-          <a:prstGeom prst="rect">
-            <a:avLst/>
-          </a:prstGeom>
-          <a:noFill/>
-        </p:spPr>
-        <p:txBody>
-          <a:bodyPr wrap="none" rtlCol="0">
-            <a:spAutoFit/>
-          </a:bodyPr>
-          <a:lstStyle/>
-          <a:p>
-            <a:r>
-              <a:rPr lang="en-US" sz="1400">
-                <a:latin typeface="Arial" panose="020B0604020202020204" pitchFamily="34" charset="0"/>
-                <a:cs typeface="Arial" panose="020B0604020202020204" pitchFamily="34" charset="0"/>
-              </a:rPr>
-              <a:t>3</a:t>
-            </a:r>
-          </a:p>
-        </p:txBody>
-      </p:sp>
-      <p:sp>
-        <p:nvSpPr>
-          <p:cNvPr id="41" name="TextBox 40">
-            <a:extLst>
-              <a:ext uri="{FF2B5EF4-FFF2-40B4-BE49-F238E27FC236}">
-                <a16:creationId xmlns:a16="http://schemas.microsoft.com/office/drawing/2014/main" id="{DFF59DF9-3153-854A-8831-07F53A2BBC79}"/>
-              </a:ext>
-            </a:extLst>
-          </p:cNvPr>
-          <p:cNvSpPr txBox="1"/>
-          <p:nvPr/>
-        </p:nvSpPr>
-        <p:spPr>
-          <a:xfrm>
-            <a:off x="2229288" y="2803452"/>
-            <a:ext cx="284052" cy="307777"/>
-          </a:xfrm>
-          <a:prstGeom prst="rect">
-            <a:avLst/>
-          </a:prstGeom>
-          <a:noFill/>
-        </p:spPr>
-        <p:txBody>
-          <a:bodyPr wrap="none" rtlCol="0">
-            <a:spAutoFit/>
-          </a:bodyPr>
-          <a:lstStyle/>
-          <a:p>
-            <a:r>
-              <a:rPr lang="en-US" sz="1400">
-                <a:latin typeface="Arial" panose="020B0604020202020204" pitchFamily="34" charset="0"/>
-                <a:cs typeface="Arial" panose="020B0604020202020204" pitchFamily="34" charset="0"/>
-              </a:rPr>
-              <a:t>4</a:t>
-            </a:r>
-          </a:p>
-        </p:txBody>
-      </p:sp>
-      <p:sp>
-        <p:nvSpPr>
-          <p:cNvPr id="24" name="TextBox 23">
-            <a:extLst>
-              <a:ext uri="{FF2B5EF4-FFF2-40B4-BE49-F238E27FC236}">
-                <a16:creationId xmlns:a16="http://schemas.microsoft.com/office/drawing/2014/main" id="{AE28D73B-6F25-6A42-8F47-18FDB69DF3DD}"/>
-              </a:ext>
-            </a:extLst>
-          </p:cNvPr>
-          <p:cNvSpPr txBox="1"/>
-          <p:nvPr/>
-        </p:nvSpPr>
-        <p:spPr>
-          <a:xfrm>
-            <a:off x="2268277" y="4182140"/>
-            <a:ext cx="284052" cy="307777"/>
-          </a:xfrm>
-          <a:prstGeom prst="rect">
-            <a:avLst/>
-          </a:prstGeom>
-          <a:noFill/>
-        </p:spPr>
-        <p:txBody>
-          <a:bodyPr wrap="none" rtlCol="0">
-            <a:spAutoFit/>
-          </a:bodyPr>
-          <a:lstStyle/>
-          <a:p>
-            <a:r>
-              <a:rPr lang="en-US" sz="1400">
-                <a:latin typeface="Arial" panose="020B0604020202020204" pitchFamily="34" charset="0"/>
-                <a:cs typeface="Arial" panose="020B0604020202020204" pitchFamily="34" charset="0"/>
-              </a:rPr>
-              <a:t>5</a:t>
-            </a:r>
-          </a:p>
-        </p:txBody>
-      </p:sp>
-      <p:sp>
-        <p:nvSpPr>
-          <p:cNvPr id="30" name="TextBox 29">
-            <a:extLst>
-              <a:ext uri="{FF2B5EF4-FFF2-40B4-BE49-F238E27FC236}">
-                <a16:creationId xmlns:a16="http://schemas.microsoft.com/office/drawing/2014/main" id="{FA9D7DD2-E7B0-0E4B-993F-EFFAD5C8B842}"/>
-              </a:ext>
-            </a:extLst>
-          </p:cNvPr>
-          <p:cNvSpPr txBox="1"/>
-          <p:nvPr/>
-        </p:nvSpPr>
-        <p:spPr>
-          <a:xfrm>
-            <a:off x="8077196" y="6312197"/>
-            <a:ext cx="284052" cy="307777"/>
-          </a:xfrm>
-          <a:prstGeom prst="rect">
-            <a:avLst/>
-          </a:prstGeom>
-          <a:noFill/>
-        </p:spPr>
-        <p:txBody>
-          <a:bodyPr wrap="none" rtlCol="0">
-            <a:spAutoFit/>
-          </a:bodyPr>
-          <a:lstStyle/>
-          <a:p>
-            <a:r>
-              <a:rPr lang="en-US" sz="1400">
-                <a:latin typeface="Arial" panose="020B0604020202020204" pitchFamily="34" charset="0"/>
-                <a:cs typeface="Arial" panose="020B0604020202020204" pitchFamily="34" charset="0"/>
-              </a:rPr>
-              <a:t>6</a:t>
-            </a:r>
-          </a:p>
-        </p:txBody>
-      </p:sp>
-      <p:sp>
-        <p:nvSpPr>
-          <p:cNvPr id="31" name="TextBox 30">
-            <a:extLst>
-              <a:ext uri="{FF2B5EF4-FFF2-40B4-BE49-F238E27FC236}">
-                <a16:creationId xmlns:a16="http://schemas.microsoft.com/office/drawing/2014/main" id="{0A75E54B-C351-9547-B037-8EE0A14D029D}"/>
-              </a:ext>
-            </a:extLst>
-          </p:cNvPr>
-          <p:cNvSpPr txBox="1"/>
-          <p:nvPr/>
-        </p:nvSpPr>
-        <p:spPr>
-          <a:xfrm>
-            <a:off x="7751132" y="5390709"/>
-            <a:ext cx="284052" cy="307777"/>
-          </a:xfrm>
-          <a:prstGeom prst="rect">
-            <a:avLst/>
-          </a:prstGeom>
-          <a:noFill/>
-        </p:spPr>
-        <p:txBody>
-          <a:bodyPr wrap="none" rtlCol="0">
-            <a:spAutoFit/>
-          </a:bodyPr>
-          <a:lstStyle/>
-          <a:p>
-            <a:r>
-              <a:rPr lang="en-US" sz="1400">
-                <a:latin typeface="Arial" panose="020B0604020202020204" pitchFamily="34" charset="0"/>
-                <a:cs typeface="Arial" panose="020B0604020202020204" pitchFamily="34" charset="0"/>
-              </a:rPr>
-              <a:t>5</a:t>
-            </a:r>
-          </a:p>
-        </p:txBody>
-      </p:sp>
-      <p:sp>
-        <p:nvSpPr>
-          <p:cNvPr id="32" name="TextBox 31">
-            <a:extLst>
-              <a:ext uri="{FF2B5EF4-FFF2-40B4-BE49-F238E27FC236}">
-                <a16:creationId xmlns:a16="http://schemas.microsoft.com/office/drawing/2014/main" id="{435D92F2-CFDF-B94C-8BDB-14192E85D743}"/>
-              </a:ext>
-            </a:extLst>
-          </p:cNvPr>
-          <p:cNvSpPr txBox="1"/>
-          <p:nvPr/>
-        </p:nvSpPr>
-        <p:spPr>
-          <a:xfrm>
-            <a:off x="5932962" y="5369443"/>
-            <a:ext cx="284052" cy="307777"/>
-          </a:xfrm>
-          <a:prstGeom prst="rect">
-            <a:avLst/>
-          </a:prstGeom>
-          <a:noFill/>
-        </p:spPr>
-        <p:txBody>
-          <a:bodyPr wrap="none" rtlCol="0">
-            <a:spAutoFit/>
-          </a:bodyPr>
-          <a:lstStyle/>
-          <a:p>
-            <a:r>
-              <a:rPr lang="en-US" sz="1400">
-                <a:latin typeface="Arial" panose="020B0604020202020204" pitchFamily="34" charset="0"/>
-                <a:cs typeface="Arial" panose="020B0604020202020204" pitchFamily="34" charset="0"/>
-              </a:rPr>
-              <a:t>4</a:t>
-            </a:r>
-          </a:p>
-        </p:txBody>
-      </p:sp>
-      <p:cxnSp>
-        <p:nvCxnSpPr>
-          <p:cNvPr id="34" name="Straight Arrow Connector 33">
-            <a:extLst>
-              <a:ext uri="{FF2B5EF4-FFF2-40B4-BE49-F238E27FC236}">
-                <a16:creationId xmlns:a16="http://schemas.microsoft.com/office/drawing/2014/main" id="{EEA79706-7377-6843-B0C7-372449D44A3D}"/>
-              </a:ext>
-            </a:extLst>
-          </p:cNvPr>
-          <p:cNvCxnSpPr>
-            <a:cxnSpLocks/>
-          </p:cNvCxnSpPr>
-          <p:nvPr/>
-        </p:nvCxnSpPr>
-        <p:spPr>
-          <a:xfrm flipV="1">
-            <a:off x="8293395" y="5940345"/>
-            <a:ext cx="130334" cy="417925"/>
-          </a:xfrm>
-          <a:prstGeom prst="straightConnector1">
-            <a:avLst/>
-          </a:prstGeom>
-          <a:ln w="22225">
-            <a:solidFill>
-              <a:schemeClr val="tx1"/>
-            </a:solidFill>
-            <a:tailEnd type="none" w="lg" len="lg"/>
-          </a:ln>
-        </p:spPr>
-        <p:style>
-          <a:lnRef idx="1">
-            <a:schemeClr val="accent1"/>
-          </a:lnRef>
-          <a:fillRef idx="0">
-            <a:schemeClr val="accent1"/>
-          </a:fillRef>
-          <a:effectRef idx="0">
-            <a:schemeClr val="accent1"/>
-          </a:effectRef>
-          <a:fontRef idx="minor">
-            <a:schemeClr val="tx1"/>
-          </a:fontRef>
-        </p:style>
-      </p:cxnSp>
-      <p:sp>
-        <p:nvSpPr>
-          <p:cNvPr id="37" name="TextBox 36">
-            <a:extLst>
-              <a:ext uri="{FF2B5EF4-FFF2-40B4-BE49-F238E27FC236}">
-                <a16:creationId xmlns:a16="http://schemas.microsoft.com/office/drawing/2014/main" id="{3C2E9C0C-8041-AB47-9985-9088E919B294}"/>
-              </a:ext>
-            </a:extLst>
-          </p:cNvPr>
-          <p:cNvSpPr txBox="1"/>
-          <p:nvPr/>
-        </p:nvSpPr>
-        <p:spPr>
-          <a:xfrm>
-            <a:off x="6216498" y="1655137"/>
-            <a:ext cx="284052" cy="307777"/>
-          </a:xfrm>
-          <a:prstGeom prst="rect">
-            <a:avLst/>
-          </a:prstGeom>
-          <a:noFill/>
-        </p:spPr>
-        <p:txBody>
-          <a:bodyPr wrap="none" rtlCol="0">
-            <a:spAutoFit/>
-          </a:bodyPr>
-          <a:lstStyle/>
-          <a:p>
-            <a:r>
-              <a:rPr lang="en-US" sz="1400">
-                <a:latin typeface="Arial" panose="020B0604020202020204" pitchFamily="34" charset="0"/>
-                <a:cs typeface="Arial" panose="020B0604020202020204" pitchFamily="34" charset="0"/>
-              </a:rPr>
-              <a:t>1</a:t>
-            </a:r>
-          </a:p>
-        </p:txBody>
-      </p:sp>
-      <p:sp>
-        <p:nvSpPr>
-          <p:cNvPr id="38" name="TextBox 37">
-            <a:extLst>
-              <a:ext uri="{FF2B5EF4-FFF2-40B4-BE49-F238E27FC236}">
-                <a16:creationId xmlns:a16="http://schemas.microsoft.com/office/drawing/2014/main" id="{439BEFE6-6ECB-4040-B160-703A9A49ED1C}"/>
-              </a:ext>
-            </a:extLst>
-          </p:cNvPr>
-          <p:cNvSpPr txBox="1"/>
-          <p:nvPr/>
-        </p:nvSpPr>
-        <p:spPr>
-          <a:xfrm>
-            <a:off x="7102545" y="3317360"/>
-            <a:ext cx="284052" cy="307777"/>
-          </a:xfrm>
-          <a:prstGeom prst="rect">
-            <a:avLst/>
-          </a:prstGeom>
-          <a:noFill/>
-        </p:spPr>
-        <p:txBody>
-          <a:bodyPr wrap="none" rtlCol="0">
-            <a:spAutoFit/>
-          </a:bodyPr>
-          <a:lstStyle/>
-          <a:p>
-            <a:r>
-              <a:rPr lang="en-US" sz="1400">
-                <a:latin typeface="Arial" panose="020B0604020202020204" pitchFamily="34" charset="0"/>
-                <a:cs typeface="Arial" panose="020B0604020202020204" pitchFamily="34" charset="0"/>
-              </a:rPr>
-              <a:t>3</a:t>
-            </a:r>
-          </a:p>
-        </p:txBody>
-      </p:sp>
-      <p:sp>
-        <p:nvSpPr>
-          <p:cNvPr id="42" name="TextBox 41">
-            <a:extLst>
-              <a:ext uri="{FF2B5EF4-FFF2-40B4-BE49-F238E27FC236}">
-                <a16:creationId xmlns:a16="http://schemas.microsoft.com/office/drawing/2014/main" id="{588B0CD8-5A03-6E43-9D8B-52D597E8749F}"/>
-              </a:ext>
-            </a:extLst>
-          </p:cNvPr>
-          <p:cNvSpPr txBox="1"/>
-          <p:nvPr/>
-        </p:nvSpPr>
-        <p:spPr>
-          <a:xfrm>
-            <a:off x="7120265" y="2165499"/>
-            <a:ext cx="284052" cy="307777"/>
-          </a:xfrm>
-          <a:prstGeom prst="rect">
-            <a:avLst/>
-          </a:prstGeom>
-          <a:noFill/>
-        </p:spPr>
-        <p:txBody>
-          <a:bodyPr wrap="none" rtlCol="0">
-            <a:spAutoFit/>
-          </a:bodyPr>
-          <a:lstStyle/>
-          <a:p>
-            <a:r>
-              <a:rPr lang="en-US" sz="1400">
-                <a:latin typeface="Arial" panose="020B0604020202020204" pitchFamily="34" charset="0"/>
-                <a:cs typeface="Arial" panose="020B0604020202020204" pitchFamily="34" charset="0"/>
-              </a:rPr>
-              <a:t>2</a:t>
-            </a:r>
-          </a:p>
-        </p:txBody>
-      </p:sp>
       <p:sp>
         <p:nvSpPr>
           <p:cNvPr id="4" name="Oval 3">
@@ -3784,196 +5629,50 @@
           </a:p>
         </p:txBody>
       </p:sp>
-      <p:sp>
-        <p:nvSpPr>
-          <p:cNvPr id="26" name="TextBox 25">
+      <p:cxnSp>
+        <p:nvCxnSpPr>
+          <p:cNvPr id="12" name="Straight Connector 11">
             <a:extLst>
               <a:ext uri="{FF2B5EF4-FFF2-40B4-BE49-F238E27FC236}">
-                <a16:creationId xmlns:a16="http://schemas.microsoft.com/office/drawing/2014/main" id="{D0C77762-77CE-1A42-8126-B1B2EBE80745}"/>
+                <a16:creationId xmlns:a16="http://schemas.microsoft.com/office/drawing/2014/main" id="{F9520829-9378-0547-928E-4059316C459E}"/>
               </a:ext>
             </a:extLst>
           </p:cNvPr>
-          <p:cNvSpPr txBox="1"/>
+          <p:cNvCxnSpPr>
+            <a:cxnSpLocks/>
+          </p:cNvCxnSpPr>
           <p:nvPr/>
-        </p:nvSpPr>
+        </p:nvCxnSpPr>
         <p:spPr>
           <a:xfrm>
-            <a:off x="5270199" y="3856076"/>
-            <a:ext cx="284052" cy="307777"/>
+            <a:off x="882849" y="1047523"/>
+            <a:ext cx="7782686" cy="4353816"/>
           </a:xfrm>
-          <a:prstGeom prst="rect">
+          <a:prstGeom prst="line">
             <a:avLst/>
           </a:prstGeom>
-          <a:noFill/>
+          <a:ln w="22225">
+            <a:solidFill>
+              <a:schemeClr val="tx1"/>
+            </a:solidFill>
+            <a:prstDash val="lgDash"/>
+          </a:ln>
         </p:spPr>
-        <p:txBody>
-          <a:bodyPr wrap="none" rtlCol="0">
-            <a:spAutoFit/>
-          </a:bodyPr>
-          <a:lstStyle/>
-          <a:p>
-            <a:r>
-              <a:rPr lang="en-US" sz="1400">
-                <a:latin typeface="Arial" panose="020B0604020202020204" pitchFamily="34" charset="0"/>
-                <a:cs typeface="Arial" panose="020B0604020202020204" pitchFamily="34" charset="0"/>
-              </a:rPr>
-              <a:t>2</a:t>
-            </a:r>
-          </a:p>
-        </p:txBody>
-      </p:sp>
-      <p:sp>
-        <p:nvSpPr>
-          <p:cNvPr id="27" name="TextBox 26">
-            <a:extLst>
-              <a:ext uri="{FF2B5EF4-FFF2-40B4-BE49-F238E27FC236}">
-                <a16:creationId xmlns:a16="http://schemas.microsoft.com/office/drawing/2014/main" id="{2656DC3C-21AD-3448-86C8-085535A44CE4}"/>
-              </a:ext>
-            </a:extLst>
-          </p:cNvPr>
-          <p:cNvSpPr txBox="1"/>
-          <p:nvPr/>
-        </p:nvSpPr>
-        <p:spPr>
-          <a:xfrm>
-            <a:off x="4593262" y="4774020"/>
-            <a:ext cx="284052" cy="307777"/>
-          </a:xfrm>
-          <a:prstGeom prst="rect">
-            <a:avLst/>
-          </a:prstGeom>
-          <a:noFill/>
-        </p:spPr>
-        <p:txBody>
-          <a:bodyPr wrap="none" rtlCol="0">
-            <a:spAutoFit/>
-          </a:bodyPr>
-          <a:lstStyle/>
-          <a:p>
-            <a:r>
-              <a:rPr lang="en-US" sz="1400">
-                <a:latin typeface="Arial" panose="020B0604020202020204" pitchFamily="34" charset="0"/>
-                <a:cs typeface="Arial" panose="020B0604020202020204" pitchFamily="34" charset="0"/>
-              </a:rPr>
-              <a:t>3</a:t>
-            </a:r>
-          </a:p>
-        </p:txBody>
-      </p:sp>
-      <p:sp>
-        <p:nvSpPr>
-          <p:cNvPr id="28" name="TextBox 27">
-            <a:extLst>
-              <a:ext uri="{FF2B5EF4-FFF2-40B4-BE49-F238E27FC236}">
-                <a16:creationId xmlns:a16="http://schemas.microsoft.com/office/drawing/2014/main" id="{3622CE23-5FB8-0244-8683-5281E2459F3F}"/>
-              </a:ext>
-            </a:extLst>
-          </p:cNvPr>
-          <p:cNvSpPr txBox="1"/>
-          <p:nvPr/>
-        </p:nvSpPr>
-        <p:spPr>
-          <a:xfrm>
-            <a:off x="659214" y="1477928"/>
-            <a:ext cx="284052" cy="307777"/>
-          </a:xfrm>
-          <a:prstGeom prst="rect">
-            <a:avLst/>
-          </a:prstGeom>
-          <a:noFill/>
-        </p:spPr>
-        <p:txBody>
-          <a:bodyPr wrap="none" rtlCol="0">
-            <a:spAutoFit/>
-          </a:bodyPr>
-          <a:lstStyle/>
-          <a:p>
-            <a:r>
-              <a:rPr lang="en-US" sz="1400">
-                <a:latin typeface="Arial" panose="020B0604020202020204" pitchFamily="34" charset="0"/>
-                <a:cs typeface="Arial" panose="020B0604020202020204" pitchFamily="34" charset="0"/>
-              </a:rPr>
-              <a:t>2</a:t>
-            </a:r>
-          </a:p>
-        </p:txBody>
-      </p:sp>
-      <p:sp>
-        <p:nvSpPr>
-          <p:cNvPr id="29" name="TextBox 28">
-            <a:extLst>
-              <a:ext uri="{FF2B5EF4-FFF2-40B4-BE49-F238E27FC236}">
-                <a16:creationId xmlns:a16="http://schemas.microsoft.com/office/drawing/2014/main" id="{5F54D1BC-1C77-1043-AEEF-A65B58094DC5}"/>
-              </a:ext>
-            </a:extLst>
-          </p:cNvPr>
-          <p:cNvSpPr txBox="1"/>
-          <p:nvPr/>
-        </p:nvSpPr>
-        <p:spPr>
-          <a:xfrm>
-            <a:off x="1095150" y="2169044"/>
-            <a:ext cx="284052" cy="307777"/>
-          </a:xfrm>
-          <a:prstGeom prst="rect">
-            <a:avLst/>
-          </a:prstGeom>
-          <a:noFill/>
-        </p:spPr>
-        <p:txBody>
-          <a:bodyPr wrap="none" rtlCol="0">
-            <a:spAutoFit/>
-          </a:bodyPr>
-          <a:lstStyle/>
-          <a:p>
-            <a:r>
-              <a:rPr lang="en-US" sz="1400">
-                <a:latin typeface="Arial" panose="020B0604020202020204" pitchFamily="34" charset="0"/>
-                <a:cs typeface="Arial" panose="020B0604020202020204" pitchFamily="34" charset="0"/>
-              </a:rPr>
-              <a:t>3</a:t>
-            </a:r>
-          </a:p>
-        </p:txBody>
-      </p:sp>
-      <p:sp>
-        <p:nvSpPr>
-          <p:cNvPr id="43" name="TextBox 42">
-            <a:extLst>
-              <a:ext uri="{FF2B5EF4-FFF2-40B4-BE49-F238E27FC236}">
-                <a16:creationId xmlns:a16="http://schemas.microsoft.com/office/drawing/2014/main" id="{1F8E255E-09A3-F243-84A5-AAB3A4765E5B}"/>
-              </a:ext>
-            </a:extLst>
-          </p:cNvPr>
-          <p:cNvSpPr txBox="1"/>
-          <p:nvPr/>
-        </p:nvSpPr>
-        <p:spPr>
-          <a:xfrm>
-            <a:off x="7765306" y="4139610"/>
-            <a:ext cx="284052" cy="307777"/>
-          </a:xfrm>
-          <a:prstGeom prst="rect">
-            <a:avLst/>
-          </a:prstGeom>
-          <a:noFill/>
-        </p:spPr>
-        <p:txBody>
-          <a:bodyPr wrap="none" rtlCol="0">
-            <a:spAutoFit/>
-          </a:bodyPr>
-          <a:lstStyle/>
-          <a:p>
-            <a:r>
-              <a:rPr lang="en-US" sz="1400">
-                <a:latin typeface="Arial" panose="020B0604020202020204" pitchFamily="34" charset="0"/>
-                <a:cs typeface="Arial" panose="020B0604020202020204" pitchFamily="34" charset="0"/>
-              </a:rPr>
-              <a:t>4</a:t>
-            </a:r>
-          </a:p>
-        </p:txBody>
-      </p:sp>
+        <p:style>
+          <a:lnRef idx="1">
+            <a:schemeClr val="accent1"/>
+          </a:lnRef>
+          <a:fillRef idx="0">
+            <a:schemeClr val="accent1"/>
+          </a:fillRef>
+          <a:effectRef idx="0">
+            <a:schemeClr val="accent1"/>
+          </a:effectRef>
+          <a:fontRef idx="minor">
+            <a:schemeClr val="tx1"/>
+          </a:fontRef>
+        </p:style>
+      </p:cxnSp>
     </p:spTree>
     <p:extLst>
       <p:ext uri="{BB962C8B-B14F-4D97-AF65-F5344CB8AC3E}">
@@ -4004,6 +5703,2526 @@
           <a:chExt cx="0" cy="0"/>
         </a:xfrm>
       </p:grpSpPr>
+      <p:sp>
+        <p:nvSpPr>
+          <p:cNvPr id="53" name="Freeform 52">
+            <a:extLst>
+              <a:ext uri="{FF2B5EF4-FFF2-40B4-BE49-F238E27FC236}">
+                <a16:creationId xmlns:a16="http://schemas.microsoft.com/office/drawing/2014/main" id="{FDA98376-07C1-E44C-B5C6-14121D7626AF}"/>
+              </a:ext>
+            </a:extLst>
+          </p:cNvPr>
+          <p:cNvSpPr/>
+          <p:nvPr/>
+        </p:nvSpPr>
+        <p:spPr>
+          <a:xfrm>
+            <a:off x="6379285" y="4367605"/>
+            <a:ext cx="2151529" cy="1667435"/>
+          </a:xfrm>
+          <a:custGeom>
+            <a:avLst/>
+            <a:gdLst>
+              <a:gd name="connsiteX0" fmla="*/ 0 w 2151529"/>
+              <a:gd name="connsiteY0" fmla="*/ 1667435 h 1667435"/>
+              <a:gd name="connsiteX1" fmla="*/ 430306 w 2151529"/>
+              <a:gd name="connsiteY1" fmla="*/ 1473797 h 1667435"/>
+              <a:gd name="connsiteX2" fmla="*/ 699247 w 2151529"/>
+              <a:gd name="connsiteY2" fmla="*/ 1323190 h 1667435"/>
+              <a:gd name="connsiteX3" fmla="*/ 1065007 w 2151529"/>
+              <a:gd name="connsiteY3" fmla="*/ 1043491 h 1667435"/>
+              <a:gd name="connsiteX4" fmla="*/ 1495313 w 2151529"/>
+              <a:gd name="connsiteY4" fmla="*/ 623943 h 1667435"/>
+              <a:gd name="connsiteX5" fmla="*/ 2151529 w 2151529"/>
+              <a:gd name="connsiteY5" fmla="*/ 0 h 1667435"/>
+              <a:gd name="connsiteX6" fmla="*/ 2140771 w 2151529"/>
+              <a:gd name="connsiteY6" fmla="*/ 1387736 h 1667435"/>
+              <a:gd name="connsiteX7" fmla="*/ 1818042 w 2151529"/>
+              <a:gd name="connsiteY7" fmla="*/ 1667435 h 1667435"/>
+              <a:gd name="connsiteX8" fmla="*/ 0 w 2151529"/>
+              <a:gd name="connsiteY8" fmla="*/ 1667435 h 1667435"/>
+            </a:gdLst>
+            <a:ahLst/>
+            <a:cxnLst>
+              <a:cxn ang="0">
+                <a:pos x="connsiteX0" y="connsiteY0"/>
+              </a:cxn>
+              <a:cxn ang="0">
+                <a:pos x="connsiteX1" y="connsiteY1"/>
+              </a:cxn>
+              <a:cxn ang="0">
+                <a:pos x="connsiteX2" y="connsiteY2"/>
+              </a:cxn>
+              <a:cxn ang="0">
+                <a:pos x="connsiteX3" y="connsiteY3"/>
+              </a:cxn>
+              <a:cxn ang="0">
+                <a:pos x="connsiteX4" y="connsiteY4"/>
+              </a:cxn>
+              <a:cxn ang="0">
+                <a:pos x="connsiteX5" y="connsiteY5"/>
+              </a:cxn>
+              <a:cxn ang="0">
+                <a:pos x="connsiteX6" y="connsiteY6"/>
+              </a:cxn>
+              <a:cxn ang="0">
+                <a:pos x="connsiteX7" y="connsiteY7"/>
+              </a:cxn>
+              <a:cxn ang="0">
+                <a:pos x="connsiteX8" y="connsiteY8"/>
+              </a:cxn>
+            </a:cxnLst>
+            <a:rect l="l" t="t" r="r" b="b"/>
+            <a:pathLst>
+              <a:path w="2151529" h="1667435">
+                <a:moveTo>
+                  <a:pt x="0" y="1667435"/>
+                </a:moveTo>
+                <a:lnTo>
+                  <a:pt x="430306" y="1473797"/>
+                </a:lnTo>
+                <a:lnTo>
+                  <a:pt x="699247" y="1323190"/>
+                </a:lnTo>
+                <a:lnTo>
+                  <a:pt x="1065007" y="1043491"/>
+                </a:lnTo>
+                <a:lnTo>
+                  <a:pt x="1495313" y="623943"/>
+                </a:lnTo>
+                <a:lnTo>
+                  <a:pt x="2151529" y="0"/>
+                </a:lnTo>
+                <a:lnTo>
+                  <a:pt x="2140771" y="1387736"/>
+                </a:lnTo>
+                <a:lnTo>
+                  <a:pt x="1818042" y="1667435"/>
+                </a:lnTo>
+                <a:lnTo>
+                  <a:pt x="0" y="1667435"/>
+                </a:lnTo>
+                <a:close/>
+              </a:path>
+            </a:pathLst>
+          </a:custGeom>
+          <a:pattFill prst="ltVert">
+            <a:fgClr>
+              <a:schemeClr val="tx1"/>
+            </a:fgClr>
+            <a:bgClr>
+              <a:schemeClr val="bg1"/>
+            </a:bgClr>
+          </a:pattFill>
+          <a:ln>
+            <a:noFill/>
+          </a:ln>
+        </p:spPr>
+        <p:style>
+          <a:lnRef idx="2">
+            <a:schemeClr val="accent1">
+              <a:shade val="50000"/>
+            </a:schemeClr>
+          </a:lnRef>
+          <a:fillRef idx="1">
+            <a:schemeClr val="accent1"/>
+          </a:fillRef>
+          <a:effectRef idx="0">
+            <a:schemeClr val="accent1"/>
+          </a:effectRef>
+          <a:fontRef idx="minor">
+            <a:schemeClr val="lt1"/>
+          </a:fontRef>
+        </p:style>
+        <p:txBody>
+          <a:bodyPr rtlCol="0" anchor="ctr"/>
+          <a:lstStyle/>
+          <a:p>
+            <a:pPr algn="ctr"/>
+            <a:endParaRPr lang="en-US"/>
+          </a:p>
+        </p:txBody>
+      </p:sp>
+      <p:grpSp>
+        <p:nvGrpSpPr>
+          <p:cNvPr id="55" name="Group 54">
+            <a:extLst>
+              <a:ext uri="{FF2B5EF4-FFF2-40B4-BE49-F238E27FC236}">
+                <a16:creationId xmlns:a16="http://schemas.microsoft.com/office/drawing/2014/main" id="{8C86F4E1-9E32-4144-ADD2-4AECD002212E}"/>
+              </a:ext>
+            </a:extLst>
+          </p:cNvPr>
+          <p:cNvGrpSpPr/>
+          <p:nvPr/>
+        </p:nvGrpSpPr>
+        <p:grpSpPr>
+          <a:xfrm>
+            <a:off x="484094" y="1226372"/>
+            <a:ext cx="8057478" cy="4830183"/>
+            <a:chOff x="484094" y="1226372"/>
+            <a:chExt cx="8057478" cy="4830183"/>
+          </a:xfrm>
+        </p:grpSpPr>
+        <p:sp>
+          <p:nvSpPr>
+            <p:cNvPr id="56" name="Freeform 55">
+              <a:extLst>
+                <a:ext uri="{FF2B5EF4-FFF2-40B4-BE49-F238E27FC236}">
+                  <a16:creationId xmlns:a16="http://schemas.microsoft.com/office/drawing/2014/main" id="{574F97E1-379F-4645-A4C1-836AD525A9DD}"/>
+                </a:ext>
+              </a:extLst>
+            </p:cNvPr>
+            <p:cNvSpPr/>
+            <p:nvPr/>
+          </p:nvSpPr>
+          <p:spPr>
+            <a:xfrm>
+              <a:off x="6379285" y="4367605"/>
+              <a:ext cx="2151529" cy="1667435"/>
+            </a:xfrm>
+            <a:custGeom>
+              <a:avLst/>
+              <a:gdLst>
+                <a:gd name="connsiteX0" fmla="*/ 0 w 2151529"/>
+                <a:gd name="connsiteY0" fmla="*/ 1667435 h 1667435"/>
+                <a:gd name="connsiteX1" fmla="*/ 430306 w 2151529"/>
+                <a:gd name="connsiteY1" fmla="*/ 1473797 h 1667435"/>
+                <a:gd name="connsiteX2" fmla="*/ 699247 w 2151529"/>
+                <a:gd name="connsiteY2" fmla="*/ 1323190 h 1667435"/>
+                <a:gd name="connsiteX3" fmla="*/ 1065007 w 2151529"/>
+                <a:gd name="connsiteY3" fmla="*/ 1043491 h 1667435"/>
+                <a:gd name="connsiteX4" fmla="*/ 1495313 w 2151529"/>
+                <a:gd name="connsiteY4" fmla="*/ 623943 h 1667435"/>
+                <a:gd name="connsiteX5" fmla="*/ 2151529 w 2151529"/>
+                <a:gd name="connsiteY5" fmla="*/ 0 h 1667435"/>
+                <a:gd name="connsiteX6" fmla="*/ 2140771 w 2151529"/>
+                <a:gd name="connsiteY6" fmla="*/ 1387736 h 1667435"/>
+                <a:gd name="connsiteX7" fmla="*/ 1818042 w 2151529"/>
+                <a:gd name="connsiteY7" fmla="*/ 1667435 h 1667435"/>
+                <a:gd name="connsiteX8" fmla="*/ 0 w 2151529"/>
+                <a:gd name="connsiteY8" fmla="*/ 1667435 h 1667435"/>
+              </a:gdLst>
+              <a:ahLst/>
+              <a:cxnLst>
+                <a:cxn ang="0">
+                  <a:pos x="connsiteX0" y="connsiteY0"/>
+                </a:cxn>
+                <a:cxn ang="0">
+                  <a:pos x="connsiteX1" y="connsiteY1"/>
+                </a:cxn>
+                <a:cxn ang="0">
+                  <a:pos x="connsiteX2" y="connsiteY2"/>
+                </a:cxn>
+                <a:cxn ang="0">
+                  <a:pos x="connsiteX3" y="connsiteY3"/>
+                </a:cxn>
+                <a:cxn ang="0">
+                  <a:pos x="connsiteX4" y="connsiteY4"/>
+                </a:cxn>
+                <a:cxn ang="0">
+                  <a:pos x="connsiteX5" y="connsiteY5"/>
+                </a:cxn>
+                <a:cxn ang="0">
+                  <a:pos x="connsiteX6" y="connsiteY6"/>
+                </a:cxn>
+                <a:cxn ang="0">
+                  <a:pos x="connsiteX7" y="connsiteY7"/>
+                </a:cxn>
+                <a:cxn ang="0">
+                  <a:pos x="connsiteX8" y="connsiteY8"/>
+                </a:cxn>
+              </a:cxnLst>
+              <a:rect l="l" t="t" r="r" b="b"/>
+              <a:pathLst>
+                <a:path w="2151529" h="1667435">
+                  <a:moveTo>
+                    <a:pt x="0" y="1667435"/>
+                  </a:moveTo>
+                  <a:lnTo>
+                    <a:pt x="430306" y="1473797"/>
+                  </a:lnTo>
+                  <a:lnTo>
+                    <a:pt x="699247" y="1323190"/>
+                  </a:lnTo>
+                  <a:lnTo>
+                    <a:pt x="1065007" y="1043491"/>
+                  </a:lnTo>
+                  <a:lnTo>
+                    <a:pt x="1495313" y="623943"/>
+                  </a:lnTo>
+                  <a:lnTo>
+                    <a:pt x="2151529" y="0"/>
+                  </a:lnTo>
+                  <a:lnTo>
+                    <a:pt x="2140771" y="1387736"/>
+                  </a:lnTo>
+                  <a:lnTo>
+                    <a:pt x="1818042" y="1667435"/>
+                  </a:lnTo>
+                  <a:lnTo>
+                    <a:pt x="0" y="1667435"/>
+                  </a:lnTo>
+                  <a:close/>
+                </a:path>
+              </a:pathLst>
+            </a:custGeom>
+            <a:pattFill prst="ltVert">
+              <a:fgClr>
+                <a:schemeClr val="tx1"/>
+              </a:fgClr>
+              <a:bgClr>
+                <a:schemeClr val="bg1"/>
+              </a:bgClr>
+            </a:pattFill>
+            <a:ln>
+              <a:noFill/>
+            </a:ln>
+          </p:spPr>
+          <p:style>
+            <a:lnRef idx="2">
+              <a:schemeClr val="accent1">
+                <a:shade val="50000"/>
+              </a:schemeClr>
+            </a:lnRef>
+            <a:fillRef idx="1">
+              <a:schemeClr val="accent1"/>
+            </a:fillRef>
+            <a:effectRef idx="0">
+              <a:schemeClr val="accent1"/>
+            </a:effectRef>
+            <a:fontRef idx="minor">
+              <a:schemeClr val="lt1"/>
+            </a:fontRef>
+          </p:style>
+          <p:txBody>
+            <a:bodyPr rtlCol="0" anchor="ctr"/>
+            <a:lstStyle/>
+            <a:p>
+              <a:pPr algn="ctr"/>
+              <a:endParaRPr lang="en-US"/>
+            </a:p>
+          </p:txBody>
+        </p:sp>
+        <p:grpSp>
+          <p:nvGrpSpPr>
+            <p:cNvPr id="57" name="Group 56">
+              <a:extLst>
+                <a:ext uri="{FF2B5EF4-FFF2-40B4-BE49-F238E27FC236}">
+                  <a16:creationId xmlns:a16="http://schemas.microsoft.com/office/drawing/2014/main" id="{7D2A12A3-B3DD-CA4D-BCAF-DF4AA0AAEEC8}"/>
+                </a:ext>
+              </a:extLst>
+            </p:cNvPr>
+            <p:cNvGrpSpPr/>
+            <p:nvPr/>
+          </p:nvGrpSpPr>
+          <p:grpSpPr>
+            <a:xfrm>
+              <a:off x="484094" y="1226372"/>
+              <a:ext cx="8057478" cy="4830183"/>
+              <a:chOff x="484094" y="1226372"/>
+              <a:chExt cx="8057478" cy="4830183"/>
+            </a:xfrm>
+          </p:grpSpPr>
+          <p:sp>
+            <p:nvSpPr>
+              <p:cNvPr id="60" name="Freeform 59">
+                <a:extLst>
+                  <a:ext uri="{FF2B5EF4-FFF2-40B4-BE49-F238E27FC236}">
+                    <a16:creationId xmlns:a16="http://schemas.microsoft.com/office/drawing/2014/main" id="{E74E50A8-BDD4-5241-AED5-296522E19331}"/>
+                  </a:ext>
+                </a:extLst>
+              </p:cNvPr>
+              <p:cNvSpPr/>
+              <p:nvPr/>
+            </p:nvSpPr>
+            <p:spPr>
+              <a:xfrm>
+                <a:off x="484094" y="1936376"/>
+                <a:ext cx="8046720" cy="4105656"/>
+              </a:xfrm>
+              <a:custGeom>
+                <a:avLst/>
+                <a:gdLst>
+                  <a:gd name="connsiteX0" fmla="*/ 0 w 8046720"/>
+                  <a:gd name="connsiteY0" fmla="*/ 1409252 h 4109422"/>
+                  <a:gd name="connsiteX1" fmla="*/ 774551 w 8046720"/>
+                  <a:gd name="connsiteY1" fmla="*/ 978946 h 4109422"/>
+                  <a:gd name="connsiteX2" fmla="*/ 1678193 w 8046720"/>
+                  <a:gd name="connsiteY2" fmla="*/ 516368 h 4109422"/>
+                  <a:gd name="connsiteX3" fmla="*/ 2334410 w 8046720"/>
+                  <a:gd name="connsiteY3" fmla="*/ 225911 h 4109422"/>
+                  <a:gd name="connsiteX4" fmla="*/ 3033657 w 8046720"/>
+                  <a:gd name="connsiteY4" fmla="*/ 32273 h 4109422"/>
+                  <a:gd name="connsiteX5" fmla="*/ 3410174 w 8046720"/>
+                  <a:gd name="connsiteY5" fmla="*/ 0 h 4109422"/>
+                  <a:gd name="connsiteX6" fmla="*/ 3539266 w 8046720"/>
+                  <a:gd name="connsiteY6" fmla="*/ 172123 h 4109422"/>
+                  <a:gd name="connsiteX7" fmla="*/ 3668358 w 8046720"/>
+                  <a:gd name="connsiteY7" fmla="*/ 677732 h 4109422"/>
+                  <a:gd name="connsiteX8" fmla="*/ 3711388 w 8046720"/>
+                  <a:gd name="connsiteY8" fmla="*/ 989704 h 4109422"/>
+                  <a:gd name="connsiteX9" fmla="*/ 3743661 w 8046720"/>
+                  <a:gd name="connsiteY9" fmla="*/ 1592132 h 4109422"/>
+                  <a:gd name="connsiteX10" fmla="*/ 3679115 w 8046720"/>
+                  <a:gd name="connsiteY10" fmla="*/ 2312895 h 4109422"/>
+                  <a:gd name="connsiteX11" fmla="*/ 3668358 w 8046720"/>
+                  <a:gd name="connsiteY11" fmla="*/ 2764716 h 4109422"/>
+                  <a:gd name="connsiteX12" fmla="*/ 3722146 w 8046720"/>
+                  <a:gd name="connsiteY12" fmla="*/ 3184264 h 4109422"/>
+                  <a:gd name="connsiteX13" fmla="*/ 3894268 w 8046720"/>
+                  <a:gd name="connsiteY13" fmla="*/ 3593055 h 4109422"/>
+                  <a:gd name="connsiteX14" fmla="*/ 4001845 w 8046720"/>
+                  <a:gd name="connsiteY14" fmla="*/ 3722146 h 4109422"/>
+                  <a:gd name="connsiteX15" fmla="*/ 4152452 w 8046720"/>
+                  <a:gd name="connsiteY15" fmla="*/ 3743662 h 4109422"/>
+                  <a:gd name="connsiteX16" fmla="*/ 4593515 w 8046720"/>
+                  <a:gd name="connsiteY16" fmla="*/ 3625328 h 4109422"/>
+                  <a:gd name="connsiteX17" fmla="*/ 4959275 w 8046720"/>
+                  <a:gd name="connsiteY17" fmla="*/ 3474720 h 4109422"/>
+                  <a:gd name="connsiteX18" fmla="*/ 5637007 w 8046720"/>
+                  <a:gd name="connsiteY18" fmla="*/ 3044415 h 4109422"/>
+                  <a:gd name="connsiteX19" fmla="*/ 6067313 w 8046720"/>
+                  <a:gd name="connsiteY19" fmla="*/ 2796989 h 4109422"/>
+                  <a:gd name="connsiteX20" fmla="*/ 6422315 w 8046720"/>
+                  <a:gd name="connsiteY20" fmla="*/ 2474259 h 4109422"/>
+                  <a:gd name="connsiteX21" fmla="*/ 7013986 w 8046720"/>
+                  <a:gd name="connsiteY21" fmla="*/ 2054711 h 4109422"/>
+                  <a:gd name="connsiteX22" fmla="*/ 7390504 w 8046720"/>
+                  <a:gd name="connsiteY22" fmla="*/ 1667436 h 4109422"/>
+                  <a:gd name="connsiteX23" fmla="*/ 7928386 w 8046720"/>
+                  <a:gd name="connsiteY23" fmla="*/ 1118796 h 4109422"/>
+                  <a:gd name="connsiteX24" fmla="*/ 8046720 w 8046720"/>
+                  <a:gd name="connsiteY24" fmla="*/ 1032735 h 4109422"/>
+                  <a:gd name="connsiteX25" fmla="*/ 8025205 w 8046720"/>
+                  <a:gd name="connsiteY25" fmla="*/ 2431229 h 4109422"/>
+                  <a:gd name="connsiteX26" fmla="*/ 7476565 w 8046720"/>
+                  <a:gd name="connsiteY26" fmla="*/ 2947596 h 4109422"/>
+                  <a:gd name="connsiteX27" fmla="*/ 7132320 w 8046720"/>
+                  <a:gd name="connsiteY27" fmla="*/ 3281083 h 4109422"/>
+                  <a:gd name="connsiteX28" fmla="*/ 6970955 w 8046720"/>
+                  <a:gd name="connsiteY28" fmla="*/ 3453205 h 4109422"/>
+                  <a:gd name="connsiteX29" fmla="*/ 6551407 w 8046720"/>
+                  <a:gd name="connsiteY29" fmla="*/ 3786692 h 4109422"/>
+                  <a:gd name="connsiteX30" fmla="*/ 6110344 w 8046720"/>
+                  <a:gd name="connsiteY30" fmla="*/ 3991088 h 4109422"/>
+                  <a:gd name="connsiteX31" fmla="*/ 5862918 w 8046720"/>
+                  <a:gd name="connsiteY31" fmla="*/ 4109422 h 4109422"/>
+                  <a:gd name="connsiteX32" fmla="*/ 2764715 w 8046720"/>
+                  <a:gd name="connsiteY32" fmla="*/ 4098664 h 4109422"/>
+                  <a:gd name="connsiteX33" fmla="*/ 2700170 w 8046720"/>
+                  <a:gd name="connsiteY33" fmla="*/ 3937299 h 4109422"/>
+                  <a:gd name="connsiteX34" fmla="*/ 2700170 w 8046720"/>
+                  <a:gd name="connsiteY34" fmla="*/ 3625328 h 4109422"/>
+                  <a:gd name="connsiteX35" fmla="*/ 2732442 w 8046720"/>
+                  <a:gd name="connsiteY35" fmla="*/ 2926080 h 4109422"/>
+                  <a:gd name="connsiteX36" fmla="*/ 2732442 w 8046720"/>
+                  <a:gd name="connsiteY36" fmla="*/ 2398956 h 4109422"/>
+                  <a:gd name="connsiteX37" fmla="*/ 2678654 w 8046720"/>
+                  <a:gd name="connsiteY37" fmla="*/ 1882589 h 4109422"/>
+                  <a:gd name="connsiteX38" fmla="*/ 2592593 w 8046720"/>
+                  <a:gd name="connsiteY38" fmla="*/ 1645920 h 4109422"/>
+                  <a:gd name="connsiteX39" fmla="*/ 2441986 w 8046720"/>
+                  <a:gd name="connsiteY39" fmla="*/ 1484556 h 4109422"/>
+                  <a:gd name="connsiteX40" fmla="*/ 1947134 w 8046720"/>
+                  <a:gd name="connsiteY40" fmla="*/ 1645920 h 4109422"/>
+                  <a:gd name="connsiteX41" fmla="*/ 1376979 w 8046720"/>
+                  <a:gd name="connsiteY41" fmla="*/ 1914862 h 4109422"/>
+                  <a:gd name="connsiteX42" fmla="*/ 677732 w 8046720"/>
+                  <a:gd name="connsiteY42" fmla="*/ 2355925 h 4109422"/>
+                  <a:gd name="connsiteX43" fmla="*/ 301214 w 8046720"/>
+                  <a:gd name="connsiteY43" fmla="*/ 2624866 h 4109422"/>
+                  <a:gd name="connsiteX44" fmla="*/ 32273 w 8046720"/>
+                  <a:gd name="connsiteY44" fmla="*/ 2936838 h 4109422"/>
+                  <a:gd name="connsiteX45" fmla="*/ 0 w 8046720"/>
+                  <a:gd name="connsiteY45" fmla="*/ 1409252 h 4109422"/>
+                </a:gdLst>
+                <a:ahLst/>
+                <a:cxnLst>
+                  <a:cxn ang="0">
+                    <a:pos x="connsiteX0" y="connsiteY0"/>
+                  </a:cxn>
+                  <a:cxn ang="0">
+                    <a:pos x="connsiteX1" y="connsiteY1"/>
+                  </a:cxn>
+                  <a:cxn ang="0">
+                    <a:pos x="connsiteX2" y="connsiteY2"/>
+                  </a:cxn>
+                  <a:cxn ang="0">
+                    <a:pos x="connsiteX3" y="connsiteY3"/>
+                  </a:cxn>
+                  <a:cxn ang="0">
+                    <a:pos x="connsiteX4" y="connsiteY4"/>
+                  </a:cxn>
+                  <a:cxn ang="0">
+                    <a:pos x="connsiteX5" y="connsiteY5"/>
+                  </a:cxn>
+                  <a:cxn ang="0">
+                    <a:pos x="connsiteX6" y="connsiteY6"/>
+                  </a:cxn>
+                  <a:cxn ang="0">
+                    <a:pos x="connsiteX7" y="connsiteY7"/>
+                  </a:cxn>
+                  <a:cxn ang="0">
+                    <a:pos x="connsiteX8" y="connsiteY8"/>
+                  </a:cxn>
+                  <a:cxn ang="0">
+                    <a:pos x="connsiteX9" y="connsiteY9"/>
+                  </a:cxn>
+                  <a:cxn ang="0">
+                    <a:pos x="connsiteX10" y="connsiteY10"/>
+                  </a:cxn>
+                  <a:cxn ang="0">
+                    <a:pos x="connsiteX11" y="connsiteY11"/>
+                  </a:cxn>
+                  <a:cxn ang="0">
+                    <a:pos x="connsiteX12" y="connsiteY12"/>
+                  </a:cxn>
+                  <a:cxn ang="0">
+                    <a:pos x="connsiteX13" y="connsiteY13"/>
+                  </a:cxn>
+                  <a:cxn ang="0">
+                    <a:pos x="connsiteX14" y="connsiteY14"/>
+                  </a:cxn>
+                  <a:cxn ang="0">
+                    <a:pos x="connsiteX15" y="connsiteY15"/>
+                  </a:cxn>
+                  <a:cxn ang="0">
+                    <a:pos x="connsiteX16" y="connsiteY16"/>
+                  </a:cxn>
+                  <a:cxn ang="0">
+                    <a:pos x="connsiteX17" y="connsiteY17"/>
+                  </a:cxn>
+                  <a:cxn ang="0">
+                    <a:pos x="connsiteX18" y="connsiteY18"/>
+                  </a:cxn>
+                  <a:cxn ang="0">
+                    <a:pos x="connsiteX19" y="connsiteY19"/>
+                  </a:cxn>
+                  <a:cxn ang="0">
+                    <a:pos x="connsiteX20" y="connsiteY20"/>
+                  </a:cxn>
+                  <a:cxn ang="0">
+                    <a:pos x="connsiteX21" y="connsiteY21"/>
+                  </a:cxn>
+                  <a:cxn ang="0">
+                    <a:pos x="connsiteX22" y="connsiteY22"/>
+                  </a:cxn>
+                  <a:cxn ang="0">
+                    <a:pos x="connsiteX23" y="connsiteY23"/>
+                  </a:cxn>
+                  <a:cxn ang="0">
+                    <a:pos x="connsiteX24" y="connsiteY24"/>
+                  </a:cxn>
+                  <a:cxn ang="0">
+                    <a:pos x="connsiteX25" y="connsiteY25"/>
+                  </a:cxn>
+                  <a:cxn ang="0">
+                    <a:pos x="connsiteX26" y="connsiteY26"/>
+                  </a:cxn>
+                  <a:cxn ang="0">
+                    <a:pos x="connsiteX27" y="connsiteY27"/>
+                  </a:cxn>
+                  <a:cxn ang="0">
+                    <a:pos x="connsiteX28" y="connsiteY28"/>
+                  </a:cxn>
+                  <a:cxn ang="0">
+                    <a:pos x="connsiteX29" y="connsiteY29"/>
+                  </a:cxn>
+                  <a:cxn ang="0">
+                    <a:pos x="connsiteX30" y="connsiteY30"/>
+                  </a:cxn>
+                  <a:cxn ang="0">
+                    <a:pos x="connsiteX31" y="connsiteY31"/>
+                  </a:cxn>
+                  <a:cxn ang="0">
+                    <a:pos x="connsiteX32" y="connsiteY32"/>
+                  </a:cxn>
+                  <a:cxn ang="0">
+                    <a:pos x="connsiteX33" y="connsiteY33"/>
+                  </a:cxn>
+                  <a:cxn ang="0">
+                    <a:pos x="connsiteX34" y="connsiteY34"/>
+                  </a:cxn>
+                  <a:cxn ang="0">
+                    <a:pos x="connsiteX35" y="connsiteY35"/>
+                  </a:cxn>
+                  <a:cxn ang="0">
+                    <a:pos x="connsiteX36" y="connsiteY36"/>
+                  </a:cxn>
+                  <a:cxn ang="0">
+                    <a:pos x="connsiteX37" y="connsiteY37"/>
+                  </a:cxn>
+                  <a:cxn ang="0">
+                    <a:pos x="connsiteX38" y="connsiteY38"/>
+                  </a:cxn>
+                  <a:cxn ang="0">
+                    <a:pos x="connsiteX39" y="connsiteY39"/>
+                  </a:cxn>
+                  <a:cxn ang="0">
+                    <a:pos x="connsiteX40" y="connsiteY40"/>
+                  </a:cxn>
+                  <a:cxn ang="0">
+                    <a:pos x="connsiteX41" y="connsiteY41"/>
+                  </a:cxn>
+                  <a:cxn ang="0">
+                    <a:pos x="connsiteX42" y="connsiteY42"/>
+                  </a:cxn>
+                  <a:cxn ang="0">
+                    <a:pos x="connsiteX43" y="connsiteY43"/>
+                  </a:cxn>
+                  <a:cxn ang="0">
+                    <a:pos x="connsiteX44" y="connsiteY44"/>
+                  </a:cxn>
+                  <a:cxn ang="0">
+                    <a:pos x="connsiteX45" y="connsiteY45"/>
+                  </a:cxn>
+                </a:cxnLst>
+                <a:rect l="l" t="t" r="r" b="b"/>
+                <a:pathLst>
+                  <a:path w="8046720" h="4109422">
+                    <a:moveTo>
+                      <a:pt x="0" y="1409252"/>
+                    </a:moveTo>
+                    <a:lnTo>
+                      <a:pt x="774551" y="978946"/>
+                    </a:lnTo>
+                    <a:lnTo>
+                      <a:pt x="1678193" y="516368"/>
+                    </a:lnTo>
+                    <a:lnTo>
+                      <a:pt x="2334410" y="225911"/>
+                    </a:lnTo>
+                    <a:lnTo>
+                      <a:pt x="3033657" y="32273"/>
+                    </a:lnTo>
+                    <a:lnTo>
+                      <a:pt x="3410174" y="0"/>
+                    </a:lnTo>
+                    <a:lnTo>
+                      <a:pt x="3539266" y="172123"/>
+                    </a:lnTo>
+                    <a:lnTo>
+                      <a:pt x="3668358" y="677732"/>
+                    </a:lnTo>
+                    <a:lnTo>
+                      <a:pt x="3711388" y="989704"/>
+                    </a:lnTo>
+                    <a:lnTo>
+                      <a:pt x="3743661" y="1592132"/>
+                    </a:lnTo>
+                    <a:lnTo>
+                      <a:pt x="3679115" y="2312895"/>
+                    </a:lnTo>
+                    <a:lnTo>
+                      <a:pt x="3668358" y="2764716"/>
+                    </a:lnTo>
+                    <a:lnTo>
+                      <a:pt x="3722146" y="3184264"/>
+                    </a:lnTo>
+                    <a:lnTo>
+                      <a:pt x="3894268" y="3593055"/>
+                    </a:lnTo>
+                    <a:lnTo>
+                      <a:pt x="4001845" y="3722146"/>
+                    </a:lnTo>
+                    <a:lnTo>
+                      <a:pt x="4152452" y="3743662"/>
+                    </a:lnTo>
+                    <a:lnTo>
+                      <a:pt x="4593515" y="3625328"/>
+                    </a:lnTo>
+                    <a:lnTo>
+                      <a:pt x="4959275" y="3474720"/>
+                    </a:lnTo>
+                    <a:lnTo>
+                      <a:pt x="5637007" y="3044415"/>
+                    </a:lnTo>
+                    <a:lnTo>
+                      <a:pt x="6067313" y="2796989"/>
+                    </a:lnTo>
+                    <a:lnTo>
+                      <a:pt x="6422315" y="2474259"/>
+                    </a:lnTo>
+                    <a:lnTo>
+                      <a:pt x="7013986" y="2054711"/>
+                    </a:lnTo>
+                    <a:lnTo>
+                      <a:pt x="7390504" y="1667436"/>
+                    </a:lnTo>
+                    <a:lnTo>
+                      <a:pt x="7928386" y="1118796"/>
+                    </a:lnTo>
+                    <a:lnTo>
+                      <a:pt x="8046720" y="1032735"/>
+                    </a:lnTo>
+                    <a:lnTo>
+                      <a:pt x="8025205" y="2431229"/>
+                    </a:lnTo>
+                    <a:lnTo>
+                      <a:pt x="7476565" y="2947596"/>
+                    </a:lnTo>
+                    <a:lnTo>
+                      <a:pt x="7132320" y="3281083"/>
+                    </a:lnTo>
+                    <a:lnTo>
+                      <a:pt x="6970955" y="3453205"/>
+                    </a:lnTo>
+                    <a:lnTo>
+                      <a:pt x="6551407" y="3786692"/>
+                    </a:lnTo>
+                    <a:lnTo>
+                      <a:pt x="6110344" y="3991088"/>
+                    </a:lnTo>
+                    <a:lnTo>
+                      <a:pt x="5862918" y="4109422"/>
+                    </a:lnTo>
+                    <a:lnTo>
+                      <a:pt x="2764715" y="4098664"/>
+                    </a:lnTo>
+                    <a:lnTo>
+                      <a:pt x="2700170" y="3937299"/>
+                    </a:lnTo>
+                    <a:lnTo>
+                      <a:pt x="2700170" y="3625328"/>
+                    </a:lnTo>
+                    <a:lnTo>
+                      <a:pt x="2732442" y="2926080"/>
+                    </a:lnTo>
+                    <a:lnTo>
+                      <a:pt x="2732442" y="2398956"/>
+                    </a:lnTo>
+                    <a:lnTo>
+                      <a:pt x="2678654" y="1882589"/>
+                    </a:lnTo>
+                    <a:lnTo>
+                      <a:pt x="2592593" y="1645920"/>
+                    </a:lnTo>
+                    <a:lnTo>
+                      <a:pt x="2441986" y="1484556"/>
+                    </a:lnTo>
+                    <a:lnTo>
+                      <a:pt x="1947134" y="1645920"/>
+                    </a:lnTo>
+                    <a:lnTo>
+                      <a:pt x="1376979" y="1914862"/>
+                    </a:lnTo>
+                    <a:lnTo>
+                      <a:pt x="677732" y="2355925"/>
+                    </a:lnTo>
+                    <a:lnTo>
+                      <a:pt x="301214" y="2624866"/>
+                    </a:lnTo>
+                    <a:lnTo>
+                      <a:pt x="32273" y="2936838"/>
+                    </a:lnTo>
+                    <a:lnTo>
+                      <a:pt x="0" y="1409252"/>
+                    </a:lnTo>
+                    <a:close/>
+                  </a:path>
+                </a:pathLst>
+              </a:custGeom>
+              <a:pattFill prst="pct5">
+                <a:fgClr>
+                  <a:schemeClr val="tx1"/>
+                </a:fgClr>
+                <a:bgClr>
+                  <a:schemeClr val="bg1"/>
+                </a:bgClr>
+              </a:pattFill>
+              <a:ln>
+                <a:noFill/>
+              </a:ln>
+            </p:spPr>
+            <p:style>
+              <a:lnRef idx="2">
+                <a:schemeClr val="accent1">
+                  <a:shade val="50000"/>
+                </a:schemeClr>
+              </a:lnRef>
+              <a:fillRef idx="1">
+                <a:schemeClr val="accent1"/>
+              </a:fillRef>
+              <a:effectRef idx="0">
+                <a:schemeClr val="accent1"/>
+              </a:effectRef>
+              <a:fontRef idx="minor">
+                <a:schemeClr val="lt1"/>
+              </a:fontRef>
+            </p:style>
+            <p:txBody>
+              <a:bodyPr rtlCol="0" anchor="ctr"/>
+              <a:lstStyle/>
+              <a:p>
+                <a:pPr algn="ctr"/>
+                <a:endParaRPr lang="en-US"/>
+              </a:p>
+            </p:txBody>
+          </p:sp>
+          <p:sp>
+            <p:nvSpPr>
+              <p:cNvPr id="61" name="Freeform 60">
+                <a:extLst>
+                  <a:ext uri="{FF2B5EF4-FFF2-40B4-BE49-F238E27FC236}">
+                    <a16:creationId xmlns:a16="http://schemas.microsoft.com/office/drawing/2014/main" id="{5C719232-D754-014F-8879-008A4DEF444D}"/>
+                  </a:ext>
+                </a:extLst>
+              </p:cNvPr>
+              <p:cNvSpPr/>
+              <p:nvPr/>
+            </p:nvSpPr>
+            <p:spPr>
+              <a:xfrm>
+                <a:off x="484094" y="1247887"/>
+                <a:ext cx="8046720" cy="4410635"/>
+              </a:xfrm>
+              <a:custGeom>
+                <a:avLst/>
+                <a:gdLst>
+                  <a:gd name="connsiteX0" fmla="*/ 0 w 8046720"/>
+                  <a:gd name="connsiteY0" fmla="*/ 892885 h 4410635"/>
+                  <a:gd name="connsiteX1" fmla="*/ 322730 w 8046720"/>
+                  <a:gd name="connsiteY1" fmla="*/ 699247 h 4410635"/>
+                  <a:gd name="connsiteX2" fmla="*/ 1021977 w 8046720"/>
+                  <a:gd name="connsiteY2" fmla="*/ 408791 h 4410635"/>
+                  <a:gd name="connsiteX3" fmla="*/ 1484555 w 8046720"/>
+                  <a:gd name="connsiteY3" fmla="*/ 204395 h 4410635"/>
+                  <a:gd name="connsiteX4" fmla="*/ 2130014 w 8046720"/>
+                  <a:gd name="connsiteY4" fmla="*/ 21515 h 4410635"/>
+                  <a:gd name="connsiteX5" fmla="*/ 4260028 w 8046720"/>
+                  <a:gd name="connsiteY5" fmla="*/ 0 h 4410635"/>
+                  <a:gd name="connsiteX6" fmla="*/ 4453666 w 8046720"/>
+                  <a:gd name="connsiteY6" fmla="*/ 408791 h 4410635"/>
+                  <a:gd name="connsiteX7" fmla="*/ 4561242 w 8046720"/>
+                  <a:gd name="connsiteY7" fmla="*/ 978946 h 4410635"/>
+                  <a:gd name="connsiteX8" fmla="*/ 4593515 w 8046720"/>
+                  <a:gd name="connsiteY8" fmla="*/ 1764254 h 4410635"/>
+                  <a:gd name="connsiteX9" fmla="*/ 4561242 w 8046720"/>
+                  <a:gd name="connsiteY9" fmla="*/ 2646381 h 4410635"/>
+                  <a:gd name="connsiteX10" fmla="*/ 4582758 w 8046720"/>
+                  <a:gd name="connsiteY10" fmla="*/ 2979868 h 4410635"/>
+                  <a:gd name="connsiteX11" fmla="*/ 4701092 w 8046720"/>
+                  <a:gd name="connsiteY11" fmla="*/ 3270325 h 4410635"/>
+                  <a:gd name="connsiteX12" fmla="*/ 4894730 w 8046720"/>
+                  <a:gd name="connsiteY12" fmla="*/ 3205779 h 4410635"/>
+                  <a:gd name="connsiteX13" fmla="*/ 5647765 w 8046720"/>
+                  <a:gd name="connsiteY13" fmla="*/ 2721685 h 4410635"/>
+                  <a:gd name="connsiteX14" fmla="*/ 6099586 w 8046720"/>
+                  <a:gd name="connsiteY14" fmla="*/ 2312894 h 4410635"/>
+                  <a:gd name="connsiteX15" fmla="*/ 6658984 w 8046720"/>
+                  <a:gd name="connsiteY15" fmla="*/ 1699708 h 4410635"/>
+                  <a:gd name="connsiteX16" fmla="*/ 7325958 w 8046720"/>
+                  <a:gd name="connsiteY16" fmla="*/ 1086522 h 4410635"/>
+                  <a:gd name="connsiteX17" fmla="*/ 8025205 w 8046720"/>
+                  <a:gd name="connsiteY17" fmla="*/ 462579 h 4410635"/>
+                  <a:gd name="connsiteX18" fmla="*/ 8046720 w 8046720"/>
+                  <a:gd name="connsiteY18" fmla="*/ 1710466 h 4410635"/>
+                  <a:gd name="connsiteX19" fmla="*/ 7347473 w 8046720"/>
+                  <a:gd name="connsiteY19" fmla="*/ 2388198 h 4410635"/>
+                  <a:gd name="connsiteX20" fmla="*/ 6798833 w 8046720"/>
+                  <a:gd name="connsiteY20" fmla="*/ 2904565 h 4410635"/>
+                  <a:gd name="connsiteX21" fmla="*/ 6422315 w 8046720"/>
+                  <a:gd name="connsiteY21" fmla="*/ 3184264 h 4410635"/>
+                  <a:gd name="connsiteX22" fmla="*/ 6110344 w 8046720"/>
+                  <a:gd name="connsiteY22" fmla="*/ 3453205 h 4410635"/>
+                  <a:gd name="connsiteX23" fmla="*/ 5411097 w 8046720"/>
+                  <a:gd name="connsiteY23" fmla="*/ 3861995 h 4410635"/>
+                  <a:gd name="connsiteX24" fmla="*/ 4937760 w 8046720"/>
+                  <a:gd name="connsiteY24" fmla="*/ 4141694 h 4410635"/>
+                  <a:gd name="connsiteX25" fmla="*/ 4378362 w 8046720"/>
+                  <a:gd name="connsiteY25" fmla="*/ 4378362 h 4410635"/>
+                  <a:gd name="connsiteX26" fmla="*/ 4077148 w 8046720"/>
+                  <a:gd name="connsiteY26" fmla="*/ 4410635 h 4410635"/>
+                  <a:gd name="connsiteX27" fmla="*/ 3948057 w 8046720"/>
+                  <a:gd name="connsiteY27" fmla="*/ 4356847 h 4410635"/>
+                  <a:gd name="connsiteX28" fmla="*/ 3775934 w 8046720"/>
+                  <a:gd name="connsiteY28" fmla="*/ 3991087 h 4410635"/>
+                  <a:gd name="connsiteX29" fmla="*/ 3689873 w 8046720"/>
+                  <a:gd name="connsiteY29" fmla="*/ 3582297 h 4410635"/>
+                  <a:gd name="connsiteX30" fmla="*/ 3679115 w 8046720"/>
+                  <a:gd name="connsiteY30" fmla="*/ 3076687 h 4410635"/>
+                  <a:gd name="connsiteX31" fmla="*/ 3743661 w 8046720"/>
+                  <a:gd name="connsiteY31" fmla="*/ 2345167 h 4410635"/>
+                  <a:gd name="connsiteX32" fmla="*/ 3765177 w 8046720"/>
+                  <a:gd name="connsiteY32" fmla="*/ 1785769 h 4410635"/>
+                  <a:gd name="connsiteX33" fmla="*/ 3657600 w 8046720"/>
+                  <a:gd name="connsiteY33" fmla="*/ 1226372 h 4410635"/>
+                  <a:gd name="connsiteX34" fmla="*/ 3517751 w 8046720"/>
+                  <a:gd name="connsiteY34" fmla="*/ 828339 h 4410635"/>
+                  <a:gd name="connsiteX35" fmla="*/ 3399417 w 8046720"/>
+                  <a:gd name="connsiteY35" fmla="*/ 677732 h 4410635"/>
+                  <a:gd name="connsiteX36" fmla="*/ 3065930 w 8046720"/>
+                  <a:gd name="connsiteY36" fmla="*/ 688489 h 4410635"/>
+                  <a:gd name="connsiteX37" fmla="*/ 2312894 w 8046720"/>
+                  <a:gd name="connsiteY37" fmla="*/ 914400 h 4410635"/>
+                  <a:gd name="connsiteX38" fmla="*/ 1645920 w 8046720"/>
+                  <a:gd name="connsiteY38" fmla="*/ 1215614 h 4410635"/>
+                  <a:gd name="connsiteX39" fmla="*/ 1097280 w 8046720"/>
+                  <a:gd name="connsiteY39" fmla="*/ 1495313 h 4410635"/>
+                  <a:gd name="connsiteX40" fmla="*/ 441064 w 8046720"/>
+                  <a:gd name="connsiteY40" fmla="*/ 1839558 h 4410635"/>
+                  <a:gd name="connsiteX41" fmla="*/ 21515 w 8046720"/>
+                  <a:gd name="connsiteY41" fmla="*/ 2097741 h 4410635"/>
+                  <a:gd name="connsiteX42" fmla="*/ 0 w 8046720"/>
+                  <a:gd name="connsiteY42" fmla="*/ 892885 h 4410635"/>
+                </a:gdLst>
+                <a:ahLst/>
+                <a:cxnLst>
+                  <a:cxn ang="0">
+                    <a:pos x="connsiteX0" y="connsiteY0"/>
+                  </a:cxn>
+                  <a:cxn ang="0">
+                    <a:pos x="connsiteX1" y="connsiteY1"/>
+                  </a:cxn>
+                  <a:cxn ang="0">
+                    <a:pos x="connsiteX2" y="connsiteY2"/>
+                  </a:cxn>
+                  <a:cxn ang="0">
+                    <a:pos x="connsiteX3" y="connsiteY3"/>
+                  </a:cxn>
+                  <a:cxn ang="0">
+                    <a:pos x="connsiteX4" y="connsiteY4"/>
+                  </a:cxn>
+                  <a:cxn ang="0">
+                    <a:pos x="connsiteX5" y="connsiteY5"/>
+                  </a:cxn>
+                  <a:cxn ang="0">
+                    <a:pos x="connsiteX6" y="connsiteY6"/>
+                  </a:cxn>
+                  <a:cxn ang="0">
+                    <a:pos x="connsiteX7" y="connsiteY7"/>
+                  </a:cxn>
+                  <a:cxn ang="0">
+                    <a:pos x="connsiteX8" y="connsiteY8"/>
+                  </a:cxn>
+                  <a:cxn ang="0">
+                    <a:pos x="connsiteX9" y="connsiteY9"/>
+                  </a:cxn>
+                  <a:cxn ang="0">
+                    <a:pos x="connsiteX10" y="connsiteY10"/>
+                  </a:cxn>
+                  <a:cxn ang="0">
+                    <a:pos x="connsiteX11" y="connsiteY11"/>
+                  </a:cxn>
+                  <a:cxn ang="0">
+                    <a:pos x="connsiteX12" y="connsiteY12"/>
+                  </a:cxn>
+                  <a:cxn ang="0">
+                    <a:pos x="connsiteX13" y="connsiteY13"/>
+                  </a:cxn>
+                  <a:cxn ang="0">
+                    <a:pos x="connsiteX14" y="connsiteY14"/>
+                  </a:cxn>
+                  <a:cxn ang="0">
+                    <a:pos x="connsiteX15" y="connsiteY15"/>
+                  </a:cxn>
+                  <a:cxn ang="0">
+                    <a:pos x="connsiteX16" y="connsiteY16"/>
+                  </a:cxn>
+                  <a:cxn ang="0">
+                    <a:pos x="connsiteX17" y="connsiteY17"/>
+                  </a:cxn>
+                  <a:cxn ang="0">
+                    <a:pos x="connsiteX18" y="connsiteY18"/>
+                  </a:cxn>
+                  <a:cxn ang="0">
+                    <a:pos x="connsiteX19" y="connsiteY19"/>
+                  </a:cxn>
+                  <a:cxn ang="0">
+                    <a:pos x="connsiteX20" y="connsiteY20"/>
+                  </a:cxn>
+                  <a:cxn ang="0">
+                    <a:pos x="connsiteX21" y="connsiteY21"/>
+                  </a:cxn>
+                  <a:cxn ang="0">
+                    <a:pos x="connsiteX22" y="connsiteY22"/>
+                  </a:cxn>
+                  <a:cxn ang="0">
+                    <a:pos x="connsiteX23" y="connsiteY23"/>
+                  </a:cxn>
+                  <a:cxn ang="0">
+                    <a:pos x="connsiteX24" y="connsiteY24"/>
+                  </a:cxn>
+                  <a:cxn ang="0">
+                    <a:pos x="connsiteX25" y="connsiteY25"/>
+                  </a:cxn>
+                  <a:cxn ang="0">
+                    <a:pos x="connsiteX26" y="connsiteY26"/>
+                  </a:cxn>
+                  <a:cxn ang="0">
+                    <a:pos x="connsiteX27" y="connsiteY27"/>
+                  </a:cxn>
+                  <a:cxn ang="0">
+                    <a:pos x="connsiteX28" y="connsiteY28"/>
+                  </a:cxn>
+                  <a:cxn ang="0">
+                    <a:pos x="connsiteX29" y="connsiteY29"/>
+                  </a:cxn>
+                  <a:cxn ang="0">
+                    <a:pos x="connsiteX30" y="connsiteY30"/>
+                  </a:cxn>
+                  <a:cxn ang="0">
+                    <a:pos x="connsiteX31" y="connsiteY31"/>
+                  </a:cxn>
+                  <a:cxn ang="0">
+                    <a:pos x="connsiteX32" y="connsiteY32"/>
+                  </a:cxn>
+                  <a:cxn ang="0">
+                    <a:pos x="connsiteX33" y="connsiteY33"/>
+                  </a:cxn>
+                  <a:cxn ang="0">
+                    <a:pos x="connsiteX34" y="connsiteY34"/>
+                  </a:cxn>
+                  <a:cxn ang="0">
+                    <a:pos x="connsiteX35" y="connsiteY35"/>
+                  </a:cxn>
+                  <a:cxn ang="0">
+                    <a:pos x="connsiteX36" y="connsiteY36"/>
+                  </a:cxn>
+                  <a:cxn ang="0">
+                    <a:pos x="connsiteX37" y="connsiteY37"/>
+                  </a:cxn>
+                  <a:cxn ang="0">
+                    <a:pos x="connsiteX38" y="connsiteY38"/>
+                  </a:cxn>
+                  <a:cxn ang="0">
+                    <a:pos x="connsiteX39" y="connsiteY39"/>
+                  </a:cxn>
+                  <a:cxn ang="0">
+                    <a:pos x="connsiteX40" y="connsiteY40"/>
+                  </a:cxn>
+                  <a:cxn ang="0">
+                    <a:pos x="connsiteX41" y="connsiteY41"/>
+                  </a:cxn>
+                  <a:cxn ang="0">
+                    <a:pos x="connsiteX42" y="connsiteY42"/>
+                  </a:cxn>
+                </a:cxnLst>
+                <a:rect l="l" t="t" r="r" b="b"/>
+                <a:pathLst>
+                  <a:path w="8046720" h="4410635">
+                    <a:moveTo>
+                      <a:pt x="0" y="892885"/>
+                    </a:moveTo>
+                    <a:lnTo>
+                      <a:pt x="322730" y="699247"/>
+                    </a:lnTo>
+                    <a:lnTo>
+                      <a:pt x="1021977" y="408791"/>
+                    </a:lnTo>
+                    <a:lnTo>
+                      <a:pt x="1484555" y="204395"/>
+                    </a:lnTo>
+                    <a:lnTo>
+                      <a:pt x="2130014" y="21515"/>
+                    </a:lnTo>
+                    <a:lnTo>
+                      <a:pt x="4260028" y="0"/>
+                    </a:lnTo>
+                    <a:lnTo>
+                      <a:pt x="4453666" y="408791"/>
+                    </a:lnTo>
+                    <a:lnTo>
+                      <a:pt x="4561242" y="978946"/>
+                    </a:lnTo>
+                    <a:lnTo>
+                      <a:pt x="4593515" y="1764254"/>
+                    </a:lnTo>
+                    <a:lnTo>
+                      <a:pt x="4561242" y="2646381"/>
+                    </a:lnTo>
+                    <a:lnTo>
+                      <a:pt x="4582758" y="2979868"/>
+                    </a:lnTo>
+                    <a:lnTo>
+                      <a:pt x="4701092" y="3270325"/>
+                    </a:lnTo>
+                    <a:lnTo>
+                      <a:pt x="4894730" y="3205779"/>
+                    </a:lnTo>
+                    <a:lnTo>
+                      <a:pt x="5647765" y="2721685"/>
+                    </a:lnTo>
+                    <a:lnTo>
+                      <a:pt x="6099586" y="2312894"/>
+                    </a:lnTo>
+                    <a:lnTo>
+                      <a:pt x="6658984" y="1699708"/>
+                    </a:lnTo>
+                    <a:lnTo>
+                      <a:pt x="7325958" y="1086522"/>
+                    </a:lnTo>
+                    <a:lnTo>
+                      <a:pt x="8025205" y="462579"/>
+                    </a:lnTo>
+                    <a:lnTo>
+                      <a:pt x="8046720" y="1710466"/>
+                    </a:lnTo>
+                    <a:lnTo>
+                      <a:pt x="7347473" y="2388198"/>
+                    </a:lnTo>
+                    <a:lnTo>
+                      <a:pt x="6798833" y="2904565"/>
+                    </a:lnTo>
+                    <a:lnTo>
+                      <a:pt x="6422315" y="3184264"/>
+                    </a:lnTo>
+                    <a:lnTo>
+                      <a:pt x="6110344" y="3453205"/>
+                    </a:lnTo>
+                    <a:lnTo>
+                      <a:pt x="5411097" y="3861995"/>
+                    </a:lnTo>
+                    <a:lnTo>
+                      <a:pt x="4937760" y="4141694"/>
+                    </a:lnTo>
+                    <a:lnTo>
+                      <a:pt x="4378362" y="4378362"/>
+                    </a:lnTo>
+                    <a:lnTo>
+                      <a:pt x="4077148" y="4410635"/>
+                    </a:lnTo>
+                    <a:lnTo>
+                      <a:pt x="3948057" y="4356847"/>
+                    </a:lnTo>
+                    <a:lnTo>
+                      <a:pt x="3775934" y="3991087"/>
+                    </a:lnTo>
+                    <a:lnTo>
+                      <a:pt x="3689873" y="3582297"/>
+                    </a:lnTo>
+                    <a:lnTo>
+                      <a:pt x="3679115" y="3076687"/>
+                    </a:lnTo>
+                    <a:lnTo>
+                      <a:pt x="3743661" y="2345167"/>
+                    </a:lnTo>
+                    <a:lnTo>
+                      <a:pt x="3765177" y="1785769"/>
+                    </a:lnTo>
+                    <a:lnTo>
+                      <a:pt x="3657600" y="1226372"/>
+                    </a:lnTo>
+                    <a:lnTo>
+                      <a:pt x="3517751" y="828339"/>
+                    </a:lnTo>
+                    <a:lnTo>
+                      <a:pt x="3399417" y="677732"/>
+                    </a:lnTo>
+                    <a:lnTo>
+                      <a:pt x="3065930" y="688489"/>
+                    </a:lnTo>
+                    <a:lnTo>
+                      <a:pt x="2312894" y="914400"/>
+                    </a:lnTo>
+                    <a:lnTo>
+                      <a:pt x="1645920" y="1215614"/>
+                    </a:lnTo>
+                    <a:lnTo>
+                      <a:pt x="1097280" y="1495313"/>
+                    </a:lnTo>
+                    <a:lnTo>
+                      <a:pt x="441064" y="1839558"/>
+                    </a:lnTo>
+                    <a:lnTo>
+                      <a:pt x="21515" y="2097741"/>
+                    </a:lnTo>
+                    <a:lnTo>
+                      <a:pt x="0" y="892885"/>
+                    </a:lnTo>
+                    <a:close/>
+                  </a:path>
+                </a:pathLst>
+              </a:custGeom>
+              <a:solidFill>
+                <a:schemeClr val="tx1"/>
+              </a:solidFill>
+              <a:ln>
+                <a:noFill/>
+              </a:ln>
+            </p:spPr>
+            <p:style>
+              <a:lnRef idx="2">
+                <a:schemeClr val="accent1">
+                  <a:shade val="50000"/>
+                </a:schemeClr>
+              </a:lnRef>
+              <a:fillRef idx="1">
+                <a:schemeClr val="accent1"/>
+              </a:fillRef>
+              <a:effectRef idx="0">
+                <a:schemeClr val="accent1"/>
+              </a:effectRef>
+              <a:fontRef idx="minor">
+                <a:schemeClr val="lt1"/>
+              </a:fontRef>
+            </p:style>
+            <p:txBody>
+              <a:bodyPr rtlCol="0" anchor="ctr"/>
+              <a:lstStyle/>
+              <a:p>
+                <a:pPr algn="ctr"/>
+                <a:endParaRPr lang="en-US"/>
+              </a:p>
+            </p:txBody>
+          </p:sp>
+          <p:sp>
+            <p:nvSpPr>
+              <p:cNvPr id="62" name="Freeform 61">
+                <a:extLst>
+                  <a:ext uri="{FF2B5EF4-FFF2-40B4-BE49-F238E27FC236}">
+                    <a16:creationId xmlns:a16="http://schemas.microsoft.com/office/drawing/2014/main" id="{77FF3874-08C0-F145-A7D4-AB64D3493F69}"/>
+                  </a:ext>
+                </a:extLst>
+              </p:cNvPr>
+              <p:cNvSpPr/>
+              <p:nvPr/>
+            </p:nvSpPr>
+            <p:spPr>
+              <a:xfrm>
+                <a:off x="484094" y="1226372"/>
+                <a:ext cx="2043953" cy="903642"/>
+              </a:xfrm>
+              <a:custGeom>
+                <a:avLst/>
+                <a:gdLst>
+                  <a:gd name="connsiteX0" fmla="*/ 0 w 2043953"/>
+                  <a:gd name="connsiteY0" fmla="*/ 903642 h 903642"/>
+                  <a:gd name="connsiteX1" fmla="*/ 0 w 2043953"/>
+                  <a:gd name="connsiteY1" fmla="*/ 0 h 903642"/>
+                  <a:gd name="connsiteX2" fmla="*/ 2043953 w 2043953"/>
+                  <a:gd name="connsiteY2" fmla="*/ 21515 h 903642"/>
+                  <a:gd name="connsiteX3" fmla="*/ 1581374 w 2043953"/>
+                  <a:gd name="connsiteY3" fmla="*/ 161364 h 903642"/>
+                  <a:gd name="connsiteX4" fmla="*/ 1011219 w 2043953"/>
+                  <a:gd name="connsiteY4" fmla="*/ 398033 h 903642"/>
+                  <a:gd name="connsiteX5" fmla="*/ 548640 w 2043953"/>
+                  <a:gd name="connsiteY5" fmla="*/ 591670 h 903642"/>
+                  <a:gd name="connsiteX6" fmla="*/ 268941 w 2043953"/>
+                  <a:gd name="connsiteY6" fmla="*/ 742277 h 903642"/>
+                  <a:gd name="connsiteX7" fmla="*/ 0 w 2043953"/>
+                  <a:gd name="connsiteY7" fmla="*/ 903642 h 903642"/>
+                </a:gdLst>
+                <a:ahLst/>
+                <a:cxnLst>
+                  <a:cxn ang="0">
+                    <a:pos x="connsiteX0" y="connsiteY0"/>
+                  </a:cxn>
+                  <a:cxn ang="0">
+                    <a:pos x="connsiteX1" y="connsiteY1"/>
+                  </a:cxn>
+                  <a:cxn ang="0">
+                    <a:pos x="connsiteX2" y="connsiteY2"/>
+                  </a:cxn>
+                  <a:cxn ang="0">
+                    <a:pos x="connsiteX3" y="connsiteY3"/>
+                  </a:cxn>
+                  <a:cxn ang="0">
+                    <a:pos x="connsiteX4" y="connsiteY4"/>
+                  </a:cxn>
+                  <a:cxn ang="0">
+                    <a:pos x="connsiteX5" y="connsiteY5"/>
+                  </a:cxn>
+                  <a:cxn ang="0">
+                    <a:pos x="connsiteX6" y="connsiteY6"/>
+                  </a:cxn>
+                  <a:cxn ang="0">
+                    <a:pos x="connsiteX7" y="connsiteY7"/>
+                  </a:cxn>
+                </a:cxnLst>
+                <a:rect l="l" t="t" r="r" b="b"/>
+                <a:pathLst>
+                  <a:path w="2043953" h="903642">
+                    <a:moveTo>
+                      <a:pt x="0" y="903642"/>
+                    </a:moveTo>
+                    <a:lnTo>
+                      <a:pt x="0" y="0"/>
+                    </a:lnTo>
+                    <a:lnTo>
+                      <a:pt x="2043953" y="21515"/>
+                    </a:lnTo>
+                    <a:lnTo>
+                      <a:pt x="1581374" y="161364"/>
+                    </a:lnTo>
+                    <a:lnTo>
+                      <a:pt x="1011219" y="398033"/>
+                    </a:lnTo>
+                    <a:lnTo>
+                      <a:pt x="548640" y="591670"/>
+                    </a:lnTo>
+                    <a:lnTo>
+                      <a:pt x="268941" y="742277"/>
+                    </a:lnTo>
+                    <a:lnTo>
+                      <a:pt x="0" y="903642"/>
+                    </a:lnTo>
+                    <a:close/>
+                  </a:path>
+                </a:pathLst>
+              </a:custGeom>
+              <a:pattFill prst="wdDnDiag">
+                <a:fgClr>
+                  <a:schemeClr val="tx1"/>
+                </a:fgClr>
+                <a:bgClr>
+                  <a:schemeClr val="bg1"/>
+                </a:bgClr>
+              </a:pattFill>
+              <a:ln>
+                <a:noFill/>
+              </a:ln>
+            </p:spPr>
+            <p:style>
+              <a:lnRef idx="2">
+                <a:schemeClr val="accent1">
+                  <a:shade val="50000"/>
+                </a:schemeClr>
+              </a:lnRef>
+              <a:fillRef idx="1">
+                <a:schemeClr val="accent1"/>
+              </a:fillRef>
+              <a:effectRef idx="0">
+                <a:schemeClr val="accent1"/>
+              </a:effectRef>
+              <a:fontRef idx="minor">
+                <a:schemeClr val="lt1"/>
+              </a:fontRef>
+            </p:style>
+            <p:txBody>
+              <a:bodyPr rtlCol="0" anchor="ctr"/>
+              <a:lstStyle/>
+              <a:p>
+                <a:pPr algn="ctr"/>
+                <a:endParaRPr lang="en-US"/>
+              </a:p>
+            </p:txBody>
+          </p:sp>
+          <p:sp>
+            <p:nvSpPr>
+              <p:cNvPr id="63" name="Freeform 62">
+                <a:extLst>
+                  <a:ext uri="{FF2B5EF4-FFF2-40B4-BE49-F238E27FC236}">
+                    <a16:creationId xmlns:a16="http://schemas.microsoft.com/office/drawing/2014/main" id="{E6481267-8DB6-4C4D-A57C-FA873CD107C6}"/>
+                  </a:ext>
+                </a:extLst>
+              </p:cNvPr>
+              <p:cNvSpPr/>
+              <p:nvPr/>
+            </p:nvSpPr>
+            <p:spPr>
+              <a:xfrm>
+                <a:off x="4776395" y="1237129"/>
+                <a:ext cx="3765177" cy="3248810"/>
+              </a:xfrm>
+              <a:custGeom>
+                <a:avLst/>
+                <a:gdLst>
+                  <a:gd name="connsiteX0" fmla="*/ 0 w 3765177"/>
+                  <a:gd name="connsiteY0" fmla="*/ 0 h 3248810"/>
+                  <a:gd name="connsiteX1" fmla="*/ 279699 w 3765177"/>
+                  <a:gd name="connsiteY1" fmla="*/ 1075765 h 3248810"/>
+                  <a:gd name="connsiteX2" fmla="*/ 311972 w 3765177"/>
+                  <a:gd name="connsiteY2" fmla="*/ 1893346 h 3248810"/>
+                  <a:gd name="connsiteX3" fmla="*/ 301214 w 3765177"/>
+                  <a:gd name="connsiteY3" fmla="*/ 2624866 h 3248810"/>
+                  <a:gd name="connsiteX4" fmla="*/ 301214 w 3765177"/>
+                  <a:gd name="connsiteY4" fmla="*/ 2947596 h 3248810"/>
+                  <a:gd name="connsiteX5" fmla="*/ 387276 w 3765177"/>
+                  <a:gd name="connsiteY5" fmla="*/ 3248810 h 3248810"/>
+                  <a:gd name="connsiteX6" fmla="*/ 623944 w 3765177"/>
+                  <a:gd name="connsiteY6" fmla="*/ 3195022 h 3248810"/>
+                  <a:gd name="connsiteX7" fmla="*/ 1172584 w 3765177"/>
+                  <a:gd name="connsiteY7" fmla="*/ 2818504 h 3248810"/>
+                  <a:gd name="connsiteX8" fmla="*/ 1764254 w 3765177"/>
+                  <a:gd name="connsiteY8" fmla="*/ 2334410 h 3248810"/>
+                  <a:gd name="connsiteX9" fmla="*/ 2173045 w 3765177"/>
+                  <a:gd name="connsiteY9" fmla="*/ 1904104 h 3248810"/>
+                  <a:gd name="connsiteX10" fmla="*/ 2753958 w 3765177"/>
+                  <a:gd name="connsiteY10" fmla="*/ 1323191 h 3248810"/>
+                  <a:gd name="connsiteX11" fmla="*/ 3345629 w 3765177"/>
+                  <a:gd name="connsiteY11" fmla="*/ 806824 h 3248810"/>
+                  <a:gd name="connsiteX12" fmla="*/ 3743661 w 3765177"/>
+                  <a:gd name="connsiteY12" fmla="*/ 451822 h 3248810"/>
+                  <a:gd name="connsiteX13" fmla="*/ 3765177 w 3765177"/>
+                  <a:gd name="connsiteY13" fmla="*/ 21516 h 3248810"/>
+                  <a:gd name="connsiteX14" fmla="*/ 2958353 w 3765177"/>
+                  <a:gd name="connsiteY14" fmla="*/ 43031 h 3248810"/>
+                  <a:gd name="connsiteX15" fmla="*/ 2528047 w 3765177"/>
+                  <a:gd name="connsiteY15" fmla="*/ 484095 h 3248810"/>
+                  <a:gd name="connsiteX16" fmla="*/ 2097741 w 3765177"/>
+                  <a:gd name="connsiteY16" fmla="*/ 968189 h 3248810"/>
+                  <a:gd name="connsiteX17" fmla="*/ 1731981 w 3765177"/>
+                  <a:gd name="connsiteY17" fmla="*/ 1441525 h 3248810"/>
+                  <a:gd name="connsiteX18" fmla="*/ 1420010 w 3765177"/>
+                  <a:gd name="connsiteY18" fmla="*/ 1807285 h 3248810"/>
+                  <a:gd name="connsiteX19" fmla="*/ 1161826 w 3765177"/>
+                  <a:gd name="connsiteY19" fmla="*/ 2097742 h 3248810"/>
+                  <a:gd name="connsiteX20" fmla="*/ 1043492 w 3765177"/>
+                  <a:gd name="connsiteY20" fmla="*/ 2194560 h 3248810"/>
+                  <a:gd name="connsiteX21" fmla="*/ 989704 w 3765177"/>
+                  <a:gd name="connsiteY21" fmla="*/ 2140772 h 3248810"/>
+                  <a:gd name="connsiteX22" fmla="*/ 1021977 w 3765177"/>
+                  <a:gd name="connsiteY22" fmla="*/ 1775012 h 3248810"/>
+                  <a:gd name="connsiteX23" fmla="*/ 1043492 w 3765177"/>
+                  <a:gd name="connsiteY23" fmla="*/ 1172584 h 3248810"/>
+                  <a:gd name="connsiteX24" fmla="*/ 1032734 w 3765177"/>
+                  <a:gd name="connsiteY24" fmla="*/ 677732 h 3248810"/>
+                  <a:gd name="connsiteX25" fmla="*/ 968189 w 3765177"/>
+                  <a:gd name="connsiteY25" fmla="*/ 311972 h 3248810"/>
+                  <a:gd name="connsiteX26" fmla="*/ 796066 w 3765177"/>
+                  <a:gd name="connsiteY26" fmla="*/ 0 h 3248810"/>
+                  <a:gd name="connsiteX27" fmla="*/ 0 w 3765177"/>
+                  <a:gd name="connsiteY27" fmla="*/ 0 h 3248810"/>
+                </a:gdLst>
+                <a:ahLst/>
+                <a:cxnLst>
+                  <a:cxn ang="0">
+                    <a:pos x="connsiteX0" y="connsiteY0"/>
+                  </a:cxn>
+                  <a:cxn ang="0">
+                    <a:pos x="connsiteX1" y="connsiteY1"/>
+                  </a:cxn>
+                  <a:cxn ang="0">
+                    <a:pos x="connsiteX2" y="connsiteY2"/>
+                  </a:cxn>
+                  <a:cxn ang="0">
+                    <a:pos x="connsiteX3" y="connsiteY3"/>
+                  </a:cxn>
+                  <a:cxn ang="0">
+                    <a:pos x="connsiteX4" y="connsiteY4"/>
+                  </a:cxn>
+                  <a:cxn ang="0">
+                    <a:pos x="connsiteX5" y="connsiteY5"/>
+                  </a:cxn>
+                  <a:cxn ang="0">
+                    <a:pos x="connsiteX6" y="connsiteY6"/>
+                  </a:cxn>
+                  <a:cxn ang="0">
+                    <a:pos x="connsiteX7" y="connsiteY7"/>
+                  </a:cxn>
+                  <a:cxn ang="0">
+                    <a:pos x="connsiteX8" y="connsiteY8"/>
+                  </a:cxn>
+                  <a:cxn ang="0">
+                    <a:pos x="connsiteX9" y="connsiteY9"/>
+                  </a:cxn>
+                  <a:cxn ang="0">
+                    <a:pos x="connsiteX10" y="connsiteY10"/>
+                  </a:cxn>
+                  <a:cxn ang="0">
+                    <a:pos x="connsiteX11" y="connsiteY11"/>
+                  </a:cxn>
+                  <a:cxn ang="0">
+                    <a:pos x="connsiteX12" y="connsiteY12"/>
+                  </a:cxn>
+                  <a:cxn ang="0">
+                    <a:pos x="connsiteX13" y="connsiteY13"/>
+                  </a:cxn>
+                  <a:cxn ang="0">
+                    <a:pos x="connsiteX14" y="connsiteY14"/>
+                  </a:cxn>
+                  <a:cxn ang="0">
+                    <a:pos x="connsiteX15" y="connsiteY15"/>
+                  </a:cxn>
+                  <a:cxn ang="0">
+                    <a:pos x="connsiteX16" y="connsiteY16"/>
+                  </a:cxn>
+                  <a:cxn ang="0">
+                    <a:pos x="connsiteX17" y="connsiteY17"/>
+                  </a:cxn>
+                  <a:cxn ang="0">
+                    <a:pos x="connsiteX18" y="connsiteY18"/>
+                  </a:cxn>
+                  <a:cxn ang="0">
+                    <a:pos x="connsiteX19" y="connsiteY19"/>
+                  </a:cxn>
+                  <a:cxn ang="0">
+                    <a:pos x="connsiteX20" y="connsiteY20"/>
+                  </a:cxn>
+                  <a:cxn ang="0">
+                    <a:pos x="connsiteX21" y="connsiteY21"/>
+                  </a:cxn>
+                  <a:cxn ang="0">
+                    <a:pos x="connsiteX22" y="connsiteY22"/>
+                  </a:cxn>
+                  <a:cxn ang="0">
+                    <a:pos x="connsiteX23" y="connsiteY23"/>
+                  </a:cxn>
+                  <a:cxn ang="0">
+                    <a:pos x="connsiteX24" y="connsiteY24"/>
+                  </a:cxn>
+                  <a:cxn ang="0">
+                    <a:pos x="connsiteX25" y="connsiteY25"/>
+                  </a:cxn>
+                  <a:cxn ang="0">
+                    <a:pos x="connsiteX26" y="connsiteY26"/>
+                  </a:cxn>
+                  <a:cxn ang="0">
+                    <a:pos x="connsiteX27" y="connsiteY27"/>
+                  </a:cxn>
+                </a:cxnLst>
+                <a:rect l="l" t="t" r="r" b="b"/>
+                <a:pathLst>
+                  <a:path w="3765177" h="3248810">
+                    <a:moveTo>
+                      <a:pt x="0" y="0"/>
+                    </a:moveTo>
+                    <a:lnTo>
+                      <a:pt x="279699" y="1075765"/>
+                    </a:lnTo>
+                    <a:lnTo>
+                      <a:pt x="311972" y="1893346"/>
+                    </a:lnTo>
+                    <a:lnTo>
+                      <a:pt x="301214" y="2624866"/>
+                    </a:lnTo>
+                    <a:lnTo>
+                      <a:pt x="301214" y="2947596"/>
+                    </a:lnTo>
+                    <a:lnTo>
+                      <a:pt x="387276" y="3248810"/>
+                    </a:lnTo>
+                    <a:lnTo>
+                      <a:pt x="623944" y="3195022"/>
+                    </a:lnTo>
+                    <a:lnTo>
+                      <a:pt x="1172584" y="2818504"/>
+                    </a:lnTo>
+                    <a:lnTo>
+                      <a:pt x="1764254" y="2334410"/>
+                    </a:lnTo>
+                    <a:lnTo>
+                      <a:pt x="2173045" y="1904104"/>
+                    </a:lnTo>
+                    <a:lnTo>
+                      <a:pt x="2753958" y="1323191"/>
+                    </a:lnTo>
+                    <a:lnTo>
+                      <a:pt x="3345629" y="806824"/>
+                    </a:lnTo>
+                    <a:lnTo>
+                      <a:pt x="3743661" y="451822"/>
+                    </a:lnTo>
+                    <a:lnTo>
+                      <a:pt x="3765177" y="21516"/>
+                    </a:lnTo>
+                    <a:lnTo>
+                      <a:pt x="2958353" y="43031"/>
+                    </a:lnTo>
+                    <a:lnTo>
+                      <a:pt x="2528047" y="484095"/>
+                    </a:lnTo>
+                    <a:lnTo>
+                      <a:pt x="2097741" y="968189"/>
+                    </a:lnTo>
+                    <a:lnTo>
+                      <a:pt x="1731981" y="1441525"/>
+                    </a:lnTo>
+                    <a:lnTo>
+                      <a:pt x="1420010" y="1807285"/>
+                    </a:lnTo>
+                    <a:lnTo>
+                      <a:pt x="1161826" y="2097742"/>
+                    </a:lnTo>
+                    <a:lnTo>
+                      <a:pt x="1043492" y="2194560"/>
+                    </a:lnTo>
+                    <a:lnTo>
+                      <a:pt x="989704" y="2140772"/>
+                    </a:lnTo>
+                    <a:lnTo>
+                      <a:pt x="1021977" y="1775012"/>
+                    </a:lnTo>
+                    <a:lnTo>
+                      <a:pt x="1043492" y="1172584"/>
+                    </a:lnTo>
+                    <a:lnTo>
+                      <a:pt x="1032734" y="677732"/>
+                    </a:lnTo>
+                    <a:lnTo>
+                      <a:pt x="968189" y="311972"/>
+                    </a:lnTo>
+                    <a:lnTo>
+                      <a:pt x="796066" y="0"/>
+                    </a:lnTo>
+                    <a:lnTo>
+                      <a:pt x="0" y="0"/>
+                    </a:lnTo>
+                    <a:close/>
+                  </a:path>
+                </a:pathLst>
+              </a:custGeom>
+              <a:pattFill prst="wdDnDiag">
+                <a:fgClr>
+                  <a:schemeClr val="tx1"/>
+                </a:fgClr>
+                <a:bgClr>
+                  <a:schemeClr val="bg1"/>
+                </a:bgClr>
+              </a:pattFill>
+              <a:ln>
+                <a:noFill/>
+              </a:ln>
+            </p:spPr>
+            <p:style>
+              <a:lnRef idx="2">
+                <a:schemeClr val="accent1">
+                  <a:shade val="50000"/>
+                </a:schemeClr>
+              </a:lnRef>
+              <a:fillRef idx="1">
+                <a:schemeClr val="accent1"/>
+              </a:fillRef>
+              <a:effectRef idx="0">
+                <a:schemeClr val="accent1"/>
+              </a:effectRef>
+              <a:fontRef idx="minor">
+                <a:schemeClr val="lt1"/>
+              </a:fontRef>
+            </p:style>
+            <p:txBody>
+              <a:bodyPr rtlCol="0" anchor="ctr"/>
+              <a:lstStyle/>
+              <a:p>
+                <a:pPr algn="ctr"/>
+                <a:endParaRPr lang="en-US"/>
+              </a:p>
+            </p:txBody>
+          </p:sp>
+          <p:sp>
+            <p:nvSpPr>
+              <p:cNvPr id="64" name="Freeform 63">
+                <a:extLst>
+                  <a:ext uri="{FF2B5EF4-FFF2-40B4-BE49-F238E27FC236}">
+                    <a16:creationId xmlns:a16="http://schemas.microsoft.com/office/drawing/2014/main" id="{796A33B4-463B-F34A-BFBA-8E818E18C409}"/>
+                  </a:ext>
+                </a:extLst>
+              </p:cNvPr>
+              <p:cNvSpPr/>
+              <p:nvPr/>
+            </p:nvSpPr>
+            <p:spPr>
+              <a:xfrm>
+                <a:off x="5572461" y="1237129"/>
+                <a:ext cx="2130014" cy="2173045"/>
+              </a:xfrm>
+              <a:custGeom>
+                <a:avLst/>
+                <a:gdLst>
+                  <a:gd name="connsiteX0" fmla="*/ 0 w 2130014"/>
+                  <a:gd name="connsiteY0" fmla="*/ 0 h 2173045"/>
+                  <a:gd name="connsiteX1" fmla="*/ 182880 w 2130014"/>
+                  <a:gd name="connsiteY1" fmla="*/ 333487 h 2173045"/>
+                  <a:gd name="connsiteX2" fmla="*/ 268941 w 2130014"/>
+                  <a:gd name="connsiteY2" fmla="*/ 946673 h 2173045"/>
+                  <a:gd name="connsiteX3" fmla="*/ 247426 w 2130014"/>
+                  <a:gd name="connsiteY3" fmla="*/ 1645920 h 2173045"/>
+                  <a:gd name="connsiteX4" fmla="*/ 215153 w 2130014"/>
+                  <a:gd name="connsiteY4" fmla="*/ 2119257 h 2173045"/>
+                  <a:gd name="connsiteX5" fmla="*/ 236668 w 2130014"/>
+                  <a:gd name="connsiteY5" fmla="*/ 2173045 h 2173045"/>
+                  <a:gd name="connsiteX6" fmla="*/ 484094 w 2130014"/>
+                  <a:gd name="connsiteY6" fmla="*/ 1947135 h 2173045"/>
+                  <a:gd name="connsiteX7" fmla="*/ 1054250 w 2130014"/>
+                  <a:gd name="connsiteY7" fmla="*/ 1258645 h 2173045"/>
+                  <a:gd name="connsiteX8" fmla="*/ 1527586 w 2130014"/>
+                  <a:gd name="connsiteY8" fmla="*/ 677732 h 2173045"/>
+                  <a:gd name="connsiteX9" fmla="*/ 1850315 w 2130014"/>
+                  <a:gd name="connsiteY9" fmla="*/ 333487 h 2173045"/>
+                  <a:gd name="connsiteX10" fmla="*/ 2130014 w 2130014"/>
+                  <a:gd name="connsiteY10" fmla="*/ 32273 h 2173045"/>
+                  <a:gd name="connsiteX11" fmla="*/ 0 w 2130014"/>
+                  <a:gd name="connsiteY11" fmla="*/ 0 h 2173045"/>
+                </a:gdLst>
+                <a:ahLst/>
+                <a:cxnLst>
+                  <a:cxn ang="0">
+                    <a:pos x="connsiteX0" y="connsiteY0"/>
+                  </a:cxn>
+                  <a:cxn ang="0">
+                    <a:pos x="connsiteX1" y="connsiteY1"/>
+                  </a:cxn>
+                  <a:cxn ang="0">
+                    <a:pos x="connsiteX2" y="connsiteY2"/>
+                  </a:cxn>
+                  <a:cxn ang="0">
+                    <a:pos x="connsiteX3" y="connsiteY3"/>
+                  </a:cxn>
+                  <a:cxn ang="0">
+                    <a:pos x="connsiteX4" y="connsiteY4"/>
+                  </a:cxn>
+                  <a:cxn ang="0">
+                    <a:pos x="connsiteX5" y="connsiteY5"/>
+                  </a:cxn>
+                  <a:cxn ang="0">
+                    <a:pos x="connsiteX6" y="connsiteY6"/>
+                  </a:cxn>
+                  <a:cxn ang="0">
+                    <a:pos x="connsiteX7" y="connsiteY7"/>
+                  </a:cxn>
+                  <a:cxn ang="0">
+                    <a:pos x="connsiteX8" y="connsiteY8"/>
+                  </a:cxn>
+                  <a:cxn ang="0">
+                    <a:pos x="connsiteX9" y="connsiteY9"/>
+                  </a:cxn>
+                  <a:cxn ang="0">
+                    <a:pos x="connsiteX10" y="connsiteY10"/>
+                  </a:cxn>
+                  <a:cxn ang="0">
+                    <a:pos x="connsiteX11" y="connsiteY11"/>
+                  </a:cxn>
+                </a:cxnLst>
+                <a:rect l="l" t="t" r="r" b="b"/>
+                <a:pathLst>
+                  <a:path w="2130014" h="2173045">
+                    <a:moveTo>
+                      <a:pt x="0" y="0"/>
+                    </a:moveTo>
+                    <a:lnTo>
+                      <a:pt x="182880" y="333487"/>
+                    </a:lnTo>
+                    <a:lnTo>
+                      <a:pt x="268941" y="946673"/>
+                    </a:lnTo>
+                    <a:lnTo>
+                      <a:pt x="247426" y="1645920"/>
+                    </a:lnTo>
+                    <a:lnTo>
+                      <a:pt x="215153" y="2119257"/>
+                    </a:lnTo>
+                    <a:lnTo>
+                      <a:pt x="236668" y="2173045"/>
+                    </a:lnTo>
+                    <a:lnTo>
+                      <a:pt x="484094" y="1947135"/>
+                    </a:lnTo>
+                    <a:lnTo>
+                      <a:pt x="1054250" y="1258645"/>
+                    </a:lnTo>
+                    <a:lnTo>
+                      <a:pt x="1527586" y="677732"/>
+                    </a:lnTo>
+                    <a:lnTo>
+                      <a:pt x="1850315" y="333487"/>
+                    </a:lnTo>
+                    <a:lnTo>
+                      <a:pt x="2130014" y="32273"/>
+                    </a:lnTo>
+                    <a:lnTo>
+                      <a:pt x="0" y="0"/>
+                    </a:lnTo>
+                    <a:close/>
+                  </a:path>
+                </a:pathLst>
+              </a:custGeom>
+              <a:pattFill prst="lgGrid">
+                <a:fgClr>
+                  <a:schemeClr val="tx1"/>
+                </a:fgClr>
+                <a:bgClr>
+                  <a:schemeClr val="bg1"/>
+                </a:bgClr>
+              </a:pattFill>
+              <a:ln>
+                <a:noFill/>
+              </a:ln>
+            </p:spPr>
+            <p:style>
+              <a:lnRef idx="2">
+                <a:schemeClr val="accent1">
+                  <a:shade val="50000"/>
+                </a:schemeClr>
+              </a:lnRef>
+              <a:fillRef idx="1">
+                <a:schemeClr val="accent1"/>
+              </a:fillRef>
+              <a:effectRef idx="0">
+                <a:schemeClr val="accent1"/>
+              </a:effectRef>
+              <a:fontRef idx="minor">
+                <a:schemeClr val="lt1"/>
+              </a:fontRef>
+            </p:style>
+            <p:txBody>
+              <a:bodyPr rtlCol="0" anchor="ctr"/>
+              <a:lstStyle/>
+              <a:p>
+                <a:pPr algn="ctr"/>
+                <a:endParaRPr lang="en-US"/>
+              </a:p>
+            </p:txBody>
+          </p:sp>
+          <p:sp>
+            <p:nvSpPr>
+              <p:cNvPr id="65" name="Freeform 64">
+                <a:extLst>
+                  <a:ext uri="{FF2B5EF4-FFF2-40B4-BE49-F238E27FC236}">
+                    <a16:creationId xmlns:a16="http://schemas.microsoft.com/office/drawing/2014/main" id="{1BB32390-532A-8047-B2A3-8C1B80AA54A5}"/>
+                  </a:ext>
+                </a:extLst>
+              </p:cNvPr>
+              <p:cNvSpPr/>
+              <p:nvPr/>
+            </p:nvSpPr>
+            <p:spPr>
+              <a:xfrm>
+                <a:off x="505609" y="3453205"/>
+                <a:ext cx="2753958" cy="2592593"/>
+              </a:xfrm>
+              <a:custGeom>
+                <a:avLst/>
+                <a:gdLst>
+                  <a:gd name="connsiteX0" fmla="*/ 0 w 2753958"/>
+                  <a:gd name="connsiteY0" fmla="*/ 1420009 h 2592593"/>
+                  <a:gd name="connsiteX1" fmla="*/ 301215 w 2753958"/>
+                  <a:gd name="connsiteY1" fmla="*/ 1140310 h 2592593"/>
+                  <a:gd name="connsiteX2" fmla="*/ 882127 w 2753958"/>
+                  <a:gd name="connsiteY2" fmla="*/ 720762 h 2592593"/>
+                  <a:gd name="connsiteX3" fmla="*/ 1527586 w 2753958"/>
+                  <a:gd name="connsiteY3" fmla="*/ 322729 h 2592593"/>
+                  <a:gd name="connsiteX4" fmla="*/ 2162287 w 2753958"/>
+                  <a:gd name="connsiteY4" fmla="*/ 64546 h 2592593"/>
+                  <a:gd name="connsiteX5" fmla="*/ 2420471 w 2753958"/>
+                  <a:gd name="connsiteY5" fmla="*/ 0 h 2592593"/>
+                  <a:gd name="connsiteX6" fmla="*/ 2581836 w 2753958"/>
+                  <a:gd name="connsiteY6" fmla="*/ 193637 h 2592593"/>
+                  <a:gd name="connsiteX7" fmla="*/ 2667897 w 2753958"/>
+                  <a:gd name="connsiteY7" fmla="*/ 516367 h 2592593"/>
+                  <a:gd name="connsiteX8" fmla="*/ 2710927 w 2753958"/>
+                  <a:gd name="connsiteY8" fmla="*/ 871369 h 2592593"/>
+                  <a:gd name="connsiteX9" fmla="*/ 2700170 w 2753958"/>
+                  <a:gd name="connsiteY9" fmla="*/ 1613647 h 2592593"/>
+                  <a:gd name="connsiteX10" fmla="*/ 2667897 w 2753958"/>
+                  <a:gd name="connsiteY10" fmla="*/ 2086983 h 2592593"/>
+                  <a:gd name="connsiteX11" fmla="*/ 2646382 w 2753958"/>
+                  <a:gd name="connsiteY11" fmla="*/ 2398955 h 2592593"/>
+                  <a:gd name="connsiteX12" fmla="*/ 2753958 w 2753958"/>
+                  <a:gd name="connsiteY12" fmla="*/ 2592593 h 2592593"/>
+                  <a:gd name="connsiteX13" fmla="*/ 1484556 w 2753958"/>
+                  <a:gd name="connsiteY13" fmla="*/ 2560320 h 2592593"/>
+                  <a:gd name="connsiteX14" fmla="*/ 1538344 w 2753958"/>
+                  <a:gd name="connsiteY14" fmla="*/ 2205317 h 2592593"/>
+                  <a:gd name="connsiteX15" fmla="*/ 1624405 w 2753958"/>
+                  <a:gd name="connsiteY15" fmla="*/ 1796527 h 2592593"/>
+                  <a:gd name="connsiteX16" fmla="*/ 1570617 w 2753958"/>
+                  <a:gd name="connsiteY16" fmla="*/ 1581374 h 2592593"/>
+                  <a:gd name="connsiteX17" fmla="*/ 1463040 w 2753958"/>
+                  <a:gd name="connsiteY17" fmla="*/ 1570616 h 2592593"/>
+                  <a:gd name="connsiteX18" fmla="*/ 1172584 w 2753958"/>
+                  <a:gd name="connsiteY18" fmla="*/ 1731981 h 2592593"/>
+                  <a:gd name="connsiteX19" fmla="*/ 699247 w 2753958"/>
+                  <a:gd name="connsiteY19" fmla="*/ 2043953 h 2592593"/>
+                  <a:gd name="connsiteX20" fmla="*/ 473337 w 2753958"/>
+                  <a:gd name="connsiteY20" fmla="*/ 2226833 h 2592593"/>
+                  <a:gd name="connsiteX21" fmla="*/ 182880 w 2753958"/>
+                  <a:gd name="connsiteY21" fmla="*/ 2592593 h 2592593"/>
+                  <a:gd name="connsiteX22" fmla="*/ 10758 w 2753958"/>
+                  <a:gd name="connsiteY22" fmla="*/ 2592593 h 2592593"/>
+                  <a:gd name="connsiteX23" fmla="*/ 0 w 2753958"/>
+                  <a:gd name="connsiteY23" fmla="*/ 1420009 h 2592593"/>
+                </a:gdLst>
+                <a:ahLst/>
+                <a:cxnLst>
+                  <a:cxn ang="0">
+                    <a:pos x="connsiteX0" y="connsiteY0"/>
+                  </a:cxn>
+                  <a:cxn ang="0">
+                    <a:pos x="connsiteX1" y="connsiteY1"/>
+                  </a:cxn>
+                  <a:cxn ang="0">
+                    <a:pos x="connsiteX2" y="connsiteY2"/>
+                  </a:cxn>
+                  <a:cxn ang="0">
+                    <a:pos x="connsiteX3" y="connsiteY3"/>
+                  </a:cxn>
+                  <a:cxn ang="0">
+                    <a:pos x="connsiteX4" y="connsiteY4"/>
+                  </a:cxn>
+                  <a:cxn ang="0">
+                    <a:pos x="connsiteX5" y="connsiteY5"/>
+                  </a:cxn>
+                  <a:cxn ang="0">
+                    <a:pos x="connsiteX6" y="connsiteY6"/>
+                  </a:cxn>
+                  <a:cxn ang="0">
+                    <a:pos x="connsiteX7" y="connsiteY7"/>
+                  </a:cxn>
+                  <a:cxn ang="0">
+                    <a:pos x="connsiteX8" y="connsiteY8"/>
+                  </a:cxn>
+                  <a:cxn ang="0">
+                    <a:pos x="connsiteX9" y="connsiteY9"/>
+                  </a:cxn>
+                  <a:cxn ang="0">
+                    <a:pos x="connsiteX10" y="connsiteY10"/>
+                  </a:cxn>
+                  <a:cxn ang="0">
+                    <a:pos x="connsiteX11" y="connsiteY11"/>
+                  </a:cxn>
+                  <a:cxn ang="0">
+                    <a:pos x="connsiteX12" y="connsiteY12"/>
+                  </a:cxn>
+                  <a:cxn ang="0">
+                    <a:pos x="connsiteX13" y="connsiteY13"/>
+                  </a:cxn>
+                  <a:cxn ang="0">
+                    <a:pos x="connsiteX14" y="connsiteY14"/>
+                  </a:cxn>
+                  <a:cxn ang="0">
+                    <a:pos x="connsiteX15" y="connsiteY15"/>
+                  </a:cxn>
+                  <a:cxn ang="0">
+                    <a:pos x="connsiteX16" y="connsiteY16"/>
+                  </a:cxn>
+                  <a:cxn ang="0">
+                    <a:pos x="connsiteX17" y="connsiteY17"/>
+                  </a:cxn>
+                  <a:cxn ang="0">
+                    <a:pos x="connsiteX18" y="connsiteY18"/>
+                  </a:cxn>
+                  <a:cxn ang="0">
+                    <a:pos x="connsiteX19" y="connsiteY19"/>
+                  </a:cxn>
+                  <a:cxn ang="0">
+                    <a:pos x="connsiteX20" y="connsiteY20"/>
+                  </a:cxn>
+                  <a:cxn ang="0">
+                    <a:pos x="connsiteX21" y="connsiteY21"/>
+                  </a:cxn>
+                  <a:cxn ang="0">
+                    <a:pos x="connsiteX22" y="connsiteY22"/>
+                  </a:cxn>
+                  <a:cxn ang="0">
+                    <a:pos x="connsiteX23" y="connsiteY23"/>
+                  </a:cxn>
+                </a:cxnLst>
+                <a:rect l="l" t="t" r="r" b="b"/>
+                <a:pathLst>
+                  <a:path w="2753958" h="2592593">
+                    <a:moveTo>
+                      <a:pt x="0" y="1420009"/>
+                    </a:moveTo>
+                    <a:lnTo>
+                      <a:pt x="301215" y="1140310"/>
+                    </a:lnTo>
+                    <a:lnTo>
+                      <a:pt x="882127" y="720762"/>
+                    </a:lnTo>
+                    <a:lnTo>
+                      <a:pt x="1527586" y="322729"/>
+                    </a:lnTo>
+                    <a:lnTo>
+                      <a:pt x="2162287" y="64546"/>
+                    </a:lnTo>
+                    <a:lnTo>
+                      <a:pt x="2420471" y="0"/>
+                    </a:lnTo>
+                    <a:lnTo>
+                      <a:pt x="2581836" y="193637"/>
+                    </a:lnTo>
+                    <a:lnTo>
+                      <a:pt x="2667897" y="516367"/>
+                    </a:lnTo>
+                    <a:lnTo>
+                      <a:pt x="2710927" y="871369"/>
+                    </a:lnTo>
+                    <a:lnTo>
+                      <a:pt x="2700170" y="1613647"/>
+                    </a:lnTo>
+                    <a:lnTo>
+                      <a:pt x="2667897" y="2086983"/>
+                    </a:lnTo>
+                    <a:lnTo>
+                      <a:pt x="2646382" y="2398955"/>
+                    </a:lnTo>
+                    <a:lnTo>
+                      <a:pt x="2753958" y="2592593"/>
+                    </a:lnTo>
+                    <a:lnTo>
+                      <a:pt x="1484556" y="2560320"/>
+                    </a:lnTo>
+                    <a:lnTo>
+                      <a:pt x="1538344" y="2205317"/>
+                    </a:lnTo>
+                    <a:lnTo>
+                      <a:pt x="1624405" y="1796527"/>
+                    </a:lnTo>
+                    <a:lnTo>
+                      <a:pt x="1570617" y="1581374"/>
+                    </a:lnTo>
+                    <a:lnTo>
+                      <a:pt x="1463040" y="1570616"/>
+                    </a:lnTo>
+                    <a:lnTo>
+                      <a:pt x="1172584" y="1731981"/>
+                    </a:lnTo>
+                    <a:lnTo>
+                      <a:pt x="699247" y="2043953"/>
+                    </a:lnTo>
+                    <a:lnTo>
+                      <a:pt x="473337" y="2226833"/>
+                    </a:lnTo>
+                    <a:lnTo>
+                      <a:pt x="182880" y="2592593"/>
+                    </a:lnTo>
+                    <a:lnTo>
+                      <a:pt x="10758" y="2592593"/>
+                    </a:lnTo>
+                    <a:lnTo>
+                      <a:pt x="0" y="1420009"/>
+                    </a:lnTo>
+                    <a:close/>
+                  </a:path>
+                </a:pathLst>
+              </a:custGeom>
+              <a:pattFill prst="ltVert">
+                <a:fgClr>
+                  <a:schemeClr val="tx1"/>
+                </a:fgClr>
+                <a:bgClr>
+                  <a:schemeClr val="bg1"/>
+                </a:bgClr>
+              </a:pattFill>
+              <a:ln>
+                <a:noFill/>
+              </a:ln>
+            </p:spPr>
+            <p:style>
+              <a:lnRef idx="2">
+                <a:schemeClr val="accent1">
+                  <a:shade val="50000"/>
+                </a:schemeClr>
+              </a:lnRef>
+              <a:fillRef idx="1">
+                <a:schemeClr val="accent1"/>
+              </a:fillRef>
+              <a:effectRef idx="0">
+                <a:schemeClr val="accent1"/>
+              </a:effectRef>
+              <a:fontRef idx="minor">
+                <a:schemeClr val="lt1"/>
+              </a:fontRef>
+            </p:style>
+            <p:txBody>
+              <a:bodyPr rtlCol="0" anchor="ctr"/>
+              <a:lstStyle/>
+              <a:p>
+                <a:pPr algn="ctr"/>
+                <a:endParaRPr lang="en-US"/>
+              </a:p>
+            </p:txBody>
+          </p:sp>
+          <p:sp>
+            <p:nvSpPr>
+              <p:cNvPr id="66" name="Freeform 65">
+                <a:extLst>
+                  <a:ext uri="{FF2B5EF4-FFF2-40B4-BE49-F238E27FC236}">
+                    <a16:creationId xmlns:a16="http://schemas.microsoft.com/office/drawing/2014/main" id="{DD8D9C10-941C-6245-8B46-67E5385D8C06}"/>
+                  </a:ext>
+                </a:extLst>
+              </p:cNvPr>
+              <p:cNvSpPr/>
+              <p:nvPr/>
+            </p:nvSpPr>
+            <p:spPr>
+              <a:xfrm>
+                <a:off x="710005" y="5045336"/>
+                <a:ext cx="1376979" cy="1000462"/>
+              </a:xfrm>
+              <a:custGeom>
+                <a:avLst/>
+                <a:gdLst>
+                  <a:gd name="connsiteX0" fmla="*/ 0 w 1376979"/>
+                  <a:gd name="connsiteY0" fmla="*/ 1000462 h 1000462"/>
+                  <a:gd name="connsiteX1" fmla="*/ 225910 w 1376979"/>
+                  <a:gd name="connsiteY1" fmla="*/ 699248 h 1000462"/>
+                  <a:gd name="connsiteX2" fmla="*/ 602428 w 1376979"/>
+                  <a:gd name="connsiteY2" fmla="*/ 387276 h 1000462"/>
+                  <a:gd name="connsiteX3" fmla="*/ 1032734 w 1376979"/>
+                  <a:gd name="connsiteY3" fmla="*/ 107577 h 1000462"/>
+                  <a:gd name="connsiteX4" fmla="*/ 1280160 w 1376979"/>
+                  <a:gd name="connsiteY4" fmla="*/ 0 h 1000462"/>
+                  <a:gd name="connsiteX5" fmla="*/ 1376979 w 1376979"/>
+                  <a:gd name="connsiteY5" fmla="*/ 64546 h 1000462"/>
+                  <a:gd name="connsiteX6" fmla="*/ 1376979 w 1376979"/>
+                  <a:gd name="connsiteY6" fmla="*/ 333488 h 1000462"/>
+                  <a:gd name="connsiteX7" fmla="*/ 1323190 w 1376979"/>
+                  <a:gd name="connsiteY7" fmla="*/ 710005 h 1000462"/>
+                  <a:gd name="connsiteX8" fmla="*/ 1247887 w 1376979"/>
+                  <a:gd name="connsiteY8" fmla="*/ 1000462 h 1000462"/>
+                  <a:gd name="connsiteX9" fmla="*/ 0 w 1376979"/>
+                  <a:gd name="connsiteY9" fmla="*/ 1000462 h 1000462"/>
+                </a:gdLst>
+                <a:ahLst/>
+                <a:cxnLst>
+                  <a:cxn ang="0">
+                    <a:pos x="connsiteX0" y="connsiteY0"/>
+                  </a:cxn>
+                  <a:cxn ang="0">
+                    <a:pos x="connsiteX1" y="connsiteY1"/>
+                  </a:cxn>
+                  <a:cxn ang="0">
+                    <a:pos x="connsiteX2" y="connsiteY2"/>
+                  </a:cxn>
+                  <a:cxn ang="0">
+                    <a:pos x="connsiteX3" y="connsiteY3"/>
+                  </a:cxn>
+                  <a:cxn ang="0">
+                    <a:pos x="connsiteX4" y="connsiteY4"/>
+                  </a:cxn>
+                  <a:cxn ang="0">
+                    <a:pos x="connsiteX5" y="connsiteY5"/>
+                  </a:cxn>
+                  <a:cxn ang="0">
+                    <a:pos x="connsiteX6" y="connsiteY6"/>
+                  </a:cxn>
+                  <a:cxn ang="0">
+                    <a:pos x="connsiteX7" y="connsiteY7"/>
+                  </a:cxn>
+                  <a:cxn ang="0">
+                    <a:pos x="connsiteX8" y="connsiteY8"/>
+                  </a:cxn>
+                  <a:cxn ang="0">
+                    <a:pos x="connsiteX9" y="connsiteY9"/>
+                  </a:cxn>
+                </a:cxnLst>
+                <a:rect l="l" t="t" r="r" b="b"/>
+                <a:pathLst>
+                  <a:path w="1376979" h="1000462">
+                    <a:moveTo>
+                      <a:pt x="0" y="1000462"/>
+                    </a:moveTo>
+                    <a:lnTo>
+                      <a:pt x="225910" y="699248"/>
+                    </a:lnTo>
+                    <a:lnTo>
+                      <a:pt x="602428" y="387276"/>
+                    </a:lnTo>
+                    <a:lnTo>
+                      <a:pt x="1032734" y="107577"/>
+                    </a:lnTo>
+                    <a:lnTo>
+                      <a:pt x="1280160" y="0"/>
+                    </a:lnTo>
+                    <a:lnTo>
+                      <a:pt x="1376979" y="64546"/>
+                    </a:lnTo>
+                    <a:lnTo>
+                      <a:pt x="1376979" y="333488"/>
+                    </a:lnTo>
+                    <a:lnTo>
+                      <a:pt x="1323190" y="710005"/>
+                    </a:lnTo>
+                    <a:lnTo>
+                      <a:pt x="1247887" y="1000462"/>
+                    </a:lnTo>
+                    <a:lnTo>
+                      <a:pt x="0" y="1000462"/>
+                    </a:lnTo>
+                    <a:close/>
+                  </a:path>
+                </a:pathLst>
+              </a:custGeom>
+              <a:pattFill prst="solidDmnd">
+                <a:fgClr>
+                  <a:schemeClr val="tx1"/>
+                </a:fgClr>
+                <a:bgClr>
+                  <a:schemeClr val="bg1"/>
+                </a:bgClr>
+              </a:pattFill>
+              <a:ln>
+                <a:noFill/>
+              </a:ln>
+            </p:spPr>
+            <p:style>
+              <a:lnRef idx="2">
+                <a:schemeClr val="accent1">
+                  <a:shade val="50000"/>
+                </a:schemeClr>
+              </a:lnRef>
+              <a:fillRef idx="1">
+                <a:schemeClr val="accent1"/>
+              </a:fillRef>
+              <a:effectRef idx="0">
+                <a:schemeClr val="accent1"/>
+              </a:effectRef>
+              <a:fontRef idx="minor">
+                <a:schemeClr val="lt1"/>
+              </a:fontRef>
+            </p:style>
+            <p:txBody>
+              <a:bodyPr rtlCol="0" anchor="ctr"/>
+              <a:lstStyle/>
+              <a:p>
+                <a:pPr algn="ctr"/>
+                <a:endParaRPr lang="en-US"/>
+              </a:p>
+            </p:txBody>
+          </p:sp>
+          <p:sp>
+            <p:nvSpPr>
+              <p:cNvPr id="67" name="Freeform 66">
+                <a:extLst>
+                  <a:ext uri="{FF2B5EF4-FFF2-40B4-BE49-F238E27FC236}">
+                    <a16:creationId xmlns:a16="http://schemas.microsoft.com/office/drawing/2014/main" id="{720CB158-FF8F-A544-9790-EA411B945572}"/>
+                  </a:ext>
+                </a:extLst>
+              </p:cNvPr>
+              <p:cNvSpPr/>
+              <p:nvPr/>
+            </p:nvSpPr>
+            <p:spPr>
+              <a:xfrm>
+                <a:off x="8240358" y="5787614"/>
+                <a:ext cx="290456" cy="268941"/>
+              </a:xfrm>
+              <a:custGeom>
+                <a:avLst/>
+                <a:gdLst>
+                  <a:gd name="connsiteX0" fmla="*/ 0 w 290456"/>
+                  <a:gd name="connsiteY0" fmla="*/ 258184 h 268941"/>
+                  <a:gd name="connsiteX1" fmla="*/ 290456 w 290456"/>
+                  <a:gd name="connsiteY1" fmla="*/ 0 h 268941"/>
+                  <a:gd name="connsiteX2" fmla="*/ 290456 w 290456"/>
+                  <a:gd name="connsiteY2" fmla="*/ 268941 h 268941"/>
+                  <a:gd name="connsiteX3" fmla="*/ 0 w 290456"/>
+                  <a:gd name="connsiteY3" fmla="*/ 258184 h 268941"/>
+                </a:gdLst>
+                <a:ahLst/>
+                <a:cxnLst>
+                  <a:cxn ang="0">
+                    <a:pos x="connsiteX0" y="connsiteY0"/>
+                  </a:cxn>
+                  <a:cxn ang="0">
+                    <a:pos x="connsiteX1" y="connsiteY1"/>
+                  </a:cxn>
+                  <a:cxn ang="0">
+                    <a:pos x="connsiteX2" y="connsiteY2"/>
+                  </a:cxn>
+                  <a:cxn ang="0">
+                    <a:pos x="connsiteX3" y="connsiteY3"/>
+                  </a:cxn>
+                </a:cxnLst>
+                <a:rect l="l" t="t" r="r" b="b"/>
+                <a:pathLst>
+                  <a:path w="290456" h="268941">
+                    <a:moveTo>
+                      <a:pt x="0" y="258184"/>
+                    </a:moveTo>
+                    <a:lnTo>
+                      <a:pt x="290456" y="0"/>
+                    </a:lnTo>
+                    <a:lnTo>
+                      <a:pt x="290456" y="268941"/>
+                    </a:lnTo>
+                    <a:lnTo>
+                      <a:pt x="0" y="258184"/>
+                    </a:lnTo>
+                    <a:close/>
+                  </a:path>
+                </a:pathLst>
+              </a:custGeom>
+              <a:pattFill prst="solidDmnd">
+                <a:fgClr>
+                  <a:schemeClr val="tx1"/>
+                </a:fgClr>
+                <a:bgClr>
+                  <a:schemeClr val="bg1"/>
+                </a:bgClr>
+              </a:pattFill>
+              <a:ln>
+                <a:noFill/>
+              </a:ln>
+            </p:spPr>
+            <p:style>
+              <a:lnRef idx="2">
+                <a:schemeClr val="accent1">
+                  <a:shade val="50000"/>
+                </a:schemeClr>
+              </a:lnRef>
+              <a:fillRef idx="1">
+                <a:schemeClr val="accent1"/>
+              </a:fillRef>
+              <a:effectRef idx="0">
+                <a:schemeClr val="accent1"/>
+              </a:effectRef>
+              <a:fontRef idx="minor">
+                <a:schemeClr val="lt1"/>
+              </a:fontRef>
+            </p:style>
+            <p:txBody>
+              <a:bodyPr rtlCol="0" anchor="ctr"/>
+              <a:lstStyle/>
+              <a:p>
+                <a:pPr algn="ctr"/>
+                <a:endParaRPr lang="en-US"/>
+              </a:p>
+            </p:txBody>
+          </p:sp>
+        </p:grpSp>
+        <p:sp>
+          <p:nvSpPr>
+            <p:cNvPr id="58" name="Freeform 57">
+              <a:extLst>
+                <a:ext uri="{FF2B5EF4-FFF2-40B4-BE49-F238E27FC236}">
+                  <a16:creationId xmlns:a16="http://schemas.microsoft.com/office/drawing/2014/main" id="{372E7A33-0A88-8347-941D-02FB54D5E333}"/>
+                </a:ext>
+              </a:extLst>
+            </p:cNvPr>
+            <p:cNvSpPr/>
+            <p:nvPr/>
+          </p:nvSpPr>
+          <p:spPr>
+            <a:xfrm>
+              <a:off x="4797911" y="1301675"/>
+              <a:ext cx="129095" cy="699247"/>
+            </a:xfrm>
+            <a:custGeom>
+              <a:avLst/>
+              <a:gdLst>
+                <a:gd name="connsiteX0" fmla="*/ 0 w 129095"/>
+                <a:gd name="connsiteY0" fmla="*/ 0 h 699247"/>
+                <a:gd name="connsiteX1" fmla="*/ 21515 w 129095"/>
+                <a:gd name="connsiteY1" fmla="*/ 193638 h 699247"/>
+                <a:gd name="connsiteX2" fmla="*/ 43031 w 129095"/>
+                <a:gd name="connsiteY2" fmla="*/ 225911 h 699247"/>
+                <a:gd name="connsiteX3" fmla="*/ 64546 w 129095"/>
+                <a:gd name="connsiteY3" fmla="*/ 290457 h 699247"/>
+                <a:gd name="connsiteX4" fmla="*/ 86061 w 129095"/>
+                <a:gd name="connsiteY4" fmla="*/ 408791 h 699247"/>
+                <a:gd name="connsiteX5" fmla="*/ 96819 w 129095"/>
+                <a:gd name="connsiteY5" fmla="*/ 441064 h 699247"/>
+                <a:gd name="connsiteX6" fmla="*/ 118334 w 129095"/>
+                <a:gd name="connsiteY6" fmla="*/ 527125 h 699247"/>
+                <a:gd name="connsiteX7" fmla="*/ 129092 w 129095"/>
+                <a:gd name="connsiteY7" fmla="*/ 699247 h 699247"/>
+              </a:gdLst>
+              <a:ahLst/>
+              <a:cxnLst>
+                <a:cxn ang="0">
+                  <a:pos x="connsiteX0" y="connsiteY0"/>
+                </a:cxn>
+                <a:cxn ang="0">
+                  <a:pos x="connsiteX1" y="connsiteY1"/>
+                </a:cxn>
+                <a:cxn ang="0">
+                  <a:pos x="connsiteX2" y="connsiteY2"/>
+                </a:cxn>
+                <a:cxn ang="0">
+                  <a:pos x="connsiteX3" y="connsiteY3"/>
+                </a:cxn>
+                <a:cxn ang="0">
+                  <a:pos x="connsiteX4" y="connsiteY4"/>
+                </a:cxn>
+                <a:cxn ang="0">
+                  <a:pos x="connsiteX5" y="connsiteY5"/>
+                </a:cxn>
+                <a:cxn ang="0">
+                  <a:pos x="connsiteX6" y="connsiteY6"/>
+                </a:cxn>
+                <a:cxn ang="0">
+                  <a:pos x="connsiteX7" y="connsiteY7"/>
+                </a:cxn>
+              </a:cxnLst>
+              <a:rect l="l" t="t" r="r" b="b"/>
+              <a:pathLst>
+                <a:path w="129095" h="699247">
+                  <a:moveTo>
+                    <a:pt x="0" y="0"/>
+                  </a:moveTo>
+                  <a:cubicBezTo>
+                    <a:pt x="1343" y="20140"/>
+                    <a:pt x="-4149" y="142310"/>
+                    <a:pt x="21515" y="193638"/>
+                  </a:cubicBezTo>
+                  <a:cubicBezTo>
+                    <a:pt x="27297" y="205202"/>
+                    <a:pt x="35859" y="215153"/>
+                    <a:pt x="43031" y="225911"/>
+                  </a:cubicBezTo>
+                  <a:cubicBezTo>
+                    <a:pt x="50203" y="247426"/>
+                    <a:pt x="60818" y="268086"/>
+                    <a:pt x="64546" y="290457"/>
+                  </a:cubicBezTo>
+                  <a:cubicBezTo>
+                    <a:pt x="69343" y="319241"/>
+                    <a:pt x="78541" y="378711"/>
+                    <a:pt x="86061" y="408791"/>
+                  </a:cubicBezTo>
+                  <a:cubicBezTo>
+                    <a:pt x="88811" y="419792"/>
+                    <a:pt x="93835" y="430124"/>
+                    <a:pt x="96819" y="441064"/>
+                  </a:cubicBezTo>
+                  <a:cubicBezTo>
+                    <a:pt x="104599" y="469592"/>
+                    <a:pt x="118334" y="527125"/>
+                    <a:pt x="118334" y="527125"/>
+                  </a:cubicBezTo>
+                  <a:cubicBezTo>
+                    <a:pt x="129603" y="684885"/>
+                    <a:pt x="129092" y="627402"/>
+                    <a:pt x="129092" y="699247"/>
+                  </a:cubicBezTo>
+                </a:path>
+              </a:pathLst>
+            </a:custGeom>
+            <a:noFill/>
+            <a:ln w="76200">
+              <a:solidFill>
+                <a:schemeClr val="tx1"/>
+              </a:solidFill>
+            </a:ln>
+          </p:spPr>
+          <p:style>
+            <a:lnRef idx="2">
+              <a:schemeClr val="accent1">
+                <a:shade val="50000"/>
+              </a:schemeClr>
+            </a:lnRef>
+            <a:fillRef idx="1">
+              <a:schemeClr val="accent1"/>
+            </a:fillRef>
+            <a:effectRef idx="0">
+              <a:schemeClr val="accent1"/>
+            </a:effectRef>
+            <a:fontRef idx="minor">
+              <a:schemeClr val="lt1"/>
+            </a:fontRef>
+          </p:style>
+          <p:txBody>
+            <a:bodyPr rtlCol="0" anchor="ctr"/>
+            <a:lstStyle/>
+            <a:p>
+              <a:pPr algn="ctr"/>
+              <a:endParaRPr lang="en-US"/>
+            </a:p>
+          </p:txBody>
+        </p:sp>
+        <p:sp>
+          <p:nvSpPr>
+            <p:cNvPr id="59" name="Freeform 58">
+              <a:extLst>
+                <a:ext uri="{FF2B5EF4-FFF2-40B4-BE49-F238E27FC236}">
+                  <a16:creationId xmlns:a16="http://schemas.microsoft.com/office/drawing/2014/main" id="{87720E43-2A21-154F-8F1B-9CF4F00DAA42}"/>
+                </a:ext>
+              </a:extLst>
+            </p:cNvPr>
+            <p:cNvSpPr/>
+            <p:nvPr/>
+          </p:nvSpPr>
+          <p:spPr>
+            <a:xfrm>
+              <a:off x="4216754" y="2936838"/>
+              <a:ext cx="54033" cy="441063"/>
+            </a:xfrm>
+            <a:custGeom>
+              <a:avLst/>
+              <a:gdLst>
+                <a:gd name="connsiteX0" fmla="*/ 54033 w 54033"/>
+                <a:gd name="connsiteY0" fmla="*/ 0 h 441063"/>
+                <a:gd name="connsiteX1" fmla="*/ 11002 w 54033"/>
+                <a:gd name="connsiteY1" fmla="*/ 75303 h 441063"/>
+                <a:gd name="connsiteX2" fmla="*/ 244 w 54033"/>
+                <a:gd name="connsiteY2" fmla="*/ 441063 h 441063"/>
+              </a:gdLst>
+              <a:ahLst/>
+              <a:cxnLst>
+                <a:cxn ang="0">
+                  <a:pos x="connsiteX0" y="connsiteY0"/>
+                </a:cxn>
+                <a:cxn ang="0">
+                  <a:pos x="connsiteX1" y="connsiteY1"/>
+                </a:cxn>
+                <a:cxn ang="0">
+                  <a:pos x="connsiteX2" y="connsiteY2"/>
+                </a:cxn>
+              </a:cxnLst>
+              <a:rect l="l" t="t" r="r" b="b"/>
+              <a:pathLst>
+                <a:path w="54033" h="441063">
+                  <a:moveTo>
+                    <a:pt x="54033" y="0"/>
+                  </a:moveTo>
+                  <a:cubicBezTo>
+                    <a:pt x="39689" y="25101"/>
+                    <a:pt x="16462" y="46913"/>
+                    <a:pt x="11002" y="75303"/>
+                  </a:cubicBezTo>
+                  <a:cubicBezTo>
+                    <a:pt x="-2583" y="145945"/>
+                    <a:pt x="244" y="359269"/>
+                    <a:pt x="244" y="441063"/>
+                  </a:cubicBezTo>
+                </a:path>
+              </a:pathLst>
+            </a:custGeom>
+            <a:noFill/>
+            <a:ln w="60325">
+              <a:solidFill>
+                <a:schemeClr val="tx1"/>
+              </a:solidFill>
+            </a:ln>
+          </p:spPr>
+          <p:style>
+            <a:lnRef idx="2">
+              <a:schemeClr val="accent1">
+                <a:shade val="50000"/>
+              </a:schemeClr>
+            </a:lnRef>
+            <a:fillRef idx="1">
+              <a:schemeClr val="accent1"/>
+            </a:fillRef>
+            <a:effectRef idx="0">
+              <a:schemeClr val="accent1"/>
+            </a:effectRef>
+            <a:fontRef idx="minor">
+              <a:schemeClr val="lt1"/>
+            </a:fontRef>
+          </p:style>
+          <p:txBody>
+            <a:bodyPr rtlCol="0" anchor="ctr"/>
+            <a:lstStyle/>
+            <a:p>
+              <a:pPr algn="ctr"/>
+              <a:endParaRPr lang="en-US"/>
+            </a:p>
+          </p:txBody>
+        </p:sp>
+      </p:grpSp>
+      <p:pic>
+        <p:nvPicPr>
+          <p:cNvPr id="7" name="Picture 6" descr="A close up of a logo&#10;&#10;Description automatically generated">
+            <a:extLst>
+              <a:ext uri="{FF2B5EF4-FFF2-40B4-BE49-F238E27FC236}">
+                <a16:creationId xmlns:a16="http://schemas.microsoft.com/office/drawing/2014/main" id="{A2975152-5F13-5B4E-A2A7-C8005503D8B2}"/>
+              </a:ext>
+            </a:extLst>
+          </p:cNvPr>
+          <p:cNvPicPr>
+            <a:picLocks noChangeAspect="1"/>
+          </p:cNvPicPr>
+          <p:nvPr/>
+        </p:nvPicPr>
+        <p:blipFill rotWithShape="1">
+          <a:blip r:embed="rId2"/>
+          <a:srcRect l="13254" t="12867" r="15943" b="33545"/>
+          <a:stretch/>
+        </p:blipFill>
+        <p:spPr>
+          <a:xfrm>
+            <a:off x="134912" y="1040118"/>
+            <a:ext cx="9013032" cy="5094868"/>
+          </a:xfrm>
+          <a:prstGeom prst="rect">
+            <a:avLst/>
+          </a:prstGeom>
+        </p:spPr>
+      </p:pic>
       <p:cxnSp>
         <p:nvCxnSpPr>
           <p:cNvPr id="45" name="Straight Connector 44">
@@ -4081,35 +8300,6 @@
           </a:p>
         </p:txBody>
       </p:sp>
-      <p:pic>
-        <p:nvPicPr>
-          <p:cNvPr id="7" name="Picture 6" descr="A close up of a logo&#10;&#10;Description automatically generated">
-            <a:extLst>
-              <a:ext uri="{FF2B5EF4-FFF2-40B4-BE49-F238E27FC236}">
-                <a16:creationId xmlns:a16="http://schemas.microsoft.com/office/drawing/2014/main" id="{A2975152-5F13-5B4E-A2A7-C8005503D8B2}"/>
-              </a:ext>
-            </a:extLst>
-          </p:cNvPr>
-          <p:cNvPicPr>
-            <a:picLocks noChangeAspect="1"/>
-          </p:cNvPicPr>
-          <p:nvPr/>
-        </p:nvPicPr>
-        <p:blipFill rotWithShape="1">
-          <a:blip r:embed="rId2"/>
-          <a:srcRect l="13254" t="12867" r="15943" b="33545"/>
-          <a:stretch/>
-        </p:blipFill>
-        <p:spPr>
-          <a:xfrm>
-            <a:off x="134912" y="1040118"/>
-            <a:ext cx="9013032" cy="5094868"/>
-          </a:xfrm>
-          <a:prstGeom prst="rect">
-            <a:avLst/>
-          </a:prstGeom>
-        </p:spPr>
-      </p:pic>
       <p:sp>
         <p:nvSpPr>
           <p:cNvPr id="8" name="Rectangle 7">
@@ -4330,316 +8520,6 @@
           </a:fontRef>
         </p:style>
       </p:cxnSp>
-      <p:cxnSp>
-        <p:nvCxnSpPr>
-          <p:cNvPr id="15" name="Straight Connector 14">
-            <a:extLst>
-              <a:ext uri="{FF2B5EF4-FFF2-40B4-BE49-F238E27FC236}">
-                <a16:creationId xmlns:a16="http://schemas.microsoft.com/office/drawing/2014/main" id="{96DD8337-3CCF-814F-9891-983AD70FE61A}"/>
-              </a:ext>
-            </a:extLst>
-          </p:cNvPr>
-          <p:cNvCxnSpPr>
-            <a:cxnSpLocks/>
-          </p:cNvCxnSpPr>
-          <p:nvPr/>
-        </p:nvCxnSpPr>
-        <p:spPr>
-          <a:xfrm>
-            <a:off x="882849" y="1047523"/>
-            <a:ext cx="7782686" cy="4353816"/>
-          </a:xfrm>
-          <a:prstGeom prst="line">
-            <a:avLst/>
-          </a:prstGeom>
-          <a:ln w="22225">
-            <a:solidFill>
-              <a:schemeClr val="tx1"/>
-            </a:solidFill>
-            <a:prstDash val="lgDash"/>
-          </a:ln>
-        </p:spPr>
-        <p:style>
-          <a:lnRef idx="1">
-            <a:schemeClr val="accent1"/>
-          </a:lnRef>
-          <a:fillRef idx="0">
-            <a:schemeClr val="accent1"/>
-          </a:fillRef>
-          <a:effectRef idx="0">
-            <a:schemeClr val="accent1"/>
-          </a:effectRef>
-          <a:fontRef idx="minor">
-            <a:schemeClr val="tx1"/>
-          </a:fontRef>
-        </p:style>
-      </p:cxnSp>
-      <p:sp>
-        <p:nvSpPr>
-          <p:cNvPr id="16" name="TextBox 15">
-            <a:extLst>
-              <a:ext uri="{FF2B5EF4-FFF2-40B4-BE49-F238E27FC236}">
-                <a16:creationId xmlns:a16="http://schemas.microsoft.com/office/drawing/2014/main" id="{AC370044-AC3B-B24A-A9AD-1865D486C196}"/>
-              </a:ext>
-            </a:extLst>
-          </p:cNvPr>
-          <p:cNvSpPr txBox="1"/>
-          <p:nvPr/>
-        </p:nvSpPr>
-        <p:spPr>
-          <a:xfrm>
-            <a:off x="1180213" y="5507665"/>
-            <a:ext cx="649537" cy="461665"/>
-          </a:xfrm>
-          <a:prstGeom prst="rect">
-            <a:avLst/>
-          </a:prstGeom>
-          <a:noFill/>
-        </p:spPr>
-        <p:txBody>
-          <a:bodyPr wrap="none" rtlCol="0">
-            <a:spAutoFit/>
-          </a:bodyPr>
-          <a:lstStyle/>
-          <a:p>
-            <a:r>
-              <a:rPr lang="en-US" sz="2400">
-                <a:latin typeface="Swell Braille" pitchFamily="49"/>
-              </a:rPr>
-              <a:t>⠼⠋</a:t>
-            </a:r>
-          </a:p>
-        </p:txBody>
-      </p:sp>
-      <p:sp>
-        <p:nvSpPr>
-          <p:cNvPr id="17" name="TextBox 16">
-            <a:extLst>
-              <a:ext uri="{FF2B5EF4-FFF2-40B4-BE49-F238E27FC236}">
-                <a16:creationId xmlns:a16="http://schemas.microsoft.com/office/drawing/2014/main" id="{5D6A481F-4FE6-9947-A869-1D97AFC091CB}"/>
-              </a:ext>
-            </a:extLst>
-          </p:cNvPr>
-          <p:cNvSpPr txBox="1"/>
-          <p:nvPr/>
-        </p:nvSpPr>
-        <p:spPr>
-          <a:xfrm>
-            <a:off x="5149697" y="2183221"/>
-            <a:ext cx="649537" cy="461665"/>
-          </a:xfrm>
-          <a:prstGeom prst="rect">
-            <a:avLst/>
-          </a:prstGeom>
-          <a:noFill/>
-        </p:spPr>
-        <p:txBody>
-          <a:bodyPr wrap="none" rtlCol="0">
-            <a:spAutoFit/>
-          </a:bodyPr>
-          <a:lstStyle/>
-          <a:p>
-            <a:r>
-              <a:rPr lang="en-US" sz="2400">
-                <a:latin typeface="Swell Braille" pitchFamily="49"/>
-              </a:rPr>
-              <a:t>⠼⠃</a:t>
-            </a:r>
-          </a:p>
-        </p:txBody>
-      </p:sp>
-      <p:sp>
-        <p:nvSpPr>
-          <p:cNvPr id="19" name="TextBox 18">
-            <a:extLst>
-              <a:ext uri="{FF2B5EF4-FFF2-40B4-BE49-F238E27FC236}">
-                <a16:creationId xmlns:a16="http://schemas.microsoft.com/office/drawing/2014/main" id="{D15C7A36-CFF9-AF46-B71B-950066A1F7BA}"/>
-              </a:ext>
-            </a:extLst>
-          </p:cNvPr>
-          <p:cNvSpPr txBox="1"/>
-          <p:nvPr/>
-        </p:nvSpPr>
-        <p:spPr>
-          <a:xfrm>
-            <a:off x="2091065" y="2814084"/>
-            <a:ext cx="649537" cy="461665"/>
-          </a:xfrm>
-          <a:prstGeom prst="rect">
-            <a:avLst/>
-          </a:prstGeom>
-          <a:noFill/>
-        </p:spPr>
-        <p:txBody>
-          <a:bodyPr wrap="none" rtlCol="0">
-            <a:spAutoFit/>
-          </a:bodyPr>
-          <a:lstStyle/>
-          <a:p>
-            <a:r>
-              <a:rPr lang="en-US" sz="2400">
-                <a:latin typeface="Swell Braille" pitchFamily="49"/>
-              </a:rPr>
-              <a:t>⠼⠙</a:t>
-            </a:r>
-          </a:p>
-        </p:txBody>
-      </p:sp>
-      <p:sp>
-        <p:nvSpPr>
-          <p:cNvPr id="22" name="TextBox 21">
-            <a:extLst>
-              <a:ext uri="{FF2B5EF4-FFF2-40B4-BE49-F238E27FC236}">
-                <a16:creationId xmlns:a16="http://schemas.microsoft.com/office/drawing/2014/main" id="{1F48A926-D169-C246-A661-DF4FA7C52C77}"/>
-              </a:ext>
-            </a:extLst>
-          </p:cNvPr>
-          <p:cNvSpPr txBox="1"/>
-          <p:nvPr/>
-        </p:nvSpPr>
-        <p:spPr>
-          <a:xfrm>
-            <a:off x="7751132" y="5390709"/>
-            <a:ext cx="649537" cy="461665"/>
-          </a:xfrm>
-          <a:prstGeom prst="rect">
-            <a:avLst/>
-          </a:prstGeom>
-          <a:noFill/>
-        </p:spPr>
-        <p:txBody>
-          <a:bodyPr wrap="none" rtlCol="0">
-            <a:spAutoFit/>
-          </a:bodyPr>
-          <a:lstStyle/>
-          <a:p>
-            <a:r>
-              <a:rPr lang="en-US" sz="2400">
-                <a:latin typeface="Swell Braille" pitchFamily="49"/>
-              </a:rPr>
-              <a:t>⠼⠑</a:t>
-            </a:r>
-          </a:p>
-        </p:txBody>
-      </p:sp>
-      <p:cxnSp>
-        <p:nvCxnSpPr>
-          <p:cNvPr id="24" name="Straight Arrow Connector 23">
-            <a:extLst>
-              <a:ext uri="{FF2B5EF4-FFF2-40B4-BE49-F238E27FC236}">
-                <a16:creationId xmlns:a16="http://schemas.microsoft.com/office/drawing/2014/main" id="{A76057A9-AE93-F64E-91CE-F157CC5A7B75}"/>
-              </a:ext>
-            </a:extLst>
-          </p:cNvPr>
-          <p:cNvCxnSpPr>
-            <a:cxnSpLocks/>
-          </p:cNvCxnSpPr>
-          <p:nvPr/>
-        </p:nvCxnSpPr>
-        <p:spPr>
-          <a:xfrm flipV="1">
-            <a:off x="8293395" y="5940345"/>
-            <a:ext cx="130334" cy="417925"/>
-          </a:xfrm>
-          <a:prstGeom prst="straightConnector1">
-            <a:avLst/>
-          </a:prstGeom>
-          <a:ln w="22225">
-            <a:solidFill>
-              <a:schemeClr val="tx1"/>
-            </a:solidFill>
-            <a:tailEnd type="none" w="lg" len="lg"/>
-          </a:ln>
-        </p:spPr>
-        <p:style>
-          <a:lnRef idx="1">
-            <a:schemeClr val="accent1"/>
-          </a:lnRef>
-          <a:fillRef idx="0">
-            <a:schemeClr val="accent1"/>
-          </a:fillRef>
-          <a:effectRef idx="0">
-            <a:schemeClr val="accent1"/>
-          </a:effectRef>
-          <a:fontRef idx="minor">
-            <a:schemeClr val="tx1"/>
-          </a:fontRef>
-        </p:style>
-      </p:cxnSp>
-      <p:sp>
-        <p:nvSpPr>
-          <p:cNvPr id="25" name="TextBox 24">
-            <a:extLst>
-              <a:ext uri="{FF2B5EF4-FFF2-40B4-BE49-F238E27FC236}">
-                <a16:creationId xmlns:a16="http://schemas.microsoft.com/office/drawing/2014/main" id="{E932C4CA-157A-A44E-A198-0B11281A0B8E}"/>
-              </a:ext>
-            </a:extLst>
-          </p:cNvPr>
-          <p:cNvSpPr txBox="1"/>
-          <p:nvPr/>
-        </p:nvSpPr>
-        <p:spPr>
-          <a:xfrm>
-            <a:off x="6142070" y="1644504"/>
-            <a:ext cx="649537" cy="461665"/>
-          </a:xfrm>
-          <a:prstGeom prst="rect">
-            <a:avLst/>
-          </a:prstGeom>
-          <a:noFill/>
-        </p:spPr>
-        <p:txBody>
-          <a:bodyPr wrap="none" rtlCol="0">
-            <a:spAutoFit/>
-          </a:bodyPr>
-          <a:lstStyle/>
-          <a:p>
-            <a:r>
-              <a:rPr lang="en-US" sz="2400">
-                <a:latin typeface="Swell Braille" pitchFamily="49"/>
-              </a:rPr>
-              <a:t>⠼⠁</a:t>
-            </a:r>
-          </a:p>
-        </p:txBody>
-      </p:sp>
-      <p:sp>
-        <p:nvSpPr>
-          <p:cNvPr id="26" name="TextBox 25">
-            <a:extLst>
-              <a:ext uri="{FF2B5EF4-FFF2-40B4-BE49-F238E27FC236}">
-                <a16:creationId xmlns:a16="http://schemas.microsoft.com/office/drawing/2014/main" id="{6306C698-08C2-D64C-9344-B809AC19DE1C}"/>
-              </a:ext>
-            </a:extLst>
-          </p:cNvPr>
-          <p:cNvSpPr txBox="1"/>
-          <p:nvPr/>
-        </p:nvSpPr>
-        <p:spPr>
-          <a:xfrm>
-            <a:off x="6943057" y="3327993"/>
-            <a:ext cx="649537" cy="461665"/>
-          </a:xfrm>
-          <a:prstGeom prst="rect">
-            <a:avLst/>
-          </a:prstGeom>
-          <a:noFill/>
-        </p:spPr>
-        <p:txBody>
-          <a:bodyPr wrap="none" rtlCol="0">
-            <a:spAutoFit/>
-          </a:bodyPr>
-          <a:lstStyle/>
-          <a:p>
-            <a:r>
-              <a:rPr lang="en-US" sz="2400">
-                <a:latin typeface="Swell Braille" pitchFamily="49"/>
-              </a:rPr>
-              <a:t>⠼⠉</a:t>
-            </a:r>
-          </a:p>
-        </p:txBody>
-      </p:sp>
       <p:sp>
         <p:nvSpPr>
           <p:cNvPr id="28" name="Oval 27">
@@ -4728,12 +8608,286 @@
           </a:p>
         </p:txBody>
       </p:sp>
+      <p:cxnSp>
+        <p:nvCxnSpPr>
+          <p:cNvPr id="15" name="Straight Connector 14">
+            <a:extLst>
+              <a:ext uri="{FF2B5EF4-FFF2-40B4-BE49-F238E27FC236}">
+                <a16:creationId xmlns:a16="http://schemas.microsoft.com/office/drawing/2014/main" id="{96DD8337-3CCF-814F-9891-983AD70FE61A}"/>
+              </a:ext>
+            </a:extLst>
+          </p:cNvPr>
+          <p:cNvCxnSpPr>
+            <a:cxnSpLocks/>
+          </p:cNvCxnSpPr>
+          <p:nvPr/>
+        </p:nvCxnSpPr>
+        <p:spPr>
+          <a:xfrm>
+            <a:off x="882849" y="1047523"/>
+            <a:ext cx="7782686" cy="4353816"/>
+          </a:xfrm>
+          <a:prstGeom prst="line">
+            <a:avLst/>
+          </a:prstGeom>
+          <a:ln w="22225">
+            <a:solidFill>
+              <a:schemeClr val="tx1"/>
+            </a:solidFill>
+            <a:prstDash val="lgDash"/>
+          </a:ln>
+        </p:spPr>
+        <p:style>
+          <a:lnRef idx="1">
+            <a:schemeClr val="accent1"/>
+          </a:lnRef>
+          <a:fillRef idx="0">
+            <a:schemeClr val="accent1"/>
+          </a:fillRef>
+          <a:effectRef idx="0">
+            <a:schemeClr val="accent1"/>
+          </a:effectRef>
+          <a:fontRef idx="minor">
+            <a:schemeClr val="tx1"/>
+          </a:fontRef>
+        </p:style>
+      </p:cxnSp>
       <p:sp>
         <p:nvSpPr>
-          <p:cNvPr id="29" name="TextBox 28">
+          <p:cNvPr id="2" name="Freeform 1">
             <a:extLst>
               <a:ext uri="{FF2B5EF4-FFF2-40B4-BE49-F238E27FC236}">
-                <a16:creationId xmlns:a16="http://schemas.microsoft.com/office/drawing/2014/main" id="{BFA4BB72-8F49-AF4F-A703-830FB442E9E3}"/>
+                <a16:creationId xmlns:a16="http://schemas.microsoft.com/office/drawing/2014/main" id="{D00E86ED-FE39-1142-BD2E-89C9D56899F1}"/>
+              </a:ext>
+            </a:extLst>
+          </p:cNvPr>
+          <p:cNvSpPr/>
+          <p:nvPr/>
+        </p:nvSpPr>
+        <p:spPr>
+          <a:xfrm>
+            <a:off x="4797911" y="1301675"/>
+            <a:ext cx="129095" cy="699247"/>
+          </a:xfrm>
+          <a:custGeom>
+            <a:avLst/>
+            <a:gdLst>
+              <a:gd name="connsiteX0" fmla="*/ 0 w 129095"/>
+              <a:gd name="connsiteY0" fmla="*/ 0 h 699247"/>
+              <a:gd name="connsiteX1" fmla="*/ 21515 w 129095"/>
+              <a:gd name="connsiteY1" fmla="*/ 193638 h 699247"/>
+              <a:gd name="connsiteX2" fmla="*/ 43031 w 129095"/>
+              <a:gd name="connsiteY2" fmla="*/ 225911 h 699247"/>
+              <a:gd name="connsiteX3" fmla="*/ 64546 w 129095"/>
+              <a:gd name="connsiteY3" fmla="*/ 290457 h 699247"/>
+              <a:gd name="connsiteX4" fmla="*/ 86061 w 129095"/>
+              <a:gd name="connsiteY4" fmla="*/ 408791 h 699247"/>
+              <a:gd name="connsiteX5" fmla="*/ 96819 w 129095"/>
+              <a:gd name="connsiteY5" fmla="*/ 441064 h 699247"/>
+              <a:gd name="connsiteX6" fmla="*/ 118334 w 129095"/>
+              <a:gd name="connsiteY6" fmla="*/ 527125 h 699247"/>
+              <a:gd name="connsiteX7" fmla="*/ 129092 w 129095"/>
+              <a:gd name="connsiteY7" fmla="*/ 699247 h 699247"/>
+            </a:gdLst>
+            <a:ahLst/>
+            <a:cxnLst>
+              <a:cxn ang="0">
+                <a:pos x="connsiteX0" y="connsiteY0"/>
+              </a:cxn>
+              <a:cxn ang="0">
+                <a:pos x="connsiteX1" y="connsiteY1"/>
+              </a:cxn>
+              <a:cxn ang="0">
+                <a:pos x="connsiteX2" y="connsiteY2"/>
+              </a:cxn>
+              <a:cxn ang="0">
+                <a:pos x="connsiteX3" y="connsiteY3"/>
+              </a:cxn>
+              <a:cxn ang="0">
+                <a:pos x="connsiteX4" y="connsiteY4"/>
+              </a:cxn>
+              <a:cxn ang="0">
+                <a:pos x="connsiteX5" y="connsiteY5"/>
+              </a:cxn>
+              <a:cxn ang="0">
+                <a:pos x="connsiteX6" y="connsiteY6"/>
+              </a:cxn>
+              <a:cxn ang="0">
+                <a:pos x="connsiteX7" y="connsiteY7"/>
+              </a:cxn>
+            </a:cxnLst>
+            <a:rect l="l" t="t" r="r" b="b"/>
+            <a:pathLst>
+              <a:path w="129095" h="699247">
+                <a:moveTo>
+                  <a:pt x="0" y="0"/>
+                </a:moveTo>
+                <a:cubicBezTo>
+                  <a:pt x="1343" y="20140"/>
+                  <a:pt x="-4149" y="142310"/>
+                  <a:pt x="21515" y="193638"/>
+                </a:cubicBezTo>
+                <a:cubicBezTo>
+                  <a:pt x="27297" y="205202"/>
+                  <a:pt x="35859" y="215153"/>
+                  <a:pt x="43031" y="225911"/>
+                </a:cubicBezTo>
+                <a:cubicBezTo>
+                  <a:pt x="50203" y="247426"/>
+                  <a:pt x="60818" y="268086"/>
+                  <a:pt x="64546" y="290457"/>
+                </a:cubicBezTo>
+                <a:cubicBezTo>
+                  <a:pt x="69343" y="319241"/>
+                  <a:pt x="78541" y="378711"/>
+                  <a:pt x="86061" y="408791"/>
+                </a:cubicBezTo>
+                <a:cubicBezTo>
+                  <a:pt x="88811" y="419792"/>
+                  <a:pt x="93835" y="430124"/>
+                  <a:pt x="96819" y="441064"/>
+                </a:cubicBezTo>
+                <a:cubicBezTo>
+                  <a:pt x="104599" y="469592"/>
+                  <a:pt x="118334" y="527125"/>
+                  <a:pt x="118334" y="527125"/>
+                </a:cubicBezTo>
+                <a:cubicBezTo>
+                  <a:pt x="129603" y="684885"/>
+                  <a:pt x="129092" y="627402"/>
+                  <a:pt x="129092" y="699247"/>
+                </a:cubicBezTo>
+              </a:path>
+            </a:pathLst>
+          </a:custGeom>
+          <a:noFill/>
+          <a:ln w="76200">
+            <a:solidFill>
+              <a:schemeClr val="tx1"/>
+            </a:solidFill>
+          </a:ln>
+        </p:spPr>
+        <p:style>
+          <a:lnRef idx="2">
+            <a:schemeClr val="accent1">
+              <a:shade val="50000"/>
+            </a:schemeClr>
+          </a:lnRef>
+          <a:fillRef idx="1">
+            <a:schemeClr val="accent1"/>
+          </a:fillRef>
+          <a:effectRef idx="0">
+            <a:schemeClr val="accent1"/>
+          </a:effectRef>
+          <a:fontRef idx="minor">
+            <a:schemeClr val="lt1"/>
+          </a:fontRef>
+        </p:style>
+        <p:txBody>
+          <a:bodyPr rtlCol="0" anchor="ctr"/>
+          <a:lstStyle/>
+          <a:p>
+            <a:pPr algn="ctr"/>
+            <a:endParaRPr lang="en-US"/>
+          </a:p>
+        </p:txBody>
+      </p:sp>
+      <p:sp>
+        <p:nvSpPr>
+          <p:cNvPr id="4" name="Freeform 3">
+            <a:extLst>
+              <a:ext uri="{FF2B5EF4-FFF2-40B4-BE49-F238E27FC236}">
+                <a16:creationId xmlns:a16="http://schemas.microsoft.com/office/drawing/2014/main" id="{C361321B-18C9-144F-B5D3-95B9532B9302}"/>
+              </a:ext>
+            </a:extLst>
+          </p:cNvPr>
+          <p:cNvSpPr/>
+          <p:nvPr/>
+        </p:nvSpPr>
+        <p:spPr>
+          <a:xfrm>
+            <a:off x="4216754" y="2936838"/>
+            <a:ext cx="54033" cy="441063"/>
+          </a:xfrm>
+          <a:custGeom>
+            <a:avLst/>
+            <a:gdLst>
+              <a:gd name="connsiteX0" fmla="*/ 54033 w 54033"/>
+              <a:gd name="connsiteY0" fmla="*/ 0 h 441063"/>
+              <a:gd name="connsiteX1" fmla="*/ 11002 w 54033"/>
+              <a:gd name="connsiteY1" fmla="*/ 75303 h 441063"/>
+              <a:gd name="connsiteX2" fmla="*/ 244 w 54033"/>
+              <a:gd name="connsiteY2" fmla="*/ 441063 h 441063"/>
+            </a:gdLst>
+            <a:ahLst/>
+            <a:cxnLst>
+              <a:cxn ang="0">
+                <a:pos x="connsiteX0" y="connsiteY0"/>
+              </a:cxn>
+              <a:cxn ang="0">
+                <a:pos x="connsiteX1" y="connsiteY1"/>
+              </a:cxn>
+              <a:cxn ang="0">
+                <a:pos x="connsiteX2" y="connsiteY2"/>
+              </a:cxn>
+            </a:cxnLst>
+            <a:rect l="l" t="t" r="r" b="b"/>
+            <a:pathLst>
+              <a:path w="54033" h="441063">
+                <a:moveTo>
+                  <a:pt x="54033" y="0"/>
+                </a:moveTo>
+                <a:cubicBezTo>
+                  <a:pt x="39689" y="25101"/>
+                  <a:pt x="16462" y="46913"/>
+                  <a:pt x="11002" y="75303"/>
+                </a:cubicBezTo>
+                <a:cubicBezTo>
+                  <a:pt x="-2583" y="145945"/>
+                  <a:pt x="244" y="359269"/>
+                  <a:pt x="244" y="441063"/>
+                </a:cubicBezTo>
+              </a:path>
+            </a:pathLst>
+          </a:custGeom>
+          <a:noFill/>
+          <a:ln w="60325">
+            <a:solidFill>
+              <a:schemeClr val="tx1"/>
+            </a:solidFill>
+          </a:ln>
+        </p:spPr>
+        <p:style>
+          <a:lnRef idx="2">
+            <a:schemeClr val="accent1">
+              <a:shade val="50000"/>
+            </a:schemeClr>
+          </a:lnRef>
+          <a:fillRef idx="1">
+            <a:schemeClr val="accent1"/>
+          </a:fillRef>
+          <a:effectRef idx="0">
+            <a:schemeClr val="accent1"/>
+          </a:effectRef>
+          <a:fontRef idx="minor">
+            <a:schemeClr val="lt1"/>
+          </a:fontRef>
+        </p:style>
+        <p:txBody>
+          <a:bodyPr rtlCol="0" anchor="ctr"/>
+          <a:lstStyle/>
+          <a:p>
+            <a:pPr algn="ctr"/>
+            <a:endParaRPr lang="en-US"/>
+          </a:p>
+        </p:txBody>
+      </p:sp>
+      <p:sp>
+        <p:nvSpPr>
+          <p:cNvPr id="54" name="TextBox 53">
+            <a:extLst>
+              <a:ext uri="{FF2B5EF4-FFF2-40B4-BE49-F238E27FC236}">
+                <a16:creationId xmlns:a16="http://schemas.microsoft.com/office/drawing/2014/main" id="{745F0C81-6D89-B540-8E24-D8DED6EEB1F2}"/>
               </a:ext>
             </a:extLst>
           </p:cNvPr>
@@ -4742,8 +8896,8 @@
         </p:nvSpPr>
         <p:spPr>
           <a:xfrm>
-            <a:off x="6748124" y="2367519"/>
-            <a:ext cx="649537" cy="461665"/>
+            <a:off x="8513697" y="5232134"/>
+            <a:ext cx="630301" cy="461665"/>
           </a:xfrm>
           <a:prstGeom prst="rect">
             <a:avLst/>
@@ -4760,377 +8914,7 @@
               <a:rPr lang="en-US" sz="2400">
                 <a:latin typeface="Swell Braille" pitchFamily="49"/>
               </a:rPr>
-              <a:t>⠼⠃</a:t>
-            </a:r>
-          </a:p>
-        </p:txBody>
-      </p:sp>
-      <p:sp>
-        <p:nvSpPr>
-          <p:cNvPr id="30" name="TextBox 29">
-            <a:extLst>
-              <a:ext uri="{FF2B5EF4-FFF2-40B4-BE49-F238E27FC236}">
-                <a16:creationId xmlns:a16="http://schemas.microsoft.com/office/drawing/2014/main" id="{B7B5E657-C36E-FE48-925C-9B2F1E97A679}"/>
-              </a:ext>
-            </a:extLst>
-          </p:cNvPr>
-          <p:cNvSpPr txBox="1"/>
-          <p:nvPr/>
-        </p:nvSpPr>
-        <p:spPr>
-          <a:xfrm>
-            <a:off x="4214035" y="2055630"/>
-            <a:ext cx="649537" cy="461665"/>
-          </a:xfrm>
-          <a:prstGeom prst="rect">
-            <a:avLst/>
-          </a:prstGeom>
-          <a:noFill/>
-        </p:spPr>
-        <p:txBody>
-          <a:bodyPr wrap="none" rtlCol="0">
-            <a:spAutoFit/>
-          </a:bodyPr>
-          <a:lstStyle/>
-          <a:p>
-            <a:r>
-              <a:rPr lang="en-US" sz="2400">
-                <a:latin typeface="Swell Braille" pitchFamily="49"/>
-              </a:rPr>
-              <a:t>⠼⠉</a:t>
-            </a:r>
-          </a:p>
-        </p:txBody>
-      </p:sp>
-      <p:sp>
-        <p:nvSpPr>
-          <p:cNvPr id="31" name="TextBox 30">
-            <a:extLst>
-              <a:ext uri="{FF2B5EF4-FFF2-40B4-BE49-F238E27FC236}">
-                <a16:creationId xmlns:a16="http://schemas.microsoft.com/office/drawing/2014/main" id="{3446F1A5-5C24-3946-9456-9AA2659EE908}"/>
-              </a:ext>
-            </a:extLst>
-          </p:cNvPr>
-          <p:cNvSpPr txBox="1"/>
-          <p:nvPr/>
-        </p:nvSpPr>
-        <p:spPr>
-          <a:xfrm>
-            <a:off x="6049922" y="5199320"/>
-            <a:ext cx="649537" cy="461665"/>
-          </a:xfrm>
-          <a:prstGeom prst="rect">
-            <a:avLst/>
-          </a:prstGeom>
-          <a:noFill/>
-        </p:spPr>
-        <p:txBody>
-          <a:bodyPr wrap="none" rtlCol="0">
-            <a:spAutoFit/>
-          </a:bodyPr>
-          <a:lstStyle/>
-          <a:p>
-            <a:r>
-              <a:rPr lang="en-US" sz="2400">
-                <a:latin typeface="Swell Braille" pitchFamily="49"/>
-              </a:rPr>
-              <a:t>⠼⠙</a:t>
-            </a:r>
-          </a:p>
-        </p:txBody>
-      </p:sp>
-      <p:sp>
-        <p:nvSpPr>
-          <p:cNvPr id="32" name="TextBox 31">
-            <a:extLst>
-              <a:ext uri="{FF2B5EF4-FFF2-40B4-BE49-F238E27FC236}">
-                <a16:creationId xmlns:a16="http://schemas.microsoft.com/office/drawing/2014/main" id="{B38438CF-086B-2042-8F1B-6437B6D4D375}"/>
-              </a:ext>
-            </a:extLst>
-          </p:cNvPr>
-          <p:cNvSpPr txBox="1"/>
-          <p:nvPr/>
-        </p:nvSpPr>
-        <p:spPr>
-          <a:xfrm>
-            <a:off x="2023728" y="4139611"/>
-            <a:ext cx="649537" cy="461665"/>
-          </a:xfrm>
-          <a:prstGeom prst="rect">
-            <a:avLst/>
-          </a:prstGeom>
-          <a:noFill/>
-        </p:spPr>
-        <p:txBody>
-          <a:bodyPr wrap="none" rtlCol="0">
-            <a:spAutoFit/>
-          </a:bodyPr>
-          <a:lstStyle/>
-          <a:p>
-            <a:r>
-              <a:rPr lang="en-US" sz="2400">
-                <a:latin typeface="Swell Braille" pitchFamily="49"/>
-              </a:rPr>
-              <a:t>⠼⠑</a:t>
-            </a:r>
-          </a:p>
-        </p:txBody>
-      </p:sp>
-      <p:sp>
-        <p:nvSpPr>
-          <p:cNvPr id="33" name="TextBox 32">
-            <a:extLst>
-              <a:ext uri="{FF2B5EF4-FFF2-40B4-BE49-F238E27FC236}">
-                <a16:creationId xmlns:a16="http://schemas.microsoft.com/office/drawing/2014/main" id="{1CE5EF6B-742C-3449-B188-92D75CEDFFB6}"/>
-              </a:ext>
-            </a:extLst>
-          </p:cNvPr>
-          <p:cNvSpPr txBox="1"/>
-          <p:nvPr/>
-        </p:nvSpPr>
-        <p:spPr>
-          <a:xfrm>
-            <a:off x="7765311" y="6266121"/>
-            <a:ext cx="649537" cy="461665"/>
-          </a:xfrm>
-          <a:prstGeom prst="rect">
-            <a:avLst/>
-          </a:prstGeom>
-          <a:noFill/>
-        </p:spPr>
-        <p:txBody>
-          <a:bodyPr wrap="none" rtlCol="0">
-            <a:spAutoFit/>
-          </a:bodyPr>
-          <a:lstStyle/>
-          <a:p>
-            <a:r>
-              <a:rPr lang="en-US" sz="2400">
-                <a:latin typeface="Swell Braille" pitchFamily="49"/>
-              </a:rPr>
-              <a:t>⠼⠋</a:t>
-            </a:r>
-          </a:p>
-        </p:txBody>
-      </p:sp>
-      <p:sp>
-        <p:nvSpPr>
-          <p:cNvPr id="27" name="TextBox 26">
-            <a:extLst>
-              <a:ext uri="{FF2B5EF4-FFF2-40B4-BE49-F238E27FC236}">
-                <a16:creationId xmlns:a16="http://schemas.microsoft.com/office/drawing/2014/main" id="{158A59F1-FAE2-A242-BC23-F8C36C5E94C5}"/>
-              </a:ext>
-            </a:extLst>
-          </p:cNvPr>
-          <p:cNvSpPr txBox="1"/>
-          <p:nvPr/>
-        </p:nvSpPr>
-        <p:spPr>
-          <a:xfrm>
-            <a:off x="8643319" y="5256027"/>
-            <a:ext cx="407484" cy="461665"/>
-          </a:xfrm>
-          <a:prstGeom prst="rect">
-            <a:avLst/>
-          </a:prstGeom>
-          <a:noFill/>
-        </p:spPr>
-        <p:txBody>
-          <a:bodyPr wrap="none" rtlCol="0">
-            <a:spAutoFit/>
-          </a:bodyPr>
-          <a:lstStyle/>
-          <a:p>
-            <a:r>
-              <a:rPr lang="en-US" sz="2400">
-                <a:latin typeface="Swell Braille" pitchFamily="49"/>
-              </a:rPr>
-              <a:t>B</a:t>
-            </a:r>
-          </a:p>
-        </p:txBody>
-      </p:sp>
-      <p:sp>
-        <p:nvSpPr>
-          <p:cNvPr id="34" name="TextBox 33">
-            <a:extLst>
-              <a:ext uri="{FF2B5EF4-FFF2-40B4-BE49-F238E27FC236}">
-                <a16:creationId xmlns:a16="http://schemas.microsoft.com/office/drawing/2014/main" id="{C5AEDEC1-3E1B-A94F-B9B8-5B8A504139CB}"/>
-              </a:ext>
-            </a:extLst>
-          </p:cNvPr>
-          <p:cNvSpPr txBox="1"/>
-          <p:nvPr/>
-        </p:nvSpPr>
-        <p:spPr>
-          <a:xfrm>
-            <a:off x="4430230" y="4621621"/>
-            <a:ext cx="649537" cy="461665"/>
-          </a:xfrm>
-          <a:prstGeom prst="rect">
-            <a:avLst/>
-          </a:prstGeom>
-          <a:noFill/>
-        </p:spPr>
-        <p:txBody>
-          <a:bodyPr wrap="none" rtlCol="0">
-            <a:spAutoFit/>
-          </a:bodyPr>
-          <a:lstStyle/>
-          <a:p>
-            <a:r>
-              <a:rPr lang="en-US" sz="2400">
-                <a:latin typeface="Swell Braille" pitchFamily="49"/>
-              </a:rPr>
-              <a:t>⠼⠉</a:t>
-            </a:r>
-          </a:p>
-        </p:txBody>
-      </p:sp>
-      <p:sp>
-        <p:nvSpPr>
-          <p:cNvPr id="35" name="TextBox 34">
-            <a:extLst>
-              <a:ext uri="{FF2B5EF4-FFF2-40B4-BE49-F238E27FC236}">
-                <a16:creationId xmlns:a16="http://schemas.microsoft.com/office/drawing/2014/main" id="{6E80F17E-FF76-314A-B61F-AB23F443098E}"/>
-              </a:ext>
-            </a:extLst>
-          </p:cNvPr>
-          <p:cNvSpPr txBox="1"/>
-          <p:nvPr/>
-        </p:nvSpPr>
-        <p:spPr>
-          <a:xfrm>
-            <a:off x="5142609" y="3728486"/>
-            <a:ext cx="649537" cy="461665"/>
-          </a:xfrm>
-          <a:prstGeom prst="rect">
-            <a:avLst/>
-          </a:prstGeom>
-          <a:noFill/>
-        </p:spPr>
-        <p:txBody>
-          <a:bodyPr wrap="none" rtlCol="0">
-            <a:spAutoFit/>
-          </a:bodyPr>
-          <a:lstStyle/>
-          <a:p>
-            <a:r>
-              <a:rPr lang="en-US" sz="2400">
-                <a:latin typeface="Swell Braille" pitchFamily="49"/>
-              </a:rPr>
-              <a:t>⠼⠃</a:t>
-            </a:r>
-          </a:p>
-        </p:txBody>
-      </p:sp>
-      <p:sp>
-        <p:nvSpPr>
-          <p:cNvPr id="37" name="TextBox 36">
-            <a:extLst>
-              <a:ext uri="{FF2B5EF4-FFF2-40B4-BE49-F238E27FC236}">
-                <a16:creationId xmlns:a16="http://schemas.microsoft.com/office/drawing/2014/main" id="{A7DAEAFC-9BC7-674F-B802-4189BBF62D23}"/>
-              </a:ext>
-            </a:extLst>
-          </p:cNvPr>
-          <p:cNvSpPr txBox="1"/>
-          <p:nvPr/>
-        </p:nvSpPr>
-        <p:spPr>
-          <a:xfrm>
-            <a:off x="528078" y="1368059"/>
-            <a:ext cx="649537" cy="461665"/>
-          </a:xfrm>
-          <a:prstGeom prst="rect">
-            <a:avLst/>
-          </a:prstGeom>
-          <a:noFill/>
-        </p:spPr>
-        <p:txBody>
-          <a:bodyPr wrap="none" rtlCol="0">
-            <a:spAutoFit/>
-          </a:bodyPr>
-          <a:lstStyle/>
-          <a:p>
-            <a:r>
-              <a:rPr lang="en-US" sz="2400">
-                <a:latin typeface="Swell Braille" pitchFamily="49"/>
-              </a:rPr>
-              <a:t>⠼⠃</a:t>
-            </a:r>
-          </a:p>
-        </p:txBody>
-      </p:sp>
-      <p:sp>
-        <p:nvSpPr>
-          <p:cNvPr id="38" name="TextBox 37">
-            <a:extLst>
-              <a:ext uri="{FF2B5EF4-FFF2-40B4-BE49-F238E27FC236}">
-                <a16:creationId xmlns:a16="http://schemas.microsoft.com/office/drawing/2014/main" id="{1CFEB7DB-45DA-7845-9DE8-09BE4DE8C497}"/>
-              </a:ext>
-            </a:extLst>
-          </p:cNvPr>
-          <p:cNvSpPr txBox="1"/>
-          <p:nvPr/>
-        </p:nvSpPr>
-        <p:spPr>
-          <a:xfrm>
-            <a:off x="1006546" y="2101704"/>
-            <a:ext cx="649537" cy="461665"/>
-          </a:xfrm>
-          <a:prstGeom prst="rect">
-            <a:avLst/>
-          </a:prstGeom>
-          <a:noFill/>
-        </p:spPr>
-        <p:txBody>
-          <a:bodyPr wrap="none" rtlCol="0">
-            <a:spAutoFit/>
-          </a:bodyPr>
-          <a:lstStyle/>
-          <a:p>
-            <a:r>
-              <a:rPr lang="en-US" sz="2400">
-                <a:latin typeface="Swell Braille" pitchFamily="49"/>
-              </a:rPr>
-              <a:t>⠼⠉</a:t>
-            </a:r>
-          </a:p>
-        </p:txBody>
-      </p:sp>
-      <p:sp>
-        <p:nvSpPr>
-          <p:cNvPr id="39" name="TextBox 38">
-            <a:extLst>
-              <a:ext uri="{FF2B5EF4-FFF2-40B4-BE49-F238E27FC236}">
-                <a16:creationId xmlns:a16="http://schemas.microsoft.com/office/drawing/2014/main" id="{54EF469B-7AD9-CD48-8A5B-8D85C1A2769F}"/>
-              </a:ext>
-            </a:extLst>
-          </p:cNvPr>
-          <p:cNvSpPr txBox="1"/>
-          <p:nvPr/>
-        </p:nvSpPr>
-        <p:spPr>
-          <a:xfrm>
-            <a:off x="7605820" y="4001385"/>
-            <a:ext cx="649537" cy="461665"/>
-          </a:xfrm>
-          <a:prstGeom prst="rect">
-            <a:avLst/>
-          </a:prstGeom>
-          <a:noFill/>
-        </p:spPr>
-        <p:txBody>
-          <a:bodyPr wrap="none" rtlCol="0">
-            <a:spAutoFit/>
-          </a:bodyPr>
-          <a:lstStyle/>
-          <a:p>
-            <a:r>
-              <a:rPr lang="en-US" sz="2400">
-                <a:latin typeface="Swell Braille" pitchFamily="49"/>
-              </a:rPr>
-              <a:t>⠼⠙</a:t>
+              <a:t>⠠B</a:t>
             </a:r>
           </a:p>
         </p:txBody>
@@ -5165,6 +8949,2526 @@
           <a:chExt cx="0" cy="0"/>
         </a:xfrm>
       </p:grpSpPr>
+      <p:sp>
+        <p:nvSpPr>
+          <p:cNvPr id="21" name="Freeform 20">
+            <a:extLst>
+              <a:ext uri="{FF2B5EF4-FFF2-40B4-BE49-F238E27FC236}">
+                <a16:creationId xmlns:a16="http://schemas.microsoft.com/office/drawing/2014/main" id="{AF688D2C-7EB7-5341-A891-85B6C8CB9A71}"/>
+              </a:ext>
+            </a:extLst>
+          </p:cNvPr>
+          <p:cNvSpPr/>
+          <p:nvPr/>
+        </p:nvSpPr>
+        <p:spPr>
+          <a:xfrm>
+            <a:off x="6379285" y="4367605"/>
+            <a:ext cx="2151529" cy="1667435"/>
+          </a:xfrm>
+          <a:custGeom>
+            <a:avLst/>
+            <a:gdLst>
+              <a:gd name="connsiteX0" fmla="*/ 0 w 2151529"/>
+              <a:gd name="connsiteY0" fmla="*/ 1667435 h 1667435"/>
+              <a:gd name="connsiteX1" fmla="*/ 430306 w 2151529"/>
+              <a:gd name="connsiteY1" fmla="*/ 1473797 h 1667435"/>
+              <a:gd name="connsiteX2" fmla="*/ 699247 w 2151529"/>
+              <a:gd name="connsiteY2" fmla="*/ 1323190 h 1667435"/>
+              <a:gd name="connsiteX3" fmla="*/ 1065007 w 2151529"/>
+              <a:gd name="connsiteY3" fmla="*/ 1043491 h 1667435"/>
+              <a:gd name="connsiteX4" fmla="*/ 1495313 w 2151529"/>
+              <a:gd name="connsiteY4" fmla="*/ 623943 h 1667435"/>
+              <a:gd name="connsiteX5" fmla="*/ 2151529 w 2151529"/>
+              <a:gd name="connsiteY5" fmla="*/ 0 h 1667435"/>
+              <a:gd name="connsiteX6" fmla="*/ 2140771 w 2151529"/>
+              <a:gd name="connsiteY6" fmla="*/ 1387736 h 1667435"/>
+              <a:gd name="connsiteX7" fmla="*/ 1818042 w 2151529"/>
+              <a:gd name="connsiteY7" fmla="*/ 1667435 h 1667435"/>
+              <a:gd name="connsiteX8" fmla="*/ 0 w 2151529"/>
+              <a:gd name="connsiteY8" fmla="*/ 1667435 h 1667435"/>
+            </a:gdLst>
+            <a:ahLst/>
+            <a:cxnLst>
+              <a:cxn ang="0">
+                <a:pos x="connsiteX0" y="connsiteY0"/>
+              </a:cxn>
+              <a:cxn ang="0">
+                <a:pos x="connsiteX1" y="connsiteY1"/>
+              </a:cxn>
+              <a:cxn ang="0">
+                <a:pos x="connsiteX2" y="connsiteY2"/>
+              </a:cxn>
+              <a:cxn ang="0">
+                <a:pos x="connsiteX3" y="connsiteY3"/>
+              </a:cxn>
+              <a:cxn ang="0">
+                <a:pos x="connsiteX4" y="connsiteY4"/>
+              </a:cxn>
+              <a:cxn ang="0">
+                <a:pos x="connsiteX5" y="connsiteY5"/>
+              </a:cxn>
+              <a:cxn ang="0">
+                <a:pos x="connsiteX6" y="connsiteY6"/>
+              </a:cxn>
+              <a:cxn ang="0">
+                <a:pos x="connsiteX7" y="connsiteY7"/>
+              </a:cxn>
+              <a:cxn ang="0">
+                <a:pos x="connsiteX8" y="connsiteY8"/>
+              </a:cxn>
+            </a:cxnLst>
+            <a:rect l="l" t="t" r="r" b="b"/>
+            <a:pathLst>
+              <a:path w="2151529" h="1667435">
+                <a:moveTo>
+                  <a:pt x="0" y="1667435"/>
+                </a:moveTo>
+                <a:lnTo>
+                  <a:pt x="430306" y="1473797"/>
+                </a:lnTo>
+                <a:lnTo>
+                  <a:pt x="699247" y="1323190"/>
+                </a:lnTo>
+                <a:lnTo>
+                  <a:pt x="1065007" y="1043491"/>
+                </a:lnTo>
+                <a:lnTo>
+                  <a:pt x="1495313" y="623943"/>
+                </a:lnTo>
+                <a:lnTo>
+                  <a:pt x="2151529" y="0"/>
+                </a:lnTo>
+                <a:lnTo>
+                  <a:pt x="2140771" y="1387736"/>
+                </a:lnTo>
+                <a:lnTo>
+                  <a:pt x="1818042" y="1667435"/>
+                </a:lnTo>
+                <a:lnTo>
+                  <a:pt x="0" y="1667435"/>
+                </a:lnTo>
+                <a:close/>
+              </a:path>
+            </a:pathLst>
+          </a:custGeom>
+          <a:pattFill prst="ltVert">
+            <a:fgClr>
+              <a:schemeClr val="tx1"/>
+            </a:fgClr>
+            <a:bgClr>
+              <a:schemeClr val="bg1"/>
+            </a:bgClr>
+          </a:pattFill>
+          <a:ln>
+            <a:noFill/>
+          </a:ln>
+        </p:spPr>
+        <p:style>
+          <a:lnRef idx="2">
+            <a:schemeClr val="accent1">
+              <a:shade val="50000"/>
+            </a:schemeClr>
+          </a:lnRef>
+          <a:fillRef idx="1">
+            <a:schemeClr val="accent1"/>
+          </a:fillRef>
+          <a:effectRef idx="0">
+            <a:schemeClr val="accent1"/>
+          </a:effectRef>
+          <a:fontRef idx="minor">
+            <a:schemeClr val="lt1"/>
+          </a:fontRef>
+        </p:style>
+        <p:txBody>
+          <a:bodyPr rtlCol="0" anchor="ctr"/>
+          <a:lstStyle/>
+          <a:p>
+            <a:pPr algn="ctr"/>
+            <a:endParaRPr lang="en-US"/>
+          </a:p>
+        </p:txBody>
+      </p:sp>
+      <p:grpSp>
+        <p:nvGrpSpPr>
+          <p:cNvPr id="24" name="Group 23">
+            <a:extLst>
+              <a:ext uri="{FF2B5EF4-FFF2-40B4-BE49-F238E27FC236}">
+                <a16:creationId xmlns:a16="http://schemas.microsoft.com/office/drawing/2014/main" id="{A72E7D67-F3FE-E846-8280-F650C33C9509}"/>
+              </a:ext>
+            </a:extLst>
+          </p:cNvPr>
+          <p:cNvGrpSpPr/>
+          <p:nvPr/>
+        </p:nvGrpSpPr>
+        <p:grpSpPr>
+          <a:xfrm>
+            <a:off x="484094" y="1226372"/>
+            <a:ext cx="8057478" cy="4830183"/>
+            <a:chOff x="484094" y="1226372"/>
+            <a:chExt cx="8057478" cy="4830183"/>
+          </a:xfrm>
+        </p:grpSpPr>
+        <p:sp>
+          <p:nvSpPr>
+            <p:cNvPr id="25" name="Freeform 24">
+              <a:extLst>
+                <a:ext uri="{FF2B5EF4-FFF2-40B4-BE49-F238E27FC236}">
+                  <a16:creationId xmlns:a16="http://schemas.microsoft.com/office/drawing/2014/main" id="{CC3216BC-4F67-E442-A956-3FA542B274A8}"/>
+                </a:ext>
+              </a:extLst>
+            </p:cNvPr>
+            <p:cNvSpPr/>
+            <p:nvPr/>
+          </p:nvSpPr>
+          <p:spPr>
+            <a:xfrm>
+              <a:off x="6379285" y="4367605"/>
+              <a:ext cx="2151529" cy="1667435"/>
+            </a:xfrm>
+            <a:custGeom>
+              <a:avLst/>
+              <a:gdLst>
+                <a:gd name="connsiteX0" fmla="*/ 0 w 2151529"/>
+                <a:gd name="connsiteY0" fmla="*/ 1667435 h 1667435"/>
+                <a:gd name="connsiteX1" fmla="*/ 430306 w 2151529"/>
+                <a:gd name="connsiteY1" fmla="*/ 1473797 h 1667435"/>
+                <a:gd name="connsiteX2" fmla="*/ 699247 w 2151529"/>
+                <a:gd name="connsiteY2" fmla="*/ 1323190 h 1667435"/>
+                <a:gd name="connsiteX3" fmla="*/ 1065007 w 2151529"/>
+                <a:gd name="connsiteY3" fmla="*/ 1043491 h 1667435"/>
+                <a:gd name="connsiteX4" fmla="*/ 1495313 w 2151529"/>
+                <a:gd name="connsiteY4" fmla="*/ 623943 h 1667435"/>
+                <a:gd name="connsiteX5" fmla="*/ 2151529 w 2151529"/>
+                <a:gd name="connsiteY5" fmla="*/ 0 h 1667435"/>
+                <a:gd name="connsiteX6" fmla="*/ 2140771 w 2151529"/>
+                <a:gd name="connsiteY6" fmla="*/ 1387736 h 1667435"/>
+                <a:gd name="connsiteX7" fmla="*/ 1818042 w 2151529"/>
+                <a:gd name="connsiteY7" fmla="*/ 1667435 h 1667435"/>
+                <a:gd name="connsiteX8" fmla="*/ 0 w 2151529"/>
+                <a:gd name="connsiteY8" fmla="*/ 1667435 h 1667435"/>
+              </a:gdLst>
+              <a:ahLst/>
+              <a:cxnLst>
+                <a:cxn ang="0">
+                  <a:pos x="connsiteX0" y="connsiteY0"/>
+                </a:cxn>
+                <a:cxn ang="0">
+                  <a:pos x="connsiteX1" y="connsiteY1"/>
+                </a:cxn>
+                <a:cxn ang="0">
+                  <a:pos x="connsiteX2" y="connsiteY2"/>
+                </a:cxn>
+                <a:cxn ang="0">
+                  <a:pos x="connsiteX3" y="connsiteY3"/>
+                </a:cxn>
+                <a:cxn ang="0">
+                  <a:pos x="connsiteX4" y="connsiteY4"/>
+                </a:cxn>
+                <a:cxn ang="0">
+                  <a:pos x="connsiteX5" y="connsiteY5"/>
+                </a:cxn>
+                <a:cxn ang="0">
+                  <a:pos x="connsiteX6" y="connsiteY6"/>
+                </a:cxn>
+                <a:cxn ang="0">
+                  <a:pos x="connsiteX7" y="connsiteY7"/>
+                </a:cxn>
+                <a:cxn ang="0">
+                  <a:pos x="connsiteX8" y="connsiteY8"/>
+                </a:cxn>
+              </a:cxnLst>
+              <a:rect l="l" t="t" r="r" b="b"/>
+              <a:pathLst>
+                <a:path w="2151529" h="1667435">
+                  <a:moveTo>
+                    <a:pt x="0" y="1667435"/>
+                  </a:moveTo>
+                  <a:lnTo>
+                    <a:pt x="430306" y="1473797"/>
+                  </a:lnTo>
+                  <a:lnTo>
+                    <a:pt x="699247" y="1323190"/>
+                  </a:lnTo>
+                  <a:lnTo>
+                    <a:pt x="1065007" y="1043491"/>
+                  </a:lnTo>
+                  <a:lnTo>
+                    <a:pt x="1495313" y="623943"/>
+                  </a:lnTo>
+                  <a:lnTo>
+                    <a:pt x="2151529" y="0"/>
+                  </a:lnTo>
+                  <a:lnTo>
+                    <a:pt x="2140771" y="1387736"/>
+                  </a:lnTo>
+                  <a:lnTo>
+                    <a:pt x="1818042" y="1667435"/>
+                  </a:lnTo>
+                  <a:lnTo>
+                    <a:pt x="0" y="1667435"/>
+                  </a:lnTo>
+                  <a:close/>
+                </a:path>
+              </a:pathLst>
+            </a:custGeom>
+            <a:pattFill prst="ltVert">
+              <a:fgClr>
+                <a:schemeClr val="tx1"/>
+              </a:fgClr>
+              <a:bgClr>
+                <a:schemeClr val="bg1"/>
+              </a:bgClr>
+            </a:pattFill>
+            <a:ln>
+              <a:noFill/>
+            </a:ln>
+          </p:spPr>
+          <p:style>
+            <a:lnRef idx="2">
+              <a:schemeClr val="accent1">
+                <a:shade val="50000"/>
+              </a:schemeClr>
+            </a:lnRef>
+            <a:fillRef idx="1">
+              <a:schemeClr val="accent1"/>
+            </a:fillRef>
+            <a:effectRef idx="0">
+              <a:schemeClr val="accent1"/>
+            </a:effectRef>
+            <a:fontRef idx="minor">
+              <a:schemeClr val="lt1"/>
+            </a:fontRef>
+          </p:style>
+          <p:txBody>
+            <a:bodyPr rtlCol="0" anchor="ctr"/>
+            <a:lstStyle/>
+            <a:p>
+              <a:pPr algn="ctr"/>
+              <a:endParaRPr lang="en-US"/>
+            </a:p>
+          </p:txBody>
+        </p:sp>
+        <p:grpSp>
+          <p:nvGrpSpPr>
+            <p:cNvPr id="26" name="Group 25">
+              <a:extLst>
+                <a:ext uri="{FF2B5EF4-FFF2-40B4-BE49-F238E27FC236}">
+                  <a16:creationId xmlns:a16="http://schemas.microsoft.com/office/drawing/2014/main" id="{ABF3EBAF-A287-DB4F-A606-D6E25C3A2B14}"/>
+                </a:ext>
+              </a:extLst>
+            </p:cNvPr>
+            <p:cNvGrpSpPr/>
+            <p:nvPr/>
+          </p:nvGrpSpPr>
+          <p:grpSpPr>
+            <a:xfrm>
+              <a:off x="484094" y="1226372"/>
+              <a:ext cx="8057478" cy="4830183"/>
+              <a:chOff x="484094" y="1226372"/>
+              <a:chExt cx="8057478" cy="4830183"/>
+            </a:xfrm>
+          </p:grpSpPr>
+          <p:sp>
+            <p:nvSpPr>
+              <p:cNvPr id="30" name="Freeform 29">
+                <a:extLst>
+                  <a:ext uri="{FF2B5EF4-FFF2-40B4-BE49-F238E27FC236}">
+                    <a16:creationId xmlns:a16="http://schemas.microsoft.com/office/drawing/2014/main" id="{43A73CE6-A145-DA4C-A300-A981189C55B1}"/>
+                  </a:ext>
+                </a:extLst>
+              </p:cNvPr>
+              <p:cNvSpPr/>
+              <p:nvPr/>
+            </p:nvSpPr>
+            <p:spPr>
+              <a:xfrm>
+                <a:off x="484094" y="1936376"/>
+                <a:ext cx="8046720" cy="4105656"/>
+              </a:xfrm>
+              <a:custGeom>
+                <a:avLst/>
+                <a:gdLst>
+                  <a:gd name="connsiteX0" fmla="*/ 0 w 8046720"/>
+                  <a:gd name="connsiteY0" fmla="*/ 1409252 h 4109422"/>
+                  <a:gd name="connsiteX1" fmla="*/ 774551 w 8046720"/>
+                  <a:gd name="connsiteY1" fmla="*/ 978946 h 4109422"/>
+                  <a:gd name="connsiteX2" fmla="*/ 1678193 w 8046720"/>
+                  <a:gd name="connsiteY2" fmla="*/ 516368 h 4109422"/>
+                  <a:gd name="connsiteX3" fmla="*/ 2334410 w 8046720"/>
+                  <a:gd name="connsiteY3" fmla="*/ 225911 h 4109422"/>
+                  <a:gd name="connsiteX4" fmla="*/ 3033657 w 8046720"/>
+                  <a:gd name="connsiteY4" fmla="*/ 32273 h 4109422"/>
+                  <a:gd name="connsiteX5" fmla="*/ 3410174 w 8046720"/>
+                  <a:gd name="connsiteY5" fmla="*/ 0 h 4109422"/>
+                  <a:gd name="connsiteX6" fmla="*/ 3539266 w 8046720"/>
+                  <a:gd name="connsiteY6" fmla="*/ 172123 h 4109422"/>
+                  <a:gd name="connsiteX7" fmla="*/ 3668358 w 8046720"/>
+                  <a:gd name="connsiteY7" fmla="*/ 677732 h 4109422"/>
+                  <a:gd name="connsiteX8" fmla="*/ 3711388 w 8046720"/>
+                  <a:gd name="connsiteY8" fmla="*/ 989704 h 4109422"/>
+                  <a:gd name="connsiteX9" fmla="*/ 3743661 w 8046720"/>
+                  <a:gd name="connsiteY9" fmla="*/ 1592132 h 4109422"/>
+                  <a:gd name="connsiteX10" fmla="*/ 3679115 w 8046720"/>
+                  <a:gd name="connsiteY10" fmla="*/ 2312895 h 4109422"/>
+                  <a:gd name="connsiteX11" fmla="*/ 3668358 w 8046720"/>
+                  <a:gd name="connsiteY11" fmla="*/ 2764716 h 4109422"/>
+                  <a:gd name="connsiteX12" fmla="*/ 3722146 w 8046720"/>
+                  <a:gd name="connsiteY12" fmla="*/ 3184264 h 4109422"/>
+                  <a:gd name="connsiteX13" fmla="*/ 3894268 w 8046720"/>
+                  <a:gd name="connsiteY13" fmla="*/ 3593055 h 4109422"/>
+                  <a:gd name="connsiteX14" fmla="*/ 4001845 w 8046720"/>
+                  <a:gd name="connsiteY14" fmla="*/ 3722146 h 4109422"/>
+                  <a:gd name="connsiteX15" fmla="*/ 4152452 w 8046720"/>
+                  <a:gd name="connsiteY15" fmla="*/ 3743662 h 4109422"/>
+                  <a:gd name="connsiteX16" fmla="*/ 4593515 w 8046720"/>
+                  <a:gd name="connsiteY16" fmla="*/ 3625328 h 4109422"/>
+                  <a:gd name="connsiteX17" fmla="*/ 4959275 w 8046720"/>
+                  <a:gd name="connsiteY17" fmla="*/ 3474720 h 4109422"/>
+                  <a:gd name="connsiteX18" fmla="*/ 5637007 w 8046720"/>
+                  <a:gd name="connsiteY18" fmla="*/ 3044415 h 4109422"/>
+                  <a:gd name="connsiteX19" fmla="*/ 6067313 w 8046720"/>
+                  <a:gd name="connsiteY19" fmla="*/ 2796989 h 4109422"/>
+                  <a:gd name="connsiteX20" fmla="*/ 6422315 w 8046720"/>
+                  <a:gd name="connsiteY20" fmla="*/ 2474259 h 4109422"/>
+                  <a:gd name="connsiteX21" fmla="*/ 7013986 w 8046720"/>
+                  <a:gd name="connsiteY21" fmla="*/ 2054711 h 4109422"/>
+                  <a:gd name="connsiteX22" fmla="*/ 7390504 w 8046720"/>
+                  <a:gd name="connsiteY22" fmla="*/ 1667436 h 4109422"/>
+                  <a:gd name="connsiteX23" fmla="*/ 7928386 w 8046720"/>
+                  <a:gd name="connsiteY23" fmla="*/ 1118796 h 4109422"/>
+                  <a:gd name="connsiteX24" fmla="*/ 8046720 w 8046720"/>
+                  <a:gd name="connsiteY24" fmla="*/ 1032735 h 4109422"/>
+                  <a:gd name="connsiteX25" fmla="*/ 8025205 w 8046720"/>
+                  <a:gd name="connsiteY25" fmla="*/ 2431229 h 4109422"/>
+                  <a:gd name="connsiteX26" fmla="*/ 7476565 w 8046720"/>
+                  <a:gd name="connsiteY26" fmla="*/ 2947596 h 4109422"/>
+                  <a:gd name="connsiteX27" fmla="*/ 7132320 w 8046720"/>
+                  <a:gd name="connsiteY27" fmla="*/ 3281083 h 4109422"/>
+                  <a:gd name="connsiteX28" fmla="*/ 6970955 w 8046720"/>
+                  <a:gd name="connsiteY28" fmla="*/ 3453205 h 4109422"/>
+                  <a:gd name="connsiteX29" fmla="*/ 6551407 w 8046720"/>
+                  <a:gd name="connsiteY29" fmla="*/ 3786692 h 4109422"/>
+                  <a:gd name="connsiteX30" fmla="*/ 6110344 w 8046720"/>
+                  <a:gd name="connsiteY30" fmla="*/ 3991088 h 4109422"/>
+                  <a:gd name="connsiteX31" fmla="*/ 5862918 w 8046720"/>
+                  <a:gd name="connsiteY31" fmla="*/ 4109422 h 4109422"/>
+                  <a:gd name="connsiteX32" fmla="*/ 2764715 w 8046720"/>
+                  <a:gd name="connsiteY32" fmla="*/ 4098664 h 4109422"/>
+                  <a:gd name="connsiteX33" fmla="*/ 2700170 w 8046720"/>
+                  <a:gd name="connsiteY33" fmla="*/ 3937299 h 4109422"/>
+                  <a:gd name="connsiteX34" fmla="*/ 2700170 w 8046720"/>
+                  <a:gd name="connsiteY34" fmla="*/ 3625328 h 4109422"/>
+                  <a:gd name="connsiteX35" fmla="*/ 2732442 w 8046720"/>
+                  <a:gd name="connsiteY35" fmla="*/ 2926080 h 4109422"/>
+                  <a:gd name="connsiteX36" fmla="*/ 2732442 w 8046720"/>
+                  <a:gd name="connsiteY36" fmla="*/ 2398956 h 4109422"/>
+                  <a:gd name="connsiteX37" fmla="*/ 2678654 w 8046720"/>
+                  <a:gd name="connsiteY37" fmla="*/ 1882589 h 4109422"/>
+                  <a:gd name="connsiteX38" fmla="*/ 2592593 w 8046720"/>
+                  <a:gd name="connsiteY38" fmla="*/ 1645920 h 4109422"/>
+                  <a:gd name="connsiteX39" fmla="*/ 2441986 w 8046720"/>
+                  <a:gd name="connsiteY39" fmla="*/ 1484556 h 4109422"/>
+                  <a:gd name="connsiteX40" fmla="*/ 1947134 w 8046720"/>
+                  <a:gd name="connsiteY40" fmla="*/ 1645920 h 4109422"/>
+                  <a:gd name="connsiteX41" fmla="*/ 1376979 w 8046720"/>
+                  <a:gd name="connsiteY41" fmla="*/ 1914862 h 4109422"/>
+                  <a:gd name="connsiteX42" fmla="*/ 677732 w 8046720"/>
+                  <a:gd name="connsiteY42" fmla="*/ 2355925 h 4109422"/>
+                  <a:gd name="connsiteX43" fmla="*/ 301214 w 8046720"/>
+                  <a:gd name="connsiteY43" fmla="*/ 2624866 h 4109422"/>
+                  <a:gd name="connsiteX44" fmla="*/ 32273 w 8046720"/>
+                  <a:gd name="connsiteY44" fmla="*/ 2936838 h 4109422"/>
+                  <a:gd name="connsiteX45" fmla="*/ 0 w 8046720"/>
+                  <a:gd name="connsiteY45" fmla="*/ 1409252 h 4109422"/>
+                </a:gdLst>
+                <a:ahLst/>
+                <a:cxnLst>
+                  <a:cxn ang="0">
+                    <a:pos x="connsiteX0" y="connsiteY0"/>
+                  </a:cxn>
+                  <a:cxn ang="0">
+                    <a:pos x="connsiteX1" y="connsiteY1"/>
+                  </a:cxn>
+                  <a:cxn ang="0">
+                    <a:pos x="connsiteX2" y="connsiteY2"/>
+                  </a:cxn>
+                  <a:cxn ang="0">
+                    <a:pos x="connsiteX3" y="connsiteY3"/>
+                  </a:cxn>
+                  <a:cxn ang="0">
+                    <a:pos x="connsiteX4" y="connsiteY4"/>
+                  </a:cxn>
+                  <a:cxn ang="0">
+                    <a:pos x="connsiteX5" y="connsiteY5"/>
+                  </a:cxn>
+                  <a:cxn ang="0">
+                    <a:pos x="connsiteX6" y="connsiteY6"/>
+                  </a:cxn>
+                  <a:cxn ang="0">
+                    <a:pos x="connsiteX7" y="connsiteY7"/>
+                  </a:cxn>
+                  <a:cxn ang="0">
+                    <a:pos x="connsiteX8" y="connsiteY8"/>
+                  </a:cxn>
+                  <a:cxn ang="0">
+                    <a:pos x="connsiteX9" y="connsiteY9"/>
+                  </a:cxn>
+                  <a:cxn ang="0">
+                    <a:pos x="connsiteX10" y="connsiteY10"/>
+                  </a:cxn>
+                  <a:cxn ang="0">
+                    <a:pos x="connsiteX11" y="connsiteY11"/>
+                  </a:cxn>
+                  <a:cxn ang="0">
+                    <a:pos x="connsiteX12" y="connsiteY12"/>
+                  </a:cxn>
+                  <a:cxn ang="0">
+                    <a:pos x="connsiteX13" y="connsiteY13"/>
+                  </a:cxn>
+                  <a:cxn ang="0">
+                    <a:pos x="connsiteX14" y="connsiteY14"/>
+                  </a:cxn>
+                  <a:cxn ang="0">
+                    <a:pos x="connsiteX15" y="connsiteY15"/>
+                  </a:cxn>
+                  <a:cxn ang="0">
+                    <a:pos x="connsiteX16" y="connsiteY16"/>
+                  </a:cxn>
+                  <a:cxn ang="0">
+                    <a:pos x="connsiteX17" y="connsiteY17"/>
+                  </a:cxn>
+                  <a:cxn ang="0">
+                    <a:pos x="connsiteX18" y="connsiteY18"/>
+                  </a:cxn>
+                  <a:cxn ang="0">
+                    <a:pos x="connsiteX19" y="connsiteY19"/>
+                  </a:cxn>
+                  <a:cxn ang="0">
+                    <a:pos x="connsiteX20" y="connsiteY20"/>
+                  </a:cxn>
+                  <a:cxn ang="0">
+                    <a:pos x="connsiteX21" y="connsiteY21"/>
+                  </a:cxn>
+                  <a:cxn ang="0">
+                    <a:pos x="connsiteX22" y="connsiteY22"/>
+                  </a:cxn>
+                  <a:cxn ang="0">
+                    <a:pos x="connsiteX23" y="connsiteY23"/>
+                  </a:cxn>
+                  <a:cxn ang="0">
+                    <a:pos x="connsiteX24" y="connsiteY24"/>
+                  </a:cxn>
+                  <a:cxn ang="0">
+                    <a:pos x="connsiteX25" y="connsiteY25"/>
+                  </a:cxn>
+                  <a:cxn ang="0">
+                    <a:pos x="connsiteX26" y="connsiteY26"/>
+                  </a:cxn>
+                  <a:cxn ang="0">
+                    <a:pos x="connsiteX27" y="connsiteY27"/>
+                  </a:cxn>
+                  <a:cxn ang="0">
+                    <a:pos x="connsiteX28" y="connsiteY28"/>
+                  </a:cxn>
+                  <a:cxn ang="0">
+                    <a:pos x="connsiteX29" y="connsiteY29"/>
+                  </a:cxn>
+                  <a:cxn ang="0">
+                    <a:pos x="connsiteX30" y="connsiteY30"/>
+                  </a:cxn>
+                  <a:cxn ang="0">
+                    <a:pos x="connsiteX31" y="connsiteY31"/>
+                  </a:cxn>
+                  <a:cxn ang="0">
+                    <a:pos x="connsiteX32" y="connsiteY32"/>
+                  </a:cxn>
+                  <a:cxn ang="0">
+                    <a:pos x="connsiteX33" y="connsiteY33"/>
+                  </a:cxn>
+                  <a:cxn ang="0">
+                    <a:pos x="connsiteX34" y="connsiteY34"/>
+                  </a:cxn>
+                  <a:cxn ang="0">
+                    <a:pos x="connsiteX35" y="connsiteY35"/>
+                  </a:cxn>
+                  <a:cxn ang="0">
+                    <a:pos x="connsiteX36" y="connsiteY36"/>
+                  </a:cxn>
+                  <a:cxn ang="0">
+                    <a:pos x="connsiteX37" y="connsiteY37"/>
+                  </a:cxn>
+                  <a:cxn ang="0">
+                    <a:pos x="connsiteX38" y="connsiteY38"/>
+                  </a:cxn>
+                  <a:cxn ang="0">
+                    <a:pos x="connsiteX39" y="connsiteY39"/>
+                  </a:cxn>
+                  <a:cxn ang="0">
+                    <a:pos x="connsiteX40" y="connsiteY40"/>
+                  </a:cxn>
+                  <a:cxn ang="0">
+                    <a:pos x="connsiteX41" y="connsiteY41"/>
+                  </a:cxn>
+                  <a:cxn ang="0">
+                    <a:pos x="connsiteX42" y="connsiteY42"/>
+                  </a:cxn>
+                  <a:cxn ang="0">
+                    <a:pos x="connsiteX43" y="connsiteY43"/>
+                  </a:cxn>
+                  <a:cxn ang="0">
+                    <a:pos x="connsiteX44" y="connsiteY44"/>
+                  </a:cxn>
+                  <a:cxn ang="0">
+                    <a:pos x="connsiteX45" y="connsiteY45"/>
+                  </a:cxn>
+                </a:cxnLst>
+                <a:rect l="l" t="t" r="r" b="b"/>
+                <a:pathLst>
+                  <a:path w="8046720" h="4109422">
+                    <a:moveTo>
+                      <a:pt x="0" y="1409252"/>
+                    </a:moveTo>
+                    <a:lnTo>
+                      <a:pt x="774551" y="978946"/>
+                    </a:lnTo>
+                    <a:lnTo>
+                      <a:pt x="1678193" y="516368"/>
+                    </a:lnTo>
+                    <a:lnTo>
+                      <a:pt x="2334410" y="225911"/>
+                    </a:lnTo>
+                    <a:lnTo>
+                      <a:pt x="3033657" y="32273"/>
+                    </a:lnTo>
+                    <a:lnTo>
+                      <a:pt x="3410174" y="0"/>
+                    </a:lnTo>
+                    <a:lnTo>
+                      <a:pt x="3539266" y="172123"/>
+                    </a:lnTo>
+                    <a:lnTo>
+                      <a:pt x="3668358" y="677732"/>
+                    </a:lnTo>
+                    <a:lnTo>
+                      <a:pt x="3711388" y="989704"/>
+                    </a:lnTo>
+                    <a:lnTo>
+                      <a:pt x="3743661" y="1592132"/>
+                    </a:lnTo>
+                    <a:lnTo>
+                      <a:pt x="3679115" y="2312895"/>
+                    </a:lnTo>
+                    <a:lnTo>
+                      <a:pt x="3668358" y="2764716"/>
+                    </a:lnTo>
+                    <a:lnTo>
+                      <a:pt x="3722146" y="3184264"/>
+                    </a:lnTo>
+                    <a:lnTo>
+                      <a:pt x="3894268" y="3593055"/>
+                    </a:lnTo>
+                    <a:lnTo>
+                      <a:pt x="4001845" y="3722146"/>
+                    </a:lnTo>
+                    <a:lnTo>
+                      <a:pt x="4152452" y="3743662"/>
+                    </a:lnTo>
+                    <a:lnTo>
+                      <a:pt x="4593515" y="3625328"/>
+                    </a:lnTo>
+                    <a:lnTo>
+                      <a:pt x="4959275" y="3474720"/>
+                    </a:lnTo>
+                    <a:lnTo>
+                      <a:pt x="5637007" y="3044415"/>
+                    </a:lnTo>
+                    <a:lnTo>
+                      <a:pt x="6067313" y="2796989"/>
+                    </a:lnTo>
+                    <a:lnTo>
+                      <a:pt x="6422315" y="2474259"/>
+                    </a:lnTo>
+                    <a:lnTo>
+                      <a:pt x="7013986" y="2054711"/>
+                    </a:lnTo>
+                    <a:lnTo>
+                      <a:pt x="7390504" y="1667436"/>
+                    </a:lnTo>
+                    <a:lnTo>
+                      <a:pt x="7928386" y="1118796"/>
+                    </a:lnTo>
+                    <a:lnTo>
+                      <a:pt x="8046720" y="1032735"/>
+                    </a:lnTo>
+                    <a:lnTo>
+                      <a:pt x="8025205" y="2431229"/>
+                    </a:lnTo>
+                    <a:lnTo>
+                      <a:pt x="7476565" y="2947596"/>
+                    </a:lnTo>
+                    <a:lnTo>
+                      <a:pt x="7132320" y="3281083"/>
+                    </a:lnTo>
+                    <a:lnTo>
+                      <a:pt x="6970955" y="3453205"/>
+                    </a:lnTo>
+                    <a:lnTo>
+                      <a:pt x="6551407" y="3786692"/>
+                    </a:lnTo>
+                    <a:lnTo>
+                      <a:pt x="6110344" y="3991088"/>
+                    </a:lnTo>
+                    <a:lnTo>
+                      <a:pt x="5862918" y="4109422"/>
+                    </a:lnTo>
+                    <a:lnTo>
+                      <a:pt x="2764715" y="4098664"/>
+                    </a:lnTo>
+                    <a:lnTo>
+                      <a:pt x="2700170" y="3937299"/>
+                    </a:lnTo>
+                    <a:lnTo>
+                      <a:pt x="2700170" y="3625328"/>
+                    </a:lnTo>
+                    <a:lnTo>
+                      <a:pt x="2732442" y="2926080"/>
+                    </a:lnTo>
+                    <a:lnTo>
+                      <a:pt x="2732442" y="2398956"/>
+                    </a:lnTo>
+                    <a:lnTo>
+                      <a:pt x="2678654" y="1882589"/>
+                    </a:lnTo>
+                    <a:lnTo>
+                      <a:pt x="2592593" y="1645920"/>
+                    </a:lnTo>
+                    <a:lnTo>
+                      <a:pt x="2441986" y="1484556"/>
+                    </a:lnTo>
+                    <a:lnTo>
+                      <a:pt x="1947134" y="1645920"/>
+                    </a:lnTo>
+                    <a:lnTo>
+                      <a:pt x="1376979" y="1914862"/>
+                    </a:lnTo>
+                    <a:lnTo>
+                      <a:pt x="677732" y="2355925"/>
+                    </a:lnTo>
+                    <a:lnTo>
+                      <a:pt x="301214" y="2624866"/>
+                    </a:lnTo>
+                    <a:lnTo>
+                      <a:pt x="32273" y="2936838"/>
+                    </a:lnTo>
+                    <a:lnTo>
+                      <a:pt x="0" y="1409252"/>
+                    </a:lnTo>
+                    <a:close/>
+                  </a:path>
+                </a:pathLst>
+              </a:custGeom>
+              <a:pattFill prst="pct5">
+                <a:fgClr>
+                  <a:schemeClr val="tx1"/>
+                </a:fgClr>
+                <a:bgClr>
+                  <a:schemeClr val="bg1"/>
+                </a:bgClr>
+              </a:pattFill>
+              <a:ln>
+                <a:noFill/>
+              </a:ln>
+            </p:spPr>
+            <p:style>
+              <a:lnRef idx="2">
+                <a:schemeClr val="accent1">
+                  <a:shade val="50000"/>
+                </a:schemeClr>
+              </a:lnRef>
+              <a:fillRef idx="1">
+                <a:schemeClr val="accent1"/>
+              </a:fillRef>
+              <a:effectRef idx="0">
+                <a:schemeClr val="accent1"/>
+              </a:effectRef>
+              <a:fontRef idx="minor">
+                <a:schemeClr val="lt1"/>
+              </a:fontRef>
+            </p:style>
+            <p:txBody>
+              <a:bodyPr rtlCol="0" anchor="ctr"/>
+              <a:lstStyle/>
+              <a:p>
+                <a:pPr algn="ctr"/>
+                <a:endParaRPr lang="en-US"/>
+              </a:p>
+            </p:txBody>
+          </p:sp>
+          <p:sp>
+            <p:nvSpPr>
+              <p:cNvPr id="31" name="Freeform 30">
+                <a:extLst>
+                  <a:ext uri="{FF2B5EF4-FFF2-40B4-BE49-F238E27FC236}">
+                    <a16:creationId xmlns:a16="http://schemas.microsoft.com/office/drawing/2014/main" id="{89DA164C-9B2C-AA43-8C12-8C7829AB0C39}"/>
+                  </a:ext>
+                </a:extLst>
+              </p:cNvPr>
+              <p:cNvSpPr/>
+              <p:nvPr/>
+            </p:nvSpPr>
+            <p:spPr>
+              <a:xfrm>
+                <a:off x="484094" y="1247887"/>
+                <a:ext cx="8046720" cy="4410635"/>
+              </a:xfrm>
+              <a:custGeom>
+                <a:avLst/>
+                <a:gdLst>
+                  <a:gd name="connsiteX0" fmla="*/ 0 w 8046720"/>
+                  <a:gd name="connsiteY0" fmla="*/ 892885 h 4410635"/>
+                  <a:gd name="connsiteX1" fmla="*/ 322730 w 8046720"/>
+                  <a:gd name="connsiteY1" fmla="*/ 699247 h 4410635"/>
+                  <a:gd name="connsiteX2" fmla="*/ 1021977 w 8046720"/>
+                  <a:gd name="connsiteY2" fmla="*/ 408791 h 4410635"/>
+                  <a:gd name="connsiteX3" fmla="*/ 1484555 w 8046720"/>
+                  <a:gd name="connsiteY3" fmla="*/ 204395 h 4410635"/>
+                  <a:gd name="connsiteX4" fmla="*/ 2130014 w 8046720"/>
+                  <a:gd name="connsiteY4" fmla="*/ 21515 h 4410635"/>
+                  <a:gd name="connsiteX5" fmla="*/ 4260028 w 8046720"/>
+                  <a:gd name="connsiteY5" fmla="*/ 0 h 4410635"/>
+                  <a:gd name="connsiteX6" fmla="*/ 4453666 w 8046720"/>
+                  <a:gd name="connsiteY6" fmla="*/ 408791 h 4410635"/>
+                  <a:gd name="connsiteX7" fmla="*/ 4561242 w 8046720"/>
+                  <a:gd name="connsiteY7" fmla="*/ 978946 h 4410635"/>
+                  <a:gd name="connsiteX8" fmla="*/ 4593515 w 8046720"/>
+                  <a:gd name="connsiteY8" fmla="*/ 1764254 h 4410635"/>
+                  <a:gd name="connsiteX9" fmla="*/ 4561242 w 8046720"/>
+                  <a:gd name="connsiteY9" fmla="*/ 2646381 h 4410635"/>
+                  <a:gd name="connsiteX10" fmla="*/ 4582758 w 8046720"/>
+                  <a:gd name="connsiteY10" fmla="*/ 2979868 h 4410635"/>
+                  <a:gd name="connsiteX11" fmla="*/ 4701092 w 8046720"/>
+                  <a:gd name="connsiteY11" fmla="*/ 3270325 h 4410635"/>
+                  <a:gd name="connsiteX12" fmla="*/ 4894730 w 8046720"/>
+                  <a:gd name="connsiteY12" fmla="*/ 3205779 h 4410635"/>
+                  <a:gd name="connsiteX13" fmla="*/ 5647765 w 8046720"/>
+                  <a:gd name="connsiteY13" fmla="*/ 2721685 h 4410635"/>
+                  <a:gd name="connsiteX14" fmla="*/ 6099586 w 8046720"/>
+                  <a:gd name="connsiteY14" fmla="*/ 2312894 h 4410635"/>
+                  <a:gd name="connsiteX15" fmla="*/ 6658984 w 8046720"/>
+                  <a:gd name="connsiteY15" fmla="*/ 1699708 h 4410635"/>
+                  <a:gd name="connsiteX16" fmla="*/ 7325958 w 8046720"/>
+                  <a:gd name="connsiteY16" fmla="*/ 1086522 h 4410635"/>
+                  <a:gd name="connsiteX17" fmla="*/ 8025205 w 8046720"/>
+                  <a:gd name="connsiteY17" fmla="*/ 462579 h 4410635"/>
+                  <a:gd name="connsiteX18" fmla="*/ 8046720 w 8046720"/>
+                  <a:gd name="connsiteY18" fmla="*/ 1710466 h 4410635"/>
+                  <a:gd name="connsiteX19" fmla="*/ 7347473 w 8046720"/>
+                  <a:gd name="connsiteY19" fmla="*/ 2388198 h 4410635"/>
+                  <a:gd name="connsiteX20" fmla="*/ 6798833 w 8046720"/>
+                  <a:gd name="connsiteY20" fmla="*/ 2904565 h 4410635"/>
+                  <a:gd name="connsiteX21" fmla="*/ 6422315 w 8046720"/>
+                  <a:gd name="connsiteY21" fmla="*/ 3184264 h 4410635"/>
+                  <a:gd name="connsiteX22" fmla="*/ 6110344 w 8046720"/>
+                  <a:gd name="connsiteY22" fmla="*/ 3453205 h 4410635"/>
+                  <a:gd name="connsiteX23" fmla="*/ 5411097 w 8046720"/>
+                  <a:gd name="connsiteY23" fmla="*/ 3861995 h 4410635"/>
+                  <a:gd name="connsiteX24" fmla="*/ 4937760 w 8046720"/>
+                  <a:gd name="connsiteY24" fmla="*/ 4141694 h 4410635"/>
+                  <a:gd name="connsiteX25" fmla="*/ 4378362 w 8046720"/>
+                  <a:gd name="connsiteY25" fmla="*/ 4378362 h 4410635"/>
+                  <a:gd name="connsiteX26" fmla="*/ 4077148 w 8046720"/>
+                  <a:gd name="connsiteY26" fmla="*/ 4410635 h 4410635"/>
+                  <a:gd name="connsiteX27" fmla="*/ 3948057 w 8046720"/>
+                  <a:gd name="connsiteY27" fmla="*/ 4356847 h 4410635"/>
+                  <a:gd name="connsiteX28" fmla="*/ 3775934 w 8046720"/>
+                  <a:gd name="connsiteY28" fmla="*/ 3991087 h 4410635"/>
+                  <a:gd name="connsiteX29" fmla="*/ 3689873 w 8046720"/>
+                  <a:gd name="connsiteY29" fmla="*/ 3582297 h 4410635"/>
+                  <a:gd name="connsiteX30" fmla="*/ 3679115 w 8046720"/>
+                  <a:gd name="connsiteY30" fmla="*/ 3076687 h 4410635"/>
+                  <a:gd name="connsiteX31" fmla="*/ 3743661 w 8046720"/>
+                  <a:gd name="connsiteY31" fmla="*/ 2345167 h 4410635"/>
+                  <a:gd name="connsiteX32" fmla="*/ 3765177 w 8046720"/>
+                  <a:gd name="connsiteY32" fmla="*/ 1785769 h 4410635"/>
+                  <a:gd name="connsiteX33" fmla="*/ 3657600 w 8046720"/>
+                  <a:gd name="connsiteY33" fmla="*/ 1226372 h 4410635"/>
+                  <a:gd name="connsiteX34" fmla="*/ 3517751 w 8046720"/>
+                  <a:gd name="connsiteY34" fmla="*/ 828339 h 4410635"/>
+                  <a:gd name="connsiteX35" fmla="*/ 3399417 w 8046720"/>
+                  <a:gd name="connsiteY35" fmla="*/ 677732 h 4410635"/>
+                  <a:gd name="connsiteX36" fmla="*/ 3065930 w 8046720"/>
+                  <a:gd name="connsiteY36" fmla="*/ 688489 h 4410635"/>
+                  <a:gd name="connsiteX37" fmla="*/ 2312894 w 8046720"/>
+                  <a:gd name="connsiteY37" fmla="*/ 914400 h 4410635"/>
+                  <a:gd name="connsiteX38" fmla="*/ 1645920 w 8046720"/>
+                  <a:gd name="connsiteY38" fmla="*/ 1215614 h 4410635"/>
+                  <a:gd name="connsiteX39" fmla="*/ 1097280 w 8046720"/>
+                  <a:gd name="connsiteY39" fmla="*/ 1495313 h 4410635"/>
+                  <a:gd name="connsiteX40" fmla="*/ 441064 w 8046720"/>
+                  <a:gd name="connsiteY40" fmla="*/ 1839558 h 4410635"/>
+                  <a:gd name="connsiteX41" fmla="*/ 21515 w 8046720"/>
+                  <a:gd name="connsiteY41" fmla="*/ 2097741 h 4410635"/>
+                  <a:gd name="connsiteX42" fmla="*/ 0 w 8046720"/>
+                  <a:gd name="connsiteY42" fmla="*/ 892885 h 4410635"/>
+                </a:gdLst>
+                <a:ahLst/>
+                <a:cxnLst>
+                  <a:cxn ang="0">
+                    <a:pos x="connsiteX0" y="connsiteY0"/>
+                  </a:cxn>
+                  <a:cxn ang="0">
+                    <a:pos x="connsiteX1" y="connsiteY1"/>
+                  </a:cxn>
+                  <a:cxn ang="0">
+                    <a:pos x="connsiteX2" y="connsiteY2"/>
+                  </a:cxn>
+                  <a:cxn ang="0">
+                    <a:pos x="connsiteX3" y="connsiteY3"/>
+                  </a:cxn>
+                  <a:cxn ang="0">
+                    <a:pos x="connsiteX4" y="connsiteY4"/>
+                  </a:cxn>
+                  <a:cxn ang="0">
+                    <a:pos x="connsiteX5" y="connsiteY5"/>
+                  </a:cxn>
+                  <a:cxn ang="0">
+                    <a:pos x="connsiteX6" y="connsiteY6"/>
+                  </a:cxn>
+                  <a:cxn ang="0">
+                    <a:pos x="connsiteX7" y="connsiteY7"/>
+                  </a:cxn>
+                  <a:cxn ang="0">
+                    <a:pos x="connsiteX8" y="connsiteY8"/>
+                  </a:cxn>
+                  <a:cxn ang="0">
+                    <a:pos x="connsiteX9" y="connsiteY9"/>
+                  </a:cxn>
+                  <a:cxn ang="0">
+                    <a:pos x="connsiteX10" y="connsiteY10"/>
+                  </a:cxn>
+                  <a:cxn ang="0">
+                    <a:pos x="connsiteX11" y="connsiteY11"/>
+                  </a:cxn>
+                  <a:cxn ang="0">
+                    <a:pos x="connsiteX12" y="connsiteY12"/>
+                  </a:cxn>
+                  <a:cxn ang="0">
+                    <a:pos x="connsiteX13" y="connsiteY13"/>
+                  </a:cxn>
+                  <a:cxn ang="0">
+                    <a:pos x="connsiteX14" y="connsiteY14"/>
+                  </a:cxn>
+                  <a:cxn ang="0">
+                    <a:pos x="connsiteX15" y="connsiteY15"/>
+                  </a:cxn>
+                  <a:cxn ang="0">
+                    <a:pos x="connsiteX16" y="connsiteY16"/>
+                  </a:cxn>
+                  <a:cxn ang="0">
+                    <a:pos x="connsiteX17" y="connsiteY17"/>
+                  </a:cxn>
+                  <a:cxn ang="0">
+                    <a:pos x="connsiteX18" y="connsiteY18"/>
+                  </a:cxn>
+                  <a:cxn ang="0">
+                    <a:pos x="connsiteX19" y="connsiteY19"/>
+                  </a:cxn>
+                  <a:cxn ang="0">
+                    <a:pos x="connsiteX20" y="connsiteY20"/>
+                  </a:cxn>
+                  <a:cxn ang="0">
+                    <a:pos x="connsiteX21" y="connsiteY21"/>
+                  </a:cxn>
+                  <a:cxn ang="0">
+                    <a:pos x="connsiteX22" y="connsiteY22"/>
+                  </a:cxn>
+                  <a:cxn ang="0">
+                    <a:pos x="connsiteX23" y="connsiteY23"/>
+                  </a:cxn>
+                  <a:cxn ang="0">
+                    <a:pos x="connsiteX24" y="connsiteY24"/>
+                  </a:cxn>
+                  <a:cxn ang="0">
+                    <a:pos x="connsiteX25" y="connsiteY25"/>
+                  </a:cxn>
+                  <a:cxn ang="0">
+                    <a:pos x="connsiteX26" y="connsiteY26"/>
+                  </a:cxn>
+                  <a:cxn ang="0">
+                    <a:pos x="connsiteX27" y="connsiteY27"/>
+                  </a:cxn>
+                  <a:cxn ang="0">
+                    <a:pos x="connsiteX28" y="connsiteY28"/>
+                  </a:cxn>
+                  <a:cxn ang="0">
+                    <a:pos x="connsiteX29" y="connsiteY29"/>
+                  </a:cxn>
+                  <a:cxn ang="0">
+                    <a:pos x="connsiteX30" y="connsiteY30"/>
+                  </a:cxn>
+                  <a:cxn ang="0">
+                    <a:pos x="connsiteX31" y="connsiteY31"/>
+                  </a:cxn>
+                  <a:cxn ang="0">
+                    <a:pos x="connsiteX32" y="connsiteY32"/>
+                  </a:cxn>
+                  <a:cxn ang="0">
+                    <a:pos x="connsiteX33" y="connsiteY33"/>
+                  </a:cxn>
+                  <a:cxn ang="0">
+                    <a:pos x="connsiteX34" y="connsiteY34"/>
+                  </a:cxn>
+                  <a:cxn ang="0">
+                    <a:pos x="connsiteX35" y="connsiteY35"/>
+                  </a:cxn>
+                  <a:cxn ang="0">
+                    <a:pos x="connsiteX36" y="connsiteY36"/>
+                  </a:cxn>
+                  <a:cxn ang="0">
+                    <a:pos x="connsiteX37" y="connsiteY37"/>
+                  </a:cxn>
+                  <a:cxn ang="0">
+                    <a:pos x="connsiteX38" y="connsiteY38"/>
+                  </a:cxn>
+                  <a:cxn ang="0">
+                    <a:pos x="connsiteX39" y="connsiteY39"/>
+                  </a:cxn>
+                  <a:cxn ang="0">
+                    <a:pos x="connsiteX40" y="connsiteY40"/>
+                  </a:cxn>
+                  <a:cxn ang="0">
+                    <a:pos x="connsiteX41" y="connsiteY41"/>
+                  </a:cxn>
+                  <a:cxn ang="0">
+                    <a:pos x="connsiteX42" y="connsiteY42"/>
+                  </a:cxn>
+                </a:cxnLst>
+                <a:rect l="l" t="t" r="r" b="b"/>
+                <a:pathLst>
+                  <a:path w="8046720" h="4410635">
+                    <a:moveTo>
+                      <a:pt x="0" y="892885"/>
+                    </a:moveTo>
+                    <a:lnTo>
+                      <a:pt x="322730" y="699247"/>
+                    </a:lnTo>
+                    <a:lnTo>
+                      <a:pt x="1021977" y="408791"/>
+                    </a:lnTo>
+                    <a:lnTo>
+                      <a:pt x="1484555" y="204395"/>
+                    </a:lnTo>
+                    <a:lnTo>
+                      <a:pt x="2130014" y="21515"/>
+                    </a:lnTo>
+                    <a:lnTo>
+                      <a:pt x="4260028" y="0"/>
+                    </a:lnTo>
+                    <a:lnTo>
+                      <a:pt x="4453666" y="408791"/>
+                    </a:lnTo>
+                    <a:lnTo>
+                      <a:pt x="4561242" y="978946"/>
+                    </a:lnTo>
+                    <a:lnTo>
+                      <a:pt x="4593515" y="1764254"/>
+                    </a:lnTo>
+                    <a:lnTo>
+                      <a:pt x="4561242" y="2646381"/>
+                    </a:lnTo>
+                    <a:lnTo>
+                      <a:pt x="4582758" y="2979868"/>
+                    </a:lnTo>
+                    <a:lnTo>
+                      <a:pt x="4701092" y="3270325"/>
+                    </a:lnTo>
+                    <a:lnTo>
+                      <a:pt x="4894730" y="3205779"/>
+                    </a:lnTo>
+                    <a:lnTo>
+                      <a:pt x="5647765" y="2721685"/>
+                    </a:lnTo>
+                    <a:lnTo>
+                      <a:pt x="6099586" y="2312894"/>
+                    </a:lnTo>
+                    <a:lnTo>
+                      <a:pt x="6658984" y="1699708"/>
+                    </a:lnTo>
+                    <a:lnTo>
+                      <a:pt x="7325958" y="1086522"/>
+                    </a:lnTo>
+                    <a:lnTo>
+                      <a:pt x="8025205" y="462579"/>
+                    </a:lnTo>
+                    <a:lnTo>
+                      <a:pt x="8046720" y="1710466"/>
+                    </a:lnTo>
+                    <a:lnTo>
+                      <a:pt x="7347473" y="2388198"/>
+                    </a:lnTo>
+                    <a:lnTo>
+                      <a:pt x="6798833" y="2904565"/>
+                    </a:lnTo>
+                    <a:lnTo>
+                      <a:pt x="6422315" y="3184264"/>
+                    </a:lnTo>
+                    <a:lnTo>
+                      <a:pt x="6110344" y="3453205"/>
+                    </a:lnTo>
+                    <a:lnTo>
+                      <a:pt x="5411097" y="3861995"/>
+                    </a:lnTo>
+                    <a:lnTo>
+                      <a:pt x="4937760" y="4141694"/>
+                    </a:lnTo>
+                    <a:lnTo>
+                      <a:pt x="4378362" y="4378362"/>
+                    </a:lnTo>
+                    <a:lnTo>
+                      <a:pt x="4077148" y="4410635"/>
+                    </a:lnTo>
+                    <a:lnTo>
+                      <a:pt x="3948057" y="4356847"/>
+                    </a:lnTo>
+                    <a:lnTo>
+                      <a:pt x="3775934" y="3991087"/>
+                    </a:lnTo>
+                    <a:lnTo>
+                      <a:pt x="3689873" y="3582297"/>
+                    </a:lnTo>
+                    <a:lnTo>
+                      <a:pt x="3679115" y="3076687"/>
+                    </a:lnTo>
+                    <a:lnTo>
+                      <a:pt x="3743661" y="2345167"/>
+                    </a:lnTo>
+                    <a:lnTo>
+                      <a:pt x="3765177" y="1785769"/>
+                    </a:lnTo>
+                    <a:lnTo>
+                      <a:pt x="3657600" y="1226372"/>
+                    </a:lnTo>
+                    <a:lnTo>
+                      <a:pt x="3517751" y="828339"/>
+                    </a:lnTo>
+                    <a:lnTo>
+                      <a:pt x="3399417" y="677732"/>
+                    </a:lnTo>
+                    <a:lnTo>
+                      <a:pt x="3065930" y="688489"/>
+                    </a:lnTo>
+                    <a:lnTo>
+                      <a:pt x="2312894" y="914400"/>
+                    </a:lnTo>
+                    <a:lnTo>
+                      <a:pt x="1645920" y="1215614"/>
+                    </a:lnTo>
+                    <a:lnTo>
+                      <a:pt x="1097280" y="1495313"/>
+                    </a:lnTo>
+                    <a:lnTo>
+                      <a:pt x="441064" y="1839558"/>
+                    </a:lnTo>
+                    <a:lnTo>
+                      <a:pt x="21515" y="2097741"/>
+                    </a:lnTo>
+                    <a:lnTo>
+                      <a:pt x="0" y="892885"/>
+                    </a:lnTo>
+                    <a:close/>
+                  </a:path>
+                </a:pathLst>
+              </a:custGeom>
+              <a:solidFill>
+                <a:schemeClr val="tx1"/>
+              </a:solidFill>
+              <a:ln>
+                <a:noFill/>
+              </a:ln>
+            </p:spPr>
+            <p:style>
+              <a:lnRef idx="2">
+                <a:schemeClr val="accent1">
+                  <a:shade val="50000"/>
+                </a:schemeClr>
+              </a:lnRef>
+              <a:fillRef idx="1">
+                <a:schemeClr val="accent1"/>
+              </a:fillRef>
+              <a:effectRef idx="0">
+                <a:schemeClr val="accent1"/>
+              </a:effectRef>
+              <a:fontRef idx="minor">
+                <a:schemeClr val="lt1"/>
+              </a:fontRef>
+            </p:style>
+            <p:txBody>
+              <a:bodyPr rtlCol="0" anchor="ctr"/>
+              <a:lstStyle/>
+              <a:p>
+                <a:pPr algn="ctr"/>
+                <a:endParaRPr lang="en-US"/>
+              </a:p>
+            </p:txBody>
+          </p:sp>
+          <p:sp>
+            <p:nvSpPr>
+              <p:cNvPr id="32" name="Freeform 31">
+                <a:extLst>
+                  <a:ext uri="{FF2B5EF4-FFF2-40B4-BE49-F238E27FC236}">
+                    <a16:creationId xmlns:a16="http://schemas.microsoft.com/office/drawing/2014/main" id="{F51ECCB1-6DD5-7A47-96BA-4C6986522FAC}"/>
+                  </a:ext>
+                </a:extLst>
+              </p:cNvPr>
+              <p:cNvSpPr/>
+              <p:nvPr/>
+            </p:nvSpPr>
+            <p:spPr>
+              <a:xfrm>
+                <a:off x="484094" y="1226372"/>
+                <a:ext cx="2043953" cy="903642"/>
+              </a:xfrm>
+              <a:custGeom>
+                <a:avLst/>
+                <a:gdLst>
+                  <a:gd name="connsiteX0" fmla="*/ 0 w 2043953"/>
+                  <a:gd name="connsiteY0" fmla="*/ 903642 h 903642"/>
+                  <a:gd name="connsiteX1" fmla="*/ 0 w 2043953"/>
+                  <a:gd name="connsiteY1" fmla="*/ 0 h 903642"/>
+                  <a:gd name="connsiteX2" fmla="*/ 2043953 w 2043953"/>
+                  <a:gd name="connsiteY2" fmla="*/ 21515 h 903642"/>
+                  <a:gd name="connsiteX3" fmla="*/ 1581374 w 2043953"/>
+                  <a:gd name="connsiteY3" fmla="*/ 161364 h 903642"/>
+                  <a:gd name="connsiteX4" fmla="*/ 1011219 w 2043953"/>
+                  <a:gd name="connsiteY4" fmla="*/ 398033 h 903642"/>
+                  <a:gd name="connsiteX5" fmla="*/ 548640 w 2043953"/>
+                  <a:gd name="connsiteY5" fmla="*/ 591670 h 903642"/>
+                  <a:gd name="connsiteX6" fmla="*/ 268941 w 2043953"/>
+                  <a:gd name="connsiteY6" fmla="*/ 742277 h 903642"/>
+                  <a:gd name="connsiteX7" fmla="*/ 0 w 2043953"/>
+                  <a:gd name="connsiteY7" fmla="*/ 903642 h 903642"/>
+                </a:gdLst>
+                <a:ahLst/>
+                <a:cxnLst>
+                  <a:cxn ang="0">
+                    <a:pos x="connsiteX0" y="connsiteY0"/>
+                  </a:cxn>
+                  <a:cxn ang="0">
+                    <a:pos x="connsiteX1" y="connsiteY1"/>
+                  </a:cxn>
+                  <a:cxn ang="0">
+                    <a:pos x="connsiteX2" y="connsiteY2"/>
+                  </a:cxn>
+                  <a:cxn ang="0">
+                    <a:pos x="connsiteX3" y="connsiteY3"/>
+                  </a:cxn>
+                  <a:cxn ang="0">
+                    <a:pos x="connsiteX4" y="connsiteY4"/>
+                  </a:cxn>
+                  <a:cxn ang="0">
+                    <a:pos x="connsiteX5" y="connsiteY5"/>
+                  </a:cxn>
+                  <a:cxn ang="0">
+                    <a:pos x="connsiteX6" y="connsiteY6"/>
+                  </a:cxn>
+                  <a:cxn ang="0">
+                    <a:pos x="connsiteX7" y="connsiteY7"/>
+                  </a:cxn>
+                </a:cxnLst>
+                <a:rect l="l" t="t" r="r" b="b"/>
+                <a:pathLst>
+                  <a:path w="2043953" h="903642">
+                    <a:moveTo>
+                      <a:pt x="0" y="903642"/>
+                    </a:moveTo>
+                    <a:lnTo>
+                      <a:pt x="0" y="0"/>
+                    </a:lnTo>
+                    <a:lnTo>
+                      <a:pt x="2043953" y="21515"/>
+                    </a:lnTo>
+                    <a:lnTo>
+                      <a:pt x="1581374" y="161364"/>
+                    </a:lnTo>
+                    <a:lnTo>
+                      <a:pt x="1011219" y="398033"/>
+                    </a:lnTo>
+                    <a:lnTo>
+                      <a:pt x="548640" y="591670"/>
+                    </a:lnTo>
+                    <a:lnTo>
+                      <a:pt x="268941" y="742277"/>
+                    </a:lnTo>
+                    <a:lnTo>
+                      <a:pt x="0" y="903642"/>
+                    </a:lnTo>
+                    <a:close/>
+                  </a:path>
+                </a:pathLst>
+              </a:custGeom>
+              <a:pattFill prst="wdDnDiag">
+                <a:fgClr>
+                  <a:schemeClr val="tx1"/>
+                </a:fgClr>
+                <a:bgClr>
+                  <a:schemeClr val="bg1"/>
+                </a:bgClr>
+              </a:pattFill>
+              <a:ln>
+                <a:noFill/>
+              </a:ln>
+            </p:spPr>
+            <p:style>
+              <a:lnRef idx="2">
+                <a:schemeClr val="accent1">
+                  <a:shade val="50000"/>
+                </a:schemeClr>
+              </a:lnRef>
+              <a:fillRef idx="1">
+                <a:schemeClr val="accent1"/>
+              </a:fillRef>
+              <a:effectRef idx="0">
+                <a:schemeClr val="accent1"/>
+              </a:effectRef>
+              <a:fontRef idx="minor">
+                <a:schemeClr val="lt1"/>
+              </a:fontRef>
+            </p:style>
+            <p:txBody>
+              <a:bodyPr rtlCol="0" anchor="ctr"/>
+              <a:lstStyle/>
+              <a:p>
+                <a:pPr algn="ctr"/>
+                <a:endParaRPr lang="en-US"/>
+              </a:p>
+            </p:txBody>
+          </p:sp>
+          <p:sp>
+            <p:nvSpPr>
+              <p:cNvPr id="33" name="Freeform 32">
+                <a:extLst>
+                  <a:ext uri="{FF2B5EF4-FFF2-40B4-BE49-F238E27FC236}">
+                    <a16:creationId xmlns:a16="http://schemas.microsoft.com/office/drawing/2014/main" id="{B8FD558D-7375-564E-A90C-30A621258164}"/>
+                  </a:ext>
+                </a:extLst>
+              </p:cNvPr>
+              <p:cNvSpPr/>
+              <p:nvPr/>
+            </p:nvSpPr>
+            <p:spPr>
+              <a:xfrm>
+                <a:off x="4776395" y="1237129"/>
+                <a:ext cx="3765177" cy="3248810"/>
+              </a:xfrm>
+              <a:custGeom>
+                <a:avLst/>
+                <a:gdLst>
+                  <a:gd name="connsiteX0" fmla="*/ 0 w 3765177"/>
+                  <a:gd name="connsiteY0" fmla="*/ 0 h 3248810"/>
+                  <a:gd name="connsiteX1" fmla="*/ 279699 w 3765177"/>
+                  <a:gd name="connsiteY1" fmla="*/ 1075765 h 3248810"/>
+                  <a:gd name="connsiteX2" fmla="*/ 311972 w 3765177"/>
+                  <a:gd name="connsiteY2" fmla="*/ 1893346 h 3248810"/>
+                  <a:gd name="connsiteX3" fmla="*/ 301214 w 3765177"/>
+                  <a:gd name="connsiteY3" fmla="*/ 2624866 h 3248810"/>
+                  <a:gd name="connsiteX4" fmla="*/ 301214 w 3765177"/>
+                  <a:gd name="connsiteY4" fmla="*/ 2947596 h 3248810"/>
+                  <a:gd name="connsiteX5" fmla="*/ 387276 w 3765177"/>
+                  <a:gd name="connsiteY5" fmla="*/ 3248810 h 3248810"/>
+                  <a:gd name="connsiteX6" fmla="*/ 623944 w 3765177"/>
+                  <a:gd name="connsiteY6" fmla="*/ 3195022 h 3248810"/>
+                  <a:gd name="connsiteX7" fmla="*/ 1172584 w 3765177"/>
+                  <a:gd name="connsiteY7" fmla="*/ 2818504 h 3248810"/>
+                  <a:gd name="connsiteX8" fmla="*/ 1764254 w 3765177"/>
+                  <a:gd name="connsiteY8" fmla="*/ 2334410 h 3248810"/>
+                  <a:gd name="connsiteX9" fmla="*/ 2173045 w 3765177"/>
+                  <a:gd name="connsiteY9" fmla="*/ 1904104 h 3248810"/>
+                  <a:gd name="connsiteX10" fmla="*/ 2753958 w 3765177"/>
+                  <a:gd name="connsiteY10" fmla="*/ 1323191 h 3248810"/>
+                  <a:gd name="connsiteX11" fmla="*/ 3345629 w 3765177"/>
+                  <a:gd name="connsiteY11" fmla="*/ 806824 h 3248810"/>
+                  <a:gd name="connsiteX12" fmla="*/ 3743661 w 3765177"/>
+                  <a:gd name="connsiteY12" fmla="*/ 451822 h 3248810"/>
+                  <a:gd name="connsiteX13" fmla="*/ 3765177 w 3765177"/>
+                  <a:gd name="connsiteY13" fmla="*/ 21516 h 3248810"/>
+                  <a:gd name="connsiteX14" fmla="*/ 2958353 w 3765177"/>
+                  <a:gd name="connsiteY14" fmla="*/ 43031 h 3248810"/>
+                  <a:gd name="connsiteX15" fmla="*/ 2528047 w 3765177"/>
+                  <a:gd name="connsiteY15" fmla="*/ 484095 h 3248810"/>
+                  <a:gd name="connsiteX16" fmla="*/ 2097741 w 3765177"/>
+                  <a:gd name="connsiteY16" fmla="*/ 968189 h 3248810"/>
+                  <a:gd name="connsiteX17" fmla="*/ 1731981 w 3765177"/>
+                  <a:gd name="connsiteY17" fmla="*/ 1441525 h 3248810"/>
+                  <a:gd name="connsiteX18" fmla="*/ 1420010 w 3765177"/>
+                  <a:gd name="connsiteY18" fmla="*/ 1807285 h 3248810"/>
+                  <a:gd name="connsiteX19" fmla="*/ 1161826 w 3765177"/>
+                  <a:gd name="connsiteY19" fmla="*/ 2097742 h 3248810"/>
+                  <a:gd name="connsiteX20" fmla="*/ 1043492 w 3765177"/>
+                  <a:gd name="connsiteY20" fmla="*/ 2194560 h 3248810"/>
+                  <a:gd name="connsiteX21" fmla="*/ 989704 w 3765177"/>
+                  <a:gd name="connsiteY21" fmla="*/ 2140772 h 3248810"/>
+                  <a:gd name="connsiteX22" fmla="*/ 1021977 w 3765177"/>
+                  <a:gd name="connsiteY22" fmla="*/ 1775012 h 3248810"/>
+                  <a:gd name="connsiteX23" fmla="*/ 1043492 w 3765177"/>
+                  <a:gd name="connsiteY23" fmla="*/ 1172584 h 3248810"/>
+                  <a:gd name="connsiteX24" fmla="*/ 1032734 w 3765177"/>
+                  <a:gd name="connsiteY24" fmla="*/ 677732 h 3248810"/>
+                  <a:gd name="connsiteX25" fmla="*/ 968189 w 3765177"/>
+                  <a:gd name="connsiteY25" fmla="*/ 311972 h 3248810"/>
+                  <a:gd name="connsiteX26" fmla="*/ 796066 w 3765177"/>
+                  <a:gd name="connsiteY26" fmla="*/ 0 h 3248810"/>
+                  <a:gd name="connsiteX27" fmla="*/ 0 w 3765177"/>
+                  <a:gd name="connsiteY27" fmla="*/ 0 h 3248810"/>
+                </a:gdLst>
+                <a:ahLst/>
+                <a:cxnLst>
+                  <a:cxn ang="0">
+                    <a:pos x="connsiteX0" y="connsiteY0"/>
+                  </a:cxn>
+                  <a:cxn ang="0">
+                    <a:pos x="connsiteX1" y="connsiteY1"/>
+                  </a:cxn>
+                  <a:cxn ang="0">
+                    <a:pos x="connsiteX2" y="connsiteY2"/>
+                  </a:cxn>
+                  <a:cxn ang="0">
+                    <a:pos x="connsiteX3" y="connsiteY3"/>
+                  </a:cxn>
+                  <a:cxn ang="0">
+                    <a:pos x="connsiteX4" y="connsiteY4"/>
+                  </a:cxn>
+                  <a:cxn ang="0">
+                    <a:pos x="connsiteX5" y="connsiteY5"/>
+                  </a:cxn>
+                  <a:cxn ang="0">
+                    <a:pos x="connsiteX6" y="connsiteY6"/>
+                  </a:cxn>
+                  <a:cxn ang="0">
+                    <a:pos x="connsiteX7" y="connsiteY7"/>
+                  </a:cxn>
+                  <a:cxn ang="0">
+                    <a:pos x="connsiteX8" y="connsiteY8"/>
+                  </a:cxn>
+                  <a:cxn ang="0">
+                    <a:pos x="connsiteX9" y="connsiteY9"/>
+                  </a:cxn>
+                  <a:cxn ang="0">
+                    <a:pos x="connsiteX10" y="connsiteY10"/>
+                  </a:cxn>
+                  <a:cxn ang="0">
+                    <a:pos x="connsiteX11" y="connsiteY11"/>
+                  </a:cxn>
+                  <a:cxn ang="0">
+                    <a:pos x="connsiteX12" y="connsiteY12"/>
+                  </a:cxn>
+                  <a:cxn ang="0">
+                    <a:pos x="connsiteX13" y="connsiteY13"/>
+                  </a:cxn>
+                  <a:cxn ang="0">
+                    <a:pos x="connsiteX14" y="connsiteY14"/>
+                  </a:cxn>
+                  <a:cxn ang="0">
+                    <a:pos x="connsiteX15" y="connsiteY15"/>
+                  </a:cxn>
+                  <a:cxn ang="0">
+                    <a:pos x="connsiteX16" y="connsiteY16"/>
+                  </a:cxn>
+                  <a:cxn ang="0">
+                    <a:pos x="connsiteX17" y="connsiteY17"/>
+                  </a:cxn>
+                  <a:cxn ang="0">
+                    <a:pos x="connsiteX18" y="connsiteY18"/>
+                  </a:cxn>
+                  <a:cxn ang="0">
+                    <a:pos x="connsiteX19" y="connsiteY19"/>
+                  </a:cxn>
+                  <a:cxn ang="0">
+                    <a:pos x="connsiteX20" y="connsiteY20"/>
+                  </a:cxn>
+                  <a:cxn ang="0">
+                    <a:pos x="connsiteX21" y="connsiteY21"/>
+                  </a:cxn>
+                  <a:cxn ang="0">
+                    <a:pos x="connsiteX22" y="connsiteY22"/>
+                  </a:cxn>
+                  <a:cxn ang="0">
+                    <a:pos x="connsiteX23" y="connsiteY23"/>
+                  </a:cxn>
+                  <a:cxn ang="0">
+                    <a:pos x="connsiteX24" y="connsiteY24"/>
+                  </a:cxn>
+                  <a:cxn ang="0">
+                    <a:pos x="connsiteX25" y="connsiteY25"/>
+                  </a:cxn>
+                  <a:cxn ang="0">
+                    <a:pos x="connsiteX26" y="connsiteY26"/>
+                  </a:cxn>
+                  <a:cxn ang="0">
+                    <a:pos x="connsiteX27" y="connsiteY27"/>
+                  </a:cxn>
+                </a:cxnLst>
+                <a:rect l="l" t="t" r="r" b="b"/>
+                <a:pathLst>
+                  <a:path w="3765177" h="3248810">
+                    <a:moveTo>
+                      <a:pt x="0" y="0"/>
+                    </a:moveTo>
+                    <a:lnTo>
+                      <a:pt x="279699" y="1075765"/>
+                    </a:lnTo>
+                    <a:lnTo>
+                      <a:pt x="311972" y="1893346"/>
+                    </a:lnTo>
+                    <a:lnTo>
+                      <a:pt x="301214" y="2624866"/>
+                    </a:lnTo>
+                    <a:lnTo>
+                      <a:pt x="301214" y="2947596"/>
+                    </a:lnTo>
+                    <a:lnTo>
+                      <a:pt x="387276" y="3248810"/>
+                    </a:lnTo>
+                    <a:lnTo>
+                      <a:pt x="623944" y="3195022"/>
+                    </a:lnTo>
+                    <a:lnTo>
+                      <a:pt x="1172584" y="2818504"/>
+                    </a:lnTo>
+                    <a:lnTo>
+                      <a:pt x="1764254" y="2334410"/>
+                    </a:lnTo>
+                    <a:lnTo>
+                      <a:pt x="2173045" y="1904104"/>
+                    </a:lnTo>
+                    <a:lnTo>
+                      <a:pt x="2753958" y="1323191"/>
+                    </a:lnTo>
+                    <a:lnTo>
+                      <a:pt x="3345629" y="806824"/>
+                    </a:lnTo>
+                    <a:lnTo>
+                      <a:pt x="3743661" y="451822"/>
+                    </a:lnTo>
+                    <a:lnTo>
+                      <a:pt x="3765177" y="21516"/>
+                    </a:lnTo>
+                    <a:lnTo>
+                      <a:pt x="2958353" y="43031"/>
+                    </a:lnTo>
+                    <a:lnTo>
+                      <a:pt x="2528047" y="484095"/>
+                    </a:lnTo>
+                    <a:lnTo>
+                      <a:pt x="2097741" y="968189"/>
+                    </a:lnTo>
+                    <a:lnTo>
+                      <a:pt x="1731981" y="1441525"/>
+                    </a:lnTo>
+                    <a:lnTo>
+                      <a:pt x="1420010" y="1807285"/>
+                    </a:lnTo>
+                    <a:lnTo>
+                      <a:pt x="1161826" y="2097742"/>
+                    </a:lnTo>
+                    <a:lnTo>
+                      <a:pt x="1043492" y="2194560"/>
+                    </a:lnTo>
+                    <a:lnTo>
+                      <a:pt x="989704" y="2140772"/>
+                    </a:lnTo>
+                    <a:lnTo>
+                      <a:pt x="1021977" y="1775012"/>
+                    </a:lnTo>
+                    <a:lnTo>
+                      <a:pt x="1043492" y="1172584"/>
+                    </a:lnTo>
+                    <a:lnTo>
+                      <a:pt x="1032734" y="677732"/>
+                    </a:lnTo>
+                    <a:lnTo>
+                      <a:pt x="968189" y="311972"/>
+                    </a:lnTo>
+                    <a:lnTo>
+                      <a:pt x="796066" y="0"/>
+                    </a:lnTo>
+                    <a:lnTo>
+                      <a:pt x="0" y="0"/>
+                    </a:lnTo>
+                    <a:close/>
+                  </a:path>
+                </a:pathLst>
+              </a:custGeom>
+              <a:pattFill prst="wdDnDiag">
+                <a:fgClr>
+                  <a:schemeClr val="tx1"/>
+                </a:fgClr>
+                <a:bgClr>
+                  <a:schemeClr val="bg1"/>
+                </a:bgClr>
+              </a:pattFill>
+              <a:ln>
+                <a:noFill/>
+              </a:ln>
+            </p:spPr>
+            <p:style>
+              <a:lnRef idx="2">
+                <a:schemeClr val="accent1">
+                  <a:shade val="50000"/>
+                </a:schemeClr>
+              </a:lnRef>
+              <a:fillRef idx="1">
+                <a:schemeClr val="accent1"/>
+              </a:fillRef>
+              <a:effectRef idx="0">
+                <a:schemeClr val="accent1"/>
+              </a:effectRef>
+              <a:fontRef idx="minor">
+                <a:schemeClr val="lt1"/>
+              </a:fontRef>
+            </p:style>
+            <p:txBody>
+              <a:bodyPr rtlCol="0" anchor="ctr"/>
+              <a:lstStyle/>
+              <a:p>
+                <a:pPr algn="ctr"/>
+                <a:endParaRPr lang="en-US"/>
+              </a:p>
+            </p:txBody>
+          </p:sp>
+          <p:sp>
+            <p:nvSpPr>
+              <p:cNvPr id="34" name="Freeform 33">
+                <a:extLst>
+                  <a:ext uri="{FF2B5EF4-FFF2-40B4-BE49-F238E27FC236}">
+                    <a16:creationId xmlns:a16="http://schemas.microsoft.com/office/drawing/2014/main" id="{5DB0D634-62A1-B947-85BE-262AD1692F5F}"/>
+                  </a:ext>
+                </a:extLst>
+              </p:cNvPr>
+              <p:cNvSpPr/>
+              <p:nvPr/>
+            </p:nvSpPr>
+            <p:spPr>
+              <a:xfrm>
+                <a:off x="5572461" y="1237129"/>
+                <a:ext cx="2130014" cy="2173045"/>
+              </a:xfrm>
+              <a:custGeom>
+                <a:avLst/>
+                <a:gdLst>
+                  <a:gd name="connsiteX0" fmla="*/ 0 w 2130014"/>
+                  <a:gd name="connsiteY0" fmla="*/ 0 h 2173045"/>
+                  <a:gd name="connsiteX1" fmla="*/ 182880 w 2130014"/>
+                  <a:gd name="connsiteY1" fmla="*/ 333487 h 2173045"/>
+                  <a:gd name="connsiteX2" fmla="*/ 268941 w 2130014"/>
+                  <a:gd name="connsiteY2" fmla="*/ 946673 h 2173045"/>
+                  <a:gd name="connsiteX3" fmla="*/ 247426 w 2130014"/>
+                  <a:gd name="connsiteY3" fmla="*/ 1645920 h 2173045"/>
+                  <a:gd name="connsiteX4" fmla="*/ 215153 w 2130014"/>
+                  <a:gd name="connsiteY4" fmla="*/ 2119257 h 2173045"/>
+                  <a:gd name="connsiteX5" fmla="*/ 236668 w 2130014"/>
+                  <a:gd name="connsiteY5" fmla="*/ 2173045 h 2173045"/>
+                  <a:gd name="connsiteX6" fmla="*/ 484094 w 2130014"/>
+                  <a:gd name="connsiteY6" fmla="*/ 1947135 h 2173045"/>
+                  <a:gd name="connsiteX7" fmla="*/ 1054250 w 2130014"/>
+                  <a:gd name="connsiteY7" fmla="*/ 1258645 h 2173045"/>
+                  <a:gd name="connsiteX8" fmla="*/ 1527586 w 2130014"/>
+                  <a:gd name="connsiteY8" fmla="*/ 677732 h 2173045"/>
+                  <a:gd name="connsiteX9" fmla="*/ 1850315 w 2130014"/>
+                  <a:gd name="connsiteY9" fmla="*/ 333487 h 2173045"/>
+                  <a:gd name="connsiteX10" fmla="*/ 2130014 w 2130014"/>
+                  <a:gd name="connsiteY10" fmla="*/ 32273 h 2173045"/>
+                  <a:gd name="connsiteX11" fmla="*/ 0 w 2130014"/>
+                  <a:gd name="connsiteY11" fmla="*/ 0 h 2173045"/>
+                </a:gdLst>
+                <a:ahLst/>
+                <a:cxnLst>
+                  <a:cxn ang="0">
+                    <a:pos x="connsiteX0" y="connsiteY0"/>
+                  </a:cxn>
+                  <a:cxn ang="0">
+                    <a:pos x="connsiteX1" y="connsiteY1"/>
+                  </a:cxn>
+                  <a:cxn ang="0">
+                    <a:pos x="connsiteX2" y="connsiteY2"/>
+                  </a:cxn>
+                  <a:cxn ang="0">
+                    <a:pos x="connsiteX3" y="connsiteY3"/>
+                  </a:cxn>
+                  <a:cxn ang="0">
+                    <a:pos x="connsiteX4" y="connsiteY4"/>
+                  </a:cxn>
+                  <a:cxn ang="0">
+                    <a:pos x="connsiteX5" y="connsiteY5"/>
+                  </a:cxn>
+                  <a:cxn ang="0">
+                    <a:pos x="connsiteX6" y="connsiteY6"/>
+                  </a:cxn>
+                  <a:cxn ang="0">
+                    <a:pos x="connsiteX7" y="connsiteY7"/>
+                  </a:cxn>
+                  <a:cxn ang="0">
+                    <a:pos x="connsiteX8" y="connsiteY8"/>
+                  </a:cxn>
+                  <a:cxn ang="0">
+                    <a:pos x="connsiteX9" y="connsiteY9"/>
+                  </a:cxn>
+                  <a:cxn ang="0">
+                    <a:pos x="connsiteX10" y="connsiteY10"/>
+                  </a:cxn>
+                  <a:cxn ang="0">
+                    <a:pos x="connsiteX11" y="connsiteY11"/>
+                  </a:cxn>
+                </a:cxnLst>
+                <a:rect l="l" t="t" r="r" b="b"/>
+                <a:pathLst>
+                  <a:path w="2130014" h="2173045">
+                    <a:moveTo>
+                      <a:pt x="0" y="0"/>
+                    </a:moveTo>
+                    <a:lnTo>
+                      <a:pt x="182880" y="333487"/>
+                    </a:lnTo>
+                    <a:lnTo>
+                      <a:pt x="268941" y="946673"/>
+                    </a:lnTo>
+                    <a:lnTo>
+                      <a:pt x="247426" y="1645920"/>
+                    </a:lnTo>
+                    <a:lnTo>
+                      <a:pt x="215153" y="2119257"/>
+                    </a:lnTo>
+                    <a:lnTo>
+                      <a:pt x="236668" y="2173045"/>
+                    </a:lnTo>
+                    <a:lnTo>
+                      <a:pt x="484094" y="1947135"/>
+                    </a:lnTo>
+                    <a:lnTo>
+                      <a:pt x="1054250" y="1258645"/>
+                    </a:lnTo>
+                    <a:lnTo>
+                      <a:pt x="1527586" y="677732"/>
+                    </a:lnTo>
+                    <a:lnTo>
+                      <a:pt x="1850315" y="333487"/>
+                    </a:lnTo>
+                    <a:lnTo>
+                      <a:pt x="2130014" y="32273"/>
+                    </a:lnTo>
+                    <a:lnTo>
+                      <a:pt x="0" y="0"/>
+                    </a:lnTo>
+                    <a:close/>
+                  </a:path>
+                </a:pathLst>
+              </a:custGeom>
+              <a:pattFill prst="lgGrid">
+                <a:fgClr>
+                  <a:schemeClr val="tx1"/>
+                </a:fgClr>
+                <a:bgClr>
+                  <a:schemeClr val="bg1"/>
+                </a:bgClr>
+              </a:pattFill>
+              <a:ln>
+                <a:noFill/>
+              </a:ln>
+            </p:spPr>
+            <p:style>
+              <a:lnRef idx="2">
+                <a:schemeClr val="accent1">
+                  <a:shade val="50000"/>
+                </a:schemeClr>
+              </a:lnRef>
+              <a:fillRef idx="1">
+                <a:schemeClr val="accent1"/>
+              </a:fillRef>
+              <a:effectRef idx="0">
+                <a:schemeClr val="accent1"/>
+              </a:effectRef>
+              <a:fontRef idx="minor">
+                <a:schemeClr val="lt1"/>
+              </a:fontRef>
+            </p:style>
+            <p:txBody>
+              <a:bodyPr rtlCol="0" anchor="ctr"/>
+              <a:lstStyle/>
+              <a:p>
+                <a:pPr algn="ctr"/>
+                <a:endParaRPr lang="en-US"/>
+              </a:p>
+            </p:txBody>
+          </p:sp>
+          <p:sp>
+            <p:nvSpPr>
+              <p:cNvPr id="35" name="Freeform 34">
+                <a:extLst>
+                  <a:ext uri="{FF2B5EF4-FFF2-40B4-BE49-F238E27FC236}">
+                    <a16:creationId xmlns:a16="http://schemas.microsoft.com/office/drawing/2014/main" id="{BCBDF51F-A232-3A43-A508-B33CEB8E8FFC}"/>
+                  </a:ext>
+                </a:extLst>
+              </p:cNvPr>
+              <p:cNvSpPr/>
+              <p:nvPr/>
+            </p:nvSpPr>
+            <p:spPr>
+              <a:xfrm>
+                <a:off x="505609" y="3453205"/>
+                <a:ext cx="2753958" cy="2592593"/>
+              </a:xfrm>
+              <a:custGeom>
+                <a:avLst/>
+                <a:gdLst>
+                  <a:gd name="connsiteX0" fmla="*/ 0 w 2753958"/>
+                  <a:gd name="connsiteY0" fmla="*/ 1420009 h 2592593"/>
+                  <a:gd name="connsiteX1" fmla="*/ 301215 w 2753958"/>
+                  <a:gd name="connsiteY1" fmla="*/ 1140310 h 2592593"/>
+                  <a:gd name="connsiteX2" fmla="*/ 882127 w 2753958"/>
+                  <a:gd name="connsiteY2" fmla="*/ 720762 h 2592593"/>
+                  <a:gd name="connsiteX3" fmla="*/ 1527586 w 2753958"/>
+                  <a:gd name="connsiteY3" fmla="*/ 322729 h 2592593"/>
+                  <a:gd name="connsiteX4" fmla="*/ 2162287 w 2753958"/>
+                  <a:gd name="connsiteY4" fmla="*/ 64546 h 2592593"/>
+                  <a:gd name="connsiteX5" fmla="*/ 2420471 w 2753958"/>
+                  <a:gd name="connsiteY5" fmla="*/ 0 h 2592593"/>
+                  <a:gd name="connsiteX6" fmla="*/ 2581836 w 2753958"/>
+                  <a:gd name="connsiteY6" fmla="*/ 193637 h 2592593"/>
+                  <a:gd name="connsiteX7" fmla="*/ 2667897 w 2753958"/>
+                  <a:gd name="connsiteY7" fmla="*/ 516367 h 2592593"/>
+                  <a:gd name="connsiteX8" fmla="*/ 2710927 w 2753958"/>
+                  <a:gd name="connsiteY8" fmla="*/ 871369 h 2592593"/>
+                  <a:gd name="connsiteX9" fmla="*/ 2700170 w 2753958"/>
+                  <a:gd name="connsiteY9" fmla="*/ 1613647 h 2592593"/>
+                  <a:gd name="connsiteX10" fmla="*/ 2667897 w 2753958"/>
+                  <a:gd name="connsiteY10" fmla="*/ 2086983 h 2592593"/>
+                  <a:gd name="connsiteX11" fmla="*/ 2646382 w 2753958"/>
+                  <a:gd name="connsiteY11" fmla="*/ 2398955 h 2592593"/>
+                  <a:gd name="connsiteX12" fmla="*/ 2753958 w 2753958"/>
+                  <a:gd name="connsiteY12" fmla="*/ 2592593 h 2592593"/>
+                  <a:gd name="connsiteX13" fmla="*/ 1484556 w 2753958"/>
+                  <a:gd name="connsiteY13" fmla="*/ 2560320 h 2592593"/>
+                  <a:gd name="connsiteX14" fmla="*/ 1538344 w 2753958"/>
+                  <a:gd name="connsiteY14" fmla="*/ 2205317 h 2592593"/>
+                  <a:gd name="connsiteX15" fmla="*/ 1624405 w 2753958"/>
+                  <a:gd name="connsiteY15" fmla="*/ 1796527 h 2592593"/>
+                  <a:gd name="connsiteX16" fmla="*/ 1570617 w 2753958"/>
+                  <a:gd name="connsiteY16" fmla="*/ 1581374 h 2592593"/>
+                  <a:gd name="connsiteX17" fmla="*/ 1463040 w 2753958"/>
+                  <a:gd name="connsiteY17" fmla="*/ 1570616 h 2592593"/>
+                  <a:gd name="connsiteX18" fmla="*/ 1172584 w 2753958"/>
+                  <a:gd name="connsiteY18" fmla="*/ 1731981 h 2592593"/>
+                  <a:gd name="connsiteX19" fmla="*/ 699247 w 2753958"/>
+                  <a:gd name="connsiteY19" fmla="*/ 2043953 h 2592593"/>
+                  <a:gd name="connsiteX20" fmla="*/ 473337 w 2753958"/>
+                  <a:gd name="connsiteY20" fmla="*/ 2226833 h 2592593"/>
+                  <a:gd name="connsiteX21" fmla="*/ 182880 w 2753958"/>
+                  <a:gd name="connsiteY21" fmla="*/ 2592593 h 2592593"/>
+                  <a:gd name="connsiteX22" fmla="*/ 10758 w 2753958"/>
+                  <a:gd name="connsiteY22" fmla="*/ 2592593 h 2592593"/>
+                  <a:gd name="connsiteX23" fmla="*/ 0 w 2753958"/>
+                  <a:gd name="connsiteY23" fmla="*/ 1420009 h 2592593"/>
+                </a:gdLst>
+                <a:ahLst/>
+                <a:cxnLst>
+                  <a:cxn ang="0">
+                    <a:pos x="connsiteX0" y="connsiteY0"/>
+                  </a:cxn>
+                  <a:cxn ang="0">
+                    <a:pos x="connsiteX1" y="connsiteY1"/>
+                  </a:cxn>
+                  <a:cxn ang="0">
+                    <a:pos x="connsiteX2" y="connsiteY2"/>
+                  </a:cxn>
+                  <a:cxn ang="0">
+                    <a:pos x="connsiteX3" y="connsiteY3"/>
+                  </a:cxn>
+                  <a:cxn ang="0">
+                    <a:pos x="connsiteX4" y="connsiteY4"/>
+                  </a:cxn>
+                  <a:cxn ang="0">
+                    <a:pos x="connsiteX5" y="connsiteY5"/>
+                  </a:cxn>
+                  <a:cxn ang="0">
+                    <a:pos x="connsiteX6" y="connsiteY6"/>
+                  </a:cxn>
+                  <a:cxn ang="0">
+                    <a:pos x="connsiteX7" y="connsiteY7"/>
+                  </a:cxn>
+                  <a:cxn ang="0">
+                    <a:pos x="connsiteX8" y="connsiteY8"/>
+                  </a:cxn>
+                  <a:cxn ang="0">
+                    <a:pos x="connsiteX9" y="connsiteY9"/>
+                  </a:cxn>
+                  <a:cxn ang="0">
+                    <a:pos x="connsiteX10" y="connsiteY10"/>
+                  </a:cxn>
+                  <a:cxn ang="0">
+                    <a:pos x="connsiteX11" y="connsiteY11"/>
+                  </a:cxn>
+                  <a:cxn ang="0">
+                    <a:pos x="connsiteX12" y="connsiteY12"/>
+                  </a:cxn>
+                  <a:cxn ang="0">
+                    <a:pos x="connsiteX13" y="connsiteY13"/>
+                  </a:cxn>
+                  <a:cxn ang="0">
+                    <a:pos x="connsiteX14" y="connsiteY14"/>
+                  </a:cxn>
+                  <a:cxn ang="0">
+                    <a:pos x="connsiteX15" y="connsiteY15"/>
+                  </a:cxn>
+                  <a:cxn ang="0">
+                    <a:pos x="connsiteX16" y="connsiteY16"/>
+                  </a:cxn>
+                  <a:cxn ang="0">
+                    <a:pos x="connsiteX17" y="connsiteY17"/>
+                  </a:cxn>
+                  <a:cxn ang="0">
+                    <a:pos x="connsiteX18" y="connsiteY18"/>
+                  </a:cxn>
+                  <a:cxn ang="0">
+                    <a:pos x="connsiteX19" y="connsiteY19"/>
+                  </a:cxn>
+                  <a:cxn ang="0">
+                    <a:pos x="connsiteX20" y="connsiteY20"/>
+                  </a:cxn>
+                  <a:cxn ang="0">
+                    <a:pos x="connsiteX21" y="connsiteY21"/>
+                  </a:cxn>
+                  <a:cxn ang="0">
+                    <a:pos x="connsiteX22" y="connsiteY22"/>
+                  </a:cxn>
+                  <a:cxn ang="0">
+                    <a:pos x="connsiteX23" y="connsiteY23"/>
+                  </a:cxn>
+                </a:cxnLst>
+                <a:rect l="l" t="t" r="r" b="b"/>
+                <a:pathLst>
+                  <a:path w="2753958" h="2592593">
+                    <a:moveTo>
+                      <a:pt x="0" y="1420009"/>
+                    </a:moveTo>
+                    <a:lnTo>
+                      <a:pt x="301215" y="1140310"/>
+                    </a:lnTo>
+                    <a:lnTo>
+                      <a:pt x="882127" y="720762"/>
+                    </a:lnTo>
+                    <a:lnTo>
+                      <a:pt x="1527586" y="322729"/>
+                    </a:lnTo>
+                    <a:lnTo>
+                      <a:pt x="2162287" y="64546"/>
+                    </a:lnTo>
+                    <a:lnTo>
+                      <a:pt x="2420471" y="0"/>
+                    </a:lnTo>
+                    <a:lnTo>
+                      <a:pt x="2581836" y="193637"/>
+                    </a:lnTo>
+                    <a:lnTo>
+                      <a:pt x="2667897" y="516367"/>
+                    </a:lnTo>
+                    <a:lnTo>
+                      <a:pt x="2710927" y="871369"/>
+                    </a:lnTo>
+                    <a:lnTo>
+                      <a:pt x="2700170" y="1613647"/>
+                    </a:lnTo>
+                    <a:lnTo>
+                      <a:pt x="2667897" y="2086983"/>
+                    </a:lnTo>
+                    <a:lnTo>
+                      <a:pt x="2646382" y="2398955"/>
+                    </a:lnTo>
+                    <a:lnTo>
+                      <a:pt x="2753958" y="2592593"/>
+                    </a:lnTo>
+                    <a:lnTo>
+                      <a:pt x="1484556" y="2560320"/>
+                    </a:lnTo>
+                    <a:lnTo>
+                      <a:pt x="1538344" y="2205317"/>
+                    </a:lnTo>
+                    <a:lnTo>
+                      <a:pt x="1624405" y="1796527"/>
+                    </a:lnTo>
+                    <a:lnTo>
+                      <a:pt x="1570617" y="1581374"/>
+                    </a:lnTo>
+                    <a:lnTo>
+                      <a:pt x="1463040" y="1570616"/>
+                    </a:lnTo>
+                    <a:lnTo>
+                      <a:pt x="1172584" y="1731981"/>
+                    </a:lnTo>
+                    <a:lnTo>
+                      <a:pt x="699247" y="2043953"/>
+                    </a:lnTo>
+                    <a:lnTo>
+                      <a:pt x="473337" y="2226833"/>
+                    </a:lnTo>
+                    <a:lnTo>
+                      <a:pt x="182880" y="2592593"/>
+                    </a:lnTo>
+                    <a:lnTo>
+                      <a:pt x="10758" y="2592593"/>
+                    </a:lnTo>
+                    <a:lnTo>
+                      <a:pt x="0" y="1420009"/>
+                    </a:lnTo>
+                    <a:close/>
+                  </a:path>
+                </a:pathLst>
+              </a:custGeom>
+              <a:pattFill prst="ltVert">
+                <a:fgClr>
+                  <a:schemeClr val="tx1"/>
+                </a:fgClr>
+                <a:bgClr>
+                  <a:schemeClr val="bg1"/>
+                </a:bgClr>
+              </a:pattFill>
+              <a:ln>
+                <a:noFill/>
+              </a:ln>
+            </p:spPr>
+            <p:style>
+              <a:lnRef idx="2">
+                <a:schemeClr val="accent1">
+                  <a:shade val="50000"/>
+                </a:schemeClr>
+              </a:lnRef>
+              <a:fillRef idx="1">
+                <a:schemeClr val="accent1"/>
+              </a:fillRef>
+              <a:effectRef idx="0">
+                <a:schemeClr val="accent1"/>
+              </a:effectRef>
+              <a:fontRef idx="minor">
+                <a:schemeClr val="lt1"/>
+              </a:fontRef>
+            </p:style>
+            <p:txBody>
+              <a:bodyPr rtlCol="0" anchor="ctr"/>
+              <a:lstStyle/>
+              <a:p>
+                <a:pPr algn="ctr"/>
+                <a:endParaRPr lang="en-US"/>
+              </a:p>
+            </p:txBody>
+          </p:sp>
+          <p:sp>
+            <p:nvSpPr>
+              <p:cNvPr id="36" name="Freeform 35">
+                <a:extLst>
+                  <a:ext uri="{FF2B5EF4-FFF2-40B4-BE49-F238E27FC236}">
+                    <a16:creationId xmlns:a16="http://schemas.microsoft.com/office/drawing/2014/main" id="{0E933F0B-BB5E-B148-AE44-D67C005C613E}"/>
+                  </a:ext>
+                </a:extLst>
+              </p:cNvPr>
+              <p:cNvSpPr/>
+              <p:nvPr/>
+            </p:nvSpPr>
+            <p:spPr>
+              <a:xfrm>
+                <a:off x="710005" y="5045336"/>
+                <a:ext cx="1376979" cy="1000462"/>
+              </a:xfrm>
+              <a:custGeom>
+                <a:avLst/>
+                <a:gdLst>
+                  <a:gd name="connsiteX0" fmla="*/ 0 w 1376979"/>
+                  <a:gd name="connsiteY0" fmla="*/ 1000462 h 1000462"/>
+                  <a:gd name="connsiteX1" fmla="*/ 225910 w 1376979"/>
+                  <a:gd name="connsiteY1" fmla="*/ 699248 h 1000462"/>
+                  <a:gd name="connsiteX2" fmla="*/ 602428 w 1376979"/>
+                  <a:gd name="connsiteY2" fmla="*/ 387276 h 1000462"/>
+                  <a:gd name="connsiteX3" fmla="*/ 1032734 w 1376979"/>
+                  <a:gd name="connsiteY3" fmla="*/ 107577 h 1000462"/>
+                  <a:gd name="connsiteX4" fmla="*/ 1280160 w 1376979"/>
+                  <a:gd name="connsiteY4" fmla="*/ 0 h 1000462"/>
+                  <a:gd name="connsiteX5" fmla="*/ 1376979 w 1376979"/>
+                  <a:gd name="connsiteY5" fmla="*/ 64546 h 1000462"/>
+                  <a:gd name="connsiteX6" fmla="*/ 1376979 w 1376979"/>
+                  <a:gd name="connsiteY6" fmla="*/ 333488 h 1000462"/>
+                  <a:gd name="connsiteX7" fmla="*/ 1323190 w 1376979"/>
+                  <a:gd name="connsiteY7" fmla="*/ 710005 h 1000462"/>
+                  <a:gd name="connsiteX8" fmla="*/ 1247887 w 1376979"/>
+                  <a:gd name="connsiteY8" fmla="*/ 1000462 h 1000462"/>
+                  <a:gd name="connsiteX9" fmla="*/ 0 w 1376979"/>
+                  <a:gd name="connsiteY9" fmla="*/ 1000462 h 1000462"/>
+                </a:gdLst>
+                <a:ahLst/>
+                <a:cxnLst>
+                  <a:cxn ang="0">
+                    <a:pos x="connsiteX0" y="connsiteY0"/>
+                  </a:cxn>
+                  <a:cxn ang="0">
+                    <a:pos x="connsiteX1" y="connsiteY1"/>
+                  </a:cxn>
+                  <a:cxn ang="0">
+                    <a:pos x="connsiteX2" y="connsiteY2"/>
+                  </a:cxn>
+                  <a:cxn ang="0">
+                    <a:pos x="connsiteX3" y="connsiteY3"/>
+                  </a:cxn>
+                  <a:cxn ang="0">
+                    <a:pos x="connsiteX4" y="connsiteY4"/>
+                  </a:cxn>
+                  <a:cxn ang="0">
+                    <a:pos x="connsiteX5" y="connsiteY5"/>
+                  </a:cxn>
+                  <a:cxn ang="0">
+                    <a:pos x="connsiteX6" y="connsiteY6"/>
+                  </a:cxn>
+                  <a:cxn ang="0">
+                    <a:pos x="connsiteX7" y="connsiteY7"/>
+                  </a:cxn>
+                  <a:cxn ang="0">
+                    <a:pos x="connsiteX8" y="connsiteY8"/>
+                  </a:cxn>
+                  <a:cxn ang="0">
+                    <a:pos x="connsiteX9" y="connsiteY9"/>
+                  </a:cxn>
+                </a:cxnLst>
+                <a:rect l="l" t="t" r="r" b="b"/>
+                <a:pathLst>
+                  <a:path w="1376979" h="1000462">
+                    <a:moveTo>
+                      <a:pt x="0" y="1000462"/>
+                    </a:moveTo>
+                    <a:lnTo>
+                      <a:pt x="225910" y="699248"/>
+                    </a:lnTo>
+                    <a:lnTo>
+                      <a:pt x="602428" y="387276"/>
+                    </a:lnTo>
+                    <a:lnTo>
+                      <a:pt x="1032734" y="107577"/>
+                    </a:lnTo>
+                    <a:lnTo>
+                      <a:pt x="1280160" y="0"/>
+                    </a:lnTo>
+                    <a:lnTo>
+                      <a:pt x="1376979" y="64546"/>
+                    </a:lnTo>
+                    <a:lnTo>
+                      <a:pt x="1376979" y="333488"/>
+                    </a:lnTo>
+                    <a:lnTo>
+                      <a:pt x="1323190" y="710005"/>
+                    </a:lnTo>
+                    <a:lnTo>
+                      <a:pt x="1247887" y="1000462"/>
+                    </a:lnTo>
+                    <a:lnTo>
+                      <a:pt x="0" y="1000462"/>
+                    </a:lnTo>
+                    <a:close/>
+                  </a:path>
+                </a:pathLst>
+              </a:custGeom>
+              <a:pattFill prst="solidDmnd">
+                <a:fgClr>
+                  <a:schemeClr val="tx1"/>
+                </a:fgClr>
+                <a:bgClr>
+                  <a:schemeClr val="bg1"/>
+                </a:bgClr>
+              </a:pattFill>
+              <a:ln>
+                <a:noFill/>
+              </a:ln>
+            </p:spPr>
+            <p:style>
+              <a:lnRef idx="2">
+                <a:schemeClr val="accent1">
+                  <a:shade val="50000"/>
+                </a:schemeClr>
+              </a:lnRef>
+              <a:fillRef idx="1">
+                <a:schemeClr val="accent1"/>
+              </a:fillRef>
+              <a:effectRef idx="0">
+                <a:schemeClr val="accent1"/>
+              </a:effectRef>
+              <a:fontRef idx="minor">
+                <a:schemeClr val="lt1"/>
+              </a:fontRef>
+            </p:style>
+            <p:txBody>
+              <a:bodyPr rtlCol="0" anchor="ctr"/>
+              <a:lstStyle/>
+              <a:p>
+                <a:pPr algn="ctr"/>
+                <a:endParaRPr lang="en-US"/>
+              </a:p>
+            </p:txBody>
+          </p:sp>
+          <p:sp>
+            <p:nvSpPr>
+              <p:cNvPr id="37" name="Freeform 36">
+                <a:extLst>
+                  <a:ext uri="{FF2B5EF4-FFF2-40B4-BE49-F238E27FC236}">
+                    <a16:creationId xmlns:a16="http://schemas.microsoft.com/office/drawing/2014/main" id="{7C240F50-66DA-E94A-942A-648781A1A7E2}"/>
+                  </a:ext>
+                </a:extLst>
+              </p:cNvPr>
+              <p:cNvSpPr/>
+              <p:nvPr/>
+            </p:nvSpPr>
+            <p:spPr>
+              <a:xfrm>
+                <a:off x="8240358" y="5787614"/>
+                <a:ext cx="290456" cy="268941"/>
+              </a:xfrm>
+              <a:custGeom>
+                <a:avLst/>
+                <a:gdLst>
+                  <a:gd name="connsiteX0" fmla="*/ 0 w 290456"/>
+                  <a:gd name="connsiteY0" fmla="*/ 258184 h 268941"/>
+                  <a:gd name="connsiteX1" fmla="*/ 290456 w 290456"/>
+                  <a:gd name="connsiteY1" fmla="*/ 0 h 268941"/>
+                  <a:gd name="connsiteX2" fmla="*/ 290456 w 290456"/>
+                  <a:gd name="connsiteY2" fmla="*/ 268941 h 268941"/>
+                  <a:gd name="connsiteX3" fmla="*/ 0 w 290456"/>
+                  <a:gd name="connsiteY3" fmla="*/ 258184 h 268941"/>
+                </a:gdLst>
+                <a:ahLst/>
+                <a:cxnLst>
+                  <a:cxn ang="0">
+                    <a:pos x="connsiteX0" y="connsiteY0"/>
+                  </a:cxn>
+                  <a:cxn ang="0">
+                    <a:pos x="connsiteX1" y="connsiteY1"/>
+                  </a:cxn>
+                  <a:cxn ang="0">
+                    <a:pos x="connsiteX2" y="connsiteY2"/>
+                  </a:cxn>
+                  <a:cxn ang="0">
+                    <a:pos x="connsiteX3" y="connsiteY3"/>
+                  </a:cxn>
+                </a:cxnLst>
+                <a:rect l="l" t="t" r="r" b="b"/>
+                <a:pathLst>
+                  <a:path w="290456" h="268941">
+                    <a:moveTo>
+                      <a:pt x="0" y="258184"/>
+                    </a:moveTo>
+                    <a:lnTo>
+                      <a:pt x="290456" y="0"/>
+                    </a:lnTo>
+                    <a:lnTo>
+                      <a:pt x="290456" y="268941"/>
+                    </a:lnTo>
+                    <a:lnTo>
+                      <a:pt x="0" y="258184"/>
+                    </a:lnTo>
+                    <a:close/>
+                  </a:path>
+                </a:pathLst>
+              </a:custGeom>
+              <a:pattFill prst="solidDmnd">
+                <a:fgClr>
+                  <a:schemeClr val="tx1"/>
+                </a:fgClr>
+                <a:bgClr>
+                  <a:schemeClr val="bg1"/>
+                </a:bgClr>
+              </a:pattFill>
+              <a:ln>
+                <a:noFill/>
+              </a:ln>
+            </p:spPr>
+            <p:style>
+              <a:lnRef idx="2">
+                <a:schemeClr val="accent1">
+                  <a:shade val="50000"/>
+                </a:schemeClr>
+              </a:lnRef>
+              <a:fillRef idx="1">
+                <a:schemeClr val="accent1"/>
+              </a:fillRef>
+              <a:effectRef idx="0">
+                <a:schemeClr val="accent1"/>
+              </a:effectRef>
+              <a:fontRef idx="minor">
+                <a:schemeClr val="lt1"/>
+              </a:fontRef>
+            </p:style>
+            <p:txBody>
+              <a:bodyPr rtlCol="0" anchor="ctr"/>
+              <a:lstStyle/>
+              <a:p>
+                <a:pPr algn="ctr"/>
+                <a:endParaRPr lang="en-US"/>
+              </a:p>
+            </p:txBody>
+          </p:sp>
+        </p:grpSp>
+        <p:sp>
+          <p:nvSpPr>
+            <p:cNvPr id="27" name="Freeform 26">
+              <a:extLst>
+                <a:ext uri="{FF2B5EF4-FFF2-40B4-BE49-F238E27FC236}">
+                  <a16:creationId xmlns:a16="http://schemas.microsoft.com/office/drawing/2014/main" id="{BBF9DCD3-B1E0-004C-823F-59706D36986F}"/>
+                </a:ext>
+              </a:extLst>
+            </p:cNvPr>
+            <p:cNvSpPr/>
+            <p:nvPr/>
+          </p:nvSpPr>
+          <p:spPr>
+            <a:xfrm>
+              <a:off x="4797911" y="1301675"/>
+              <a:ext cx="129095" cy="699247"/>
+            </a:xfrm>
+            <a:custGeom>
+              <a:avLst/>
+              <a:gdLst>
+                <a:gd name="connsiteX0" fmla="*/ 0 w 129095"/>
+                <a:gd name="connsiteY0" fmla="*/ 0 h 699247"/>
+                <a:gd name="connsiteX1" fmla="*/ 21515 w 129095"/>
+                <a:gd name="connsiteY1" fmla="*/ 193638 h 699247"/>
+                <a:gd name="connsiteX2" fmla="*/ 43031 w 129095"/>
+                <a:gd name="connsiteY2" fmla="*/ 225911 h 699247"/>
+                <a:gd name="connsiteX3" fmla="*/ 64546 w 129095"/>
+                <a:gd name="connsiteY3" fmla="*/ 290457 h 699247"/>
+                <a:gd name="connsiteX4" fmla="*/ 86061 w 129095"/>
+                <a:gd name="connsiteY4" fmla="*/ 408791 h 699247"/>
+                <a:gd name="connsiteX5" fmla="*/ 96819 w 129095"/>
+                <a:gd name="connsiteY5" fmla="*/ 441064 h 699247"/>
+                <a:gd name="connsiteX6" fmla="*/ 118334 w 129095"/>
+                <a:gd name="connsiteY6" fmla="*/ 527125 h 699247"/>
+                <a:gd name="connsiteX7" fmla="*/ 129092 w 129095"/>
+                <a:gd name="connsiteY7" fmla="*/ 699247 h 699247"/>
+              </a:gdLst>
+              <a:ahLst/>
+              <a:cxnLst>
+                <a:cxn ang="0">
+                  <a:pos x="connsiteX0" y="connsiteY0"/>
+                </a:cxn>
+                <a:cxn ang="0">
+                  <a:pos x="connsiteX1" y="connsiteY1"/>
+                </a:cxn>
+                <a:cxn ang="0">
+                  <a:pos x="connsiteX2" y="connsiteY2"/>
+                </a:cxn>
+                <a:cxn ang="0">
+                  <a:pos x="connsiteX3" y="connsiteY3"/>
+                </a:cxn>
+                <a:cxn ang="0">
+                  <a:pos x="connsiteX4" y="connsiteY4"/>
+                </a:cxn>
+                <a:cxn ang="0">
+                  <a:pos x="connsiteX5" y="connsiteY5"/>
+                </a:cxn>
+                <a:cxn ang="0">
+                  <a:pos x="connsiteX6" y="connsiteY6"/>
+                </a:cxn>
+                <a:cxn ang="0">
+                  <a:pos x="connsiteX7" y="connsiteY7"/>
+                </a:cxn>
+              </a:cxnLst>
+              <a:rect l="l" t="t" r="r" b="b"/>
+              <a:pathLst>
+                <a:path w="129095" h="699247">
+                  <a:moveTo>
+                    <a:pt x="0" y="0"/>
+                  </a:moveTo>
+                  <a:cubicBezTo>
+                    <a:pt x="1343" y="20140"/>
+                    <a:pt x="-4149" y="142310"/>
+                    <a:pt x="21515" y="193638"/>
+                  </a:cubicBezTo>
+                  <a:cubicBezTo>
+                    <a:pt x="27297" y="205202"/>
+                    <a:pt x="35859" y="215153"/>
+                    <a:pt x="43031" y="225911"/>
+                  </a:cubicBezTo>
+                  <a:cubicBezTo>
+                    <a:pt x="50203" y="247426"/>
+                    <a:pt x="60818" y="268086"/>
+                    <a:pt x="64546" y="290457"/>
+                  </a:cubicBezTo>
+                  <a:cubicBezTo>
+                    <a:pt x="69343" y="319241"/>
+                    <a:pt x="78541" y="378711"/>
+                    <a:pt x="86061" y="408791"/>
+                  </a:cubicBezTo>
+                  <a:cubicBezTo>
+                    <a:pt x="88811" y="419792"/>
+                    <a:pt x="93835" y="430124"/>
+                    <a:pt x="96819" y="441064"/>
+                  </a:cubicBezTo>
+                  <a:cubicBezTo>
+                    <a:pt x="104599" y="469592"/>
+                    <a:pt x="118334" y="527125"/>
+                    <a:pt x="118334" y="527125"/>
+                  </a:cubicBezTo>
+                  <a:cubicBezTo>
+                    <a:pt x="129603" y="684885"/>
+                    <a:pt x="129092" y="627402"/>
+                    <a:pt x="129092" y="699247"/>
+                  </a:cubicBezTo>
+                </a:path>
+              </a:pathLst>
+            </a:custGeom>
+            <a:noFill/>
+            <a:ln w="76200">
+              <a:solidFill>
+                <a:schemeClr val="tx1"/>
+              </a:solidFill>
+            </a:ln>
+          </p:spPr>
+          <p:style>
+            <a:lnRef idx="2">
+              <a:schemeClr val="accent1">
+                <a:shade val="50000"/>
+              </a:schemeClr>
+            </a:lnRef>
+            <a:fillRef idx="1">
+              <a:schemeClr val="accent1"/>
+            </a:fillRef>
+            <a:effectRef idx="0">
+              <a:schemeClr val="accent1"/>
+            </a:effectRef>
+            <a:fontRef idx="minor">
+              <a:schemeClr val="lt1"/>
+            </a:fontRef>
+          </p:style>
+          <p:txBody>
+            <a:bodyPr rtlCol="0" anchor="ctr"/>
+            <a:lstStyle/>
+            <a:p>
+              <a:pPr algn="ctr"/>
+              <a:endParaRPr lang="en-US"/>
+            </a:p>
+          </p:txBody>
+        </p:sp>
+        <p:sp>
+          <p:nvSpPr>
+            <p:cNvPr id="29" name="Freeform 28">
+              <a:extLst>
+                <a:ext uri="{FF2B5EF4-FFF2-40B4-BE49-F238E27FC236}">
+                  <a16:creationId xmlns:a16="http://schemas.microsoft.com/office/drawing/2014/main" id="{CA9881E8-D6EC-7844-B9BE-5816F2F26E28}"/>
+                </a:ext>
+              </a:extLst>
+            </p:cNvPr>
+            <p:cNvSpPr/>
+            <p:nvPr/>
+          </p:nvSpPr>
+          <p:spPr>
+            <a:xfrm>
+              <a:off x="4216754" y="2936838"/>
+              <a:ext cx="54033" cy="441063"/>
+            </a:xfrm>
+            <a:custGeom>
+              <a:avLst/>
+              <a:gdLst>
+                <a:gd name="connsiteX0" fmla="*/ 54033 w 54033"/>
+                <a:gd name="connsiteY0" fmla="*/ 0 h 441063"/>
+                <a:gd name="connsiteX1" fmla="*/ 11002 w 54033"/>
+                <a:gd name="connsiteY1" fmla="*/ 75303 h 441063"/>
+                <a:gd name="connsiteX2" fmla="*/ 244 w 54033"/>
+                <a:gd name="connsiteY2" fmla="*/ 441063 h 441063"/>
+              </a:gdLst>
+              <a:ahLst/>
+              <a:cxnLst>
+                <a:cxn ang="0">
+                  <a:pos x="connsiteX0" y="connsiteY0"/>
+                </a:cxn>
+                <a:cxn ang="0">
+                  <a:pos x="connsiteX1" y="connsiteY1"/>
+                </a:cxn>
+                <a:cxn ang="0">
+                  <a:pos x="connsiteX2" y="connsiteY2"/>
+                </a:cxn>
+              </a:cxnLst>
+              <a:rect l="l" t="t" r="r" b="b"/>
+              <a:pathLst>
+                <a:path w="54033" h="441063">
+                  <a:moveTo>
+                    <a:pt x="54033" y="0"/>
+                  </a:moveTo>
+                  <a:cubicBezTo>
+                    <a:pt x="39689" y="25101"/>
+                    <a:pt x="16462" y="46913"/>
+                    <a:pt x="11002" y="75303"/>
+                  </a:cubicBezTo>
+                  <a:cubicBezTo>
+                    <a:pt x="-2583" y="145945"/>
+                    <a:pt x="244" y="359269"/>
+                    <a:pt x="244" y="441063"/>
+                  </a:cubicBezTo>
+                </a:path>
+              </a:pathLst>
+            </a:custGeom>
+            <a:noFill/>
+            <a:ln w="60325">
+              <a:solidFill>
+                <a:schemeClr val="tx1"/>
+              </a:solidFill>
+            </a:ln>
+          </p:spPr>
+          <p:style>
+            <a:lnRef idx="2">
+              <a:schemeClr val="accent1">
+                <a:shade val="50000"/>
+              </a:schemeClr>
+            </a:lnRef>
+            <a:fillRef idx="1">
+              <a:schemeClr val="accent1"/>
+            </a:fillRef>
+            <a:effectRef idx="0">
+              <a:schemeClr val="accent1"/>
+            </a:effectRef>
+            <a:fontRef idx="minor">
+              <a:schemeClr val="lt1"/>
+            </a:fontRef>
+          </p:style>
+          <p:txBody>
+            <a:bodyPr rtlCol="0" anchor="ctr"/>
+            <a:lstStyle/>
+            <a:p>
+              <a:pPr algn="ctr"/>
+              <a:endParaRPr lang="en-US"/>
+            </a:p>
+          </p:txBody>
+        </p:sp>
+      </p:grpSp>
+      <p:pic>
+        <p:nvPicPr>
+          <p:cNvPr id="7" name="Picture 6" descr="A close up of a logo&#10;&#10;Description automatically generated">
+            <a:extLst>
+              <a:ext uri="{FF2B5EF4-FFF2-40B4-BE49-F238E27FC236}">
+                <a16:creationId xmlns:a16="http://schemas.microsoft.com/office/drawing/2014/main" id="{A2975152-5F13-5B4E-A2A7-C8005503D8B2}"/>
+              </a:ext>
+            </a:extLst>
+          </p:cNvPr>
+          <p:cNvPicPr>
+            <a:picLocks noChangeAspect="1"/>
+          </p:cNvPicPr>
+          <p:nvPr/>
+        </p:nvPicPr>
+        <p:blipFill rotWithShape="1">
+          <a:blip r:embed="rId2"/>
+          <a:srcRect l="13254" t="12867" r="15943" b="33545"/>
+          <a:stretch/>
+        </p:blipFill>
+        <p:spPr>
+          <a:xfrm>
+            <a:off x="134912" y="1040118"/>
+            <a:ext cx="9013032" cy="5094868"/>
+          </a:xfrm>
+          <a:prstGeom prst="rect">
+            <a:avLst/>
+          </a:prstGeom>
+        </p:spPr>
+      </p:pic>
       <p:cxnSp>
         <p:nvCxnSpPr>
           <p:cNvPr id="45" name="Straight Connector 44">
@@ -5242,35 +11546,6 @@
           </a:p>
         </p:txBody>
       </p:sp>
-      <p:pic>
-        <p:nvPicPr>
-          <p:cNvPr id="7" name="Picture 6" descr="A close up of a logo&#10;&#10;Description automatically generated">
-            <a:extLst>
-              <a:ext uri="{FF2B5EF4-FFF2-40B4-BE49-F238E27FC236}">
-                <a16:creationId xmlns:a16="http://schemas.microsoft.com/office/drawing/2014/main" id="{A2975152-5F13-5B4E-A2A7-C8005503D8B2}"/>
-              </a:ext>
-            </a:extLst>
-          </p:cNvPr>
-          <p:cNvPicPr>
-            <a:picLocks noChangeAspect="1"/>
-          </p:cNvPicPr>
-          <p:nvPr/>
-        </p:nvPicPr>
-        <p:blipFill rotWithShape="1">
-          <a:blip r:embed="rId2"/>
-          <a:srcRect l="13254" t="12867" r="15943" b="33545"/>
-          <a:stretch/>
-        </p:blipFill>
-        <p:spPr>
-          <a:xfrm>
-            <a:off x="134912" y="1040118"/>
-            <a:ext cx="9013032" cy="5094868"/>
-          </a:xfrm>
-          <a:prstGeom prst="rect">
-            <a:avLst/>
-          </a:prstGeom>
-        </p:spPr>
-      </p:pic>
       <p:sp>
         <p:nvSpPr>
           <p:cNvPr id="8" name="Rectangle 7">
@@ -5417,6 +11692,58 @@
           </a:fontRef>
         </p:style>
       </p:cxnSp>
+      <p:sp>
+        <p:nvSpPr>
+          <p:cNvPr id="28" name="Oval 27">
+            <a:extLst>
+              <a:ext uri="{FF2B5EF4-FFF2-40B4-BE49-F238E27FC236}">
+                <a16:creationId xmlns:a16="http://schemas.microsoft.com/office/drawing/2014/main" id="{E7627FDD-0C0D-D249-A116-796BD6A83211}"/>
+              </a:ext>
+            </a:extLst>
+          </p:cNvPr>
+          <p:cNvSpPr/>
+          <p:nvPr/>
+        </p:nvSpPr>
+        <p:spPr>
+          <a:xfrm>
+            <a:off x="3763925" y="1977655"/>
+            <a:ext cx="148856" cy="170121"/>
+          </a:xfrm>
+          <a:prstGeom prst="ellipse">
+            <a:avLst/>
+          </a:prstGeom>
+          <a:solidFill>
+            <a:schemeClr val="bg1"/>
+          </a:solidFill>
+          <a:ln>
+            <a:noFill/>
+          </a:ln>
+        </p:spPr>
+        <p:style>
+          <a:lnRef idx="2">
+            <a:schemeClr val="accent1">
+              <a:shade val="50000"/>
+            </a:schemeClr>
+          </a:lnRef>
+          <a:fillRef idx="1">
+            <a:schemeClr val="accent1"/>
+          </a:fillRef>
+          <a:effectRef idx="0">
+            <a:schemeClr val="accent1"/>
+          </a:effectRef>
+          <a:fontRef idx="minor">
+            <a:schemeClr val="lt1"/>
+          </a:fontRef>
+        </p:style>
+        <p:txBody>
+          <a:bodyPr rtlCol="0" anchor="ctr"/>
+          <a:lstStyle/>
+          <a:p>
+            <a:pPr algn="ctr"/>
+            <a:endParaRPr lang="en-US"/>
+          </a:p>
+        </p:txBody>
+      </p:sp>
       <p:cxnSp>
         <p:nvCxnSpPr>
           <p:cNvPr id="15" name="Straight Connector 14">
@@ -5463,10 +11790,10 @@
       </p:cxnSp>
       <p:sp>
         <p:nvSpPr>
-          <p:cNvPr id="28" name="Oval 27">
+          <p:cNvPr id="23" name="Freeform 22">
             <a:extLst>
               <a:ext uri="{FF2B5EF4-FFF2-40B4-BE49-F238E27FC236}">
-                <a16:creationId xmlns:a16="http://schemas.microsoft.com/office/drawing/2014/main" id="{E7627FDD-0C0D-D249-A116-796BD6A83211}"/>
+                <a16:creationId xmlns:a16="http://schemas.microsoft.com/office/drawing/2014/main" id="{0244A6D4-DFFF-7A40-A864-80FEBFA2327B}"/>
               </a:ext>
             </a:extLst>
           </p:cNvPr>
@@ -5475,17 +11802,55 @@
         </p:nvSpPr>
         <p:spPr>
           <a:xfrm>
-            <a:off x="3763925" y="1977655"/>
-            <a:ext cx="148856" cy="170121"/>
+            <a:off x="4216754" y="2936838"/>
+            <a:ext cx="54033" cy="441063"/>
           </a:xfrm>
-          <a:prstGeom prst="ellipse">
+          <a:custGeom>
             <a:avLst/>
-          </a:prstGeom>
-          <a:solidFill>
-            <a:schemeClr val="bg1"/>
-          </a:solidFill>
-          <a:ln>
-            <a:noFill/>
+            <a:gdLst>
+              <a:gd name="connsiteX0" fmla="*/ 54033 w 54033"/>
+              <a:gd name="connsiteY0" fmla="*/ 0 h 441063"/>
+              <a:gd name="connsiteX1" fmla="*/ 11002 w 54033"/>
+              <a:gd name="connsiteY1" fmla="*/ 75303 h 441063"/>
+              <a:gd name="connsiteX2" fmla="*/ 244 w 54033"/>
+              <a:gd name="connsiteY2" fmla="*/ 441063 h 441063"/>
+            </a:gdLst>
+            <a:ahLst/>
+            <a:cxnLst>
+              <a:cxn ang="0">
+                <a:pos x="connsiteX0" y="connsiteY0"/>
+              </a:cxn>
+              <a:cxn ang="0">
+                <a:pos x="connsiteX1" y="connsiteY1"/>
+              </a:cxn>
+              <a:cxn ang="0">
+                <a:pos x="connsiteX2" y="connsiteY2"/>
+              </a:cxn>
+            </a:cxnLst>
+            <a:rect l="l" t="t" r="r" b="b"/>
+            <a:pathLst>
+              <a:path w="54033" h="441063">
+                <a:moveTo>
+                  <a:pt x="54033" y="0"/>
+                </a:moveTo>
+                <a:cubicBezTo>
+                  <a:pt x="39689" y="25101"/>
+                  <a:pt x="16462" y="46913"/>
+                  <a:pt x="11002" y="75303"/>
+                </a:cubicBezTo>
+                <a:cubicBezTo>
+                  <a:pt x="-2583" y="145945"/>
+                  <a:pt x="244" y="359269"/>
+                  <a:pt x="244" y="441063"/>
+                </a:cubicBezTo>
+              </a:path>
+            </a:pathLst>
+          </a:custGeom>
+          <a:noFill/>
+          <a:ln w="60325">
+            <a:solidFill>
+              <a:schemeClr val="tx1"/>
+            </a:solidFill>
           </a:ln>
         </p:spPr>
         <p:style>
